--- a/doc/dialog_2016/poster.pptx
+++ b/doc/dialog_2016/poster.pptx
@@ -192,7 +192,7 @@
           <a:p>
             <a:fld id="{A4ED230E-466E-459E-8A09-BDC78CBCA0E4}" type="datetimeFigureOut">
               <a:rPr lang="ru-RU" smtClean="0"/>
-              <a:t>03.06.2016</a:t>
+              <a:t>04.06.2016</a:t>
             </a:fld>
             <a:endParaRPr lang="ru-RU"/>
           </a:p>
@@ -725,7 +725,7 @@
           <a:p>
             <a:fld id="{C2813565-1B39-4254-A910-A655F3CA4B45}" type="datetimeFigureOut">
               <a:rPr lang="ru-RU" smtClean="0"/>
-              <a:t>03.06.2016</a:t>
+              <a:t>04.06.2016</a:t>
             </a:fld>
             <a:endParaRPr lang="ru-RU"/>
           </a:p>
@@ -895,7 +895,7 @@
           <a:p>
             <a:fld id="{C2813565-1B39-4254-A910-A655F3CA4B45}" type="datetimeFigureOut">
               <a:rPr lang="ru-RU" smtClean="0"/>
-              <a:t>03.06.2016</a:t>
+              <a:t>04.06.2016</a:t>
             </a:fld>
             <a:endParaRPr lang="ru-RU"/>
           </a:p>
@@ -1075,7 +1075,7 @@
           <a:p>
             <a:fld id="{C2813565-1B39-4254-A910-A655F3CA4B45}" type="datetimeFigureOut">
               <a:rPr lang="ru-RU" smtClean="0"/>
-              <a:t>03.06.2016</a:t>
+              <a:t>04.06.2016</a:t>
             </a:fld>
             <a:endParaRPr lang="ru-RU"/>
           </a:p>
@@ -1245,7 +1245,7 @@
           <a:p>
             <a:fld id="{C2813565-1B39-4254-A910-A655F3CA4B45}" type="datetimeFigureOut">
               <a:rPr lang="ru-RU" smtClean="0"/>
-              <a:t>03.06.2016</a:t>
+              <a:t>04.06.2016</a:t>
             </a:fld>
             <a:endParaRPr lang="ru-RU"/>
           </a:p>
@@ -1491,7 +1491,7 @@
           <a:p>
             <a:fld id="{C2813565-1B39-4254-A910-A655F3CA4B45}" type="datetimeFigureOut">
               <a:rPr lang="ru-RU" smtClean="0"/>
-              <a:t>03.06.2016</a:t>
+              <a:t>04.06.2016</a:t>
             </a:fld>
             <a:endParaRPr lang="ru-RU"/>
           </a:p>
@@ -1779,7 +1779,7 @@
           <a:p>
             <a:fld id="{C2813565-1B39-4254-A910-A655F3CA4B45}" type="datetimeFigureOut">
               <a:rPr lang="ru-RU" smtClean="0"/>
-              <a:t>03.06.2016</a:t>
+              <a:t>04.06.2016</a:t>
             </a:fld>
             <a:endParaRPr lang="ru-RU"/>
           </a:p>
@@ -2206,7 +2206,7 @@
           <a:p>
             <a:fld id="{C2813565-1B39-4254-A910-A655F3CA4B45}" type="datetimeFigureOut">
               <a:rPr lang="ru-RU" smtClean="0"/>
-              <a:t>03.06.2016</a:t>
+              <a:t>04.06.2016</a:t>
             </a:fld>
             <a:endParaRPr lang="ru-RU"/>
           </a:p>
@@ -2324,7 +2324,7 @@
           <a:p>
             <a:fld id="{C2813565-1B39-4254-A910-A655F3CA4B45}" type="datetimeFigureOut">
               <a:rPr lang="ru-RU" smtClean="0"/>
-              <a:t>03.06.2016</a:t>
+              <a:t>04.06.2016</a:t>
             </a:fld>
             <a:endParaRPr lang="ru-RU"/>
           </a:p>
@@ -2419,7 +2419,7 @@
           <a:p>
             <a:fld id="{C2813565-1B39-4254-A910-A655F3CA4B45}" type="datetimeFigureOut">
               <a:rPr lang="ru-RU" smtClean="0"/>
-              <a:t>03.06.2016</a:t>
+              <a:t>04.06.2016</a:t>
             </a:fld>
             <a:endParaRPr lang="ru-RU"/>
           </a:p>
@@ -2696,7 +2696,7 @@
           <a:p>
             <a:fld id="{C2813565-1B39-4254-A910-A655F3CA4B45}" type="datetimeFigureOut">
               <a:rPr lang="ru-RU" smtClean="0"/>
-              <a:t>03.06.2016</a:t>
+              <a:t>04.06.2016</a:t>
             </a:fld>
             <a:endParaRPr lang="ru-RU"/>
           </a:p>
@@ -2949,7 +2949,7 @@
           <a:p>
             <a:fld id="{C2813565-1B39-4254-A910-A655F3CA4B45}" type="datetimeFigureOut">
               <a:rPr lang="ru-RU" smtClean="0"/>
-              <a:t>03.06.2016</a:t>
+              <a:t>04.06.2016</a:t>
             </a:fld>
             <a:endParaRPr lang="ru-RU"/>
           </a:p>
@@ -3162,7 +3162,7 @@
           <a:p>
             <a:fld id="{C2813565-1B39-4254-A910-A655F3CA4B45}" type="datetimeFigureOut">
               <a:rPr lang="ru-RU" smtClean="0"/>
-              <a:t>03.06.2016</a:t>
+              <a:t>04.06.2016</a:t>
             </a:fld>
             <a:endParaRPr lang="ru-RU"/>
           </a:p>
@@ -3523,6 +3523,12 @@
 <file path=ppt/slides/slide1.xml><?xml version="1.0" encoding="utf-8"?>
 <p:sld xmlns:a="http://schemas.openxmlformats.org/drawingml/2006/main" xmlns:r="http://schemas.openxmlformats.org/officeDocument/2006/relationships" xmlns:p="http://schemas.openxmlformats.org/presentationml/2006/main">
   <p:cSld>
+    <p:bg>
+      <p:bgPr>
+        <a:noFill/>
+        <a:effectLst/>
+      </p:bgPr>
+    </p:bg>
     <p:spTree>
       <p:nvGrpSpPr>
         <p:cNvPr id="1" name=""/>
@@ -3539,6 +3545,129 @@
       </p:grpSpPr>
       <p:sp>
         <p:nvSpPr>
+          <p:cNvPr id="2" name="Прямоугольник 1"/>
+          <p:cNvSpPr/>
+          <p:nvPr/>
+        </p:nvSpPr>
+        <p:spPr>
+          <a:xfrm>
+            <a:off x="0" y="29001514"/>
+            <a:ext cx="21278850" cy="1278461"/>
+          </a:xfrm>
+          <a:prstGeom prst="rect">
+            <a:avLst/>
+          </a:prstGeom>
+          <a:gradFill flip="none" rotWithShape="1">
+            <a:gsLst>
+              <a:gs pos="29000">
+                <a:schemeClr val="bg1">
+                  <a:lumMod val="20000"/>
+                  <a:lumOff val="80000"/>
+                </a:schemeClr>
+              </a:gs>
+              <a:gs pos="53000">
+                <a:schemeClr val="accent3">
+                  <a:lumMod val="40000"/>
+                  <a:lumOff val="60000"/>
+                </a:schemeClr>
+              </a:gs>
+              <a:gs pos="68000">
+                <a:schemeClr val="bg1"/>
+              </a:gs>
+            </a:gsLst>
+            <a:path path="circle">
+              <a:fillToRect l="100000" t="100000"/>
+            </a:path>
+            <a:tileRect r="-100000" b="-100000"/>
+          </a:gradFill>
+          <a:ln>
+            <a:solidFill>
+              <a:schemeClr val="bg1"/>
+            </a:solidFill>
+          </a:ln>
+        </p:spPr>
+        <p:style>
+          <a:lnRef idx="2">
+            <a:schemeClr val="accent1">
+              <a:shade val="50000"/>
+            </a:schemeClr>
+          </a:lnRef>
+          <a:fillRef idx="1">
+            <a:schemeClr val="accent1"/>
+          </a:fillRef>
+          <a:effectRef idx="0">
+            <a:schemeClr val="accent1"/>
+          </a:effectRef>
+          <a:fontRef idx="minor">
+            <a:schemeClr val="lt1"/>
+          </a:fontRef>
+        </p:style>
+        <p:txBody>
+          <a:bodyPr rtlCol="0" anchor="ctr"/>
+          <a:lstStyle/>
+          <a:p>
+            <a:pPr algn="ctr"/>
+            <a:endParaRPr lang="ru-RU"/>
+          </a:p>
+        </p:txBody>
+      </p:sp>
+      <p:sp>
+        <p:nvSpPr>
+          <p:cNvPr id="36" name="Прямоугольник 35"/>
+          <p:cNvSpPr/>
+          <p:nvPr/>
+        </p:nvSpPr>
+        <p:spPr>
+          <a:xfrm>
+            <a:off x="270304" y="18164324"/>
+            <a:ext cx="6888551" cy="10837190"/>
+          </a:xfrm>
+          <a:prstGeom prst="rect">
+            <a:avLst/>
+          </a:prstGeom>
+          <a:ln w="76200">
+            <a:solidFill>
+              <a:srgbClr val="00B050">
+                <a:alpha val="44000"/>
+              </a:srgbClr>
+            </a:solidFill>
+          </a:ln>
+          <a:effectLst>
+            <a:outerShdw blurRad="50800" dist="38100" dir="2700000" algn="tl" rotWithShape="0">
+              <a:prstClr val="black">
+                <a:alpha val="40000"/>
+              </a:prstClr>
+            </a:outerShdw>
+          </a:effectLst>
+        </p:spPr>
+        <p:style>
+          <a:lnRef idx="2">
+            <a:schemeClr val="dk1"/>
+          </a:lnRef>
+          <a:fillRef idx="1">
+            <a:schemeClr val="lt1"/>
+          </a:fillRef>
+          <a:effectRef idx="0">
+            <a:schemeClr val="dk1"/>
+          </a:effectRef>
+          <a:fontRef idx="minor">
+            <a:schemeClr val="dk1"/>
+          </a:fontRef>
+        </p:style>
+        <p:txBody>
+          <a:bodyPr rtlCol="0" anchor="ctr"/>
+          <a:lstStyle/>
+          <a:p>
+            <a:pPr algn="ctr"/>
+            <a:endParaRPr lang="en-US" sz="4400" b="1" dirty="0" smtClean="0">
+              <a:latin typeface="Times New Roman" pitchFamily="18" charset="0"/>
+              <a:cs typeface="Times New Roman" pitchFamily="18" charset="0"/>
+            </a:endParaRPr>
+          </a:p>
+        </p:txBody>
+      </p:sp>
+      <p:sp>
+        <p:nvSpPr>
           <p:cNvPr id="8" name="Прямоугольник 7"/>
           <p:cNvSpPr/>
           <p:nvPr/>
@@ -3552,9 +3681,9 @@
             <a:avLst/>
           </a:prstGeom>
           <a:solidFill>
-            <a:schemeClr val="tx2">
-              <a:lumMod val="20000"/>
-              <a:lumOff val="80000"/>
+            <a:schemeClr val="accent3">
+              <a:lumMod val="40000"/>
+              <a:lumOff val="60000"/>
             </a:schemeClr>
           </a:solidFill>
           <a:effectLst>
@@ -3684,20 +3813,31 @@
         </p:nvSpPr>
         <p:spPr>
           <a:xfrm>
-            <a:off x="270273" y="4700939"/>
-            <a:ext cx="6912767" cy="5225161"/>
+            <a:off x="270273" y="4484915"/>
+            <a:ext cx="6912767" cy="5566019"/>
           </a:xfrm>
           <a:prstGeom prst="rect">
             <a:avLst/>
           </a:prstGeom>
+          <a:solidFill>
+            <a:schemeClr val="lt1"/>
+          </a:solidFill>
           <a:ln w="76200">
             <a:solidFill>
               <a:schemeClr val="tx2">
                 <a:lumMod val="60000"/>
                 <a:lumOff val="40000"/>
+                <a:alpha val="55000"/>
               </a:schemeClr>
             </a:solidFill>
           </a:ln>
+          <a:effectLst>
+            <a:outerShdw blurRad="50800" dist="38100" dir="2700000" algn="tl" rotWithShape="0">
+              <a:prstClr val="black">
+                <a:alpha val="40000"/>
+              </a:prstClr>
+            </a:outerShdw>
+          </a:effectLst>
         </p:spPr>
         <p:style>
           <a:lnRef idx="2">
@@ -3768,26 +3908,32 @@
       </p:pic>
       <p:sp>
         <p:nvSpPr>
-          <p:cNvPr id="12" name="Прямоугольник 11"/>
+          <p:cNvPr id="13" name="Прямоугольник 12"/>
           <p:cNvSpPr/>
           <p:nvPr/>
         </p:nvSpPr>
         <p:spPr>
           <a:xfrm>
-            <a:off x="281982" y="10101537"/>
-            <a:ext cx="6912767" cy="2904566"/>
+            <a:off x="256209" y="13051755"/>
+            <a:ext cx="6912767" cy="4896544"/>
           </a:xfrm>
           <a:prstGeom prst="rect">
             <a:avLst/>
           </a:prstGeom>
           <a:ln w="76200">
             <a:solidFill>
-              <a:schemeClr val="tx2">
-                <a:lumMod val="60000"/>
-                <a:lumOff val="40000"/>
-              </a:schemeClr>
+              <a:srgbClr val="7030A0">
+                <a:alpha val="40000"/>
+              </a:srgbClr>
             </a:solidFill>
           </a:ln>
+          <a:effectLst>
+            <a:outerShdw blurRad="50800" dist="38100" dir="2700000" algn="tl" rotWithShape="0">
+              <a:prstClr val="black">
+                <a:alpha val="40000"/>
+              </a:prstClr>
+            </a:outerShdw>
+          </a:effectLst>
         </p:spPr>
         <p:style>
           <a:lnRef idx="2">
@@ -3817,124 +3963,35 @@
       </p:sp>
       <p:sp>
         <p:nvSpPr>
-          <p:cNvPr id="13" name="Прямоугольник 12"/>
-          <p:cNvSpPr/>
-          <p:nvPr/>
-        </p:nvSpPr>
-        <p:spPr>
-          <a:xfrm>
-            <a:off x="256209" y="13119625"/>
-            <a:ext cx="6912767" cy="4896544"/>
-          </a:xfrm>
-          <a:prstGeom prst="rect">
-            <a:avLst/>
-          </a:prstGeom>
-          <a:ln w="76200">
-            <a:solidFill>
-              <a:schemeClr val="tx2">
-                <a:lumMod val="60000"/>
-                <a:lumOff val="40000"/>
-              </a:schemeClr>
-            </a:solidFill>
-          </a:ln>
-        </p:spPr>
-        <p:style>
-          <a:lnRef idx="2">
-            <a:schemeClr val="dk1"/>
-          </a:lnRef>
-          <a:fillRef idx="1">
-            <a:schemeClr val="lt1"/>
-          </a:fillRef>
-          <a:effectRef idx="0">
-            <a:schemeClr val="dk1"/>
-          </a:effectRef>
-          <a:fontRef idx="minor">
-            <a:schemeClr val="dk1"/>
-          </a:fontRef>
-        </p:style>
-        <p:txBody>
-          <a:bodyPr rtlCol="0" anchor="ctr"/>
-          <a:lstStyle/>
-          <a:p>
-            <a:pPr algn="ctr"/>
-            <a:endParaRPr lang="en-US" sz="4400" b="1" dirty="0" smtClean="0">
-              <a:latin typeface="Times New Roman" pitchFamily="18" charset="0"/>
-              <a:cs typeface="Times New Roman" pitchFamily="18" charset="0"/>
-            </a:endParaRPr>
-          </a:p>
-        </p:txBody>
-      </p:sp>
-      <p:sp>
-        <p:nvSpPr>
-          <p:cNvPr id="14" name="Прямоугольник 13"/>
-          <p:cNvSpPr/>
-          <p:nvPr/>
-        </p:nvSpPr>
-        <p:spPr>
-          <a:xfrm>
-            <a:off x="7419711" y="10461579"/>
-            <a:ext cx="6598360" cy="7269912"/>
-          </a:xfrm>
-          <a:prstGeom prst="rect">
-            <a:avLst/>
-          </a:prstGeom>
-          <a:ln w="76200">
-            <a:solidFill>
-              <a:schemeClr val="tx2">
-                <a:lumMod val="60000"/>
-                <a:lumOff val="40000"/>
-              </a:schemeClr>
-            </a:solidFill>
-          </a:ln>
-        </p:spPr>
-        <p:style>
-          <a:lnRef idx="2">
-            <a:schemeClr val="dk1"/>
-          </a:lnRef>
-          <a:fillRef idx="1">
-            <a:schemeClr val="lt1"/>
-          </a:fillRef>
-          <a:effectRef idx="0">
-            <a:schemeClr val="dk1"/>
-          </a:effectRef>
-          <a:fontRef idx="minor">
-            <a:schemeClr val="dk1"/>
-          </a:fontRef>
-        </p:style>
-        <p:txBody>
-          <a:bodyPr rtlCol="0" anchor="ctr"/>
-          <a:lstStyle/>
-          <a:p>
-            <a:pPr algn="ctr"/>
-            <a:endParaRPr lang="en-US" sz="8000" b="1" dirty="0" smtClean="0">
-              <a:latin typeface="Times New Roman" pitchFamily="18" charset="0"/>
-              <a:cs typeface="Times New Roman" pitchFamily="18" charset="0"/>
-            </a:endParaRPr>
-          </a:p>
-        </p:txBody>
-      </p:sp>
-      <p:sp>
-        <p:nvSpPr>
           <p:cNvPr id="15" name="Прямоугольник 14"/>
           <p:cNvSpPr/>
           <p:nvPr/>
         </p:nvSpPr>
         <p:spPr>
           <a:xfrm>
-            <a:off x="7471073" y="4700938"/>
-            <a:ext cx="6546998" cy="5616625"/>
+            <a:off x="7419710" y="4484914"/>
+            <a:ext cx="6598361" cy="5616625"/>
           </a:xfrm>
           <a:prstGeom prst="rect">
             <a:avLst/>
           </a:prstGeom>
+          <a:solidFill>
+            <a:schemeClr val="lt1"/>
+          </a:solidFill>
           <a:ln w="76200">
             <a:solidFill>
-              <a:schemeClr val="tx2">
-                <a:lumMod val="60000"/>
-                <a:lumOff val="40000"/>
-              </a:schemeClr>
+              <a:srgbClr val="FFC000">
+                <a:alpha val="35000"/>
+              </a:srgbClr>
             </a:solidFill>
           </a:ln>
+          <a:effectLst>
+            <a:outerShdw blurRad="50800" dist="38100" dir="2700000" algn="tl" rotWithShape="0">
+              <a:prstClr val="black">
+                <a:alpha val="40000"/>
+              </a:prstClr>
+            </a:outerShdw>
+          </a:effectLst>
         </p:spPr>
         <p:style>
           <a:lnRef idx="2">
@@ -3970,20 +4027,29 @@
         </p:nvSpPr>
         <p:spPr>
           <a:xfrm>
-            <a:off x="14311834" y="4700939"/>
-            <a:ext cx="6696743" cy="8208912"/>
+            <a:off x="14275690" y="4484915"/>
+            <a:ext cx="6732888" cy="8305164"/>
           </a:xfrm>
           <a:prstGeom prst="rect">
             <a:avLst/>
           </a:prstGeom>
+          <a:solidFill>
+            <a:schemeClr val="lt1"/>
+          </a:solidFill>
           <a:ln w="76200">
             <a:solidFill>
-              <a:schemeClr val="tx2">
-                <a:lumMod val="60000"/>
-                <a:lumOff val="40000"/>
-              </a:schemeClr>
+              <a:srgbClr val="1AACCE">
+                <a:alpha val="45000"/>
+              </a:srgbClr>
             </a:solidFill>
           </a:ln>
+          <a:effectLst>
+            <a:outerShdw blurRad="50800" dist="38100" dir="2700000" algn="tl" rotWithShape="0">
+              <a:prstClr val="black">
+                <a:alpha val="40000"/>
+              </a:prstClr>
+            </a:outerShdw>
+          </a:effectLst>
         </p:spPr>
         <p:style>
           <a:lnRef idx="2">
@@ -4013,62 +4079,13 @@
       </p:sp>
       <p:sp>
         <p:nvSpPr>
-          <p:cNvPr id="17" name="Прямоугольник 16"/>
-          <p:cNvSpPr/>
-          <p:nvPr/>
-        </p:nvSpPr>
-        <p:spPr>
-          <a:xfrm>
-            <a:off x="14311834" y="13119624"/>
-            <a:ext cx="6696744" cy="11167491"/>
-          </a:xfrm>
-          <a:prstGeom prst="rect">
-            <a:avLst/>
-          </a:prstGeom>
-          <a:ln w="76200">
-            <a:solidFill>
-              <a:schemeClr val="tx2">
-                <a:lumMod val="60000"/>
-                <a:lumOff val="40000"/>
-              </a:schemeClr>
-            </a:solidFill>
-          </a:ln>
-        </p:spPr>
-        <p:style>
-          <a:lnRef idx="2">
-            <a:schemeClr val="dk1"/>
-          </a:lnRef>
-          <a:fillRef idx="1">
-            <a:schemeClr val="lt1"/>
-          </a:fillRef>
-          <a:effectRef idx="0">
-            <a:schemeClr val="dk1"/>
-          </a:effectRef>
-          <a:fontRef idx="minor">
-            <a:schemeClr val="dk1"/>
-          </a:fontRef>
-        </p:style>
-        <p:txBody>
-          <a:bodyPr rtlCol="0" anchor="ctr"/>
-          <a:lstStyle/>
-          <a:p>
-            <a:pPr algn="ctr"/>
-            <a:endParaRPr lang="en-US" sz="9600" dirty="0" smtClean="0">
-              <a:latin typeface="Times New Roman" pitchFamily="18" charset="0"/>
-              <a:cs typeface="Times New Roman" pitchFamily="18" charset="0"/>
-            </a:endParaRPr>
-          </a:p>
-        </p:txBody>
-      </p:sp>
-      <p:sp>
-        <p:nvSpPr>
           <p:cNvPr id="19" name="Прямоугольник 18"/>
           <p:cNvSpPr/>
           <p:nvPr/>
         </p:nvSpPr>
         <p:spPr>
           <a:xfrm>
-            <a:off x="7419710" y="17950410"/>
+            <a:off x="7419710" y="17734386"/>
             <a:ext cx="6642673" cy="11267127"/>
           </a:xfrm>
           <a:prstGeom prst="rect">
@@ -4076,12 +4093,18 @@
           </a:prstGeom>
           <a:ln w="76200">
             <a:solidFill>
-              <a:schemeClr val="tx2">
-                <a:lumMod val="60000"/>
-                <a:lumOff val="40000"/>
-              </a:schemeClr>
+              <a:srgbClr val="C00000">
+                <a:alpha val="35000"/>
+              </a:srgbClr>
             </a:solidFill>
           </a:ln>
+          <a:effectLst>
+            <a:outerShdw blurRad="50800" dist="38100" dir="2700000" algn="tl" rotWithShape="0">
+              <a:prstClr val="black">
+                <a:alpha val="40000"/>
+              </a:prstClr>
+            </a:outerShdw>
+          </a:effectLst>
         </p:spPr>
         <p:style>
           <a:lnRef idx="2">
@@ -4117,20 +4140,27 @@
         </p:nvSpPr>
         <p:spPr>
           <a:xfrm>
-            <a:off x="14287069" y="24393002"/>
-            <a:ext cx="6696745" cy="4824536"/>
+            <a:off x="14287069" y="23708939"/>
+            <a:ext cx="6696745" cy="5292575"/>
           </a:xfrm>
           <a:prstGeom prst="rect">
             <a:avLst/>
           </a:prstGeom>
           <a:ln w="76200">
             <a:solidFill>
-              <a:schemeClr val="tx2">
-                <a:lumMod val="60000"/>
-                <a:lumOff val="40000"/>
+              <a:schemeClr val="accent5">
+                <a:lumMod val="75000"/>
+                <a:alpha val="44000"/>
               </a:schemeClr>
             </a:solidFill>
           </a:ln>
+          <a:effectLst>
+            <a:outerShdw blurRad="50800" dist="38100" dir="2700000" algn="tl" rotWithShape="0">
+              <a:prstClr val="black">
+                <a:alpha val="40000"/>
+              </a:prstClr>
+            </a:outerShdw>
+          </a:effectLst>
         </p:spPr>
         <p:style>
           <a:lnRef idx="2">
@@ -4160,63 +4190,14 @@
       </p:sp>
       <p:sp>
         <p:nvSpPr>
-          <p:cNvPr id="22" name="Прямоугольник 21"/>
-          <p:cNvSpPr/>
-          <p:nvPr/>
-        </p:nvSpPr>
-        <p:spPr>
-          <a:xfrm>
-            <a:off x="256208" y="18254793"/>
-            <a:ext cx="6912767" cy="7904529"/>
-          </a:xfrm>
-          <a:prstGeom prst="rect">
-            <a:avLst/>
-          </a:prstGeom>
-          <a:ln w="76200">
-            <a:solidFill>
-              <a:schemeClr val="tx2">
-                <a:lumMod val="60000"/>
-                <a:lumOff val="40000"/>
-              </a:schemeClr>
-            </a:solidFill>
-          </a:ln>
-        </p:spPr>
-        <p:style>
-          <a:lnRef idx="2">
-            <a:schemeClr val="dk1"/>
-          </a:lnRef>
-          <a:fillRef idx="1">
-            <a:schemeClr val="lt1"/>
-          </a:fillRef>
-          <a:effectRef idx="0">
-            <a:schemeClr val="dk1"/>
-          </a:effectRef>
-          <a:fontRef idx="minor">
-            <a:schemeClr val="dk1"/>
-          </a:fontRef>
-        </p:style>
-        <p:txBody>
-          <a:bodyPr rtlCol="0" anchor="ctr"/>
-          <a:lstStyle/>
-          <a:p>
-            <a:pPr algn="ctr"/>
-            <a:endParaRPr lang="en-US" sz="4400" b="1" dirty="0" smtClean="0">
-              <a:latin typeface="Times New Roman" pitchFamily="18" charset="0"/>
-              <a:cs typeface="Times New Roman" pitchFamily="18" charset="0"/>
-            </a:endParaRPr>
-          </a:p>
-        </p:txBody>
-      </p:sp>
-      <p:sp>
-        <p:nvSpPr>
           <p:cNvPr id="23" name="TextBox 22"/>
           <p:cNvSpPr txBox="1"/>
           <p:nvPr/>
         </p:nvSpPr>
         <p:spPr>
           <a:xfrm>
-            <a:off x="299928" y="4698827"/>
-            <a:ext cx="6876873" cy="5216813"/>
+            <a:off x="299928" y="4482803"/>
+            <a:ext cx="6876873" cy="5586145"/>
           </a:xfrm>
           <a:prstGeom prst="rect">
             <a:avLst/>
@@ -4277,7 +4258,21 @@
                 <a:latin typeface="Times New Roman" pitchFamily="18" charset="0"/>
                 <a:cs typeface="Times New Roman" pitchFamily="18" charset="0"/>
               </a:rPr>
-              <a:t>для задачи </a:t>
+              <a:t>для </a:t>
+            </a:r>
+            <a:r>
+              <a:rPr lang="ru-RU" sz="2400" dirty="0" smtClean="0">
+                <a:latin typeface="Times New Roman" pitchFamily="18" charset="0"/>
+                <a:cs typeface="Times New Roman" pitchFamily="18" charset="0"/>
+              </a:rPr>
+              <a:t>решения </a:t>
+            </a:r>
+            <a:r>
+              <a:rPr lang="ru-RU" sz="2400" dirty="0" smtClean="0">
+                <a:latin typeface="Times New Roman" pitchFamily="18" charset="0"/>
+                <a:cs typeface="Times New Roman" pitchFamily="18" charset="0"/>
+              </a:rPr>
+              <a:t>задачи </a:t>
             </a:r>
             <a:r>
               <a:rPr lang="ru-RU" sz="2400" b="1" dirty="0" smtClean="0">
@@ -4350,28 +4345,7 @@
                 <a:latin typeface="Times New Roman" pitchFamily="18" charset="0"/>
                 <a:cs typeface="Times New Roman" pitchFamily="18" charset="0"/>
               </a:rPr>
-              <a:t>для сообщения </a:t>
-            </a:r>
-            <a:r>
-              <a:rPr lang="ru-RU" sz="2400" smtClean="0">
-                <a:latin typeface="Times New Roman" pitchFamily="18" charset="0"/>
-                <a:cs typeface="Times New Roman" pitchFamily="18" charset="0"/>
-              </a:rPr>
-              <a:t>в </a:t>
-            </a:r>
-            <a:r>
-              <a:rPr lang="ru-RU" sz="2400" smtClean="0">
-                <a:latin typeface="Times New Roman" pitchFamily="18" charset="0"/>
-                <a:cs typeface="Times New Roman" pitchFamily="18" charset="0"/>
-              </a:rPr>
-              <a:t>целом, </a:t>
-            </a:r>
-            <a:r>
-              <a:rPr lang="ru-RU" sz="2400" dirty="0" smtClean="0">
-                <a:latin typeface="Times New Roman" pitchFamily="18" charset="0"/>
-                <a:cs typeface="Times New Roman" pitchFamily="18" charset="0"/>
-              </a:rPr>
-              <a:t>и по отношению к </a:t>
+              <a:t>для сообщения в целом, и по отношению к </a:t>
             </a:r>
             <a:r>
               <a:rPr lang="ru-RU" sz="2400" u="sng" dirty="0" smtClean="0">
@@ -4381,11 +4355,11 @@
               <a:t>рассматриваемым в сообщении организациям</a:t>
             </a:r>
             <a:r>
-              <a:rPr lang="en-US" sz="2400" u="sng" dirty="0" smtClean="0">
+              <a:rPr lang="ru-RU" sz="2400" u="sng" dirty="0">
                 <a:latin typeface="Times New Roman" pitchFamily="18" charset="0"/>
                 <a:cs typeface="Times New Roman" pitchFamily="18" charset="0"/>
               </a:rPr>
-              <a:t>:</a:t>
+              <a:t>.</a:t>
             </a:r>
             <a:endParaRPr lang="ru-RU" sz="2400" dirty="0" smtClean="0">
               <a:latin typeface="Times New Roman" pitchFamily="18" charset="0"/>
@@ -4509,28 +4483,65 @@
                 <a:latin typeface="Times New Roman" pitchFamily="18" charset="0"/>
                 <a:cs typeface="Times New Roman" pitchFamily="18" charset="0"/>
               </a:rPr>
-              <a:t>: </a:t>
+              <a:t>: {</a:t>
             </a:r>
             <a:r>
-              <a:rPr lang="en-US" sz="2400" smtClean="0">
+              <a:rPr lang="en-US" sz="2400" b="1" dirty="0" smtClean="0">
+                <a:solidFill>
+                  <a:srgbClr val="34921E"/>
+                </a:solidFill>
                 <a:latin typeface="Times New Roman" pitchFamily="18" charset="0"/>
                 <a:cs typeface="Times New Roman" pitchFamily="18" charset="0"/>
               </a:rPr>
-              <a:t>{</a:t>
-            </a:r>
-            <a:r>
-              <a:rPr lang="en-US" sz="2400" smtClean="0">
-                <a:latin typeface="Times New Roman" pitchFamily="18" charset="0"/>
-                <a:cs typeface="Times New Roman" pitchFamily="18" charset="0"/>
-              </a:rPr>
-              <a:t>1, 0, </a:t>
+              <a:t>1</a:t>
             </a:r>
             <a:r>
               <a:rPr lang="en-US" sz="2400" dirty="0" smtClean="0">
                 <a:latin typeface="Times New Roman" pitchFamily="18" charset="0"/>
                 <a:cs typeface="Times New Roman" pitchFamily="18" charset="0"/>
               </a:rPr>
-              <a:t>-1}</a:t>
+              <a:t>, </a:t>
+            </a:r>
+            <a:r>
+              <a:rPr lang="en-US" sz="2400" b="1" dirty="0" smtClean="0">
+                <a:latin typeface="Times New Roman" pitchFamily="18" charset="0"/>
+                <a:cs typeface="Times New Roman" pitchFamily="18" charset="0"/>
+              </a:rPr>
+              <a:t>0</a:t>
+            </a:r>
+            <a:r>
+              <a:rPr lang="en-US" sz="2400" dirty="0" smtClean="0">
+                <a:latin typeface="Times New Roman" pitchFamily="18" charset="0"/>
+                <a:cs typeface="Times New Roman" pitchFamily="18" charset="0"/>
+              </a:rPr>
+              <a:t>, </a:t>
+            </a:r>
+            <a:r>
+              <a:rPr lang="en-US" sz="2400" dirty="0" smtClean="0">
+                <a:solidFill>
+                  <a:srgbClr val="C00000"/>
+                </a:solidFill>
+                <a:latin typeface="Times New Roman" pitchFamily="18" charset="0"/>
+                <a:cs typeface="Times New Roman" pitchFamily="18" charset="0"/>
+              </a:rPr>
+              <a:t>-</a:t>
+            </a:r>
+            <a:r>
+              <a:rPr lang="en-US" sz="2400" b="1" dirty="0" smtClean="0">
+                <a:solidFill>
+                  <a:srgbClr val="C00000"/>
+                </a:solidFill>
+                <a:latin typeface="Times New Roman" pitchFamily="18" charset="0"/>
+                <a:cs typeface="Times New Roman" pitchFamily="18" charset="0"/>
+              </a:rPr>
+              <a:t>1</a:t>
+            </a:r>
+            <a:r>
+              <a:rPr lang="en-US" sz="2400" dirty="0" smtClean="0">
+                <a:latin typeface="Times New Roman" pitchFamily="18" charset="0"/>
+                <a:cs typeface="Times New Roman" pitchFamily="18" charset="0"/>
+              </a:rPr>
+              <a:t>}</a:t>
             </a:r>
           </a:p>
         </p:txBody>
@@ -4545,7 +4556,7 @@
             </p:nvSpPr>
             <p:spPr>
               <a:xfrm>
-                <a:off x="281115" y="10005282"/>
+                <a:off x="270273" y="10050934"/>
                 <a:ext cx="6876873" cy="3000821"/>
               </a:xfrm>
               <a:prstGeom prst="rect">
@@ -4589,42 +4600,38 @@
                     <a:latin typeface="Times New Roman" pitchFamily="18" charset="0"/>
                     <a:cs typeface="Times New Roman" pitchFamily="18" charset="0"/>
                   </a:rPr>
-                  <a:t>Использование признаков </a:t>
+                  <a:t>Использование признаков на основе </a:t>
                 </a:r>
                 <a:r>
                   <a:rPr lang="ru-RU" sz="2400" u="sng" dirty="0" smtClean="0">
                     <a:latin typeface="Times New Roman" pitchFamily="18" charset="0"/>
                     <a:cs typeface="Times New Roman" pitchFamily="18" charset="0"/>
                   </a:rPr>
-                  <a:t>на основе </a:t>
+                  <a:t>лексиконов</a:t>
                 </a:r>
                 <a:r>
-                  <a:rPr lang="ru-RU" sz="2400" u="sng" smtClean="0">
+                  <a:rPr lang="en-US" sz="2400" u="sng" dirty="0" smtClean="0">
                     <a:latin typeface="Times New Roman" pitchFamily="18" charset="0"/>
                     <a:cs typeface="Times New Roman" pitchFamily="18" charset="0"/>
                   </a:rPr>
-                  <a:t>лексиконов</a:t>
+                  <a:t>:</a:t>
                 </a:r>
-                <a:r>
-                  <a:rPr lang="ru-RU" sz="2400" u="sng">
-                    <a:latin typeface="Times New Roman" pitchFamily="18" charset="0"/>
-                    <a:cs typeface="Times New Roman" pitchFamily="18" charset="0"/>
-                  </a:rPr>
-                  <a:t> </a:t>
-                </a:r>
-                <a:r>
-                  <a:rPr lang="ru-RU" sz="2400" smtClean="0">
-                    <a:latin typeface="Times New Roman" pitchFamily="18" charset="0"/>
-                    <a:cs typeface="Times New Roman" pitchFamily="18" charset="0"/>
-                  </a:rPr>
-                  <a:t>словарей, </a:t>
-                </a:r>
+                <a:endParaRPr lang="en-US" sz="2400" u="sng" dirty="0">
+                  <a:latin typeface="Times New Roman" pitchFamily="18" charset="0"/>
+                  <a:cs typeface="Times New Roman" pitchFamily="18" charset="0"/>
+                </a:endParaRPr>
+              </a:p>
+              <a:p>
+                <a:pPr marL="720000" indent="-342900" algn="just">
+                  <a:buFont typeface="Wingdings" pitchFamily="2" charset="2"/>
+                  <a:buChar char="§"/>
+                </a:pPr>
                 <a:r>
                   <a:rPr lang="ru-RU" sz="2400" dirty="0" smtClean="0">
                     <a:latin typeface="Times New Roman" pitchFamily="18" charset="0"/>
                     <a:cs typeface="Times New Roman" pitchFamily="18" charset="0"/>
                   </a:rPr>
-                  <a:t>состоящих из пар </a:t>
+                  <a:t>словарей, состоящих из пар </a:t>
                 </a:r>
                 <a14:m>
                   <m:oMath xmlns:m="http://schemas.openxmlformats.org/officeDocument/2006/math">
@@ -4757,7 +4764,7 @@
                     <a:latin typeface="Times New Roman" pitchFamily="18" charset="0"/>
                     <a:cs typeface="Times New Roman" pitchFamily="18" charset="0"/>
                   </a:rPr>
-                  <a:t>Увеличение объема обучающей коллекции (авторазметка и пополнение сообщениями внешних источников)</a:t>
+                  <a:t>Увеличение объема (балансировка тональных классов) обучающей коллекции (пополнение сообщениями внешних источников)</a:t>
                 </a:r>
                 <a:r>
                   <a:rPr lang="en-US" sz="2400" dirty="0" smtClean="0">
@@ -4788,7 +4795,7 @@
             </p:nvSpPr>
             <p:spPr>
               <a:xfrm>
-                <a:off x="281115" y="10005282"/>
+                <a:off x="270273" y="10050934"/>
                 <a:ext cx="6876873" cy="3000821"/>
               </a:xfrm>
               <a:prstGeom prst="rect">
@@ -4797,7 +4804,7 @@
               <a:blipFill rotWithShape="1">
                 <a:blip r:embed="rId4"/>
                 <a:stretch>
-                  <a:fillRect l="-1152" t="-3651" r="-1418" b="-3651"/>
+                  <a:fillRect l="-1152" t="-3659" r="-1418" b="-3862"/>
                 </a:stretch>
               </a:blipFill>
             </p:spPr>
@@ -4824,7 +4831,7 @@
         </p:nvSpPr>
         <p:spPr>
           <a:xfrm>
-            <a:off x="281982" y="13119625"/>
+            <a:off x="281982" y="12979747"/>
             <a:ext cx="6823029" cy="4847481"/>
           </a:xfrm>
           <a:prstGeom prst="rect">
@@ -4859,9 +4866,126 @@
             </a:r>
           </a:p>
           <a:p>
+            <a:pPr marL="342900" lvl="1" indent="-342900" algn="just">
+              <a:buFont typeface="Wingdings" pitchFamily="2" charset="2"/>
+              <a:buChar char="Ø"/>
+            </a:pPr>
+            <a:r>
+              <a:rPr lang="ru-RU" sz="2400" u="sng" dirty="0">
+                <a:latin typeface="Times New Roman" pitchFamily="18" charset="0"/>
+                <a:cs typeface="Times New Roman" pitchFamily="18" charset="0"/>
+              </a:rPr>
+              <a:t>Построение лексиконов на основе</a:t>
+            </a:r>
+            <a:r>
+              <a:rPr lang="en-US" sz="2400" u="sng" dirty="0">
+                <a:latin typeface="Times New Roman" pitchFamily="18" charset="0"/>
+                <a:cs typeface="Times New Roman" pitchFamily="18" charset="0"/>
+              </a:rPr>
+              <a:t>:</a:t>
+            </a:r>
+            <a:endParaRPr lang="ru-RU" sz="2400" u="sng" dirty="0">
+              <a:latin typeface="Times New Roman" pitchFamily="18" charset="0"/>
+              <a:cs typeface="Times New Roman" pitchFamily="18" charset="0"/>
+            </a:endParaRPr>
+          </a:p>
+          <a:p>
+            <a:pPr marL="1080000" lvl="1" indent="-342900" algn="just">
+              <a:buFont typeface="Wingdings" pitchFamily="2" charset="2"/>
+              <a:buChar char="Ø"/>
+            </a:pPr>
+            <a:r>
+              <a:rPr lang="en-US" sz="2400" b="1" dirty="0">
+                <a:latin typeface="Times New Roman" pitchFamily="18" charset="0"/>
+                <a:cs typeface="Times New Roman" pitchFamily="18" charset="0"/>
+              </a:rPr>
+              <a:t>PMI </a:t>
+            </a:r>
+            <a:r>
+              <a:rPr lang="en-US" sz="2400" dirty="0">
+                <a:latin typeface="Times New Roman" pitchFamily="18" charset="0"/>
+                <a:cs typeface="Times New Roman" pitchFamily="18" charset="0"/>
+              </a:rPr>
+              <a:t>– </a:t>
+            </a:r>
+            <a:r>
+              <a:rPr lang="ru-RU" sz="2400" dirty="0">
+                <a:latin typeface="Times New Roman" pitchFamily="18" charset="0"/>
+                <a:cs typeface="Times New Roman" pitchFamily="18" charset="0"/>
+              </a:rPr>
+              <a:t> </a:t>
+            </a:r>
+            <a:r>
+              <a:rPr lang="ru-RU" sz="2400" i="1" dirty="0">
+                <a:latin typeface="Times New Roman" pitchFamily="18" charset="0"/>
+                <a:cs typeface="Times New Roman" pitchFamily="18" charset="0"/>
+              </a:rPr>
+              <a:t>меры взаимной информации	</a:t>
+            </a:r>
+            <a:endParaRPr lang="en-US" sz="2400" dirty="0">
+              <a:latin typeface="Times New Roman" pitchFamily="18" charset="0"/>
+              <a:cs typeface="Times New Roman" pitchFamily="18" charset="0"/>
+            </a:endParaRPr>
+          </a:p>
+          <a:p>
+            <a:pPr marL="1080000" lvl="1" indent="-342900" algn="just">
+              <a:buFont typeface="Wingdings" pitchFamily="2" charset="2"/>
+              <a:buChar char="Ø"/>
+            </a:pPr>
+            <a:r>
+              <a:rPr lang="en-US" sz="2400" b="1" dirty="0">
+                <a:latin typeface="Times New Roman" pitchFamily="18" charset="0"/>
+                <a:cs typeface="Times New Roman" pitchFamily="18" charset="0"/>
+              </a:rPr>
+              <a:t>SO</a:t>
+            </a:r>
+            <a:r>
+              <a:rPr lang="en-US" sz="2400" dirty="0">
+                <a:latin typeface="Times New Roman" pitchFamily="18" charset="0"/>
+                <a:cs typeface="Times New Roman" pitchFamily="18" charset="0"/>
+              </a:rPr>
+              <a:t> – </a:t>
+            </a:r>
+            <a:r>
+              <a:rPr lang="ru-RU" sz="2400" i="1" dirty="0">
+                <a:latin typeface="Times New Roman" pitchFamily="18" charset="0"/>
+                <a:cs typeface="Times New Roman" pitchFamily="18" charset="0"/>
+              </a:rPr>
+              <a:t>сематической ориентации</a:t>
+            </a:r>
+            <a:endParaRPr lang="en-US" sz="2400" dirty="0">
+              <a:latin typeface="Times New Roman" pitchFamily="18" charset="0"/>
+              <a:cs typeface="Times New Roman" pitchFamily="18" charset="0"/>
+            </a:endParaRPr>
+          </a:p>
+          <a:p>
+            <a:pPr marL="342900" indent="-342900" algn="ctr">
+              <a:buFont typeface="Wingdings" pitchFamily="2" charset="2"/>
+              <a:buChar char="Ø"/>
+            </a:pPr>
+            <a:r>
+              <a:rPr lang="en-US" sz="2400" dirty="0">
+                <a:latin typeface="Times New Roman" pitchFamily="18" charset="0"/>
+                <a:cs typeface="Times New Roman" pitchFamily="18" charset="0"/>
+              </a:rPr>
+              <a:t>(Turney P., 2002</a:t>
+            </a:r>
+            <a:r>
+              <a:rPr lang="en-US" sz="2400" dirty="0" smtClean="0">
+                <a:latin typeface="Times New Roman" pitchFamily="18" charset="0"/>
+                <a:cs typeface="Times New Roman" pitchFamily="18" charset="0"/>
+              </a:rPr>
+              <a:t>)</a:t>
+            </a:r>
+            <a:endParaRPr lang="ru-RU" sz="2400" dirty="0" smtClean="0">
+              <a:latin typeface="Times New Roman" pitchFamily="18" charset="0"/>
+              <a:cs typeface="Times New Roman" pitchFamily="18" charset="0"/>
+            </a:endParaRPr>
+          </a:p>
+          <a:p>
             <a:pPr marL="342900" indent="-342900" algn="just">
-              <a:buFont typeface="Arial" pitchFamily="34" charset="0"/>
-              <a:buChar char="•"/>
+              <a:buFont typeface="Wingdings" pitchFamily="2" charset="2"/>
+              <a:buChar char="Ø"/>
             </a:pPr>
             <a:r>
               <a:rPr lang="ru-RU" sz="2400" dirty="0" smtClean="0">
@@ -4896,80 +5020,7 @@
                 <a:latin typeface="Times New Roman" pitchFamily="18" charset="0"/>
                 <a:cs typeface="Times New Roman" pitchFamily="18" charset="0"/>
               </a:rPr>
-              <a:t> </a:t>
-            </a:r>
-            <a:r>
-              <a:rPr lang="en-US" sz="2400" b="1" dirty="0" smtClean="0">
-                <a:latin typeface="Times New Roman" pitchFamily="18" charset="0"/>
-                <a:cs typeface="Times New Roman" pitchFamily="18" charset="0"/>
-              </a:rPr>
-              <a:t>(Severyn </a:t>
-            </a:r>
-            <a:r>
-              <a:rPr lang="en-US" sz="2400" b="1" smtClean="0">
-                <a:latin typeface="Times New Roman" pitchFamily="18" charset="0"/>
-                <a:cs typeface="Times New Roman" pitchFamily="18" charset="0"/>
-              </a:rPr>
-              <a:t>A</a:t>
-            </a:r>
-            <a:r>
-              <a:rPr lang="en-US" sz="2400" b="1" smtClean="0">
-                <a:latin typeface="Times New Roman" pitchFamily="18" charset="0"/>
-                <a:cs typeface="Times New Roman" pitchFamily="18" charset="0"/>
-              </a:rPr>
-              <a:t>., </a:t>
-            </a:r>
-            <a:r>
-              <a:rPr lang="en-US" sz="2400" b="1" dirty="0" smtClean="0">
-                <a:latin typeface="Times New Roman" pitchFamily="18" charset="0"/>
-                <a:cs typeface="Times New Roman" pitchFamily="18" charset="0"/>
-              </a:rPr>
-              <a:t>Moshitti </a:t>
-            </a:r>
-            <a:r>
-              <a:rPr lang="en-US" sz="2400" b="1" smtClean="0">
-                <a:latin typeface="Times New Roman" pitchFamily="18" charset="0"/>
-                <a:cs typeface="Times New Roman" pitchFamily="18" charset="0"/>
-              </a:rPr>
-              <a:t>A</a:t>
-            </a:r>
-            <a:r>
-              <a:rPr lang="en-US" sz="2400" b="1" smtClean="0">
-                <a:latin typeface="Times New Roman" pitchFamily="18" charset="0"/>
-                <a:cs typeface="Times New Roman" pitchFamily="18" charset="0"/>
-              </a:rPr>
-              <a:t>., </a:t>
-            </a:r>
-            <a:r>
-              <a:rPr lang="en-US" sz="2400" b="1" dirty="0" smtClean="0">
-                <a:latin typeface="Times New Roman" pitchFamily="18" charset="0"/>
-                <a:cs typeface="Times New Roman" pitchFamily="18" charset="0"/>
-              </a:rPr>
-              <a:t>2015)</a:t>
-            </a:r>
-            <a:endParaRPr lang="ru-RU" sz="2400" b="1" dirty="0" smtClean="0">
-              <a:latin typeface="Times New Roman" pitchFamily="18" charset="0"/>
-              <a:cs typeface="Times New Roman" pitchFamily="18" charset="0"/>
-            </a:endParaRPr>
-          </a:p>
-          <a:p>
-            <a:pPr marL="342900" lvl="1" indent="-342900" algn="just">
-              <a:buFont typeface="Arial" pitchFamily="34" charset="0"/>
-              <a:buChar char="•"/>
-            </a:pPr>
-            <a:r>
-              <a:rPr lang="ru-RU" sz="2400" dirty="0" smtClean="0">
-                <a:latin typeface="Times New Roman" pitchFamily="18" charset="0"/>
-                <a:cs typeface="Times New Roman" pitchFamily="18" charset="0"/>
-              </a:rPr>
-              <a:t>Построение лексиконов на основе</a:t>
-            </a:r>
-            <a:r>
-              <a:rPr lang="en-US" sz="2400" dirty="0" smtClean="0">
-                <a:latin typeface="Times New Roman" pitchFamily="18" charset="0"/>
-                <a:cs typeface="Times New Roman" pitchFamily="18" charset="0"/>
-              </a:rPr>
-              <a:t>:</a:t>
+              <a:t> (Severyn A., Moshitti A., 2015)</a:t>
             </a:r>
             <a:endParaRPr lang="ru-RU" sz="2400" dirty="0" smtClean="0">
               <a:latin typeface="Times New Roman" pitchFamily="18" charset="0"/>
@@ -4977,120 +5028,9 @@
             </a:endParaRPr>
           </a:p>
           <a:p>
-            <a:pPr marL="1080000" lvl="1" indent="-342900" algn="just">
-              <a:buFont typeface="Arial" pitchFamily="34" charset="0"/>
-              <a:buChar char="•"/>
-            </a:pPr>
-            <a:r>
-              <a:rPr lang="en-US" sz="2400" b="1" dirty="0" smtClean="0">
-                <a:latin typeface="Times New Roman" pitchFamily="18" charset="0"/>
-                <a:cs typeface="Times New Roman" pitchFamily="18" charset="0"/>
-              </a:rPr>
-              <a:t>PMI </a:t>
-            </a:r>
-            <a:r>
-              <a:rPr lang="en-US" sz="2400" dirty="0" smtClean="0">
-                <a:latin typeface="Times New Roman" pitchFamily="18" charset="0"/>
-                <a:cs typeface="Times New Roman" pitchFamily="18" charset="0"/>
-              </a:rPr>
-              <a:t>– </a:t>
-            </a:r>
-            <a:r>
-              <a:rPr lang="ru-RU" sz="2400" dirty="0" smtClean="0">
-                <a:latin typeface="Times New Roman" pitchFamily="18" charset="0"/>
-                <a:cs typeface="Times New Roman" pitchFamily="18" charset="0"/>
-              </a:rPr>
-              <a:t> </a:t>
-            </a:r>
-            <a:r>
-              <a:rPr lang="ru-RU" sz="2400" i="1" dirty="0" smtClean="0">
-                <a:latin typeface="Times New Roman" pitchFamily="18" charset="0"/>
-                <a:cs typeface="Times New Roman" pitchFamily="18" charset="0"/>
-              </a:rPr>
-              <a:t>меры взаимной информации</a:t>
-            </a:r>
-            <a:r>
-              <a:rPr lang="ru-RU" sz="2400" i="1" dirty="0">
-                <a:latin typeface="Times New Roman" pitchFamily="18" charset="0"/>
-                <a:cs typeface="Times New Roman" pitchFamily="18" charset="0"/>
-              </a:rPr>
-              <a:t>	</a:t>
-            </a:r>
-            <a:endParaRPr lang="en-US" sz="2400" dirty="0" smtClean="0">
-              <a:latin typeface="Times New Roman" pitchFamily="18" charset="0"/>
-              <a:cs typeface="Times New Roman" pitchFamily="18" charset="0"/>
-            </a:endParaRPr>
-          </a:p>
-          <a:p>
-            <a:pPr marL="1080000" lvl="1" indent="-342900" algn="just">
-              <a:buFont typeface="Arial" pitchFamily="34" charset="0"/>
-              <a:buChar char="•"/>
-            </a:pPr>
-            <a:r>
-              <a:rPr lang="en-US" sz="2400" b="1" dirty="0" smtClean="0">
-                <a:latin typeface="Times New Roman" pitchFamily="18" charset="0"/>
-                <a:cs typeface="Times New Roman" pitchFamily="18" charset="0"/>
-              </a:rPr>
-              <a:t>SO</a:t>
-            </a:r>
-            <a:r>
-              <a:rPr lang="en-US" sz="2400" dirty="0" smtClean="0">
-                <a:latin typeface="Times New Roman" pitchFamily="18" charset="0"/>
-                <a:cs typeface="Times New Roman" pitchFamily="18" charset="0"/>
-              </a:rPr>
-              <a:t> – </a:t>
-            </a:r>
-            <a:r>
-              <a:rPr lang="ru-RU" sz="2400" i="1" dirty="0" smtClean="0">
-                <a:latin typeface="Times New Roman" pitchFamily="18" charset="0"/>
-                <a:cs typeface="Times New Roman" pitchFamily="18" charset="0"/>
-              </a:rPr>
-              <a:t>сематической ориентации</a:t>
-            </a:r>
-            <a:endParaRPr lang="en-US" sz="2400" dirty="0">
-              <a:latin typeface="Times New Roman" pitchFamily="18" charset="0"/>
-              <a:cs typeface="Times New Roman" pitchFamily="18" charset="0"/>
-            </a:endParaRPr>
-          </a:p>
-          <a:p>
-            <a:pPr algn="ctr"/>
-            <a:r>
-              <a:rPr lang="en-US" sz="2400" b="1" dirty="0" smtClean="0">
-                <a:latin typeface="Times New Roman" pitchFamily="18" charset="0"/>
-                <a:cs typeface="Times New Roman" pitchFamily="18" charset="0"/>
-              </a:rPr>
-              <a:t>(Turney </a:t>
-            </a:r>
-            <a:r>
-              <a:rPr lang="en-US" sz="2400" b="1" smtClean="0">
-                <a:latin typeface="Times New Roman" pitchFamily="18" charset="0"/>
-                <a:cs typeface="Times New Roman" pitchFamily="18" charset="0"/>
-              </a:rPr>
-              <a:t>P</a:t>
-            </a:r>
-            <a:r>
-              <a:rPr lang="en-US" sz="2400" b="1" smtClean="0">
-                <a:latin typeface="Times New Roman" pitchFamily="18" charset="0"/>
-                <a:cs typeface="Times New Roman" pitchFamily="18" charset="0"/>
-              </a:rPr>
-              <a:t>., </a:t>
-            </a:r>
-            <a:r>
-              <a:rPr lang="en-US" sz="2400" b="1" dirty="0" smtClean="0">
-                <a:latin typeface="Times New Roman" pitchFamily="18" charset="0"/>
-                <a:cs typeface="Times New Roman" pitchFamily="18" charset="0"/>
-              </a:rPr>
-              <a:t>2002)</a:t>
-            </a:r>
-            <a:endParaRPr lang="en-US" sz="2400" b="1" i="1" dirty="0">
-              <a:latin typeface="Times New Roman" pitchFamily="18" charset="0"/>
-              <a:cs typeface="Times New Roman" pitchFamily="18" charset="0"/>
-            </a:endParaRPr>
-          </a:p>
-          <a:p>
             <a:pPr marL="342900" indent="-342900" algn="just">
-              <a:buFont typeface="Arial" pitchFamily="34" charset="0"/>
-              <a:buChar char="•"/>
+              <a:buFont typeface="Wingdings" pitchFamily="2" charset="2"/>
+              <a:buChar char="Ø"/>
             </a:pPr>
             <a:r>
               <a:rPr lang="ru-RU" sz="2400" dirty="0" smtClean="0">
@@ -5100,95 +5040,18 @@
               <a:t>Использование </a:t>
             </a:r>
             <a:r>
-              <a:rPr lang="ru-RU" sz="2400" smtClean="0">
-                <a:latin typeface="Times New Roman" pitchFamily="18" charset="0"/>
-                <a:cs typeface="Times New Roman" pitchFamily="18" charset="0"/>
-              </a:rPr>
-              <a:t>вспомогательных </a:t>
-            </a:r>
-            <a:r>
-              <a:rPr lang="ru-RU" sz="2400" smtClean="0">
-                <a:latin typeface="Times New Roman" pitchFamily="18" charset="0"/>
-                <a:cs typeface="Times New Roman" pitchFamily="18" charset="0"/>
-              </a:rPr>
-              <a:t>признаков, </a:t>
-            </a:r>
-            <a:r>
               <a:rPr lang="ru-RU" sz="2400" dirty="0" smtClean="0">
                 <a:latin typeface="Times New Roman" pitchFamily="18" charset="0"/>
                 <a:cs typeface="Times New Roman" pitchFamily="18" charset="0"/>
               </a:rPr>
-              <a:t>в </a:t>
+              <a:t>вспомогательных признаков, в том числе на основе лексиконов (</a:t>
             </a:r>
             <a:r>
-              <a:rPr lang="ru-RU" sz="2400" dirty="0" err="1" smtClean="0">
+              <a:rPr lang="en-US" sz="2400" dirty="0" smtClean="0">
                 <a:latin typeface="Times New Roman" pitchFamily="18" charset="0"/>
                 <a:cs typeface="Times New Roman" pitchFamily="18" charset="0"/>
               </a:rPr>
-              <a:t>т.ч</a:t>
-            </a:r>
-            <a:r>
-              <a:rPr lang="ru-RU" sz="2400" dirty="0" smtClean="0">
-                <a:latin typeface="Times New Roman" pitchFamily="18" charset="0"/>
-                <a:cs typeface="Times New Roman" pitchFamily="18" charset="0"/>
-              </a:rPr>
-              <a:t>. на основе лексиконов </a:t>
-            </a:r>
-            <a:r>
-              <a:rPr lang="ru-RU" sz="2400" b="1" dirty="0" smtClean="0">
-                <a:latin typeface="Times New Roman" pitchFamily="18" charset="0"/>
-                <a:cs typeface="Times New Roman" pitchFamily="18" charset="0"/>
-              </a:rPr>
-              <a:t>(</a:t>
-            </a:r>
-            <a:r>
-              <a:rPr lang="en-US" sz="2400" b="1" dirty="0" smtClean="0">
-                <a:latin typeface="Times New Roman" pitchFamily="18" charset="0"/>
-                <a:cs typeface="Times New Roman" pitchFamily="18" charset="0"/>
-              </a:rPr>
-              <a:t>Saif. M. Kiritchenko </a:t>
-            </a:r>
-            <a:r>
-              <a:rPr lang="en-US" sz="2400" b="1" smtClean="0">
-                <a:latin typeface="Times New Roman" pitchFamily="18" charset="0"/>
-                <a:cs typeface="Times New Roman" pitchFamily="18" charset="0"/>
-              </a:rPr>
-              <a:t>S</a:t>
-            </a:r>
-            <a:r>
-              <a:rPr lang="en-US" sz="2400" b="1" smtClean="0">
-                <a:latin typeface="Times New Roman" pitchFamily="18" charset="0"/>
-                <a:cs typeface="Times New Roman" pitchFamily="18" charset="0"/>
-              </a:rPr>
-              <a:t>., </a:t>
-            </a:r>
-            <a:r>
-              <a:rPr lang="en-US" sz="2400" b="1" dirty="0" smtClean="0">
-                <a:latin typeface="Times New Roman" pitchFamily="18" charset="0"/>
-                <a:cs typeface="Times New Roman" pitchFamily="18" charset="0"/>
-              </a:rPr>
-              <a:t>Xiaodan </a:t>
-            </a:r>
-            <a:r>
-              <a:rPr lang="en-US" sz="2400" b="1" smtClean="0">
-                <a:latin typeface="Times New Roman" pitchFamily="18" charset="0"/>
-                <a:cs typeface="Times New Roman" pitchFamily="18" charset="0"/>
-              </a:rPr>
-              <a:t>Z</a:t>
-            </a:r>
-            <a:r>
-              <a:rPr lang="en-US" sz="2400" b="1" smtClean="0">
-                <a:latin typeface="Times New Roman" pitchFamily="18" charset="0"/>
-                <a:cs typeface="Times New Roman" pitchFamily="18" charset="0"/>
-              </a:rPr>
-              <a:t>., </a:t>
-            </a:r>
-            <a:r>
-              <a:rPr lang="en-US" sz="2400" b="1" dirty="0" smtClean="0">
-                <a:latin typeface="Times New Roman" pitchFamily="18" charset="0"/>
-                <a:cs typeface="Times New Roman" pitchFamily="18" charset="0"/>
-              </a:rPr>
-              <a:t>2015)</a:t>
+              <a:t>Saif. M. Kiritchenko S., Xiaodan Z., 2015)</a:t>
             </a:r>
           </a:p>
         </p:txBody>
@@ -5203,8 +5066,8 @@
             </p:nvSpPr>
             <p:spPr>
               <a:xfrm>
-                <a:off x="299930" y="18254794"/>
-                <a:ext cx="6849947" cy="7924798"/>
+                <a:off x="299930" y="18164323"/>
+                <a:ext cx="6849947" cy="10879453"/>
               </a:xfrm>
               <a:prstGeom prst="rect">
                 <a:avLst/>
@@ -5299,14 +5162,7 @@
                         <a:latin typeface="Cambria Math"/>
                         <a:cs typeface="Times New Roman" pitchFamily="18" charset="0"/>
                       </a:rPr>
-                      <m:t>,</m:t>
-                    </m:r>
-                    <m:r>
-                      <a:rPr lang="en-US" sz="2400" b="0" i="1" smtClean="0">
-                        <a:latin typeface="Cambria Math"/>
-                        <a:cs typeface="Times New Roman" pitchFamily="18" charset="0"/>
-                      </a:rPr>
-                      <m:t> </m:t>
+                      <m:t>, </m:t>
                     </m:r>
                     <m:sSub>
                       <m:sSubPr>
@@ -5699,13 +5555,17 @@
                   </a:rPr>
                   <a:t> в качестве одного из параметров </a:t>
                 </a:r>
-                <a:r>
-                  <a:rPr lang="en-US" sz="2400" dirty="0" smtClean="0">
-                    <a:latin typeface="Times New Roman" pitchFamily="18" charset="0"/>
-                    <a:cs typeface="Times New Roman" pitchFamily="18" charset="0"/>
-                  </a:rPr>
-                  <a:t>PMI</a:t>
-                </a:r>
+                <a14:m>
+                  <m:oMath xmlns:m="http://schemas.openxmlformats.org/officeDocument/2006/math">
+                    <m:r>
+                      <a:rPr lang="en-US" sz="2400" i="1" dirty="0" smtClean="0">
+                        <a:latin typeface="Cambria Math"/>
+                        <a:cs typeface="Times New Roman" pitchFamily="18" charset="0"/>
+                      </a:rPr>
+                      <m:t>𝑃𝑀𝐼</m:t>
+                    </m:r>
+                  </m:oMath>
+                </a14:m>
                 <a:r>
                   <a:rPr lang="ru-RU" sz="2400" dirty="0" smtClean="0">
                     <a:latin typeface="Times New Roman" pitchFamily="18" charset="0"/>
@@ -5725,7 +5585,7 @@
                     <a:latin typeface="Times New Roman" pitchFamily="18" charset="0"/>
                     <a:cs typeface="Times New Roman" pitchFamily="18" charset="0"/>
                   </a:rPr>
-                  <a:t>ожные значения</a:t>
+                  <a:t>ожные значения маркера</a:t>
                 </a:r>
                 <a:r>
                   <a:rPr lang="en-US" sz="2400" dirty="0" smtClean="0">
@@ -5745,7 +5605,7 @@
                   <a:buChar char="•"/>
                 </a:pPr>
                 <a:r>
-                  <a:rPr lang="en-US" sz="2400" dirty="0" smtClean="0">
+                  <a:rPr lang="en-US" sz="2400" b="1" dirty="0" smtClean="0">
                     <a:solidFill>
                       <a:srgbClr val="34921E"/>
                     </a:solidFill>
@@ -5769,7 +5629,14 @@
                     <a:latin typeface="Times New Roman" pitchFamily="18" charset="0"/>
                     <a:cs typeface="Times New Roman" pitchFamily="18" charset="0"/>
                   </a:rPr>
-                  <a:t>-- хороший</a:t>
+                  <a:t>– хороший</a:t>
+                </a:r>
+                <a:r>
+                  <a:rPr lang="en-US" sz="2400" dirty="0">
+                    <a:latin typeface="Times New Roman" pitchFamily="18" charset="0"/>
+                    <a:cs typeface="Times New Roman" pitchFamily="18" charset="0"/>
+                  </a:rPr>
+                  <a:t>;</a:t>
                 </a:r>
                 <a:endParaRPr lang="en-US" sz="2400" dirty="0" smtClean="0">
                   <a:latin typeface="Times New Roman" pitchFamily="18" charset="0"/>
@@ -5782,7 +5649,7 @@
                   <a:buChar char="•"/>
                 </a:pPr>
                 <a:r>
-                  <a:rPr lang="en-US" sz="2400" dirty="0" smtClean="0">
+                  <a:rPr lang="en-US" sz="2400" b="1" dirty="0" smtClean="0">
                     <a:solidFill>
                       <a:srgbClr val="C00000"/>
                     </a:solidFill>
@@ -5806,7 +5673,7 @@
                     <a:latin typeface="Times New Roman" pitchFamily="18" charset="0"/>
                     <a:cs typeface="Times New Roman" pitchFamily="18" charset="0"/>
                   </a:rPr>
-                  <a:t>-- </a:t>
+                  <a:t>– </a:t>
                 </a:r>
                 <a:r>
                   <a:rPr lang="ru-RU" sz="2400" dirty="0" smtClean="0">
@@ -5815,39 +5682,28 @@
                   </a:rPr>
                   <a:t>плохой</a:t>
                 </a:r>
-                <a:endParaRPr lang="en-US" sz="2400" dirty="0" smtClean="0">
-                  <a:latin typeface="Times New Roman" pitchFamily="18" charset="0"/>
-                  <a:cs typeface="Times New Roman" pitchFamily="18" charset="0"/>
-                </a:endParaRPr>
+                <a:r>
+                  <a:rPr lang="en-US" sz="2400" dirty="0" smtClean="0">
+                    <a:latin typeface="Times New Roman" pitchFamily="18" charset="0"/>
+                    <a:cs typeface="Times New Roman" pitchFamily="18" charset="0"/>
+                  </a:rPr>
+                  <a:t>.</a:t>
+                </a:r>
               </a:p>
               <a:p>
                 <a:r>
-                  <a:rPr lang="ru-RU" sz="2400" b="1" smtClean="0">
+                  <a:rPr lang="ru-RU" sz="2400" b="1" dirty="0" smtClean="0">
                     <a:latin typeface="Times New Roman" pitchFamily="18" charset="0"/>
                     <a:cs typeface="Times New Roman" pitchFamily="18" charset="0"/>
                   </a:rPr>
-                  <a:t>Семантической </a:t>
-                </a:r>
-                <a:r>
-                  <a:rPr lang="ru-RU" sz="2400" b="1" smtClean="0">
-                    <a:latin typeface="Times New Roman" pitchFamily="18" charset="0"/>
-                    <a:cs typeface="Times New Roman" pitchFamily="18" charset="0"/>
-                  </a:rPr>
-                  <a:t>ориентацией</a:t>
-                </a:r>
-                <a:r>
-                  <a:rPr lang="ru-RU" sz="2400" smtClean="0">
-                    <a:latin typeface="Times New Roman" pitchFamily="18" charset="0"/>
-                    <a:cs typeface="Times New Roman" pitchFamily="18" charset="0"/>
-                  </a:rPr>
-                  <a:t>, </a:t>
+                  <a:t>Семантической ориентацией</a:t>
                 </a:r>
                 <a:r>
                   <a:rPr lang="ru-RU" sz="2400" dirty="0" smtClean="0">
                     <a:latin typeface="Times New Roman" pitchFamily="18" charset="0"/>
                     <a:cs typeface="Times New Roman" pitchFamily="18" charset="0"/>
                   </a:rPr>
-                  <a:t>называется величина</a:t>
+                  <a:t> называется величина</a:t>
                 </a:r>
                 <a:r>
                   <a:rPr lang="en-US" sz="2400" dirty="0" smtClean="0">
@@ -6015,7 +5871,7 @@
                   <a:buChar char="•"/>
                 </a:pPr>
                 <a:r>
-                  <a:rPr lang="ru-RU" sz="2400" u="sng" dirty="0" smtClean="0">
+                  <a:rPr lang="ru-RU" sz="2400" dirty="0" smtClean="0">
                     <a:latin typeface="Times New Roman" pitchFamily="18" charset="0"/>
                     <a:cs typeface="Times New Roman" pitchFamily="18" charset="0"/>
                   </a:rPr>
@@ -6024,25 +5880,25 @@
                 <a14:m>
                   <m:oMath xmlns:m="http://schemas.openxmlformats.org/officeDocument/2006/math">
                     <m:r>
-                      <a:rPr lang="en-US" sz="2400" b="0" i="1" u="sng" smtClean="0">
+                      <a:rPr lang="en-US" sz="2400" b="0" i="1" smtClean="0">
                         <a:latin typeface="Cambria Math"/>
                       </a:rPr>
                       <m:t>𝑆𝑂</m:t>
                     </m:r>
                     <m:r>
-                      <a:rPr lang="en-US" sz="2400" b="0" i="1" u="sng" smtClean="0">
+                      <a:rPr lang="en-US" sz="2400" b="0" i="1" smtClean="0">
                         <a:latin typeface="Cambria Math"/>
                       </a:rPr>
                       <m:t>(</m:t>
                     </m:r>
                     <m:r>
-                      <a:rPr lang="en-US" sz="2400" b="0" i="1" u="sng" smtClean="0">
+                      <a:rPr lang="en-US" sz="2400" b="0" i="1" smtClean="0">
                         <a:latin typeface="Cambria Math"/>
                       </a:rPr>
                       <m:t>𝑡</m:t>
                     </m:r>
                     <m:r>
-                      <a:rPr lang="en-US" sz="2400" b="0" i="1" u="sng" smtClean="0">
+                      <a:rPr lang="en-US" sz="2400" b="0" i="1" smtClean="0">
                         <a:latin typeface="Cambria Math"/>
                       </a:rPr>
                       <m:t>)</m:t>
@@ -6082,28 +5938,7 @@
                     <a:latin typeface="Times New Roman" pitchFamily="18" charset="0"/>
                     <a:cs typeface="Times New Roman" pitchFamily="18" charset="0"/>
                   </a:rPr>
-                  <a:t>ляет один из </a:t>
-                </a:r>
-                <a:r>
-                  <a:rPr lang="ru-RU" sz="2400" smtClean="0">
-                    <a:latin typeface="Times New Roman" pitchFamily="18" charset="0"/>
-                    <a:cs typeface="Times New Roman" pitchFamily="18" charset="0"/>
-                  </a:rPr>
-                  <a:t>двух </a:t>
-                </a:r>
-                <a:r>
-                  <a:rPr lang="ru-RU" sz="2400" smtClean="0">
-                    <a:latin typeface="Times New Roman" pitchFamily="18" charset="0"/>
-                    <a:cs typeface="Times New Roman" pitchFamily="18" charset="0"/>
-                  </a:rPr>
-                  <a:t>маркеров, </a:t>
-                </a:r>
-                <a:r>
-                  <a:rPr lang="ru-RU" sz="2400" dirty="0" smtClean="0">
-                    <a:latin typeface="Times New Roman" pitchFamily="18" charset="0"/>
-                    <a:cs typeface="Times New Roman" pitchFamily="18" charset="0"/>
-                  </a:rPr>
-                  <a:t>к которому принадлежит </a:t>
+                  <a:t>ляет один из двух маркеров, к которому принадлежит </a:t>
                 </a:r>
                 <a14:m>
                   <m:oMath xmlns:m="http://schemas.openxmlformats.org/officeDocument/2006/math">
@@ -6116,10 +5951,13 @@
                     </m:r>
                   </m:oMath>
                 </a14:m>
-                <a:endParaRPr lang="en-US" sz="2400" dirty="0" smtClean="0">
-                  <a:latin typeface="Times New Roman" pitchFamily="18" charset="0"/>
-                  <a:cs typeface="Times New Roman" pitchFamily="18" charset="0"/>
-                </a:endParaRPr>
+                <a:r>
+                  <a:rPr lang="en-US" sz="2400" dirty="0" smtClean="0">
+                    <a:latin typeface="Times New Roman" pitchFamily="18" charset="0"/>
+                    <a:cs typeface="Times New Roman" pitchFamily="18" charset="0"/>
+                  </a:rPr>
+                  <a:t>;</a:t>
+                </a:r>
               </a:p>
               <a:p>
                 <a:pPr marL="720000" lvl="1" indent="-342900" algn="just">
@@ -6220,6 +6058,75 @@
                       </a:rPr>
                       <m:t>𝐾</m:t>
                     </m:r>
+                    <m:r>
+                      <a:rPr lang="ru-RU" sz="2400" b="0" i="1" smtClean="0">
+                        <a:latin typeface="Cambria Math"/>
+                        <a:cs typeface="Times New Roman" pitchFamily="18" charset="0"/>
+                      </a:rPr>
+                      <m:t>=</m:t>
+                    </m:r>
+                    <m:sSub>
+                      <m:sSubPr>
+                        <m:ctrlPr>
+                          <a:rPr lang="ru-RU" sz="2400" i="1">
+                            <a:latin typeface="Cambria Math"/>
+                          </a:rPr>
+                        </m:ctrlPr>
+                      </m:sSubPr>
+                      <m:e>
+                        <m:r>
+                          <a:rPr lang="ru-RU" sz="2400" i="1">
+                            <a:latin typeface="Cambria Math"/>
+                          </a:rPr>
+                          <m:t>𝐾</m:t>
+                        </m:r>
+                      </m:e>
+                      <m:sub>
+                        <m:r>
+                          <a:rPr lang="en-US" sz="2400" i="1">
+                            <a:latin typeface="Cambria Math"/>
+                          </a:rPr>
+                          <m:t>𝐸</m:t>
+                        </m:r>
+                        <m:r>
+                          <a:rPr lang="ru-RU" sz="2400" i="1">
+                            <a:latin typeface="Cambria Math"/>
+                          </a:rPr>
+                          <m:t>𝑥𝑐𝑒𝑙𝑙𝑒𝑛𝑡</m:t>
+                        </m:r>
+                      </m:sub>
+                    </m:sSub>
+                    <m:r>
+                      <a:rPr lang="ru-RU" sz="2400" b="0" i="1" smtClean="0">
+                        <a:latin typeface="Cambria Math"/>
+                      </a:rPr>
+                      <m:t>∪</m:t>
+                    </m:r>
+                    <m:sSub>
+                      <m:sSubPr>
+                        <m:ctrlPr>
+                          <a:rPr lang="ru-RU" sz="2400" i="1">
+                            <a:latin typeface="Cambria Math"/>
+                          </a:rPr>
+                        </m:ctrlPr>
+                      </m:sSubPr>
+                      <m:e>
+                        <m:r>
+                          <a:rPr lang="ru-RU" sz="2400" i="1">
+                            <a:latin typeface="Cambria Math"/>
+                          </a:rPr>
+                          <m:t>𝐾</m:t>
+                        </m:r>
+                      </m:e>
+                      <m:sub>
+                        <m:r>
+                          <a:rPr lang="ru-RU" sz="2400" i="1">
+                            <a:latin typeface="Cambria Math"/>
+                          </a:rPr>
+                          <m:t>𝑃𝑜𝑜𝑟</m:t>
+                        </m:r>
+                      </m:sub>
+                    </m:sSub>
                   </m:oMath>
                 </a14:m>
                 <a:r>
@@ -6374,10 +6281,10 @@
                         </m:sub>
                       </m:sSub>
                       <m:r>
-                        <a:rPr lang="ru-RU" sz="2400" i="1">
+                        <a:rPr lang="en-US" sz="2400" b="0" i="1" smtClean="0">
                           <a:latin typeface="Cambria Math"/>
                         </a:rPr>
-                        <m:t> ∨</m:t>
+                        <m:t>∪</m:t>
                       </m:r>
                       <m:sSub>
                         <m:sSubPr>
@@ -6466,7 +6373,10 @@
                   <a:t>ообщения с меткой </a:t>
                 </a:r>
                 <a:r>
-                  <a:rPr lang="en-US" sz="2400" dirty="0" smtClean="0">
+                  <a:rPr lang="en-US" sz="2400" b="1" dirty="0" smtClean="0">
+                    <a:solidFill>
+                      <a:srgbClr val="34921E"/>
+                    </a:solidFill>
                     <a:latin typeface="Consolas" pitchFamily="49" charset="0"/>
                     <a:cs typeface="Consolas" pitchFamily="49" charset="0"/>
                   </a:rPr>
@@ -6532,7 +6442,10 @@
                   <a:t> с меткой </a:t>
                 </a:r>
                 <a:r>
-                  <a:rPr lang="en-US" sz="2400" dirty="0" smtClean="0">
+                  <a:rPr lang="en-US" sz="2400" b="1" dirty="0" smtClean="0">
+                    <a:solidFill>
+                      <a:srgbClr val="C00000"/>
+                    </a:solidFill>
                     <a:latin typeface="Consolas" pitchFamily="49" charset="0"/>
                     <a:cs typeface="Consolas" pitchFamily="49" charset="0"/>
                   </a:rPr>
@@ -6542,6 +6455,311 @@
                   <a:rPr lang="en-US" sz="2400" dirty="0" smtClean="0"/>
                   <a:t>.</a:t>
                 </a:r>
+                <a:endParaRPr lang="ru-RU" sz="2400" dirty="0"/>
+              </a:p>
+              <a:p>
+                <a:pPr algn="just"/>
+                <a:r>
+                  <a:rPr lang="ru-RU" sz="2400" b="1" dirty="0">
+                    <a:latin typeface="Times New Roman" pitchFamily="18" charset="0"/>
+                    <a:cs typeface="Times New Roman" pitchFamily="18" charset="0"/>
+                  </a:rPr>
+                  <a:t>Составление тональной коллекции с </a:t>
+                </a:r>
+                <a:r>
+                  <a:rPr lang="ru-RU" sz="2400" b="1" dirty="0" smtClean="0">
+                    <a:latin typeface="Times New Roman" pitchFamily="18" charset="0"/>
+                    <a:cs typeface="Times New Roman" pitchFamily="18" charset="0"/>
+                  </a:rPr>
+                  <a:t>нуля (авторазметка сообщений)</a:t>
+                </a:r>
+                <a:r>
+                  <a:rPr lang="en-US" sz="2400" b="1" dirty="0" smtClean="0">
+                    <a:latin typeface="Times New Roman" pitchFamily="18" charset="0"/>
+                    <a:cs typeface="Times New Roman" pitchFamily="18" charset="0"/>
+                  </a:rPr>
+                  <a:t>:</a:t>
+                </a:r>
+                <a:endParaRPr lang="ru-RU" sz="2400" b="1" dirty="0">
+                  <a:latin typeface="Times New Roman" pitchFamily="18" charset="0"/>
+                  <a:cs typeface="Times New Roman" pitchFamily="18" charset="0"/>
+                </a:endParaRPr>
+              </a:p>
+              <a:p>
+                <a:pPr marL="342900" indent="-342900" algn="just">
+                  <a:buFont typeface="Wingdings" pitchFamily="2" charset="2"/>
+                  <a:buChar char="Ø"/>
+                </a:pPr>
+                <a:r>
+                  <a:rPr lang="ru-RU" sz="2400" dirty="0">
+                    <a:latin typeface="Times New Roman" pitchFamily="18" charset="0"/>
+                    <a:cs typeface="Times New Roman" pitchFamily="18" charset="0"/>
+                  </a:rPr>
+                  <a:t>Прием трансляции сообщений сети </a:t>
+                </a:r>
+                <a:r>
+                  <a:rPr lang="en-US" sz="2400" b="1" i="1" dirty="0">
+                    <a:latin typeface="Times New Roman" pitchFamily="18" charset="0"/>
+                    <a:cs typeface="Times New Roman" pitchFamily="18" charset="0"/>
+                  </a:rPr>
+                  <a:t>Twitter</a:t>
+                </a:r>
+                <a:r>
+                  <a:rPr lang="ru-RU" sz="2400" b="1" i="1" dirty="0">
+                    <a:latin typeface="Times New Roman" pitchFamily="18" charset="0"/>
+                    <a:cs typeface="Times New Roman" pitchFamily="18" charset="0"/>
+                  </a:rPr>
+                  <a:t>, </a:t>
+                </a:r>
+                <a:r>
+                  <a:rPr lang="ru-RU" sz="2400" dirty="0">
+                    <a:latin typeface="Times New Roman" pitchFamily="18" charset="0"/>
+                    <a:cs typeface="Times New Roman" pitchFamily="18" charset="0"/>
+                  </a:rPr>
+                  <a:t>и составление коллекции </a:t>
+                </a:r>
+                <a14:m>
+                  <m:oMath xmlns:m="http://schemas.openxmlformats.org/officeDocument/2006/math">
+                    <m:r>
+                      <a:rPr lang="en-US" sz="2400" i="1" dirty="0">
+                        <a:latin typeface="Cambria Math"/>
+                        <a:cs typeface="Times New Roman" pitchFamily="18" charset="0"/>
+                      </a:rPr>
+                      <m:t>𝐾</m:t>
+                    </m:r>
+                  </m:oMath>
+                </a14:m>
+                <a:r>
+                  <a:rPr lang="ru-RU" sz="2400" i="1" dirty="0">
+                    <a:latin typeface="Times New Roman" pitchFamily="18" charset="0"/>
+                    <a:cs typeface="Times New Roman" pitchFamily="18" charset="0"/>
+                  </a:rPr>
+                  <a:t>.</a:t>
+                </a:r>
+                <a:endParaRPr lang="en-US" sz="2400" i="1" dirty="0">
+                  <a:latin typeface="Times New Roman" pitchFamily="18" charset="0"/>
+                  <a:cs typeface="Times New Roman" pitchFamily="18" charset="0"/>
+                </a:endParaRPr>
+              </a:p>
+              <a:p>
+                <a:pPr marL="342900" indent="-342900" algn="just">
+                  <a:buFont typeface="Wingdings" pitchFamily="2" charset="2"/>
+                  <a:buChar char="Ø"/>
+                </a:pPr>
+                <a:r>
+                  <a:rPr lang="ru-RU" sz="2400" u="sng" dirty="0">
+                    <a:latin typeface="Times New Roman" pitchFamily="18" charset="0"/>
+                    <a:cs typeface="Times New Roman" pitchFamily="18" charset="0"/>
+                  </a:rPr>
+                  <a:t>Разбиение</a:t>
+                </a:r>
+                <a:r>
+                  <a:rPr lang="en-US" sz="2400" u="sng" dirty="0">
+                    <a:latin typeface="Times New Roman" pitchFamily="18" charset="0"/>
+                    <a:cs typeface="Times New Roman" pitchFamily="18" charset="0"/>
+                  </a:rPr>
+                  <a:t> </a:t>
+                </a:r>
+                <a:r>
+                  <a:rPr lang="ru-RU" sz="2400" u="sng" dirty="0">
+                    <a:latin typeface="Times New Roman" pitchFamily="18" charset="0"/>
+                    <a:cs typeface="Times New Roman" pitchFamily="18" charset="0"/>
+                  </a:rPr>
+                  <a:t>коллекции</a:t>
+                </a:r>
+                <a:r>
+                  <a:rPr lang="ru-RU" sz="2400" dirty="0">
+                    <a:latin typeface="Times New Roman" pitchFamily="18" charset="0"/>
+                    <a:cs typeface="Times New Roman" pitchFamily="18" charset="0"/>
+                  </a:rPr>
+                  <a:t> сообщений </a:t>
+                </a:r>
+                <a14:m>
+                  <m:oMath xmlns:m="http://schemas.openxmlformats.org/officeDocument/2006/math">
+                    <m:r>
+                      <a:rPr lang="en-US" sz="2400" i="1">
+                        <a:latin typeface="Cambria Math"/>
+                      </a:rPr>
+                      <m:t>𝐾</m:t>
+                    </m:r>
+                  </m:oMath>
+                </a14:m>
+                <a:r>
+                  <a:rPr lang="ru-RU" sz="2400" dirty="0">
+                    <a:latin typeface="Times New Roman" pitchFamily="18" charset="0"/>
+                    <a:cs typeface="Times New Roman" pitchFamily="18" charset="0"/>
+                  </a:rPr>
+                  <a:t> на </a:t>
+                </a:r>
+                <a14:m>
+                  <m:oMath xmlns:m="http://schemas.openxmlformats.org/officeDocument/2006/math">
+                    <m:sSub>
+                      <m:sSubPr>
+                        <m:ctrlPr>
+                          <a:rPr lang="en-US" sz="2400" b="1" i="1">
+                            <a:solidFill>
+                              <a:srgbClr val="34921E"/>
+                            </a:solidFill>
+                            <a:latin typeface="Cambria Math"/>
+                          </a:rPr>
+                        </m:ctrlPr>
+                      </m:sSubPr>
+                      <m:e>
+                        <m:r>
+                          <a:rPr lang="en-US" sz="2400" b="1" i="1">
+                            <a:solidFill>
+                              <a:srgbClr val="34921E"/>
+                            </a:solidFill>
+                            <a:latin typeface="Cambria Math"/>
+                          </a:rPr>
+                          <m:t>𝑲</m:t>
+                        </m:r>
+                      </m:e>
+                      <m:sub>
+                        <m:r>
+                          <a:rPr lang="en-US" sz="2400" b="1" i="1">
+                            <a:solidFill>
+                              <a:srgbClr val="34921E"/>
+                            </a:solidFill>
+                            <a:latin typeface="Cambria Math"/>
+                          </a:rPr>
+                          <m:t>𝑬𝒙𝒄𝒆𝒍𝒍𝒆𝒏𝒕</m:t>
+                        </m:r>
+                      </m:sub>
+                    </m:sSub>
+                  </m:oMath>
+                </a14:m>
+                <a:r>
+                  <a:rPr lang="ru-RU" sz="2400" dirty="0">
+                    <a:latin typeface="Times New Roman" pitchFamily="18" charset="0"/>
+                    <a:cs typeface="Times New Roman" pitchFamily="18" charset="0"/>
+                  </a:rPr>
+                  <a:t> и </a:t>
+                </a:r>
+                <a14:m>
+                  <m:oMath xmlns:m="http://schemas.openxmlformats.org/officeDocument/2006/math">
+                    <m:sSub>
+                      <m:sSubPr>
+                        <m:ctrlPr>
+                          <a:rPr lang="en-US" sz="2400" b="1" i="1">
+                            <a:solidFill>
+                              <a:srgbClr val="C00000"/>
+                            </a:solidFill>
+                            <a:latin typeface="Cambria Math"/>
+                          </a:rPr>
+                        </m:ctrlPr>
+                      </m:sSubPr>
+                      <m:e>
+                        <m:r>
+                          <a:rPr lang="en-US" sz="2400" b="1" i="1">
+                            <a:solidFill>
+                              <a:srgbClr val="C00000"/>
+                            </a:solidFill>
+                            <a:latin typeface="Cambria Math"/>
+                          </a:rPr>
+                          <m:t>𝑲</m:t>
+                        </m:r>
+                      </m:e>
+                      <m:sub>
+                        <m:r>
+                          <a:rPr lang="en-US" sz="2400" b="1" i="1">
+                            <a:solidFill>
+                              <a:srgbClr val="C00000"/>
+                            </a:solidFill>
+                            <a:latin typeface="Cambria Math"/>
+                          </a:rPr>
+                          <m:t>𝑷𝒐𝒐𝒓</m:t>
+                        </m:r>
+                      </m:sub>
+                    </m:sSub>
+                  </m:oMath>
+                </a14:m>
+                <a:r>
+                  <a:rPr lang="en-US" sz="2400" dirty="0">
+                    <a:latin typeface="Times New Roman" pitchFamily="18" charset="0"/>
+                    <a:cs typeface="Times New Roman" pitchFamily="18" charset="0"/>
+                  </a:rPr>
+                  <a:t> </a:t>
+                </a:r>
+                <a:r>
+                  <a:rPr lang="ru-RU" sz="2400" dirty="0">
+                    <a:latin typeface="Times New Roman" pitchFamily="18" charset="0"/>
+                    <a:cs typeface="Times New Roman" pitchFamily="18" charset="0"/>
+                  </a:rPr>
+                  <a:t>с помощью</a:t>
+                </a:r>
+                <a:r>
+                  <a:rPr lang="en-US" sz="2400" dirty="0">
+                    <a:latin typeface="Times New Roman" pitchFamily="18" charset="0"/>
+                    <a:cs typeface="Times New Roman" pitchFamily="18" charset="0"/>
+                  </a:rPr>
+                  <a:t>:</a:t>
+                </a:r>
+              </a:p>
+              <a:p>
+                <a:pPr marL="737100" lvl="1" algn="just"/>
+                <a:r>
+                  <a:rPr lang="ru-RU" sz="2400" dirty="0">
+                    <a:latin typeface="Times New Roman" pitchFamily="18" charset="0"/>
+                    <a:cs typeface="Times New Roman" pitchFamily="18" charset="0"/>
+                  </a:rPr>
+                  <a:t>Эмотиконов в сообщении</a:t>
+                </a:r>
+                <a:r>
+                  <a:rPr lang="en-US" sz="2400" dirty="0">
+                    <a:latin typeface="Times New Roman" pitchFamily="18" charset="0"/>
+                    <a:cs typeface="Times New Roman" pitchFamily="18" charset="0"/>
+                  </a:rPr>
+                  <a:t> (</a:t>
+                </a:r>
+                <a:r>
+                  <a:rPr lang="ru-RU" sz="2400" dirty="0">
+                    <a:latin typeface="Times New Roman" pitchFamily="18" charset="0"/>
+                    <a:cs typeface="Times New Roman" pitchFamily="18" charset="0"/>
+                  </a:rPr>
+                  <a:t>смайликов </a:t>
+                </a:r>
+                <a:r>
+                  <a:rPr lang="en-US" sz="2400" b="1" kern="0" dirty="0">
+                    <a:solidFill>
+                      <a:srgbClr val="34921E"/>
+                    </a:solidFill>
+                    <a:latin typeface="Times New Roman" pitchFamily="18" charset="0"/>
+                    <a:cs typeface="Times New Roman" pitchFamily="18" charset="0"/>
+                    <a:sym typeface="Wingdings" pitchFamily="2" charset="2"/>
+                  </a:rPr>
+                  <a:t></a:t>
+                </a:r>
+                <a:r>
+                  <a:rPr lang="en-US" sz="2400" kern="0" dirty="0">
+                    <a:latin typeface="Times New Roman" pitchFamily="18" charset="0"/>
+                    <a:cs typeface="Times New Roman" pitchFamily="18" charset="0"/>
+                    <a:sym typeface="Wingdings" pitchFamily="2" charset="2"/>
+                  </a:rPr>
+                  <a:t>, </a:t>
+                </a:r>
+                <a:r>
+                  <a:rPr lang="en-US" sz="2400" b="1" kern="0" dirty="0">
+                    <a:solidFill>
+                      <a:srgbClr val="C00000"/>
+                    </a:solidFill>
+                    <a:latin typeface="Times New Roman" pitchFamily="18" charset="0"/>
+                    <a:cs typeface="Times New Roman" pitchFamily="18" charset="0"/>
+                    <a:sym typeface="Wingdings" pitchFamily="2" charset="2"/>
+                  </a:rPr>
+                  <a:t></a:t>
+                </a:r>
+                <a:r>
+                  <a:rPr lang="en-US" sz="2400" dirty="0" smtClean="0">
+                    <a:latin typeface="Times New Roman" pitchFamily="18" charset="0"/>
+                    <a:cs typeface="Times New Roman" pitchFamily="18" charset="0"/>
+                  </a:rPr>
+                  <a:t>);</a:t>
+                </a:r>
+                <a:endParaRPr lang="ru-RU" sz="2400" dirty="0">
+                  <a:latin typeface="Times New Roman" pitchFamily="18" charset="0"/>
+                  <a:cs typeface="Times New Roman" pitchFamily="18" charset="0"/>
+                </a:endParaRPr>
               </a:p>
             </p:txBody>
           </p:sp>
@@ -6557,8 +6775,8 @@
             </p:nvSpPr>
             <p:spPr>
               <a:xfrm>
-                <a:off x="299930" y="18254794"/>
-                <a:ext cx="6849947" cy="7924798"/>
+                <a:off x="299930" y="18164323"/>
+                <a:ext cx="6849947" cy="10879453"/>
               </a:xfrm>
               <a:prstGeom prst="rect">
                 <a:avLst/>
@@ -6566,316 +6784,7 @@
               <a:blipFill rotWithShape="1">
                 <a:blip r:embed="rId5"/>
                 <a:stretch>
-                  <a:fillRect l="-1335" t="-1385" r="-1423" b="-769"/>
-                </a:stretch>
-              </a:blipFill>
-            </p:spPr>
-            <p:txBody>
-              <a:bodyPr/>
-              <a:lstStyle/>
-              <a:p>
-                <a:r>
-                  <a:rPr lang="ru-RU">
-                    <a:noFill/>
-                  </a:rPr>
-                  <a:t> </a:t>
-                </a:r>
-              </a:p>
-            </p:txBody>
-          </p:sp>
-        </mc:Fallback>
-      </mc:AlternateContent>
-      <p:sp>
-        <p:nvSpPr>
-          <p:cNvPr id="36" name="Прямоугольник 35"/>
-          <p:cNvSpPr/>
-          <p:nvPr/>
-        </p:nvSpPr>
-        <p:spPr>
-          <a:xfrm>
-            <a:off x="270304" y="26383908"/>
-            <a:ext cx="6888551" cy="2833629"/>
-          </a:xfrm>
-          <a:prstGeom prst="rect">
-            <a:avLst/>
-          </a:prstGeom>
-          <a:ln w="76200">
-            <a:solidFill>
-              <a:schemeClr val="tx2">
-                <a:lumMod val="60000"/>
-                <a:lumOff val="40000"/>
-              </a:schemeClr>
-            </a:solidFill>
-          </a:ln>
-        </p:spPr>
-        <p:style>
-          <a:lnRef idx="2">
-            <a:schemeClr val="dk1"/>
-          </a:lnRef>
-          <a:fillRef idx="1">
-            <a:schemeClr val="lt1"/>
-          </a:fillRef>
-          <a:effectRef idx="0">
-            <a:schemeClr val="dk1"/>
-          </a:effectRef>
-          <a:fontRef idx="minor">
-            <a:schemeClr val="dk1"/>
-          </a:fontRef>
-        </p:style>
-        <p:txBody>
-          <a:bodyPr rtlCol="0" anchor="ctr"/>
-          <a:lstStyle/>
-          <a:p>
-            <a:pPr algn="ctr"/>
-            <a:endParaRPr lang="en-US" sz="4400" b="1" dirty="0" smtClean="0">
-              <a:latin typeface="Times New Roman" pitchFamily="18" charset="0"/>
-              <a:cs typeface="Times New Roman" pitchFamily="18" charset="0"/>
-            </a:endParaRPr>
-          </a:p>
-        </p:txBody>
-      </p:sp>
-      <mc:AlternateContent xmlns:mc="http://schemas.openxmlformats.org/markup-compatibility/2006">
-        <mc:Choice xmlns:a14="http://schemas.microsoft.com/office/drawing/2010/main" Requires="a14">
-          <p:sp>
-            <p:nvSpPr>
-              <p:cNvPr id="35" name="TextBox 34"/>
-              <p:cNvSpPr txBox="1"/>
-              <p:nvPr/>
-            </p:nvSpPr>
-            <p:spPr>
-              <a:xfrm>
-                <a:off x="290953" y="26383909"/>
-                <a:ext cx="6878022" cy="2262158"/>
-              </a:xfrm>
-              <a:prstGeom prst="rect">
-                <a:avLst/>
-              </a:prstGeom>
-              <a:noFill/>
-            </p:spPr>
-            <p:txBody>
-              <a:bodyPr wrap="square" rtlCol="0">
-                <a:spAutoFit/>
-              </a:bodyPr>
-              <a:lstStyle/>
-              <a:p>
-                <a:pPr algn="ctr">
-                  <a:spcAft>
-                    <a:spcPts val="600"/>
-                  </a:spcAft>
-                </a:pPr>
-                <a:r>
-                  <a:rPr lang="en-US" sz="4000" b="1" dirty="0" smtClean="0">
-                    <a:latin typeface="Times New Roman" pitchFamily="18" charset="0"/>
-                    <a:cs typeface="Times New Roman" pitchFamily="18" charset="0"/>
-                  </a:rPr>
-                  <a:t>5. </a:t>
-                </a:r>
-                <a:r>
-                  <a:rPr lang="ru-RU" sz="4000" b="1" dirty="0" smtClean="0">
-                    <a:latin typeface="Times New Roman" pitchFamily="18" charset="0"/>
-                    <a:cs typeface="Times New Roman" pitchFamily="18" charset="0"/>
-                  </a:rPr>
-                  <a:t>Автогенерация коллекций</a:t>
-                </a:r>
-              </a:p>
-              <a:p>
-                <a:pPr marL="342900" indent="-342900" algn="just">
-                  <a:buFont typeface="Arial" pitchFamily="34" charset="0"/>
-                  <a:buChar char="•"/>
-                </a:pPr>
-                <a:r>
-                  <a:rPr lang="ru-RU" sz="2400" dirty="0" smtClean="0">
-                    <a:latin typeface="Times New Roman" pitchFamily="18" charset="0"/>
-                    <a:cs typeface="Times New Roman" pitchFamily="18" charset="0"/>
-                  </a:rPr>
-                  <a:t>Прием трансляции сообщений сети </a:t>
-                </a:r>
-                <a:r>
-                  <a:rPr lang="en-US" sz="2400" b="1" i="1" dirty="0" smtClean="0">
-                    <a:latin typeface="Times New Roman" pitchFamily="18" charset="0"/>
-                    <a:cs typeface="Times New Roman" pitchFamily="18" charset="0"/>
-                  </a:rPr>
-                  <a:t>Twitter</a:t>
-                </a:r>
-                <a:r>
-                  <a:rPr lang="ru-RU" sz="2400" i="1" dirty="0" smtClean="0">
-                    <a:latin typeface="Times New Roman" pitchFamily="18" charset="0"/>
-                    <a:cs typeface="Times New Roman" pitchFamily="18" charset="0"/>
-                  </a:rPr>
-                  <a:t>.</a:t>
-                </a:r>
-                <a:endParaRPr lang="en-US" sz="2400" i="1" dirty="0" smtClean="0">
-                  <a:latin typeface="Times New Roman" pitchFamily="18" charset="0"/>
-                  <a:cs typeface="Times New Roman" pitchFamily="18" charset="0"/>
-                </a:endParaRPr>
-              </a:p>
-              <a:p>
-                <a:pPr marL="342900" indent="-342900" algn="just">
-                  <a:buFont typeface="Arial" pitchFamily="34" charset="0"/>
-                  <a:buChar char="•"/>
-                </a:pPr>
-                <a:r>
-                  <a:rPr lang="ru-RU" sz="2400" dirty="0" smtClean="0">
-                    <a:latin typeface="Times New Roman" pitchFamily="18" charset="0"/>
-                    <a:cs typeface="Times New Roman" pitchFamily="18" charset="0"/>
-                  </a:rPr>
-                  <a:t>Разбиение</a:t>
-                </a:r>
-                <a:r>
-                  <a:rPr lang="en-US" sz="2400" dirty="0" smtClean="0">
-                    <a:latin typeface="Times New Roman" pitchFamily="18" charset="0"/>
-                    <a:cs typeface="Times New Roman" pitchFamily="18" charset="0"/>
-                  </a:rPr>
-                  <a:t> </a:t>
-                </a:r>
-                <a:r>
-                  <a:rPr lang="ru-RU" sz="2400" dirty="0" smtClean="0">
-                    <a:latin typeface="Times New Roman" pitchFamily="18" charset="0"/>
-                    <a:cs typeface="Times New Roman" pitchFamily="18" charset="0"/>
-                  </a:rPr>
-                  <a:t>полученной коллекции сообщений </a:t>
-                </a:r>
-                <a14:m>
-                  <m:oMath xmlns:m="http://schemas.openxmlformats.org/officeDocument/2006/math">
-                    <m:r>
-                      <a:rPr lang="en-US" sz="2400" b="0" i="1" smtClean="0">
-                        <a:latin typeface="Cambria Math"/>
-                      </a:rPr>
-                      <m:t>𝐾</m:t>
-                    </m:r>
-                  </m:oMath>
-                </a14:m>
-                <a:r>
-                  <a:rPr lang="ru-RU" sz="2400" dirty="0" smtClean="0">
-                    <a:latin typeface="Times New Roman" pitchFamily="18" charset="0"/>
-                    <a:cs typeface="Times New Roman" pitchFamily="18" charset="0"/>
-                  </a:rPr>
-                  <a:t> на </a:t>
-                </a:r>
-                <a14:m>
-                  <m:oMath xmlns:m="http://schemas.openxmlformats.org/officeDocument/2006/math">
-                    <m:sSub>
-                      <m:sSubPr>
-                        <m:ctrlPr>
-                          <a:rPr lang="en-US" sz="2400" i="1" smtClean="0">
-                            <a:latin typeface="Cambria Math"/>
-                          </a:rPr>
-                        </m:ctrlPr>
-                      </m:sSubPr>
-                      <m:e>
-                        <m:r>
-                          <a:rPr lang="en-US" sz="2400" b="0" i="1" smtClean="0">
-                            <a:latin typeface="Cambria Math"/>
-                          </a:rPr>
-                          <m:t>𝐾</m:t>
-                        </m:r>
-                      </m:e>
-                      <m:sub>
-                        <m:r>
-                          <a:rPr lang="en-US" sz="2400" b="0" i="1" smtClean="0">
-                            <a:latin typeface="Cambria Math"/>
-                          </a:rPr>
-                          <m:t>𝐸𝑥𝑐𝑒𝑙𝑙𝑒𝑛𝑡</m:t>
-                        </m:r>
-                      </m:sub>
-                    </m:sSub>
-                  </m:oMath>
-                </a14:m>
-                <a:r>
-                  <a:rPr lang="ru-RU" sz="2400" dirty="0" smtClean="0">
-                    <a:latin typeface="Times New Roman" pitchFamily="18" charset="0"/>
-                    <a:cs typeface="Times New Roman" pitchFamily="18" charset="0"/>
-                  </a:rPr>
-                  <a:t>и </a:t>
-                </a:r>
-                <a14:m>
-                  <m:oMath xmlns:m="http://schemas.openxmlformats.org/officeDocument/2006/math">
-                    <m:sSub>
-                      <m:sSubPr>
-                        <m:ctrlPr>
-                          <a:rPr lang="en-US" sz="2400" i="1" smtClean="0">
-                            <a:latin typeface="Cambria Math"/>
-                          </a:rPr>
-                        </m:ctrlPr>
-                      </m:sSubPr>
-                      <m:e>
-                        <m:r>
-                          <a:rPr lang="en-US" sz="2400" b="0" i="1" smtClean="0">
-                            <a:latin typeface="Cambria Math"/>
-                          </a:rPr>
-                          <m:t>𝐾</m:t>
-                        </m:r>
-                      </m:e>
-                      <m:sub>
-                        <m:r>
-                          <a:rPr lang="en-US" sz="2400" b="0" i="1" smtClean="0">
-                            <a:latin typeface="Cambria Math"/>
-                          </a:rPr>
-                          <m:t>𝑃𝑜𝑜𝑟</m:t>
-                        </m:r>
-                      </m:sub>
-                    </m:sSub>
-                  </m:oMath>
-                </a14:m>
-                <a:r>
-                  <a:rPr lang="en-US" sz="2400" dirty="0" smtClean="0">
-                    <a:latin typeface="Times New Roman" pitchFamily="18" charset="0"/>
-                    <a:cs typeface="Times New Roman" pitchFamily="18" charset="0"/>
-                  </a:rPr>
-                  <a:t> </a:t>
-                </a:r>
-                <a:r>
-                  <a:rPr lang="ru-RU" sz="2400" dirty="0" smtClean="0">
-                    <a:latin typeface="Times New Roman" pitchFamily="18" charset="0"/>
-                    <a:cs typeface="Times New Roman" pitchFamily="18" charset="0"/>
-                  </a:rPr>
-                  <a:t>с помощью</a:t>
-                </a:r>
-                <a:r>
-                  <a:rPr lang="en-US" sz="2400" dirty="0" smtClean="0">
-                    <a:latin typeface="Times New Roman" pitchFamily="18" charset="0"/>
-                    <a:cs typeface="Times New Roman" pitchFamily="18" charset="0"/>
-                  </a:rPr>
-                  <a:t>:</a:t>
-                </a:r>
-              </a:p>
-              <a:p>
-                <a:pPr marL="1815998" lvl="1" indent="-342900" algn="just">
-                  <a:buFont typeface="Arial" pitchFamily="34" charset="0"/>
-                  <a:buChar char="•"/>
-                </a:pPr>
-                <a:r>
-                  <a:rPr lang="ru-RU" sz="2400" dirty="0" smtClean="0">
-                    <a:latin typeface="Times New Roman" pitchFamily="18" charset="0"/>
-                    <a:cs typeface="Times New Roman" pitchFamily="18" charset="0"/>
-                  </a:rPr>
-                  <a:t>Эмотиконов в сообщении.</a:t>
-                </a:r>
-              </a:p>
-            </p:txBody>
-          </p:sp>
-        </mc:Choice>
-        <mc:Fallback>
-          <p:sp>
-            <p:nvSpPr>
-              <p:cNvPr id="35" name="TextBox 34"/>
-              <p:cNvSpPr txBox="1">
-                <a:spLocks noRot="1" noChangeAspect="1" noMove="1" noResize="1" noEditPoints="1" noAdjustHandles="1" noChangeArrowheads="1" noChangeShapeType="1" noTextEdit="1"/>
-              </p:cNvSpPr>
-              <p:nvPr/>
-            </p:nvSpPr>
-            <p:spPr>
-              <a:xfrm>
-                <a:off x="290953" y="26383909"/>
-                <a:ext cx="6878022" cy="2262158"/>
-              </a:xfrm>
-              <a:prstGeom prst="rect">
-                <a:avLst/>
-              </a:prstGeom>
-              <a:blipFill rotWithShape="1">
-                <a:blip r:embed="rId6"/>
-                <a:stretch>
-                  <a:fillRect l="-2748" t="-4852" r="-2571" b="-5391"/>
+                  <a:fillRect l="-1335" t="-1009" r="-1423" b="-392"/>
                 </a:stretch>
               </a:blipFill>
             </p:spPr>
@@ -6903,14 +6812,14 @@
           <p:nvPr>
             <p:extLst>
               <p:ext uri="{D42A27DB-BD31-4B8C-83A1-F6EECF244321}">
-                <p14:modId xmlns:p14="http://schemas.microsoft.com/office/powerpoint/2010/main" val="2432060693"/>
+                <p14:modId xmlns:p14="http://schemas.microsoft.com/office/powerpoint/2010/main" val="3655914412"/>
               </p:ext>
             </p:extLst>
           </p:nvPr>
         </p:nvGraphicFramePr>
         <p:xfrm>
-          <a:off x="7490561" y="19306205"/>
-          <a:ext cx="6505367" cy="2194560"/>
+          <a:off x="7524750" y="19090181"/>
+          <a:ext cx="6398164" cy="2194560"/>
         </p:xfrm>
         <a:graphic>
           <a:graphicData uri="http://schemas.openxmlformats.org/drawingml/2006/table">
@@ -6919,11 +6828,11 @@
                 <a:tableStyleId>{2D5ABB26-0587-4C30-8999-92F81FD0307C}</a:tableStyleId>
               </a:tblPr>
               <a:tblGrid>
-                <a:gridCol w="1564688"/>
-                <a:gridCol w="1141119"/>
-                <a:gridCol w="1511284"/>
-                <a:gridCol w="1185686"/>
-                <a:gridCol w="1102590"/>
+                <a:gridCol w="1656616"/>
+                <a:gridCol w="1098019"/>
+                <a:gridCol w="1392962"/>
+                <a:gridCol w="1282383"/>
+                <a:gridCol w="968184"/>
               </a:tblGrid>
               <a:tr h="228382">
                 <a:tc gridSpan="5">
@@ -6950,9 +6859,17 @@
                           <a:latin typeface="Times New Roman" pitchFamily="18" charset="0"/>
                           <a:cs typeface="Times New Roman" pitchFamily="18" charset="0"/>
                         </a:rPr>
-                        <a:t>5</a:t>
+                        <a:t>5 </a:t>
                       </a:r>
-                      <a:endParaRPr lang="ru-RU" sz="4000" b="1" kern="150" dirty="0">
+                      <a:r>
+                        <a:rPr lang="ru-RU" sz="2400" b="0" kern="150" dirty="0" smtClean="0">
+                          <a:effectLst/>
+                          <a:latin typeface="Times New Roman" pitchFamily="18" charset="0"/>
+                          <a:cs typeface="Times New Roman" pitchFamily="18" charset="0"/>
+                        </a:rPr>
+                        <a:t>(количество сообщений)</a:t>
+                      </a:r>
+                      <a:endParaRPr lang="ru-RU" sz="4000" b="0" kern="150" dirty="0">
                         <a:effectLst/>
                         <a:latin typeface="Times New Roman" pitchFamily="18" charset="0"/>
                         <a:ea typeface="SimSun"/>
@@ -7117,7 +7034,10 @@
                         </a:spcAft>
                       </a:pPr>
                       <a:r>
-                        <a:rPr lang="en-US" sz="2400" kern="0" dirty="0" smtClean="0">
+                        <a:rPr lang="en-US" sz="2400" b="1" kern="0" dirty="0" smtClean="0">
+                          <a:solidFill>
+                            <a:srgbClr val="34921E"/>
+                          </a:solidFill>
                           <a:effectLst/>
                           <a:latin typeface="Times New Roman" pitchFamily="18" charset="0"/>
                           <a:ea typeface="+mn-ea"/>
@@ -7126,7 +7046,10 @@
                         </a:rPr>
                         <a:t></a:t>
                       </a:r>
-                      <a:endParaRPr lang="ru-RU" sz="4000" kern="150" dirty="0">
+                      <a:endParaRPr lang="ru-RU" sz="4000" b="1" kern="150" dirty="0">
+                        <a:solidFill>
+                          <a:srgbClr val="34921E"/>
+                        </a:solidFill>
                         <a:effectLst/>
                         <a:latin typeface="Times New Roman" pitchFamily="18" charset="0"/>
                         <a:ea typeface="SimSun"/>
@@ -7184,7 +7107,7 @@
                         </a:spcAft>
                       </a:pPr>
                       <a:r>
-                        <a:rPr lang="en-US" sz="2400" kern="0" dirty="0" smtClean="0">
+                        <a:rPr lang="en-US" sz="2400" b="1" kern="0" dirty="0" smtClean="0">
                           <a:effectLst/>
                           <a:latin typeface="Times New Roman" pitchFamily="18" charset="0"/>
                           <a:cs typeface="Times New Roman" pitchFamily="18" charset="0"/>
@@ -7192,7 +7115,7 @@
                         </a:rPr>
                         <a:t></a:t>
                       </a:r>
-                      <a:endParaRPr lang="ru-RU" sz="4000" kern="150" dirty="0">
+                      <a:endParaRPr lang="ru-RU" sz="4000" b="1" kern="150" dirty="0">
                         <a:effectLst/>
                         <a:latin typeface="Times New Roman" pitchFamily="18" charset="0"/>
                         <a:ea typeface="SimSun"/>
@@ -7250,7 +7173,10 @@
                         </a:spcAft>
                       </a:pPr>
                       <a:r>
-                        <a:rPr lang="en-US" sz="2400" kern="0" dirty="0" smtClean="0">
+                        <a:rPr lang="en-US" sz="2400" b="1" kern="0" dirty="0" smtClean="0">
+                          <a:solidFill>
+                            <a:srgbClr val="C00000"/>
+                          </a:solidFill>
                           <a:effectLst/>
                           <a:latin typeface="Times New Roman" pitchFamily="18" charset="0"/>
                           <a:cs typeface="Times New Roman" pitchFamily="18" charset="0"/>
@@ -7258,7 +7184,10 @@
                         </a:rPr>
                         <a:t></a:t>
                       </a:r>
-                      <a:endParaRPr lang="ru-RU" sz="4000" kern="150" dirty="0">
+                      <a:endParaRPr lang="ru-RU" sz="4000" b="1" kern="150" dirty="0">
+                        <a:solidFill>
+                          <a:srgbClr val="C00000"/>
+                        </a:solidFill>
                         <a:effectLst/>
                         <a:latin typeface="Times New Roman" pitchFamily="18" charset="0"/>
                         <a:ea typeface="SimSun"/>
@@ -8177,7 +8106,7 @@
         </p:nvSpPr>
         <p:spPr>
           <a:xfrm>
-            <a:off x="7370657" y="17859655"/>
+            <a:off x="7370657" y="17643631"/>
             <a:ext cx="6616929" cy="1446550"/>
           </a:xfrm>
           <a:prstGeom prst="rect">
@@ -8193,11 +8122,25 @@
           <a:p>
             <a:pPr algn="ctr"/>
             <a:r>
+              <a:rPr lang="ru-RU" sz="4000" b="1" dirty="0">
+                <a:latin typeface="Times New Roman" pitchFamily="18" charset="0"/>
+                <a:cs typeface="Times New Roman" pitchFamily="18" charset="0"/>
+              </a:rPr>
+              <a:t>7</a:t>
+            </a:r>
+            <a:r>
               <a:rPr lang="ru-RU" sz="4000" b="1" dirty="0" smtClean="0">
                 <a:latin typeface="Times New Roman" pitchFamily="18" charset="0"/>
                 <a:cs typeface="Times New Roman" pitchFamily="18" charset="0"/>
               </a:rPr>
-              <a:t>8. Обучающие коллекции</a:t>
+              <a:t>. </a:t>
+            </a:r>
+            <a:r>
+              <a:rPr lang="ru-RU" sz="4000" b="1" dirty="0" smtClean="0">
+                <a:latin typeface="Times New Roman" pitchFamily="18" charset="0"/>
+                <a:cs typeface="Times New Roman" pitchFamily="18" charset="0"/>
+              </a:rPr>
+              <a:t>Обучающие коллекции</a:t>
             </a:r>
           </a:p>
           <a:p>
@@ -8243,10 +8186,13 @@
               </a:rPr>
               <a:t>Предоставленные организаторами</a:t>
             </a:r>
-            <a:endParaRPr lang="en-US" sz="2400" dirty="0" smtClean="0">
-              <a:latin typeface="Times New Roman" pitchFamily="18" charset="0"/>
-              <a:cs typeface="Times New Roman" pitchFamily="18" charset="0"/>
-            </a:endParaRPr>
+            <a:r>
+              <a:rPr lang="en-US" sz="2400" dirty="0" smtClean="0">
+                <a:latin typeface="Times New Roman" pitchFamily="18" charset="0"/>
+                <a:cs typeface="Times New Roman" pitchFamily="18" charset="0"/>
+              </a:rPr>
+              <a:t>:</a:t>
+            </a:r>
           </a:p>
         </p:txBody>
       </p:sp>
@@ -8259,14 +8205,14 @@
           <p:nvPr>
             <p:extLst>
               <p:ext uri="{D42A27DB-BD31-4B8C-83A1-F6EECF244321}">
-                <p14:modId xmlns:p14="http://schemas.microsoft.com/office/powerpoint/2010/main" val="1921003432"/>
+                <p14:modId xmlns:p14="http://schemas.microsoft.com/office/powerpoint/2010/main" val="115504609"/>
               </p:ext>
             </p:extLst>
           </p:nvPr>
         </p:nvGraphicFramePr>
         <p:xfrm>
-          <a:off x="7490051" y="21483240"/>
-          <a:ext cx="6499846" cy="1828800"/>
+          <a:off x="7528153" y="21332676"/>
+          <a:ext cx="6389734" cy="1828800"/>
         </p:xfrm>
         <a:graphic>
           <a:graphicData uri="http://schemas.openxmlformats.org/drawingml/2006/table">
@@ -8275,13 +8221,13 @@
                 <a:tableStyleId>{2D5ABB26-0587-4C30-8999-92F81FD0307C}</a:tableStyleId>
               </a:tblPr>
               <a:tblGrid>
-                <a:gridCol w="1565198"/>
-                <a:gridCol w="1146545"/>
-                <a:gridCol w="1514601"/>
-                <a:gridCol w="1185101"/>
-                <a:gridCol w="1088401"/>
+                <a:gridCol w="1671112"/>
+                <a:gridCol w="1080120"/>
+                <a:gridCol w="1403515"/>
+                <a:gridCol w="1260781"/>
+                <a:gridCol w="974206"/>
               </a:tblGrid>
-              <a:tr h="283595">
+              <a:tr h="288031">
                 <a:tc gridSpan="5">
                   <a:txBody>
                     <a:bodyPr/>
@@ -8293,14 +8239,14 @@
                         </a:spcAft>
                       </a:pPr>
                       <a:r>
-                        <a:rPr lang="en-US" sz="2400" b="1" kern="150" smtClean="0">
+                        <a:rPr lang="en-US" sz="2400" b="1" kern="150" dirty="0" smtClean="0">
                           <a:effectLst/>
                           <a:latin typeface="Times New Roman" pitchFamily="18" charset="0"/>
                           <a:cs typeface="Times New Roman" pitchFamily="18" charset="0"/>
                         </a:rPr>
                         <a:t>2016</a:t>
                       </a:r>
-                      <a:endParaRPr lang="ru-RU" sz="2400" b="1" kern="150" smtClean="0">
+                      <a:endParaRPr lang="ru-RU" sz="2400" b="1" kern="150" dirty="0" smtClean="0">
                         <a:effectLst/>
                         <a:latin typeface="Times New Roman" pitchFamily="18" charset="0"/>
                         <a:cs typeface="Times New Roman" pitchFamily="18" charset="0"/>
@@ -9207,14 +9153,14 @@
               <p:nvPr>
                 <p:extLst>
                   <p:ext uri="{D42A27DB-BD31-4B8C-83A1-F6EECF244321}">
-                    <p14:modId xmlns:p14="http://schemas.microsoft.com/office/powerpoint/2010/main" val="4074116258"/>
+                    <p14:modId xmlns:p14="http://schemas.microsoft.com/office/powerpoint/2010/main" val="648409809"/>
                   </p:ext>
                 </p:extLst>
               </p:nvPr>
             </p:nvGraphicFramePr>
             <p:xfrm>
-              <a:off x="7531398" y="27444027"/>
-              <a:ext cx="6495636" cy="1463040"/>
+              <a:off x="7524750" y="27375027"/>
+              <a:ext cx="6438872" cy="1508036"/>
             </p:xfrm>
             <a:graphic>
               <a:graphicData uri="http://schemas.openxmlformats.org/drawingml/2006/table">
@@ -9223,11 +9169,11 @@
                     <a:tableStyleId>{2D5ABB26-0587-4C30-8999-92F81FD0307C}</a:tableStyleId>
                   </a:tblPr>
                   <a:tblGrid>
-                    <a:gridCol w="1656184"/>
-                    <a:gridCol w="1728192"/>
-                    <a:gridCol w="3111260"/>
+                    <a:gridCol w="1641711"/>
+                    <a:gridCol w="1713090"/>
+                    <a:gridCol w="3084071"/>
                   </a:tblGrid>
-                  <a:tr h="119083">
+                  <a:tr h="377009">
                     <a:tc gridSpan="3">
                       <a:txBody>
                         <a:bodyPr/>
@@ -9244,17 +9190,25 @@
                               <a:latin typeface="Times New Roman" pitchFamily="18" charset="0"/>
                               <a:cs typeface="Times New Roman" pitchFamily="18" charset="0"/>
                             </a:rPr>
-                            <a:t>Сбалансированные</a:t>
-                          </a:r>
-                          <a:r>
-                            <a:rPr lang="ru-RU" sz="2400" b="1" kern="150" baseline="0" dirty="0" smtClean="0">
+                            <a:t>Сбалансированные </a:t>
+                          </a:r>
+                          <a:r>
+                            <a:rPr lang="ru-RU" sz="2400" b="0" kern="150" dirty="0" smtClean="0">
                               <a:effectLst/>
                               <a:latin typeface="Times New Roman" pitchFamily="18" charset="0"/>
                               <a:cs typeface="Times New Roman" pitchFamily="18" charset="0"/>
                             </a:rPr>
+                            <a:t>(количество сообщений)</a:t>
+                          </a:r>
+                          <a:r>
+                            <a:rPr lang="ru-RU" sz="2400" b="0" kern="150" baseline="0" dirty="0" smtClean="0">
+                              <a:effectLst/>
+                              <a:latin typeface="Times New Roman" pitchFamily="18" charset="0"/>
+                              <a:cs typeface="Times New Roman" pitchFamily="18" charset="0"/>
+                            </a:rPr>
                             <a:t> </a:t>
                           </a:r>
-                          <a:endParaRPr lang="ru-RU" sz="2800" b="1" kern="150" dirty="0">
+                          <a:endParaRPr lang="ru-RU" sz="2800" b="0" kern="150" dirty="0">
                             <a:effectLst/>
                             <a:latin typeface="Times New Roman" pitchFamily="18" charset="0"/>
                             <a:ea typeface="SimSun"/>
@@ -9322,7 +9276,7 @@
                       <a:tcPr/>
                     </a:tc>
                   </a:tr>
-                  <a:tr h="185371">
+                  <a:tr h="377009">
                     <a:tc>
                       <a:txBody>
                         <a:bodyPr/>
@@ -9539,7 +9493,7 @@
                       </a:tcPr>
                     </a:tc>
                   </a:tr>
-                  <a:tr h="132576">
+                  <a:tr h="377009">
                     <a:tc>
                       <a:txBody>
                         <a:bodyPr/>
@@ -9737,7 +9691,7 @@
                       </a:tcPr>
                     </a:tc>
                   </a:tr>
-                  <a:tr h="54848">
+                  <a:tr h="377009">
                     <a:tc>
                       <a:txBody>
                         <a:bodyPr/>
@@ -9942,14 +9896,14 @@
               <p:nvPr>
                 <p:extLst>
                   <p:ext uri="{D42A27DB-BD31-4B8C-83A1-F6EECF244321}">
-                    <p14:modId xmlns:p14="http://schemas.microsoft.com/office/powerpoint/2010/main" val="4074116258"/>
+                    <p14:modId xmlns:p14="http://schemas.microsoft.com/office/powerpoint/2010/main" val="648409809"/>
                   </p:ext>
                 </p:extLst>
               </p:nvPr>
             </p:nvGraphicFramePr>
             <p:xfrm>
-              <a:off x="7531398" y="27444027"/>
-              <a:ext cx="6495636" cy="1463040"/>
+              <a:off x="7524750" y="27375027"/>
+              <a:ext cx="6438872" cy="1508036"/>
             </p:xfrm>
             <a:graphic>
               <a:graphicData uri="http://schemas.openxmlformats.org/drawingml/2006/table">
@@ -9958,11 +9912,11 @@
                     <a:tableStyleId>{2D5ABB26-0587-4C30-8999-92F81FD0307C}</a:tableStyleId>
                   </a:tblPr>
                   <a:tblGrid>
-                    <a:gridCol w="1656184"/>
-                    <a:gridCol w="1728192"/>
-                    <a:gridCol w="3111260"/>
+                    <a:gridCol w="1641711"/>
+                    <a:gridCol w="1713090"/>
+                    <a:gridCol w="3084071"/>
                   </a:tblGrid>
-                  <a:tr h="365760">
+                  <a:tr h="377009">
                     <a:tc gridSpan="3">
                       <a:txBody>
                         <a:bodyPr/>
@@ -9979,17 +9933,25 @@
                               <a:latin typeface="Times New Roman" pitchFamily="18" charset="0"/>
                               <a:cs typeface="Times New Roman" pitchFamily="18" charset="0"/>
                             </a:rPr>
-                            <a:t>Сбалансированные</a:t>
-                          </a:r>
-                          <a:r>
-                            <a:rPr lang="ru-RU" sz="2400" b="1" kern="150" baseline="0" dirty="0" smtClean="0">
+                            <a:t>Сбалансированные </a:t>
+                          </a:r>
+                          <a:r>
+                            <a:rPr lang="ru-RU" sz="2400" b="0" kern="150" dirty="0" smtClean="0">
                               <a:effectLst/>
                               <a:latin typeface="Times New Roman" pitchFamily="18" charset="0"/>
                               <a:cs typeface="Times New Roman" pitchFamily="18" charset="0"/>
                             </a:rPr>
+                            <a:t>(количество сообщений)</a:t>
+                          </a:r>
+                          <a:r>
+                            <a:rPr lang="ru-RU" sz="2400" b="0" kern="150" baseline="0" dirty="0" smtClean="0">
+                              <a:effectLst/>
+                              <a:latin typeface="Times New Roman" pitchFamily="18" charset="0"/>
+                              <a:cs typeface="Times New Roman" pitchFamily="18" charset="0"/>
+                            </a:rPr>
                             <a:t> </a:t>
                           </a:r>
-                          <a:endParaRPr lang="ru-RU" sz="2800" b="1" kern="150" dirty="0">
+                          <a:endParaRPr lang="ru-RU" sz="2800" b="0" kern="150" dirty="0">
                             <a:effectLst/>
                             <a:latin typeface="Times New Roman" pitchFamily="18" charset="0"/>
                             <a:ea typeface="SimSun"/>
@@ -10057,7 +10019,7 @@
                       <a:tcPr/>
                     </a:tc>
                   </a:tr>
-                  <a:tr h="365760">
+                  <a:tr h="377009">
                     <a:tc>
                       <a:txBody>
                         <a:bodyPr/>
@@ -10169,9 +10131,9 @@
                           <a:tailEnd type="none" w="med" len="med"/>
                         </a:lnB>
                         <a:blipFill rotWithShape="1">
-                          <a:blip r:embed="rId7"/>
+                          <a:blip r:embed="rId6"/>
                           <a:stretch>
-                            <a:fillRect l="-96113" t="-126667" r="-180919" b="-250000"/>
+                            <a:fillRect l="-96085" t="-124194" r="-180071" b="-246774"/>
                           </a:stretch>
                         </a:blipFill>
                       </a:tcPr>
@@ -10222,15 +10184,15 @@
                           <a:tailEnd type="none" w="med" len="med"/>
                         </a:lnB>
                         <a:blipFill rotWithShape="1">
-                          <a:blip r:embed="rId7"/>
+                          <a:blip r:embed="rId6"/>
                           <a:stretch>
-                            <a:fillRect l="-108611" t="-126667" r="-196" b="-250000"/>
+                            <a:fillRect l="-108893" t="-124194" b="-246774"/>
                           </a:stretch>
                         </a:blipFill>
                       </a:tcPr>
                     </a:tc>
                   </a:tr>
-                  <a:tr h="365760">
+                  <a:tr h="377009">
                     <a:tc>
                       <a:txBody>
                         <a:bodyPr/>
@@ -10428,7 +10390,7 @@
                       </a:tcPr>
                     </a:tc>
                   </a:tr>
-                  <a:tr h="365760">
+                  <a:tr h="377009">
                     <a:tc>
                       <a:txBody>
                         <a:bodyPr/>
@@ -10624,8 +10586,8 @@
           </p:graphicFrame>
         </mc:Fallback>
       </mc:AlternateContent>
-      <mc:AlternateContent xmlns:mc="http://schemas.openxmlformats.org/markup-compatibility/2006">
-        <mc:Choice xmlns:a14="http://schemas.microsoft.com/office/drawing/2010/main" Requires="a14">
+      <mc:AlternateContent xmlns:mc="http://schemas.openxmlformats.org/markup-compatibility/2006" xmlns:a14="http://schemas.microsoft.com/office/drawing/2010/main">
+        <mc:Choice Requires="a14">
           <p:sp>
             <p:nvSpPr>
               <p:cNvPr id="51" name="TextBox 50"/>
@@ -10634,7 +10596,7 @@
             </p:nvSpPr>
             <p:spPr>
               <a:xfrm>
-                <a:off x="7451736" y="23332799"/>
+                <a:off x="7451736" y="23116775"/>
                 <a:ext cx="6566335" cy="4200252"/>
               </a:xfrm>
               <a:prstGeom prst="rect">
@@ -10691,49 +10653,28 @@
                     <a:latin typeface="Times New Roman" pitchFamily="18" charset="0"/>
                     <a:cs typeface="Times New Roman" pitchFamily="18" charset="0"/>
                   </a:rPr>
-                  <a:t>Балансировка </a:t>
+                  <a:t>Балансировка</a:t>
+                </a:r>
+                <a:r>
+                  <a:rPr lang="en-US" sz="2400" i="1" dirty="0" smtClean="0">
+                    <a:latin typeface="Times New Roman" pitchFamily="18" charset="0"/>
+                    <a:cs typeface="Times New Roman" pitchFamily="18" charset="0"/>
+                  </a:rPr>
+                  <a:t>:</a:t>
+                </a:r>
+                <a:r>
+                  <a:rPr lang="ru-RU" sz="2400" i="1" dirty="0" smtClean="0">
+                    <a:latin typeface="Times New Roman" pitchFamily="18" charset="0"/>
+                    <a:cs typeface="Times New Roman" pitchFamily="18" charset="0"/>
+                  </a:rPr>
+                  <a:t> </a:t>
                 </a:r>
                 <a:r>
                   <a:rPr lang="ru-RU" sz="2400" dirty="0" smtClean="0">
                     <a:latin typeface="Times New Roman" pitchFamily="18" charset="0"/>
                     <a:cs typeface="Times New Roman" pitchFamily="18" charset="0"/>
                   </a:rPr>
-                  <a:t>на основе коллекции </a:t>
-                </a:r>
-                <a:r>
-                  <a:rPr lang="en-US" sz="2400" dirty="0" smtClean="0">
-                    <a:latin typeface="Times New Roman" pitchFamily="18" charset="0"/>
-                    <a:cs typeface="Times New Roman" pitchFamily="18" charset="0"/>
-                  </a:rPr>
-                  <a:t>            </a:t>
-                </a:r>
-                <a:r>
-                  <a:rPr lang="ru-RU" sz="2400" b="1" dirty="0" smtClean="0">
-                    <a:latin typeface="Times New Roman" pitchFamily="18" charset="0"/>
-                    <a:cs typeface="Times New Roman" pitchFamily="18" charset="0"/>
-                  </a:rPr>
-                  <a:t>Ю.</a:t>
-                </a:r>
-                <a:r>
-                  <a:rPr lang="en-US" sz="2400" b="1" dirty="0" smtClean="0">
-                    <a:latin typeface="Times New Roman" pitchFamily="18" charset="0"/>
-                    <a:cs typeface="Times New Roman" pitchFamily="18" charset="0"/>
-                  </a:rPr>
-                  <a:t> </a:t>
-                </a:r>
-                <a:r>
-                  <a:rPr lang="ru-RU" sz="2400" b="1" dirty="0" smtClean="0">
-                    <a:latin typeface="Times New Roman" pitchFamily="18" charset="0"/>
-                    <a:cs typeface="Times New Roman" pitchFamily="18" charset="0"/>
-                  </a:rPr>
-                  <a:t>Рубцовой </a:t>
-                </a:r>
-                <a:r>
-                  <a:rPr lang="ru-RU" sz="2400" dirty="0" smtClean="0">
-                    <a:latin typeface="Times New Roman" pitchFamily="18" charset="0"/>
-                    <a:cs typeface="Times New Roman" pitchFamily="18" charset="0"/>
-                  </a:rPr>
-                  <a:t>построен лексикон и произведен отбор сообщений </a:t>
+                  <a:t>на основе корпуса коротких текстов Ю. Рубцовой построен лексикон и произведен отбор сообщений </a:t>
                 </a:r>
                 <a14:m>
                   <m:oMath xmlns:m="http://schemas.openxmlformats.org/officeDocument/2006/math">
@@ -10844,7 +10785,21 @@
                     <a:latin typeface="Times New Roman" pitchFamily="18" charset="0"/>
                     <a:cs typeface="Times New Roman" pitchFamily="18" charset="0"/>
                   </a:rPr>
-                  <a:t> из той же коллекции по формуле</a:t>
+                  <a:t> из той же коллекции</a:t>
+                </a:r>
+                <a:r>
+                  <a:rPr lang="en-US" sz="2400" dirty="0">
+                    <a:latin typeface="Times New Roman" pitchFamily="18" charset="0"/>
+                    <a:cs typeface="Times New Roman" pitchFamily="18" charset="0"/>
+                  </a:rPr>
+                  <a:t>,</a:t>
+                </a:r>
+                <a:r>
+                  <a:rPr lang="ru-RU" sz="2400" dirty="0" smtClean="0">
+                    <a:latin typeface="Times New Roman" pitchFamily="18" charset="0"/>
+                    <a:cs typeface="Times New Roman" pitchFamily="18" charset="0"/>
+                  </a:rPr>
+                  <a:t> по формуле</a:t>
                 </a:r>
                 <a:r>
                   <a:rPr lang="en-US" sz="2400" dirty="0" smtClean="0">
@@ -11030,14 +10985,7 @@
                     <a:latin typeface="Times New Roman" pitchFamily="18" charset="0"/>
                     <a:cs typeface="Times New Roman" pitchFamily="18" charset="0"/>
                   </a:rPr>
-                  <a:t>пороговое </a:t>
-                </a:r>
-                <a:r>
-                  <a:rPr lang="ru-RU" sz="2400" dirty="0" smtClean="0">
-                    <a:latin typeface="Times New Roman" pitchFamily="18" charset="0"/>
-                    <a:cs typeface="Times New Roman" pitchFamily="18" charset="0"/>
-                  </a:rPr>
-                  <a:t>значение</a:t>
+                  <a:t>пороговое значение</a:t>
                 </a:r>
                 <a:r>
                   <a:rPr lang="en-US" sz="2400" dirty="0" smtClean="0">
@@ -11108,12 +11056,12 @@
                 <a14:m>
                   <m:oMath xmlns:m="http://schemas.openxmlformats.org/officeDocument/2006/math">
                     <m:r>
-                      <a:rPr lang="en-US" sz="2800" i="1" smtClean="0">
+                      <a:rPr lang="en-US" sz="2800" b="1" i="1" smtClean="0">
                         <a:latin typeface="Cambria Math"/>
                         <a:ea typeface="Cambria Math"/>
                         <a:cs typeface="Times New Roman" pitchFamily="18" charset="0"/>
                       </a:rPr>
-                      <m:t>𝛼</m:t>
+                      <m:t>𝜶</m:t>
                     </m:r>
                   </m:oMath>
                 </a14:m>
@@ -11140,11 +11088,11 @@
                 <a14:m>
                   <m:oMath xmlns:m="http://schemas.openxmlformats.org/officeDocument/2006/math">
                     <m:r>
-                      <a:rPr lang="en-US" sz="2800" b="0" i="1" smtClean="0">
+                      <a:rPr lang="en-US" sz="2800" b="1" i="1" smtClean="0">
                         <a:latin typeface="Cambria Math"/>
                         <a:cs typeface="Times New Roman" pitchFamily="18" charset="0"/>
                       </a:rPr>
-                      <m:t>𝛽</m:t>
+                      <m:t>𝜷</m:t>
                     </m:r>
                   </m:oMath>
                 </a14:m>
@@ -11173,7 +11121,7 @@
             </p:txBody>
           </p:sp>
         </mc:Choice>
-        <mc:Fallback>
+        <mc:Fallback xmlns="">
           <p:sp>
             <p:nvSpPr>
               <p:cNvPr id="51" name="TextBox 50"/>
@@ -11184,7 +11132,7 @@
             </p:nvSpPr>
             <p:spPr>
               <a:xfrm>
-                <a:off x="7451736" y="23332799"/>
+                <a:off x="7451736" y="23116775"/>
                 <a:ext cx="6566335" cy="4200252"/>
               </a:xfrm>
               <a:prstGeom prst="rect">
@@ -11212,8 +11160,8 @@
           </p:sp>
         </mc:Fallback>
       </mc:AlternateContent>
-      <mc:AlternateContent xmlns:mc="http://schemas.openxmlformats.org/markup-compatibility/2006">
-        <mc:Choice xmlns:a14="http://schemas.microsoft.com/office/drawing/2010/main" Requires="a14">
+      <mc:AlternateContent xmlns:mc="http://schemas.openxmlformats.org/markup-compatibility/2006" xmlns:a14="http://schemas.microsoft.com/office/drawing/2010/main">
+        <mc:Choice Requires="a14">
           <p:graphicFrame>
             <p:nvGraphicFramePr>
               <p:cNvPr id="53" name="Таблица 52"/>
@@ -11223,14 +11171,14 @@
               <p:nvPr>
                 <p:extLst>
                   <p:ext uri="{D42A27DB-BD31-4B8C-83A1-F6EECF244321}">
-                    <p14:modId xmlns:p14="http://schemas.microsoft.com/office/powerpoint/2010/main" val="34355786"/>
+                    <p14:modId xmlns:p14="http://schemas.microsoft.com/office/powerpoint/2010/main" val="2253084154"/>
                   </p:ext>
                 </p:extLst>
               </p:nvPr>
             </p:nvGraphicFramePr>
             <p:xfrm>
-              <a:off x="7496048" y="7363329"/>
-              <a:ext cx="6502721" cy="2834640"/>
+              <a:off x="7615089" y="7147305"/>
+              <a:ext cx="6264696" cy="2834640"/>
             </p:xfrm>
             <a:graphic>
               <a:graphicData uri="http://schemas.openxmlformats.org/drawingml/2006/table">
@@ -11239,10 +11187,10 @@
                     <a:tableStyleId>{2D5ABB26-0587-4C30-8999-92F81FD0307C}</a:tableStyleId>
                   </a:tblPr>
                   <a:tblGrid>
-                    <a:gridCol w="479081"/>
-                    <a:gridCol w="2184607"/>
-                    <a:gridCol w="1902633"/>
-                    <a:gridCol w="1936400"/>
+                    <a:gridCol w="470147"/>
+                    <a:gridCol w="2143869"/>
+                    <a:gridCol w="1867154"/>
+                    <a:gridCol w="1783526"/>
                   </a:tblGrid>
                   <a:tr h="581415">
                     <a:tc>
@@ -11325,7 +11273,10 @@
                               <m:sSub>
                                 <m:sSubPr>
                                   <m:ctrlPr>
-                                    <a:rPr lang="ru-RU" sz="2400" i="1" kern="0" smtClean="0">
+                                    <a:rPr lang="ru-RU" sz="2400" b="1" i="1" kern="0" smtClean="0">
+                                      <a:solidFill>
+                                        <a:srgbClr val="34921E"/>
+                                      </a:solidFill>
                                       <a:effectLst/>
                                       <a:latin typeface="Cambria Math"/>
                                     </a:rPr>
@@ -11333,36 +11284,36 @@
                                 </m:sSubPr>
                                 <m:e>
                                   <m:r>
-                                    <m:rPr>
-                                      <m:sty m:val="p"/>
-                                    </m:rPr>
-                                    <a:rPr lang="ru-RU" sz="2400" kern="0">
+                                    <a:rPr lang="ru-RU" sz="2400" b="1" i="1" kern="0">
+                                      <a:solidFill>
+                                        <a:srgbClr val="34921E"/>
+                                      </a:solidFill>
                                       <a:effectLst/>
                                       <a:latin typeface="Cambria Math"/>
                                     </a:rPr>
-                                    <m:t>K</m:t>
+                                    <m:t>𝑲</m:t>
                                   </m:r>
                                 </m:e>
                                 <m:sub>
                                   <m:r>
-                                    <m:rPr>
-                                      <m:sty m:val="p"/>
-                                    </m:rPr>
-                                    <a:rPr lang="en-US" sz="2400" b="0" i="0" kern="0" smtClean="0">
+                                    <a:rPr lang="en-US" sz="2400" b="1" i="0" kern="0" smtClean="0">
+                                      <a:solidFill>
+                                        <a:srgbClr val="34921E"/>
+                                      </a:solidFill>
                                       <a:effectLst/>
                                       <a:latin typeface="Cambria Math"/>
                                     </a:rPr>
-                                    <m:t>E</m:t>
+                                    <m:t>𝐄</m:t>
                                   </m:r>
                                   <m:r>
-                                    <m:rPr>
-                                      <m:sty m:val="p"/>
-                                    </m:rPr>
-                                    <a:rPr lang="ru-RU" sz="2400" kern="0">
+                                    <a:rPr lang="ru-RU" sz="2400" b="1" i="1" kern="0">
+                                      <a:solidFill>
+                                        <a:srgbClr val="34921E"/>
+                                      </a:solidFill>
                                       <a:effectLst/>
                                       <a:latin typeface="Cambria Math"/>
                                     </a:rPr>
-                                    <m:t>xcellent</m:t>
+                                    <m:t>𝒙𝒄𝒆𝒍𝒍𝒆𝒏𝒕</m:t>
                                   </m:r>
                                 </m:sub>
                               </m:sSub>
@@ -11453,7 +11404,10 @@
                               <m:sSub>
                                 <m:sSubPr>
                                   <m:ctrlPr>
-                                    <a:rPr lang="ru-RU" sz="2400" i="1" kern="0" smtClean="0">
+                                    <a:rPr lang="ru-RU" sz="2400" b="1" i="1" kern="0" smtClean="0">
+                                      <a:solidFill>
+                                        <a:srgbClr val="C00000"/>
+                                      </a:solidFill>
                                       <a:effectLst/>
                                       <a:latin typeface="Cambria Math"/>
                                     </a:rPr>
@@ -11461,36 +11415,36 @@
                                 </m:sSubPr>
                                 <m:e>
                                   <m:r>
-                                    <m:rPr>
-                                      <m:sty m:val="p"/>
-                                    </m:rPr>
-                                    <a:rPr lang="ru-RU" sz="2400" kern="0">
+                                    <a:rPr lang="ru-RU" sz="2400" b="1" i="1" kern="0">
+                                      <a:solidFill>
+                                        <a:srgbClr val="C00000"/>
+                                      </a:solidFill>
                                       <a:effectLst/>
                                       <a:latin typeface="Cambria Math"/>
                                     </a:rPr>
-                                    <m:t>K</m:t>
+                                    <m:t>𝑲</m:t>
                                   </m:r>
                                 </m:e>
                                 <m:sub>
                                   <m:r>
-                                    <m:rPr>
-                                      <m:sty m:val="p"/>
-                                    </m:rPr>
-                                    <a:rPr lang="en-US" sz="2400" b="0" i="0" kern="0" smtClean="0">
+                                    <a:rPr lang="en-US" sz="2400" b="1" i="0" kern="0" smtClean="0">
+                                      <a:solidFill>
+                                        <a:srgbClr val="C00000"/>
+                                      </a:solidFill>
                                       <a:effectLst/>
                                       <a:latin typeface="Cambria Math"/>
                                     </a:rPr>
-                                    <m:t>P</m:t>
+                                    <m:t>𝐏</m:t>
                                   </m:r>
                                   <m:r>
-                                    <m:rPr>
-                                      <m:sty m:val="p"/>
-                                    </m:rPr>
-                                    <a:rPr lang="ru-RU" sz="2400" kern="0">
+                                    <a:rPr lang="ru-RU" sz="2400" b="1" i="1" kern="0">
+                                      <a:solidFill>
+                                        <a:srgbClr val="C00000"/>
+                                      </a:solidFill>
                                       <a:effectLst/>
                                       <a:latin typeface="Cambria Math"/>
                                     </a:rPr>
-                                    <m:t>oor</m:t>
+                                    <m:t>𝒐𝒐𝒓</m:t>
                                   </m:r>
                                 </m:sub>
                               </m:sSub>
@@ -11749,14 +11703,14 @@
                             </a:spcAft>
                           </a:pPr>
                           <a:r>
-                            <a:rPr lang="ru-RU" sz="2400" kern="0" dirty="0" smtClean="0">
+                            <a:rPr lang="ru-RU" sz="2400" b="1" kern="0" dirty="0" smtClean="0">
                               <a:effectLst/>
                               <a:latin typeface="Times New Roman" pitchFamily="18" charset="0"/>
                               <a:cs typeface="Times New Roman" pitchFamily="18" charset="0"/>
                             </a:rPr>
                             <a:t>(56%)</a:t>
                           </a:r>
-                          <a:endParaRPr lang="ru-RU" sz="2400" kern="150" dirty="0">
+                          <a:endParaRPr lang="ru-RU" sz="2400" b="1" kern="150" dirty="0">
                             <a:effectLst/>
                             <a:latin typeface="Times New Roman" pitchFamily="18" charset="0"/>
                             <a:ea typeface="SimSun"/>
@@ -12131,14 +12085,14 @@
                             </a:spcAft>
                           </a:pPr>
                           <a:r>
-                            <a:rPr lang="ru-RU" sz="2400" kern="0" dirty="0" smtClean="0">
+                            <a:rPr lang="ru-RU" sz="2400" b="1" kern="0" dirty="0" smtClean="0">
                               <a:effectLst/>
                               <a:latin typeface="Times New Roman" pitchFamily="18" charset="0"/>
                               <a:cs typeface="Times New Roman" pitchFamily="18" charset="0"/>
                             </a:rPr>
                             <a:t>(97%) </a:t>
                           </a:r>
-                          <a:endParaRPr lang="ru-RU" sz="2400" kern="150" dirty="0">
+                          <a:endParaRPr lang="ru-RU" sz="2400" b="1" kern="150" dirty="0">
                             <a:effectLst/>
                             <a:latin typeface="Times New Roman" pitchFamily="18" charset="0"/>
                             <a:ea typeface="SimSun"/>
@@ -12425,14 +12379,14 @@
                             </a:spcAft>
                           </a:pPr>
                           <a:r>
-                            <a:rPr lang="ru-RU" sz="2400" kern="0" dirty="0" smtClean="0">
+                            <a:rPr lang="ru-RU" sz="2400" b="1" kern="0" dirty="0" smtClean="0">
                               <a:effectLst/>
                               <a:latin typeface="Times New Roman" pitchFamily="18" charset="0"/>
                               <a:cs typeface="Times New Roman" pitchFamily="18" charset="0"/>
                             </a:rPr>
                             <a:t>(67%)</a:t>
                           </a:r>
-                          <a:endParaRPr lang="ru-RU" sz="2400" kern="150" dirty="0">
+                          <a:endParaRPr lang="ru-RU" sz="2400" b="1" kern="150" dirty="0">
                             <a:effectLst/>
                             <a:latin typeface="Times New Roman" pitchFamily="18" charset="0"/>
                             <a:ea typeface="SimSun"/>
@@ -12544,7 +12498,7 @@
             </a:graphic>
           </p:graphicFrame>
         </mc:Choice>
-        <mc:Fallback>
+        <mc:Fallback xmlns="">
           <p:graphicFrame>
             <p:nvGraphicFramePr>
               <p:cNvPr id="53" name="Таблица 52"/>
@@ -12554,14 +12508,14 @@
               <p:nvPr>
                 <p:extLst>
                   <p:ext uri="{D42A27DB-BD31-4B8C-83A1-F6EECF244321}">
-                    <p14:modId xmlns:p14="http://schemas.microsoft.com/office/powerpoint/2010/main" val="34355786"/>
+                    <p14:modId xmlns:p14="http://schemas.microsoft.com/office/powerpoint/2010/main" val="2253084154"/>
                   </p:ext>
                 </p:extLst>
               </p:nvPr>
             </p:nvGraphicFramePr>
             <p:xfrm>
-              <a:off x="7496048" y="7363329"/>
-              <a:ext cx="6502721" cy="2834640"/>
+              <a:off x="7615089" y="7147305"/>
+              <a:ext cx="6264696" cy="2834640"/>
             </p:xfrm>
             <a:graphic>
               <a:graphicData uri="http://schemas.openxmlformats.org/drawingml/2006/table">
@@ -12570,10 +12524,10 @@
                     <a:tableStyleId>{2D5ABB26-0587-4C30-8999-92F81FD0307C}</a:tableStyleId>
                   </a:tblPr>
                   <a:tblGrid>
-                    <a:gridCol w="479081"/>
-                    <a:gridCol w="2184607"/>
-                    <a:gridCol w="1902633"/>
-                    <a:gridCol w="1936400"/>
+                    <a:gridCol w="470147"/>
+                    <a:gridCol w="2143869"/>
+                    <a:gridCol w="1867154"/>
+                    <a:gridCol w="1783526"/>
                   </a:tblGrid>
                   <a:tr h="640080">
                     <a:tc>
@@ -12689,7 +12643,7 @@
                         <a:blipFill rotWithShape="1">
                           <a:blip r:embed="rId9"/>
                           <a:stretch>
-                            <a:fillRect l="-22346" t="-15238" r="-175978" b="-371429"/>
+                            <a:fillRect l="-21875" t="-14286" r="-170170" b="-372381"/>
                           </a:stretch>
                         </a:blipFill>
                       </a:tcPr>
@@ -12742,7 +12696,7 @@
                         <a:blipFill rotWithShape="1">
                           <a:blip r:embed="rId9"/>
                           <a:stretch>
-                            <a:fillRect l="-140385" t="-15238" r="-101923" b="-371429"/>
+                            <a:fillRect l="-140196" t="-14286" r="-95752" b="-372381"/>
                           </a:stretch>
                         </a:blipFill>
                       </a:tcPr>
@@ -12930,14 +12884,14 @@
                             </a:spcAft>
                           </a:pPr>
                           <a:r>
-                            <a:rPr lang="ru-RU" sz="2400" kern="0" dirty="0" smtClean="0">
+                            <a:rPr lang="ru-RU" sz="2400" b="1" kern="0" dirty="0" smtClean="0">
                               <a:effectLst/>
                               <a:latin typeface="Times New Roman" pitchFamily="18" charset="0"/>
                               <a:cs typeface="Times New Roman" pitchFamily="18" charset="0"/>
                             </a:rPr>
                             <a:t>(56%)</a:t>
                           </a:r>
-                          <a:endParaRPr lang="ru-RU" sz="2400" kern="150" dirty="0">
+                          <a:endParaRPr lang="ru-RU" sz="2400" b="1" kern="150" dirty="0">
                             <a:effectLst/>
                             <a:latin typeface="Times New Roman" pitchFamily="18" charset="0"/>
                             <a:ea typeface="SimSun"/>
@@ -13312,14 +13266,14 @@
                             </a:spcAft>
                           </a:pPr>
                           <a:r>
-                            <a:rPr lang="ru-RU" sz="2400" kern="0" dirty="0" smtClean="0">
+                            <a:rPr lang="ru-RU" sz="2400" b="1" kern="0" dirty="0" smtClean="0">
                               <a:effectLst/>
                               <a:latin typeface="Times New Roman" pitchFamily="18" charset="0"/>
                               <a:cs typeface="Times New Roman" pitchFamily="18" charset="0"/>
                             </a:rPr>
                             <a:t>(97%) </a:t>
                           </a:r>
-                          <a:endParaRPr lang="ru-RU" sz="2400" kern="150" dirty="0">
+                          <a:endParaRPr lang="ru-RU" sz="2400" b="1" kern="150" dirty="0">
                             <a:effectLst/>
                             <a:latin typeface="Times New Roman" pitchFamily="18" charset="0"/>
                             <a:ea typeface="SimSun"/>
@@ -13606,14 +13560,14 @@
                             </a:spcAft>
                           </a:pPr>
                           <a:r>
-                            <a:rPr lang="ru-RU" sz="2400" kern="0" dirty="0" smtClean="0">
+                            <a:rPr lang="ru-RU" sz="2400" b="1" kern="0" dirty="0" smtClean="0">
                               <a:effectLst/>
                               <a:latin typeface="Times New Roman" pitchFamily="18" charset="0"/>
                               <a:cs typeface="Times New Roman" pitchFamily="18" charset="0"/>
                             </a:rPr>
                             <a:t>(67%)</a:t>
                           </a:r>
-                          <a:endParaRPr lang="ru-RU" sz="2400" kern="150" dirty="0">
+                          <a:endParaRPr lang="ru-RU" sz="2400" b="1" kern="150" dirty="0">
                             <a:effectLst/>
                             <a:latin typeface="Times New Roman" pitchFamily="18" charset="0"/>
                             <a:ea typeface="SimSun"/>
@@ -13734,7 +13688,7 @@
         </p:nvSpPr>
         <p:spPr>
           <a:xfrm>
-            <a:off x="7496048" y="4731839"/>
+            <a:off x="7496048" y="4515815"/>
             <a:ext cx="6566336" cy="2631490"/>
           </a:xfrm>
           <a:prstGeom prst="rect">
@@ -13754,11 +13708,18 @@
               </a:spcAft>
             </a:pPr>
             <a:r>
+              <a:rPr lang="ru-RU" sz="4000" b="1" dirty="0">
+                <a:latin typeface="Times New Roman" pitchFamily="18" charset="0"/>
+                <a:cs typeface="Times New Roman" pitchFamily="18" charset="0"/>
+              </a:rPr>
+              <a:t>5</a:t>
+            </a:r>
+            <a:r>
               <a:rPr lang="en-US" sz="4000" b="1" dirty="0" smtClean="0">
                 <a:latin typeface="Times New Roman" pitchFamily="18" charset="0"/>
                 <a:cs typeface="Times New Roman" pitchFamily="18" charset="0"/>
               </a:rPr>
-              <a:t>6. </a:t>
+              <a:t>. </a:t>
             </a:r>
             <a:r>
               <a:rPr lang="ru-RU" sz="4000" b="1" dirty="0" smtClean="0">
@@ -13866,8 +13827,8 @@
           </a:p>
         </p:txBody>
       </p:sp>
-      <mc:AlternateContent xmlns:mc="http://schemas.openxmlformats.org/markup-compatibility/2006">
-        <mc:Choice xmlns:a14="http://schemas.microsoft.com/office/drawing/2010/main" Requires="a14">
+      <mc:AlternateContent xmlns:mc="http://schemas.openxmlformats.org/markup-compatibility/2006" xmlns:a14="http://schemas.microsoft.com/office/drawing/2010/main">
+        <mc:Choice Requires="a14">
           <p:graphicFrame>
             <p:nvGraphicFramePr>
               <p:cNvPr id="56" name="Таблица 55"/>
@@ -13877,14 +13838,14 @@
               <p:nvPr>
                 <p:extLst>
                   <p:ext uri="{D42A27DB-BD31-4B8C-83A1-F6EECF244321}">
-                    <p14:modId xmlns:p14="http://schemas.microsoft.com/office/powerpoint/2010/main" val="2358848258"/>
+                    <p14:modId xmlns:p14="http://schemas.microsoft.com/office/powerpoint/2010/main" val="706350149"/>
                   </p:ext>
                 </p:extLst>
               </p:nvPr>
             </p:nvGraphicFramePr>
             <p:xfrm>
-              <a:off x="14372268" y="9011700"/>
-              <a:ext cx="6650738" cy="1828800"/>
+              <a:off x="14455848" y="8011195"/>
+              <a:ext cx="6408713" cy="1828800"/>
             </p:xfrm>
             <a:graphic>
               <a:graphicData uri="http://schemas.openxmlformats.org/drawingml/2006/table">
@@ -13893,9 +13854,9 @@
                     <a:tableStyleId>{2D5ABB26-0587-4C30-8999-92F81FD0307C}</a:tableStyleId>
                   </a:tblPr>
                   <a:tblGrid>
-                    <a:gridCol w="491247"/>
-                    <a:gridCol w="2985275"/>
-                    <a:gridCol w="3174216"/>
+                    <a:gridCol w="473370"/>
+                    <a:gridCol w="2876639"/>
+                    <a:gridCol w="3058704"/>
                   </a:tblGrid>
                   <a:tr h="333222">
                     <a:tc gridSpan="3">
@@ -13909,7 +13870,7 @@
                             </a:spcAft>
                           </a:pPr>
                           <a:r>
-                            <a:rPr lang="en-US" sz="2400" kern="150" dirty="0" smtClean="0">
+                            <a:rPr lang="en-US" sz="2400" b="1" kern="150" dirty="0" smtClean="0">
                               <a:effectLst/>
                               <a:latin typeface="Times New Roman" pitchFamily="18" charset="0"/>
                               <a:ea typeface="SimSun"/>
@@ -15098,7 +15059,7 @@
             </a:graphic>
           </p:graphicFrame>
         </mc:Choice>
-        <mc:Fallback>
+        <mc:Fallback xmlns="">
           <p:graphicFrame>
             <p:nvGraphicFramePr>
               <p:cNvPr id="56" name="Таблица 55"/>
@@ -15108,14 +15069,14 @@
               <p:nvPr>
                 <p:extLst>
                   <p:ext uri="{D42A27DB-BD31-4B8C-83A1-F6EECF244321}">
-                    <p14:modId xmlns:p14="http://schemas.microsoft.com/office/powerpoint/2010/main" val="2358848258"/>
+                    <p14:modId xmlns:p14="http://schemas.microsoft.com/office/powerpoint/2010/main" val="706350149"/>
                   </p:ext>
                 </p:extLst>
               </p:nvPr>
             </p:nvGraphicFramePr>
             <p:xfrm>
-              <a:off x="14372268" y="9011700"/>
-              <a:ext cx="6650738" cy="1828800"/>
+              <a:off x="14455848" y="8011195"/>
+              <a:ext cx="6408713" cy="1828800"/>
             </p:xfrm>
             <a:graphic>
               <a:graphicData uri="http://schemas.openxmlformats.org/drawingml/2006/table">
@@ -15124,9 +15085,9 @@
                     <a:tableStyleId>{2D5ABB26-0587-4C30-8999-92F81FD0307C}</a:tableStyleId>
                   </a:tblPr>
                   <a:tblGrid>
-                    <a:gridCol w="491247"/>
-                    <a:gridCol w="2985275"/>
-                    <a:gridCol w="3174216"/>
+                    <a:gridCol w="473370"/>
+                    <a:gridCol w="2876639"/>
+                    <a:gridCol w="3058704"/>
                   </a:tblGrid>
                   <a:tr h="365760">
                     <a:tc gridSpan="3">
@@ -15140,7 +15101,7 @@
                             </a:spcAft>
                           </a:pPr>
                           <a:r>
-                            <a:rPr lang="en-US" sz="2400" kern="150" dirty="0" smtClean="0">
+                            <a:rPr lang="en-US" sz="2400" b="1" kern="150" dirty="0" smtClean="0">
                               <a:effectLst/>
                               <a:latin typeface="Times New Roman" pitchFamily="18" charset="0"/>
                               <a:ea typeface="SimSun"/>
@@ -15426,7 +15387,7 @@
                         <a:blipFill rotWithShape="1">
                           <a:blip r:embed="rId10"/>
                           <a:stretch>
-                            <a:fillRect l="-16769" t="-125000" r="-106544" b="-351667"/>
+                            <a:fillRect l="-16525" t="-125000" r="-106356" b="-351667"/>
                           </a:stretch>
                         </a:blipFill>
                       </a:tcPr>
@@ -15479,7 +15440,7 @@
                         <a:blipFill rotWithShape="1">
                           <a:blip r:embed="rId10"/>
                           <a:stretch>
-                            <a:fillRect l="-109597" t="-125000" b="-351667"/>
+                            <a:fillRect l="-109562" t="-125000" b="-351667"/>
                           </a:stretch>
                         </a:blipFill>
                       </a:tcPr>
@@ -16272,8 +16233,8 @@
             </p:nvSpPr>
             <p:spPr>
               <a:xfrm>
-                <a:off x="14311833" y="4700939"/>
-                <a:ext cx="6687488" cy="4205318"/>
+                <a:off x="14311833" y="4484915"/>
+                <a:ext cx="6687488" cy="3534044"/>
               </a:xfrm>
               <a:prstGeom prst="rect">
                 <a:avLst/>
@@ -16288,11 +16249,25 @@
               <a:p>
                 <a:pPr algn="ctr"/>
                 <a:r>
+                  <a:rPr lang="ru-RU" sz="4400" b="1" dirty="0">
+                    <a:latin typeface="Times New Roman" pitchFamily="18" charset="0"/>
+                    <a:cs typeface="Times New Roman" pitchFamily="18" charset="0"/>
+                  </a:rPr>
+                  <a:t>8</a:t>
+                </a:r>
+                <a:r>
                   <a:rPr lang="ru-RU" sz="4400" b="1" dirty="0" smtClean="0">
                     <a:latin typeface="Times New Roman" pitchFamily="18" charset="0"/>
                     <a:cs typeface="Times New Roman" pitchFamily="18" charset="0"/>
                   </a:rPr>
-                  <a:t>9. Результаты</a:t>
+                  <a:t>. </a:t>
+                </a:r>
+                <a:r>
+                  <a:rPr lang="ru-RU" sz="4400" b="1" dirty="0" smtClean="0">
+                    <a:latin typeface="Times New Roman" pitchFamily="18" charset="0"/>
+                    <a:cs typeface="Times New Roman" pitchFamily="18" charset="0"/>
+                  </a:rPr>
+                  <a:t>Результаты</a:t>
                 </a:r>
                 <a:endParaRPr lang="en-US" sz="2400" i="1" dirty="0" smtClean="0">
                   <a:latin typeface="Cambria Math"/>
@@ -16399,17 +16374,10 @@
                     <a:latin typeface="Times New Roman" pitchFamily="18" charset="0"/>
                     <a:cs typeface="Times New Roman" pitchFamily="18" charset="0"/>
                   </a:rPr>
-                  <a:t>1 + применение </a:t>
+                  <a:t>1 + применение тональных </a:t>
                 </a:r>
                 <a:r>
-                  <a:rPr lang="ru-RU" sz="2400">
-                    <a:latin typeface="Times New Roman" pitchFamily="18" charset="0"/>
-                    <a:cs typeface="Times New Roman" pitchFamily="18" charset="0"/>
-                  </a:rPr>
-                  <a:t>тональных </a:t>
-                </a:r>
-                <a:r>
-                  <a:rPr lang="ru-RU" sz="2400" smtClean="0">
+                  <a:rPr lang="ru-RU" sz="2400" dirty="0" smtClean="0">
                     <a:latin typeface="Times New Roman" pitchFamily="18" charset="0"/>
                     <a:cs typeface="Times New Roman" pitchFamily="18" charset="0"/>
                   </a:rPr>
@@ -16427,7 +16395,7 @@
                     <a:latin typeface="Times New Roman" pitchFamily="18" charset="0"/>
                     <a:cs typeface="Times New Roman" pitchFamily="18" charset="0"/>
                   </a:rPr>
-                  <a:t>лексиконов</a:t>
+                  <a:t>построенных лексиконов</a:t>
                 </a:r>
                 <a:r>
                   <a:rPr lang="en-US" sz="2400" dirty="0" smtClean="0">
@@ -16444,32 +16412,39 @@
                   <a:t>1 </a:t>
                 </a:r>
                 <a:r>
-                  <a:rPr lang="ru-RU" sz="2400">
+                  <a:rPr lang="ru-RU" sz="2400" dirty="0">
                     <a:latin typeface="Times New Roman" pitchFamily="18" charset="0"/>
                     <a:cs typeface="Times New Roman" pitchFamily="18" charset="0"/>
                   </a:rPr>
                   <a:t>и </a:t>
                 </a:r>
                 <a:r>
-                  <a:rPr lang="ru-RU" sz="2400" smtClean="0">
+                  <a:rPr lang="ru-RU" sz="2400" dirty="0" smtClean="0">
                     <a:latin typeface="Times New Roman" pitchFamily="18" charset="0"/>
                     <a:cs typeface="Times New Roman" pitchFamily="18" charset="0"/>
                   </a:rPr>
                   <a:t>2, </a:t>
                 </a:r>
                 <a:r>
-                  <a:rPr lang="ru-RU" sz="2400" dirty="0" smtClean="0">
+                  <a:rPr lang="ru-RU" sz="2400" u="sng" dirty="0" smtClean="0">
                     <a:latin typeface="Times New Roman" pitchFamily="18" charset="0"/>
                     <a:cs typeface="Times New Roman" pitchFamily="18" charset="0"/>
                   </a:rPr>
                   <a:t>учет </a:t>
                 </a:r>
                 <a:r>
+                  <a:rPr lang="ru-RU" sz="2400" u="sng" dirty="0">
+                    <a:latin typeface="Times New Roman" pitchFamily="18" charset="0"/>
+                    <a:cs typeface="Times New Roman" pitchFamily="18" charset="0"/>
+                  </a:rPr>
+                  <a:t>всех признаков</a:t>
+                </a:r>
+                <a:r>
                   <a:rPr lang="ru-RU" sz="2400" dirty="0">
                     <a:latin typeface="Times New Roman" pitchFamily="18" charset="0"/>
                     <a:cs typeface="Times New Roman" pitchFamily="18" charset="0"/>
                   </a:rPr>
-                  <a:t>всех признаков;</a:t>
+                  <a:t>;</a:t>
                 </a:r>
                 <a:endParaRPr lang="ru-RU" sz="2400" dirty="0" smtClean="0">
                   <a:latin typeface="Times New Roman" pitchFamily="18" charset="0"/>
@@ -16553,89 +16528,34 @@
                 </a:endParaRPr>
               </a:p>
               <a:p>
-                <a:pPr algn="just"/>
+                <a:pPr lvl="0" algn="ctr"/>
                 <a:r>
-                  <a:rPr lang="ru-RU" sz="2400" dirty="0" smtClean="0">
+                  <a:rPr lang="ru-RU" sz="2400" u="sng" dirty="0" smtClean="0">
                     <a:latin typeface="Times New Roman" pitchFamily="18" charset="0"/>
                     <a:cs typeface="Times New Roman" pitchFamily="18" charset="0"/>
                   </a:rPr>
-                  <a:t>Обучение на коллекции </a:t>
+                  <a:t>Мера оценки качества</a:t>
                 </a:r>
-                <a14:m>
-                  <m:oMath xmlns:m="http://schemas.openxmlformats.org/officeDocument/2006/math">
-                    <m:r>
-                      <a:rPr lang="ru-RU" sz="2400" b="0" i="1" smtClean="0">
-                        <a:latin typeface="Cambria Math"/>
-                        <a:cs typeface="Times New Roman" pitchFamily="18" charset="0"/>
-                      </a:rPr>
-                      <m:t>𝛽</m:t>
-                    </m:r>
-                  </m:oMath>
-                </a14:m>
                 <a:r>
-                  <a:rPr lang="ru-RU" sz="2400" b="1" dirty="0" smtClean="0">
+                  <a:rPr lang="en-US" sz="2400" u="sng" dirty="0" smtClean="0">
                     <a:latin typeface="Times New Roman" pitchFamily="18" charset="0"/>
                     <a:cs typeface="Times New Roman" pitchFamily="18" charset="0"/>
                   </a:rPr>
-                  <a:t> </a:t>
-                </a:r>
-                <a:r>
-                  <a:rPr lang="ru-RU" sz="2400" b="1" dirty="0" smtClean="0">
-                    <a:solidFill>
-                      <a:srgbClr val="00B050"/>
-                    </a:solidFill>
-                    <a:latin typeface="Times New Roman" pitchFamily="18" charset="0"/>
-                    <a:cs typeface="Times New Roman" pitchFamily="18" charset="0"/>
-                  </a:rPr>
-                  <a:t>показывает прирост оценки</a:t>
-                </a:r>
-                <a:r>
-                  <a:rPr lang="en-US" sz="2400" b="1" dirty="0" smtClean="0">
-                    <a:solidFill>
-                      <a:srgbClr val="00B050"/>
-                    </a:solidFill>
-                    <a:latin typeface="Times New Roman" pitchFamily="18" charset="0"/>
-                    <a:cs typeface="Times New Roman" pitchFamily="18" charset="0"/>
-                  </a:rPr>
-                  <a:t> </a:t>
+                  <a:t>:</a:t>
                 </a:r>
                 <a:r>
                   <a:rPr lang="en-US" sz="2400" dirty="0" smtClean="0">
                     <a:latin typeface="Times New Roman" pitchFamily="18" charset="0"/>
                     <a:cs typeface="Times New Roman" pitchFamily="18" charset="0"/>
                   </a:rPr>
-                  <a:t>(</a:t>
-                </a:r>
-                <a:r>
-                  <a:rPr lang="ru-RU" sz="2400" dirty="0" smtClean="0">
-                    <a:latin typeface="Times New Roman" pitchFamily="18" charset="0"/>
-                    <a:cs typeface="Times New Roman" pitchFamily="18" charset="0"/>
-                  </a:rPr>
-                  <a:t>правый столбец).</a:t>
-                </a:r>
-              </a:p>
-              <a:p>
-                <a:pPr lvl="0" algn="just"/>
-                <a:r>
-                  <a:rPr lang="ru-RU" sz="2400" b="1" dirty="0" smtClean="0">
-                    <a:latin typeface="Times New Roman" pitchFamily="18" charset="0"/>
-                    <a:cs typeface="Times New Roman" pitchFamily="18" charset="0"/>
-                  </a:rPr>
-                  <a:t>Мера оценки качества</a:t>
-                </a:r>
-                <a:r>
-                  <a:rPr lang="en-US" sz="2400" dirty="0" smtClean="0">
-                    <a:latin typeface="Times New Roman" pitchFamily="18" charset="0"/>
-                    <a:cs typeface="Times New Roman" pitchFamily="18" charset="0"/>
-                  </a:rPr>
-                  <a:t>: </a:t>
+                  <a:t> </a:t>
                 </a:r>
                 <a14:m>
                   <m:oMath xmlns:m="http://schemas.openxmlformats.org/officeDocument/2006/math">
                     <m:sSub>
                       <m:sSubPr>
                         <m:ctrlPr>
-                          <a:rPr lang="en-US" sz="2400" b="1" i="1" smtClean="0">
+                          <a:rPr lang="en-US" sz="2800" b="1" i="1" smtClean="0">
                             <a:latin typeface="Cambria Math"/>
                             <a:cs typeface="Times New Roman" pitchFamily="18" charset="0"/>
                           </a:rPr>
@@ -16643,7 +16563,7 @@
                       </m:sSubPr>
                       <m:e>
                         <m:r>
-                          <a:rPr lang="en-US" sz="2400" b="1" i="1" smtClean="0">
+                          <a:rPr lang="en-US" sz="2800" b="1" i="1" smtClean="0">
                             <a:latin typeface="Cambria Math"/>
                             <a:cs typeface="Times New Roman" pitchFamily="18" charset="0"/>
                           </a:rPr>
@@ -16652,7 +16572,7 @@
                       </m:e>
                       <m:sub>
                         <m:r>
-                          <a:rPr lang="en-US" sz="2400" b="1" i="1" smtClean="0">
+                          <a:rPr lang="en-US" sz="2800" b="1" i="1" smtClean="0">
                             <a:latin typeface="Cambria Math"/>
                             <a:cs typeface="Times New Roman" pitchFamily="18" charset="0"/>
                           </a:rPr>
@@ -16661,7 +16581,7 @@
                       </m:sub>
                     </m:sSub>
                     <m:r>
-                      <a:rPr lang="en-US" sz="2400" b="1" i="1" smtClean="0">
+                      <a:rPr lang="en-US" sz="2800" b="1" i="1" smtClean="0">
                         <a:latin typeface="Cambria Math"/>
                         <a:cs typeface="Times New Roman" pitchFamily="18" charset="0"/>
                       </a:rPr>
@@ -16670,7 +16590,7 @@
                     <m:sSub>
                       <m:sSubPr>
                         <m:ctrlPr>
-                          <a:rPr lang="en-US" sz="2400" b="1" i="1" smtClean="0">
+                          <a:rPr lang="en-US" sz="2800" b="1" i="1" smtClean="0">
                             <a:latin typeface="Cambria Math"/>
                             <a:cs typeface="Times New Roman" pitchFamily="18" charset="0"/>
                           </a:rPr>
@@ -16678,7 +16598,7 @@
                       </m:sSubPr>
                       <m:e>
                         <m:r>
-                          <a:rPr lang="en-US" sz="2400" b="1" i="1" smtClean="0">
+                          <a:rPr lang="en-US" sz="2800" b="1" i="1" smtClean="0">
                             <a:latin typeface="Cambria Math"/>
                             <a:cs typeface="Times New Roman" pitchFamily="18" charset="0"/>
                           </a:rPr>
@@ -16689,7 +16609,7 @@
                         <m:d>
                           <m:dPr>
                             <m:ctrlPr>
-                              <a:rPr lang="en-US" sz="2400" b="1" i="1" smtClean="0">
+                              <a:rPr lang="en-US" sz="2800" b="1" i="1" smtClean="0">
                                 <a:latin typeface="Cambria Math"/>
                                 <a:cs typeface="Times New Roman" pitchFamily="18" charset="0"/>
                               </a:rPr>
@@ -16697,28 +16617,21 @@
                           </m:dPr>
                           <m:e>
                             <m:r>
-                              <a:rPr lang="en-US" sz="2400" b="1" i="1" smtClean="0">
+                              <a:rPr lang="en-US" sz="2800" b="1" i="1" smtClean="0">
                                 <a:latin typeface="Cambria Math"/>
                                 <a:cs typeface="Times New Roman" pitchFamily="18" charset="0"/>
                               </a:rPr>
                               <m:t>𝒏𝒆𝒈</m:t>
                             </m:r>
                             <m:r>
-                              <a:rPr lang="en-US" sz="2400" b="1" i="1" smtClean="0">
+                              <a:rPr lang="en-US" sz="2800" b="1" i="1" smtClean="0">
                                 <a:latin typeface="Cambria Math"/>
                                 <a:cs typeface="Times New Roman" pitchFamily="18" charset="0"/>
                               </a:rPr>
-                              <m:t>,</m:t>
+                              <m:t>, </m:t>
                             </m:r>
                             <m:r>
-                              <a:rPr lang="en-US" sz="2400" b="1" i="1" smtClean="0">
-                                <a:latin typeface="Cambria Math"/>
-                                <a:cs typeface="Times New Roman" pitchFamily="18" charset="0"/>
-                              </a:rPr>
-                              <m:t> </m:t>
-                            </m:r>
-                            <m:r>
-                              <a:rPr lang="en-US" sz="2400" b="1" i="1" smtClean="0">
+                              <a:rPr lang="en-US" sz="2800" b="1" i="1" smtClean="0">
                                 <a:latin typeface="Cambria Math"/>
                                 <a:cs typeface="Times New Roman" pitchFamily="18" charset="0"/>
                               </a:rPr>
@@ -16731,7 +16644,7 @@
                   </m:oMath>
                 </a14:m>
                 <a:r>
-                  <a:rPr lang="en-US" sz="2400" i="1" kern="150" baseline="0" dirty="0" smtClean="0">
+                  <a:rPr lang="en-US" sz="2800" i="1" kern="150" baseline="0" dirty="0" smtClean="0">
                     <a:effectLst/>
                     <a:latin typeface="Times New Roman" pitchFamily="18" charset="0"/>
                     <a:ea typeface="SimSun"/>
@@ -16757,8 +16670,8 @@
             </p:nvSpPr>
             <p:spPr>
               <a:xfrm>
-                <a:off x="14311833" y="4700939"/>
-                <a:ext cx="6687488" cy="4205318"/>
+                <a:off x="14311833" y="4484915"/>
+                <a:ext cx="6687488" cy="3534044"/>
               </a:xfrm>
               <a:prstGeom prst="rect">
                 <a:avLst/>
@@ -16766,7 +16679,7 @@
               <a:blipFill rotWithShape="1">
                 <a:blip r:embed="rId11"/>
                 <a:stretch>
-                  <a:fillRect l="-1459" t="-2754" r="-1367" b="-1449"/>
+                  <a:fillRect l="-1459" t="-3282" r="-1367" b="-1554"/>
                 </a:stretch>
               </a:blipFill>
             </p:spPr>
@@ -16785,8 +16698,8 @@
           </p:sp>
         </mc:Fallback>
       </mc:AlternateContent>
-      <mc:AlternateContent xmlns:mc="http://schemas.openxmlformats.org/markup-compatibility/2006">
-        <mc:Choice xmlns:a14="http://schemas.microsoft.com/office/drawing/2010/main" Requires="a14">
+      <mc:AlternateContent xmlns:mc="http://schemas.openxmlformats.org/markup-compatibility/2006" xmlns:a14="http://schemas.microsoft.com/office/drawing/2010/main">
+        <mc:Choice Requires="a14">
           <p:graphicFrame>
             <p:nvGraphicFramePr>
               <p:cNvPr id="59" name="Таблица 58"/>
@@ -16796,14 +16709,14 @@
               <p:nvPr>
                 <p:extLst>
                   <p:ext uri="{D42A27DB-BD31-4B8C-83A1-F6EECF244321}">
-                    <p14:modId xmlns:p14="http://schemas.microsoft.com/office/powerpoint/2010/main" val="3330481986"/>
+                    <p14:modId xmlns:p14="http://schemas.microsoft.com/office/powerpoint/2010/main" val="281455830"/>
                   </p:ext>
                 </p:extLst>
               </p:nvPr>
             </p:nvGraphicFramePr>
             <p:xfrm>
-              <a:off x="14372266" y="10893397"/>
-              <a:ext cx="6650740" cy="1910346"/>
+              <a:off x="14455849" y="9892892"/>
+              <a:ext cx="6408712" cy="1910346"/>
             </p:xfrm>
             <a:graphic>
               <a:graphicData uri="http://schemas.openxmlformats.org/drawingml/2006/table">
@@ -16812,9 +16725,9 @@
                     <a:tableStyleId>{2D5ABB26-0587-4C30-8999-92F81FD0307C}</a:tableStyleId>
                   </a:tblPr>
                   <a:tblGrid>
-                    <a:gridCol w="491249"/>
-                    <a:gridCol w="2985274"/>
-                    <a:gridCol w="3174217"/>
+                    <a:gridCol w="473371"/>
+                    <a:gridCol w="2876637"/>
+                    <a:gridCol w="3058704"/>
                   </a:tblGrid>
                   <a:tr h="216023">
                     <a:tc gridSpan="3">
@@ -16840,13 +16753,22 @@
                             <a:defRPr/>
                           </a:pPr>
                           <a:r>
-                            <a:rPr lang="en-US" sz="2400" kern="150" dirty="0" smtClean="0">
+                            <a:rPr lang="en-US" sz="2400" b="1" kern="150" dirty="0" smtClean="0">
                               <a:effectLst/>
                               <a:latin typeface="Times New Roman" pitchFamily="18" charset="0"/>
                               <a:ea typeface="SimSun"/>
                               <a:cs typeface="Times New Roman" pitchFamily="18" charset="0"/>
                             </a:rPr>
-                            <a:t>TKK </a:t>
+                            <a:t>TKK</a:t>
+                          </a:r>
+                          <a:r>
+                            <a:rPr lang="en-US" sz="2400" kern="150" dirty="0" smtClean="0">
+                              <a:effectLst/>
+                              <a:latin typeface="Times New Roman" pitchFamily="18" charset="0"/>
+                              <a:ea typeface="SimSun"/>
+                              <a:cs typeface="Times New Roman" pitchFamily="18" charset="0"/>
+                            </a:rPr>
+                            <a:t> </a:t>
                           </a:r>
                           <a:r>
                             <a:rPr lang="ru-RU" sz="2400" kern="150" dirty="0" smtClean="0">
@@ -17433,19 +17355,7 @@
                               <a:ea typeface="SimSun"/>
                               <a:cs typeface="Mangal"/>
                             </a:rPr>
-                            <a:t>(+</a:t>
-                          </a:r>
-                          <a:r>
-                            <a:rPr lang="en-US" sz="2400" b="1" kern="150" smtClean="0">
-                              <a:solidFill>
-                                <a:srgbClr val="34921E"/>
-                              </a:solidFill>
-                              <a:effectLst/>
-                              <a:latin typeface="Times New Roman"/>
-                              <a:ea typeface="SimSun"/>
-                              <a:cs typeface="Mangal"/>
-                            </a:rPr>
-                            <a:t>5,2</a:t>
+                            <a:t>(+5,2</a:t>
                           </a:r>
                           <a:r>
                             <a:rPr lang="en-US" sz="2400" b="1" kern="150" dirty="0" smtClean="0">
@@ -18017,7 +17927,7 @@
             </a:graphic>
           </p:graphicFrame>
         </mc:Choice>
-        <mc:Fallback>
+        <mc:Fallback xmlns="">
           <p:graphicFrame>
             <p:nvGraphicFramePr>
               <p:cNvPr id="59" name="Таблица 58"/>
@@ -18027,14 +17937,14 @@
               <p:nvPr>
                 <p:extLst>
                   <p:ext uri="{D42A27DB-BD31-4B8C-83A1-F6EECF244321}">
-                    <p14:modId xmlns:p14="http://schemas.microsoft.com/office/powerpoint/2010/main" val="3330481986"/>
+                    <p14:modId xmlns:p14="http://schemas.microsoft.com/office/powerpoint/2010/main" val="281455830"/>
                   </p:ext>
                 </p:extLst>
               </p:nvPr>
             </p:nvGraphicFramePr>
             <p:xfrm>
-              <a:off x="14372266" y="10893397"/>
-              <a:ext cx="6650740" cy="1910346"/>
+              <a:off x="14455849" y="9892892"/>
+              <a:ext cx="6408712" cy="1910346"/>
             </p:xfrm>
             <a:graphic>
               <a:graphicData uri="http://schemas.openxmlformats.org/drawingml/2006/table">
@@ -18043,9 +17953,9 @@
                     <a:tableStyleId>{2D5ABB26-0587-4C30-8999-92F81FD0307C}</a:tableStyleId>
                   </a:tblPr>
                   <a:tblGrid>
-                    <a:gridCol w="491249"/>
-                    <a:gridCol w="2985274"/>
-                    <a:gridCol w="3174217"/>
+                    <a:gridCol w="473371"/>
+                    <a:gridCol w="2876637"/>
+                    <a:gridCol w="3058704"/>
                   </a:tblGrid>
                   <a:tr h="365760">
                     <a:tc gridSpan="3">
@@ -18071,13 +17981,22 @@
                             <a:defRPr/>
                           </a:pPr>
                           <a:r>
-                            <a:rPr lang="en-US" sz="2400" kern="150" dirty="0" smtClean="0">
+                            <a:rPr lang="en-US" sz="2400" b="1" kern="150" dirty="0" smtClean="0">
                               <a:effectLst/>
                               <a:latin typeface="Times New Roman" pitchFamily="18" charset="0"/>
                               <a:ea typeface="SimSun"/>
                               <a:cs typeface="Times New Roman" pitchFamily="18" charset="0"/>
                             </a:rPr>
-                            <a:t>TKK </a:t>
+                            <a:t>TKK</a:t>
+                          </a:r>
+                          <a:r>
+                            <a:rPr lang="en-US" sz="2400" kern="150" dirty="0" smtClean="0">
+                              <a:effectLst/>
+                              <a:latin typeface="Times New Roman" pitchFamily="18" charset="0"/>
+                              <a:ea typeface="SimSun"/>
+                              <a:cs typeface="Times New Roman" pitchFamily="18" charset="0"/>
+                            </a:rPr>
+                            <a:t> </a:t>
                           </a:r>
                           <a:r>
                             <a:rPr lang="ru-RU" sz="2400" kern="150" dirty="0" smtClean="0">
@@ -18348,7 +18267,7 @@
                         <a:blipFill rotWithShape="1">
                           <a:blip r:embed="rId12"/>
                           <a:stretch>
-                            <a:fillRect l="-16769" t="-118750" r="-106544" b="-343750"/>
+                            <a:fillRect l="-16525" t="-118750" r="-106356" b="-343750"/>
                           </a:stretch>
                         </a:blipFill>
                       </a:tcPr>
@@ -18401,7 +18320,7 @@
                         <a:blipFill rotWithShape="1">
                           <a:blip r:embed="rId12"/>
                           <a:stretch>
-                            <a:fillRect l="-109597" t="-118750" b="-343750"/>
+                            <a:fillRect l="-109562" t="-118750" b="-343750"/>
                           </a:stretch>
                         </a:blipFill>
                       </a:tcPr>
@@ -18587,19 +18506,7 @@
                               <a:ea typeface="SimSun"/>
                               <a:cs typeface="Mangal"/>
                             </a:rPr>
-                            <a:t>(+</a:t>
-                          </a:r>
-                          <a:r>
-                            <a:rPr lang="en-US" sz="2400" b="1" kern="150" smtClean="0">
-                              <a:solidFill>
-                                <a:srgbClr val="34921E"/>
-                              </a:solidFill>
-                              <a:effectLst/>
-                              <a:latin typeface="Times New Roman"/>
-                              <a:ea typeface="SimSun"/>
-                              <a:cs typeface="Mangal"/>
-                            </a:rPr>
-                            <a:t>5,2</a:t>
+                            <a:t>(+5,2</a:t>
                           </a:r>
                           <a:r>
                             <a:rPr lang="en-US" sz="2400" b="1" kern="150" dirty="0" smtClean="0">
@@ -19172,8 +19079,8 @@
           </p:graphicFrame>
         </mc:Fallback>
       </mc:AlternateContent>
-      <mc:AlternateContent xmlns:mc="http://schemas.openxmlformats.org/markup-compatibility/2006">
-        <mc:Choice xmlns:a14="http://schemas.microsoft.com/office/drawing/2010/main" Requires="a14">
+      <mc:AlternateContent xmlns:mc="http://schemas.openxmlformats.org/markup-compatibility/2006" xmlns:a14="http://schemas.microsoft.com/office/drawing/2010/main">
+        <mc:Choice Requires="a14">
           <p:graphicFrame>
             <p:nvGraphicFramePr>
               <p:cNvPr id="60" name="Таблица 59"/>
@@ -19183,14 +19090,14 @@
               <p:nvPr>
                 <p:extLst>
                   <p:ext uri="{D42A27DB-BD31-4B8C-83A1-F6EECF244321}">
-                    <p14:modId xmlns:p14="http://schemas.microsoft.com/office/powerpoint/2010/main" val="2214620643"/>
+                    <p14:modId xmlns:p14="http://schemas.microsoft.com/office/powerpoint/2010/main" val="1119012869"/>
                   </p:ext>
                 </p:extLst>
               </p:nvPr>
             </p:nvGraphicFramePr>
             <p:xfrm>
-              <a:off x="14311833" y="21388646"/>
-              <a:ext cx="6696739" cy="2560320"/>
+              <a:off x="14360859" y="20894933"/>
+              <a:ext cx="6611571" cy="2560320"/>
             </p:xfrm>
             <a:graphic>
               <a:graphicData uri="http://schemas.openxmlformats.org/drawingml/2006/table">
@@ -19199,9 +19106,9 @@
                     <a:tableStyleId>{2D5ABB26-0587-4C30-8999-92F81FD0307C}</a:tableStyleId>
                   </a:tblPr>
                   <a:tblGrid>
-                    <a:gridCol w="504054"/>
-                    <a:gridCol w="3040702"/>
-                    <a:gridCol w="3151983"/>
+                    <a:gridCol w="497644"/>
+                    <a:gridCol w="3002030"/>
+                    <a:gridCol w="3111897"/>
                   </a:tblGrid>
                   <a:tr h="438207">
                     <a:tc gridSpan="3">
@@ -19233,23 +19140,8 @@
                               <a:ea typeface="SimSun"/>
                               <a:cs typeface="Times New Roman" pitchFamily="18" charset="0"/>
                             </a:rPr>
-                            <a:t>Улучшенные </a:t>
-                          </a:r>
-                          <a:r>
-                            <a:rPr lang="ru-RU" sz="2400" i="0" kern="150" baseline="0" dirty="0" smtClean="0">
-                              <a:effectLst/>
-                              <a:latin typeface="Times New Roman" pitchFamily="18" charset="0"/>
-                              <a:ea typeface="SimSun"/>
-                              <a:cs typeface="Times New Roman" pitchFamily="18" charset="0"/>
-                            </a:rPr>
-                            <a:t>результаты,</a:t>
-                          </a:r>
-                          <a:endParaRPr lang="ru-RU" sz="2400" i="0" kern="150" baseline="0" dirty="0" smtClean="0">
-                            <a:effectLst/>
-                            <a:latin typeface="Times New Roman" pitchFamily="18" charset="0"/>
-                            <a:ea typeface="SimSun"/>
-                            <a:cs typeface="Times New Roman" pitchFamily="18" charset="0"/>
-                          </a:endParaRPr>
+                            <a:t>Улучшенные результаты,</a:t>
+                          </a:r>
                         </a:p>
                         <a:p>
                           <a:pPr marL="0" marR="0" lvl="0" indent="0" algn="ctr" defTabSz="2946197" rtl="0" eaLnBrk="1" fontAlgn="auto" latinLnBrk="0" hangingPunct="1">
@@ -19468,7 +19360,7 @@
                       </a:tcPr>
                     </a:tc>
                   </a:tr>
-                  <a:tr h="298329">
+                  <a:tr h="354294">
                     <a:tc>
                       <a:txBody>
                         <a:bodyPr/>
@@ -19558,7 +19450,7 @@
                             </a:spcAft>
                           </a:pPr>
                           <a:r>
-                            <a:rPr lang="en-US" sz="2400" kern="150" dirty="0" smtClean="0">
+                            <a:rPr lang="en-US" sz="2400" b="1" kern="150" dirty="0" smtClean="0">
                               <a:effectLst/>
                               <a:latin typeface="Times New Roman"/>
                               <a:ea typeface="SimSun"/>
@@ -19566,7 +19458,7 @@
                             </a:rPr>
                             <a:t>BANK</a:t>
                           </a:r>
-                          <a:endParaRPr lang="ru-RU" sz="2400" kern="150" dirty="0">
+                          <a:endParaRPr lang="ru-RU" sz="2400" b="1" kern="150" dirty="0">
                             <a:effectLst/>
                             <a:latin typeface="Times New Roman"/>
                             <a:ea typeface="SimSun"/>
@@ -19636,7 +19528,7 @@
                             <a:defRPr/>
                           </a:pPr>
                           <a:r>
-                            <a:rPr lang="en-US" sz="2400" kern="150" dirty="0" smtClean="0">
+                            <a:rPr lang="en-US" sz="2400" b="1" kern="150" dirty="0" smtClean="0">
                               <a:effectLst/>
                               <a:latin typeface="Times New Roman"/>
                               <a:ea typeface="SimSun"/>
@@ -19644,7 +19536,7 @@
                             </a:rPr>
                             <a:t>TKK</a:t>
                           </a:r>
-                          <a:endParaRPr lang="ru-RU" sz="2400" kern="150" dirty="0" smtClean="0">
+                          <a:endParaRPr lang="ru-RU" sz="2400" b="1" kern="150" dirty="0" smtClean="0">
                             <a:effectLst/>
                             <a:latin typeface="Times New Roman"/>
                             <a:ea typeface="SimSun"/>
@@ -19692,7 +19584,7 @@
                       </a:tcPr>
                     </a:tc>
                   </a:tr>
-                  <a:tr h="298329">
+                  <a:tr h="132550">
                     <a:tc>
                       <a:txBody>
                         <a:bodyPr/>
@@ -19715,7 +19607,16 @@
                             <a:tabLst/>
                             <a:defRPr/>
                           </a:pPr>
-                          <a:endParaRPr lang="ru-RU" sz="2400" i="1" kern="150" baseline="0" dirty="0" smtClean="0">
+                          <a:r>
+                            <a:rPr lang="en-US" sz="2400" b="1" i="1" kern="150" baseline="0" dirty="0" smtClean="0">
+                              <a:effectLst/>
+                              <a:latin typeface="Times New Roman" pitchFamily="18" charset="0"/>
+                              <a:ea typeface="SimSun"/>
+                              <a:cs typeface="Times New Roman" pitchFamily="18" charset="0"/>
+                            </a:rPr>
+                            <a:t>b</a:t>
+                          </a:r>
+                          <a:endParaRPr lang="ru-RU" sz="2400" b="1" i="1" kern="150" baseline="0" dirty="0" smtClean="0">
                             <a:effectLst/>
                             <a:latin typeface="Times New Roman" pitchFamily="18" charset="0"/>
                             <a:ea typeface="SimSun"/>
@@ -19760,6 +19661,11 @@
                           <a:headEnd type="none" w="med" len="med"/>
                           <a:tailEnd type="none" w="med" len="med"/>
                         </a:lnB>
+                        <a:solidFill>
+                          <a:schemeClr val="bg1">
+                            <a:lumMod val="85000"/>
+                          </a:schemeClr>
+                        </a:solidFill>
                       </a:tcPr>
                     </a:tc>
                     <a:tc>
@@ -19773,7 +19679,7 @@
                             </a:spcAft>
                           </a:pPr>
                           <a:r>
-                            <a:rPr lang="ru-RU" sz="2400" b="1" kern="150" dirty="0" smtClean="0">
+                            <a:rPr lang="ru-RU" sz="2400" b="0" kern="150" dirty="0" smtClean="0">
                               <a:solidFill>
                                 <a:srgbClr val="000000"/>
                               </a:solidFill>
@@ -19784,7 +19690,277 @@
                             </a:rPr>
                             <a:t>0.4795</a:t>
                           </a:r>
+                          <a:endParaRPr lang="ru-RU" sz="2400" b="0" kern="150" dirty="0">
+                            <a:effectLst/>
+                            <a:latin typeface="Times New Roman"/>
+                            <a:ea typeface="SimSun"/>
+                            <a:cs typeface="Mangal"/>
+                          </a:endParaRPr>
+                        </a:p>
+                      </a:txBody>
+                      <a:tcPr marL="68580" marR="68580" marT="0" marB="0" anchor="ctr">
+                        <a:lnL w="28575" cap="flat" cmpd="sng" algn="ctr">
+                          <a:solidFill>
+                            <a:schemeClr val="tx1"/>
+                          </a:solidFill>
+                          <a:prstDash val="solid"/>
+                          <a:round/>
+                          <a:headEnd type="none" w="med" len="med"/>
+                          <a:tailEnd type="none" w="med" len="med"/>
+                        </a:lnL>
+                        <a:lnR w="28575" cap="flat" cmpd="sng" algn="ctr">
+                          <a:solidFill>
+                            <a:schemeClr val="tx1"/>
+                          </a:solidFill>
+                          <a:prstDash val="solid"/>
+                          <a:round/>
+                          <a:headEnd type="none" w="med" len="med"/>
+                          <a:tailEnd type="none" w="med" len="med"/>
+                        </a:lnR>
+                        <a:lnT w="28575" cap="flat" cmpd="sng" algn="ctr">
+                          <a:solidFill>
+                            <a:schemeClr val="tx1"/>
+                          </a:solidFill>
+                          <a:prstDash val="solid"/>
+                          <a:round/>
+                          <a:headEnd type="none" w="med" len="med"/>
+                          <a:tailEnd type="none" w="med" len="med"/>
+                        </a:lnT>
+                        <a:lnB w="28575" cap="flat" cmpd="sng" algn="ctr">
+                          <a:solidFill>
+                            <a:schemeClr val="tx1"/>
+                          </a:solidFill>
+                          <a:prstDash val="solid"/>
+                          <a:round/>
+                          <a:headEnd type="none" w="med" len="med"/>
+                          <a:tailEnd type="none" w="med" len="med"/>
+                        </a:lnB>
+                        <a:solidFill>
+                          <a:schemeClr val="bg1">
+                            <a:lumMod val="85000"/>
+                          </a:schemeClr>
+                        </a:solidFill>
+                      </a:tcPr>
+                    </a:tc>
+                    <a:tc>
+                      <a:txBody>
+                        <a:bodyPr/>
+                        <a:lstStyle/>
+                        <a:p>
+                          <a:pPr marL="0" marR="0" indent="0" algn="ctr" defTabSz="2946197" rtl="0" eaLnBrk="1" fontAlgn="auto" latinLnBrk="0" hangingPunct="1">
+                            <a:lnSpc>
+                              <a:spcPct val="100000"/>
+                            </a:lnSpc>
+                            <a:spcBef>
+                              <a:spcPts val="0"/>
+                            </a:spcBef>
+                            <a:spcAft>
+                              <a:spcPts val="0"/>
+                            </a:spcAft>
+                            <a:buClrTx/>
+                            <a:buSzTx/>
+                            <a:buFontTx/>
+                            <a:buNone/>
+                            <a:tabLst/>
+                            <a:defRPr/>
+                          </a:pPr>
+                          <a:r>
+                            <a:rPr lang="ru-RU" sz="2400" kern="150" dirty="0" smtClean="0">
+                              <a:effectLst/>
+                              <a:latin typeface="Times New Roman"/>
+                              <a:ea typeface="SimSun"/>
+                              <a:cs typeface="Mangal"/>
+                            </a:rPr>
+                            <a:t>0,5452</a:t>
+                          </a:r>
+                        </a:p>
+                      </a:txBody>
+                      <a:tcPr marL="68580" marR="68580" marT="0" marB="0" anchor="ctr">
+                        <a:lnL w="28575" cap="flat" cmpd="sng" algn="ctr">
+                          <a:solidFill>
+                            <a:schemeClr val="tx1"/>
+                          </a:solidFill>
+                          <a:prstDash val="solid"/>
+                          <a:round/>
+                          <a:headEnd type="none" w="med" len="med"/>
+                          <a:tailEnd type="none" w="med" len="med"/>
+                        </a:lnL>
+                        <a:lnR w="28575" cap="flat" cmpd="sng" algn="ctr">
+                          <a:solidFill>
+                            <a:schemeClr val="tx1"/>
+                          </a:solidFill>
+                          <a:prstDash val="solid"/>
+                          <a:round/>
+                          <a:headEnd type="none" w="med" len="med"/>
+                          <a:tailEnd type="none" w="med" len="med"/>
+                        </a:lnR>
+                        <a:lnT w="28575" cap="flat" cmpd="sng" algn="ctr">
+                          <a:solidFill>
+                            <a:schemeClr val="tx1"/>
+                          </a:solidFill>
+                          <a:prstDash val="solid"/>
+                          <a:round/>
+                          <a:headEnd type="none" w="med" len="med"/>
+                          <a:tailEnd type="none" w="med" len="med"/>
+                        </a:lnT>
+                        <a:lnB w="28575" cap="flat" cmpd="sng" algn="ctr">
+                          <a:solidFill>
+                            <a:schemeClr val="tx1"/>
+                          </a:solidFill>
+                          <a:prstDash val="solid"/>
+                          <a:round/>
+                          <a:headEnd type="none" w="med" len="med"/>
+                          <a:tailEnd type="none" w="med" len="med"/>
+                        </a:lnB>
+                        <a:solidFill>
+                          <a:schemeClr val="bg1">
+                            <a:lumMod val="85000"/>
+                          </a:schemeClr>
+                        </a:solidFill>
+                      </a:tcPr>
+                    </a:tc>
+                  </a:tr>
+                  <a:tr h="326098">
+                    <a:tc>
+                      <a:txBody>
+                        <a:bodyPr/>
+                        <a:lstStyle/>
+                        <a:p>
+                          <a:pPr marL="0" indent="0" algn="ctr">
+                            <a:spcAft>
+                              <a:spcPts val="0"/>
+                            </a:spcAft>
+                          </a:pPr>
+                          <a:r>
+                            <a:rPr lang="ru-RU" sz="2400" kern="150" dirty="0" smtClean="0">
+                              <a:effectLst/>
+                              <a:latin typeface="Times New Roman"/>
+                              <a:ea typeface="SimSun"/>
+                              <a:cs typeface="Mangal"/>
+                            </a:rPr>
+                            <a:t>1</a:t>
+                          </a:r>
                           <a:endParaRPr lang="ru-RU" sz="2400" kern="150" dirty="0">
+                            <a:effectLst/>
+                            <a:latin typeface="Times New Roman"/>
+                            <a:ea typeface="SimSun"/>
+                            <a:cs typeface="Mangal"/>
+                          </a:endParaRPr>
+                        </a:p>
+                      </a:txBody>
+                      <a:tcPr marL="68580" marR="68580" marT="0" marB="0" anchor="ctr">
+                        <a:lnL w="28575" cap="flat" cmpd="sng" algn="ctr">
+                          <a:solidFill>
+                            <a:schemeClr val="tx1"/>
+                          </a:solidFill>
+                          <a:prstDash val="solid"/>
+                          <a:round/>
+                          <a:headEnd type="none" w="med" len="med"/>
+                          <a:tailEnd type="none" w="med" len="med"/>
+                        </a:lnL>
+                        <a:lnR w="28575" cap="flat" cmpd="sng" algn="ctr">
+                          <a:solidFill>
+                            <a:schemeClr val="tx1"/>
+                          </a:solidFill>
+                          <a:prstDash val="solid"/>
+                          <a:round/>
+                          <a:headEnd type="none" w="med" len="med"/>
+                          <a:tailEnd type="none" w="med" len="med"/>
+                        </a:lnR>
+                        <a:lnT w="28575" cap="flat" cmpd="sng" algn="ctr">
+                          <a:solidFill>
+                            <a:schemeClr val="tx1"/>
+                          </a:solidFill>
+                          <a:prstDash val="solid"/>
+                          <a:round/>
+                          <a:headEnd type="none" w="med" len="med"/>
+                          <a:tailEnd type="none" w="med" len="med"/>
+                        </a:lnT>
+                        <a:lnB w="28575" cap="flat" cmpd="sng" algn="ctr">
+                          <a:solidFill>
+                            <a:schemeClr val="tx1"/>
+                          </a:solidFill>
+                          <a:prstDash val="solid"/>
+                          <a:round/>
+                          <a:headEnd type="none" w="med" len="med"/>
+                          <a:tailEnd type="none" w="med" len="med"/>
+                        </a:lnB>
+                      </a:tcPr>
+                    </a:tc>
+                    <a:tc>
+                      <a:txBody>
+                        <a:bodyPr/>
+                        <a:lstStyle/>
+                        <a:p>
+                          <a:pPr marL="0" indent="0" algn="ctr">
+                            <a:spcAft>
+                              <a:spcPts val="0"/>
+                            </a:spcAft>
+                          </a:pPr>
+                          <a:r>
+                            <a:rPr lang="ru-RU" sz="2400" kern="150" dirty="0">
+                              <a:solidFill>
+                                <a:srgbClr val="000000"/>
+                              </a:solidFill>
+                              <a:effectLst/>
+                              <a:latin typeface="Times New Roman"/>
+                              <a:ea typeface="SimSun"/>
+                              <a:cs typeface="Mangal"/>
+                            </a:rPr>
+                            <a:t>0</a:t>
+                          </a:r>
+                          <a:r>
+                            <a:rPr lang="en-US" sz="2400" kern="150" dirty="0">
+                              <a:solidFill>
+                                <a:srgbClr val="000000"/>
+                              </a:solidFill>
+                              <a:effectLst/>
+                              <a:latin typeface="Times New Roman"/>
+                              <a:ea typeface="SimSun"/>
+                              <a:cs typeface="Mangal"/>
+                            </a:rPr>
+                            <a:t>.</a:t>
+                          </a:r>
+                          <a:r>
+                            <a:rPr lang="ru-RU" sz="2400" kern="150" dirty="0" smtClean="0">
+                              <a:solidFill>
+                                <a:srgbClr val="000000"/>
+                              </a:solidFill>
+                              <a:effectLst/>
+                              <a:latin typeface="Times New Roman"/>
+                              <a:ea typeface="SimSun"/>
+                              <a:cs typeface="Mangal"/>
+                            </a:rPr>
+                            <a:t>4955</a:t>
+                          </a:r>
+                          <a:r>
+                            <a:rPr lang="en-US" sz="2400" kern="150" dirty="0" smtClean="0">
+                              <a:solidFill>
+                                <a:srgbClr val="000000"/>
+                              </a:solidFill>
+                              <a:effectLst/>
+                              <a:latin typeface="Times New Roman"/>
+                              <a:ea typeface="SimSun"/>
+                              <a:cs typeface="Mangal"/>
+                            </a:rPr>
+                            <a:t> </a:t>
+                          </a:r>
+                          <a:r>
+                            <a:rPr lang="en-US" sz="2400" b="1" kern="150" dirty="0" smtClean="0">
+                              <a:solidFill>
+                                <a:srgbClr val="34921E"/>
+                              </a:solidFill>
+                              <a:effectLst/>
+                              <a:latin typeface="Times New Roman"/>
+                              <a:ea typeface="SimSun"/>
+                              <a:cs typeface="Mangal"/>
+                            </a:rPr>
+                            <a:t>(+3.34%)</a:t>
+                          </a:r>
+                          <a:endParaRPr lang="ru-RU" sz="4000" b="1" kern="150" dirty="0">
+                            <a:solidFill>
+                              <a:srgbClr val="34921E"/>
+                            </a:solidFill>
                             <a:effectLst/>
                             <a:latin typeface="Times New Roman"/>
                             <a:ea typeface="SimSun"/>
@@ -19855,14 +20031,44 @@
                           </a:pPr>
                           <a:r>
                             <a:rPr lang="ru-RU" sz="2400" kern="150" dirty="0" smtClean="0">
+                              <a:solidFill>
+                                <a:srgbClr val="000000"/>
+                              </a:solidFill>
                               <a:effectLst/>
                               <a:latin typeface="Times New Roman"/>
                               <a:ea typeface="SimSun"/>
                               <a:cs typeface="Mangal"/>
                             </a:rPr>
-                            <a:t>0,5452</a:t>
-                          </a:r>
-                          <a:endParaRPr lang="ru-RU" sz="2400" kern="150" dirty="0" smtClean="0">
+                            <a:t>0.5259</a:t>
+                          </a:r>
+                          <a:r>
+                            <a:rPr lang="en-US" sz="2400" kern="150" dirty="0" smtClean="0">
+                              <a:solidFill>
+                                <a:srgbClr val="000000"/>
+                              </a:solidFill>
+                              <a:effectLst/>
+                              <a:latin typeface="Times New Roman"/>
+                              <a:ea typeface="SimSun"/>
+                              <a:cs typeface="Mangal"/>
+                            </a:rPr>
+                            <a:t> </a:t>
+                          </a:r>
+                          <a:r>
+                            <a:rPr lang="en-US" sz="2400" b="1" kern="150" dirty="0" smtClean="0">
+                              <a:solidFill>
+                                <a:srgbClr val="C00000"/>
+                              </a:solidFill>
+                              <a:effectLst/>
+                              <a:latin typeface="Times New Roman"/>
+                              <a:ea typeface="SimSun"/>
+                              <a:cs typeface="Mangal"/>
+                            </a:rPr>
+                            <a:t>(-3.53%)</a:t>
+                          </a:r>
+                          <a:endParaRPr lang="ru-RU" sz="4000" b="1" kern="150" dirty="0" smtClean="0">
+                            <a:solidFill>
+                              <a:srgbClr val="C00000"/>
+                            </a:solidFill>
                             <a:effectLst/>
                             <a:latin typeface="Times New Roman"/>
                             <a:ea typeface="SimSun"/>
@@ -19928,7 +20134,7 @@
                               <a:ea typeface="SimSun"/>
                               <a:cs typeface="Mangal"/>
                             </a:rPr>
-                            <a:t>1</a:t>
+                            <a:t>2</a:t>
                           </a:r>
                           <a:endParaRPr lang="ru-RU" sz="2400" kern="150" dirty="0">
                             <a:effectLst/>
@@ -19988,30 +20194,6 @@
                             </a:spcAft>
                           </a:pPr>
                           <a:r>
-                            <a:rPr lang="ru-RU" sz="2400" kern="150" dirty="0">
-                              <a:solidFill>
-                                <a:srgbClr val="000000"/>
-                              </a:solidFill>
-                              <a:effectLst/>
-                              <a:latin typeface="Times New Roman"/>
-                              <a:ea typeface="SimSun"/>
-                              <a:cs typeface="Mangal"/>
-                            </a:rPr>
-                            <a:t>0</a:t>
-                          </a:r>
-                          <a:r>
-                            <a:rPr lang="en-US" sz="2400" kern="150" dirty="0">
-                              <a:solidFill>
-                                <a:srgbClr val="000000"/>
-                              </a:solidFill>
-                              <a:effectLst/>
-                              <a:latin typeface="Times New Roman"/>
-                              <a:ea typeface="SimSun"/>
-                              <a:cs typeface="Mangal"/>
-                            </a:rPr>
-                            <a:t>.</a:t>
-                          </a:r>
-                          <a:r>
                             <a:rPr lang="ru-RU" sz="2400" kern="150" dirty="0" smtClean="0">
                               <a:solidFill>
                                 <a:srgbClr val="000000"/>
@@ -20021,7 +20203,7 @@
                               <a:ea typeface="SimSun"/>
                               <a:cs typeface="Mangal"/>
                             </a:rPr>
-                            <a:t>4955</a:t>
+                            <a:t>0.5012</a:t>
                           </a:r>
                           <a:r>
                             <a:rPr lang="en-US" sz="2400" kern="150" dirty="0" smtClean="0">
@@ -20045,7 +20227,7 @@
                               <a:ea typeface="SimSun"/>
                               <a:cs typeface="Mangal"/>
                             </a:rPr>
-                            <a:t>(+3.34%)</a:t>
+                            <a:t>(+4.53%)</a:t>
                           </a:r>
                           <a:endParaRPr lang="ru-RU" sz="4000" b="1" kern="150" dirty="0">
                             <a:solidFill>
@@ -20102,22 +20284,10 @@
                         <a:bodyPr/>
                         <a:lstStyle/>
                         <a:p>
-                          <a:pPr marL="0" marR="0" indent="0" algn="ctr" defTabSz="2946197" rtl="0" eaLnBrk="1" fontAlgn="auto" latinLnBrk="0" hangingPunct="1">
-                            <a:lnSpc>
-                              <a:spcPct val="100000"/>
-                            </a:lnSpc>
-                            <a:spcBef>
-                              <a:spcPts val="0"/>
-                            </a:spcBef>
+                          <a:pPr marL="0" indent="0" algn="ctr">
                             <a:spcAft>
                               <a:spcPts val="0"/>
                             </a:spcAft>
-                            <a:buClrTx/>
-                            <a:buSzTx/>
-                            <a:buFontTx/>
-                            <a:buNone/>
-                            <a:tabLst/>
-                            <a:defRPr/>
                           </a:pPr>
                           <a:r>
                             <a:rPr lang="ru-RU" sz="2400" kern="150" dirty="0" smtClean="0">
@@ -20129,7 +20299,7 @@
                               <a:ea typeface="SimSun"/>
                               <a:cs typeface="Mangal"/>
                             </a:rPr>
-                            <a:t>0.5259</a:t>
+                            <a:t>0.5283</a:t>
                           </a:r>
                           <a:r>
                             <a:rPr lang="en-US" sz="2400" kern="150" dirty="0" smtClean="0">
@@ -20153,9 +20323,9 @@
                               <a:ea typeface="SimSun"/>
                               <a:cs typeface="Mangal"/>
                             </a:rPr>
-                            <a:t>(-3.53%)</a:t>
-                          </a:r>
-                          <a:endParaRPr lang="ru-RU" sz="4000" b="1" kern="150" dirty="0" smtClean="0">
+                            <a:t>(-3.09%)</a:t>
+                          </a:r>
+                          <a:endParaRPr lang="ru-RU" sz="4000" b="1" kern="150" dirty="0">
                             <a:solidFill>
                               <a:srgbClr val="C00000"/>
                             </a:solidFill>
@@ -20224,7 +20394,7 @@
                               <a:ea typeface="SimSun"/>
                               <a:cs typeface="Mangal"/>
                             </a:rPr>
-                            <a:t>2</a:t>
+                            <a:t>3</a:t>
                           </a:r>
                           <a:endParaRPr lang="ru-RU" sz="2400" kern="150" dirty="0">
                             <a:effectLst/>
@@ -20284,7 +20454,7 @@
                             </a:spcAft>
                           </a:pPr>
                           <a:r>
-                            <a:rPr lang="ru-RU" sz="2400" kern="150" dirty="0" smtClean="0">
+                            <a:rPr lang="ru-RU" sz="2400" b="1" kern="150" dirty="0" smtClean="0">
                               <a:solidFill>
                                 <a:srgbClr val="000000"/>
                               </a:solidFill>
@@ -20293,10 +20463,10 @@
                               <a:ea typeface="SimSun"/>
                               <a:cs typeface="Mangal"/>
                             </a:rPr>
-                            <a:t>0.5012</a:t>
-                          </a:r>
-                          <a:r>
-                            <a:rPr lang="en-US" sz="2400" kern="150" dirty="0" smtClean="0">
+                            <a:t>0.5239</a:t>
+                          </a:r>
+                          <a:r>
+                            <a:rPr lang="en-US" sz="2400" b="1" kern="150" dirty="0" smtClean="0">
                               <a:solidFill>
                                 <a:srgbClr val="000000"/>
                               </a:solidFill>
@@ -20317,9 +20487,9 @@
                               <a:ea typeface="SimSun"/>
                               <a:cs typeface="Mangal"/>
                             </a:rPr>
-                            <a:t>(+4.53%)</a:t>
-                          </a:r>
-                          <a:endParaRPr lang="ru-RU" sz="4000" b="1" kern="150" dirty="0">
+                            <a:t>(+9.52%)</a:t>
+                          </a:r>
+                          <a:endParaRPr lang="ru-RU" sz="4000" kern="150" dirty="0">
                             <a:solidFill>
                               <a:srgbClr val="34921E"/>
                             </a:solidFill>
@@ -20380,170 +20550,6 @@
                             </a:spcAft>
                           </a:pPr>
                           <a:r>
-                            <a:rPr lang="ru-RU" sz="2400" kern="150" dirty="0" smtClean="0">
-                              <a:solidFill>
-                                <a:srgbClr val="000000"/>
-                              </a:solidFill>
-                              <a:effectLst/>
-                              <a:latin typeface="Times New Roman"/>
-                              <a:ea typeface="SimSun"/>
-                              <a:cs typeface="Mangal"/>
-                            </a:rPr>
-                            <a:t>0.5283</a:t>
-                          </a:r>
-                          <a:r>
-                            <a:rPr lang="en-US" sz="2400" kern="150" dirty="0" smtClean="0">
-                              <a:solidFill>
-                                <a:srgbClr val="000000"/>
-                              </a:solidFill>
-                              <a:effectLst/>
-                              <a:latin typeface="Times New Roman"/>
-                              <a:ea typeface="SimSun"/>
-                              <a:cs typeface="Mangal"/>
-                            </a:rPr>
-                            <a:t> </a:t>
-                          </a:r>
-                          <a:r>
-                            <a:rPr lang="en-US" sz="2400" b="1" kern="150" dirty="0" smtClean="0">
-                              <a:solidFill>
-                                <a:srgbClr val="C00000"/>
-                              </a:solidFill>
-                              <a:effectLst/>
-                              <a:latin typeface="Times New Roman"/>
-                              <a:ea typeface="SimSun"/>
-                              <a:cs typeface="Mangal"/>
-                            </a:rPr>
-                            <a:t>(-3.09%)</a:t>
-                          </a:r>
-                          <a:endParaRPr lang="ru-RU" sz="4000" b="1" kern="150" dirty="0">
-                            <a:solidFill>
-                              <a:srgbClr val="C00000"/>
-                            </a:solidFill>
-                            <a:effectLst/>
-                            <a:latin typeface="Times New Roman"/>
-                            <a:ea typeface="SimSun"/>
-                            <a:cs typeface="Mangal"/>
-                          </a:endParaRPr>
-                        </a:p>
-                      </a:txBody>
-                      <a:tcPr marL="68580" marR="68580" marT="0" marB="0" anchor="ctr">
-                        <a:lnL w="28575" cap="flat" cmpd="sng" algn="ctr">
-                          <a:solidFill>
-                            <a:schemeClr val="tx1"/>
-                          </a:solidFill>
-                          <a:prstDash val="solid"/>
-                          <a:round/>
-                          <a:headEnd type="none" w="med" len="med"/>
-                          <a:tailEnd type="none" w="med" len="med"/>
-                        </a:lnL>
-                        <a:lnR w="28575" cap="flat" cmpd="sng" algn="ctr">
-                          <a:solidFill>
-                            <a:schemeClr val="tx1"/>
-                          </a:solidFill>
-                          <a:prstDash val="solid"/>
-                          <a:round/>
-                          <a:headEnd type="none" w="med" len="med"/>
-                          <a:tailEnd type="none" w="med" len="med"/>
-                        </a:lnR>
-                        <a:lnT w="28575" cap="flat" cmpd="sng" algn="ctr">
-                          <a:solidFill>
-                            <a:schemeClr val="tx1"/>
-                          </a:solidFill>
-                          <a:prstDash val="solid"/>
-                          <a:round/>
-                          <a:headEnd type="none" w="med" len="med"/>
-                          <a:tailEnd type="none" w="med" len="med"/>
-                        </a:lnT>
-                        <a:lnB w="28575" cap="flat" cmpd="sng" algn="ctr">
-                          <a:solidFill>
-                            <a:schemeClr val="tx1"/>
-                          </a:solidFill>
-                          <a:prstDash val="solid"/>
-                          <a:round/>
-                          <a:headEnd type="none" w="med" len="med"/>
-                          <a:tailEnd type="none" w="med" len="med"/>
-                        </a:lnB>
-                      </a:tcPr>
-                    </a:tc>
-                  </a:tr>
-                  <a:tr h="326098">
-                    <a:tc>
-                      <a:txBody>
-                        <a:bodyPr/>
-                        <a:lstStyle/>
-                        <a:p>
-                          <a:pPr marL="0" indent="0" algn="ctr">
-                            <a:spcAft>
-                              <a:spcPts val="0"/>
-                            </a:spcAft>
-                          </a:pPr>
-                          <a:r>
-                            <a:rPr lang="ru-RU" sz="2400" kern="150" dirty="0" smtClean="0">
-                              <a:effectLst/>
-                              <a:latin typeface="Times New Roman"/>
-                              <a:ea typeface="SimSun"/>
-                              <a:cs typeface="Mangal"/>
-                            </a:rPr>
-                            <a:t>3</a:t>
-                          </a:r>
-                          <a:endParaRPr lang="ru-RU" sz="2400" kern="150" dirty="0">
-                            <a:effectLst/>
-                            <a:latin typeface="Times New Roman"/>
-                            <a:ea typeface="SimSun"/>
-                            <a:cs typeface="Mangal"/>
-                          </a:endParaRPr>
-                        </a:p>
-                      </a:txBody>
-                      <a:tcPr marL="68580" marR="68580" marT="0" marB="0" anchor="ctr">
-                        <a:lnL w="28575" cap="flat" cmpd="sng" algn="ctr">
-                          <a:solidFill>
-                            <a:schemeClr val="tx1"/>
-                          </a:solidFill>
-                          <a:prstDash val="solid"/>
-                          <a:round/>
-                          <a:headEnd type="none" w="med" len="med"/>
-                          <a:tailEnd type="none" w="med" len="med"/>
-                        </a:lnL>
-                        <a:lnR w="28575" cap="flat" cmpd="sng" algn="ctr">
-                          <a:solidFill>
-                            <a:schemeClr val="tx1"/>
-                          </a:solidFill>
-                          <a:prstDash val="solid"/>
-                          <a:round/>
-                          <a:headEnd type="none" w="med" len="med"/>
-                          <a:tailEnd type="none" w="med" len="med"/>
-                        </a:lnR>
-                        <a:lnT w="28575" cap="flat" cmpd="sng" algn="ctr">
-                          <a:solidFill>
-                            <a:schemeClr val="tx1"/>
-                          </a:solidFill>
-                          <a:prstDash val="solid"/>
-                          <a:round/>
-                          <a:headEnd type="none" w="med" len="med"/>
-                          <a:tailEnd type="none" w="med" len="med"/>
-                        </a:lnT>
-                        <a:lnB w="28575" cap="flat" cmpd="sng" algn="ctr">
-                          <a:solidFill>
-                            <a:schemeClr val="tx1"/>
-                          </a:solidFill>
-                          <a:prstDash val="solid"/>
-                          <a:round/>
-                          <a:headEnd type="none" w="med" len="med"/>
-                          <a:tailEnd type="none" w="med" len="med"/>
-                        </a:lnB>
-                      </a:tcPr>
-                    </a:tc>
-                    <a:tc>
-                      <a:txBody>
-                        <a:bodyPr/>
-                        <a:lstStyle/>
-                        <a:p>
-                          <a:pPr marL="0" indent="0" algn="ctr">
-                            <a:spcAft>
-                              <a:spcPts val="0"/>
-                            </a:spcAft>
-                          </a:pPr>
-                          <a:r>
                             <a:rPr lang="ru-RU" sz="2400" b="1" kern="150" dirty="0" smtClean="0">
                               <a:solidFill>
                                 <a:srgbClr val="000000"/>
@@ -20553,7 +20559,7 @@
                               <a:ea typeface="SimSun"/>
                               <a:cs typeface="Mangal"/>
                             </a:rPr>
-                            <a:t>0.5239</a:t>
+                            <a:t>0.5453</a:t>
                           </a:r>
                           <a:r>
                             <a:rPr lang="en-US" sz="2400" b="1" kern="150" dirty="0" smtClean="0">
@@ -20577,7 +20583,7 @@
                               <a:ea typeface="SimSun"/>
                               <a:cs typeface="Mangal"/>
                             </a:rPr>
-                            <a:t>(+9.52%)</a:t>
+                            <a:t>(+0.01%)</a:t>
                           </a:r>
                           <a:endParaRPr lang="ru-RU" sz="4000" kern="150" dirty="0">
                             <a:solidFill>
@@ -20629,109 +20635,13 @@
                         </a:lnB>
                       </a:tcPr>
                     </a:tc>
-                    <a:tc>
-                      <a:txBody>
-                        <a:bodyPr/>
-                        <a:lstStyle/>
-                        <a:p>
-                          <a:pPr marL="0" indent="0" algn="ctr">
-                            <a:spcAft>
-                              <a:spcPts val="0"/>
-                            </a:spcAft>
-                          </a:pPr>
-                          <a:r>
-                            <a:rPr lang="ru-RU" sz="2400" b="1" kern="150" dirty="0" smtClean="0">
-                              <a:solidFill>
-                                <a:srgbClr val="000000"/>
-                              </a:solidFill>
-                              <a:effectLst/>
-                              <a:latin typeface="Times New Roman"/>
-                              <a:ea typeface="SimSun"/>
-                              <a:cs typeface="Mangal"/>
-                            </a:rPr>
-                            <a:t>0.5453</a:t>
-                          </a:r>
-                          <a:r>
-                            <a:rPr lang="en-US" sz="2400" b="1" kern="150" dirty="0" smtClean="0">
-                              <a:solidFill>
-                                <a:srgbClr val="000000"/>
-                              </a:solidFill>
-                              <a:effectLst/>
-                              <a:latin typeface="Times New Roman"/>
-                              <a:ea typeface="SimSun"/>
-                              <a:cs typeface="Mangal"/>
-                            </a:rPr>
-                            <a:t> </a:t>
-                          </a:r>
-                          <a:r>
-                            <a:rPr lang="en-US" sz="2400" b="1" kern="150" dirty="0" smtClean="0">
-                              <a:solidFill>
-                                <a:srgbClr val="34921E"/>
-                              </a:solidFill>
-                              <a:effectLst/>
-                              <a:latin typeface="Times New Roman"/>
-                              <a:ea typeface="SimSun"/>
-                              <a:cs typeface="Mangal"/>
-                            </a:rPr>
-                            <a:t>(+0.01%)</a:t>
-                          </a:r>
-                          <a:endParaRPr lang="ru-RU" sz="4000" kern="150" dirty="0">
-                            <a:solidFill>
-                              <a:srgbClr val="34921E"/>
-                            </a:solidFill>
-                            <a:effectLst/>
-                            <a:latin typeface="Times New Roman"/>
-                            <a:ea typeface="SimSun"/>
-                            <a:cs typeface="Mangal"/>
-                          </a:endParaRPr>
-                        </a:p>
-                      </a:txBody>
-                      <a:tcPr marL="68580" marR="68580" marT="0" marB="0" anchor="ctr">
-                        <a:lnL w="28575" cap="flat" cmpd="sng" algn="ctr">
-                          <a:solidFill>
-                            <a:schemeClr val="tx1"/>
-                          </a:solidFill>
-                          <a:prstDash val="solid"/>
-                          <a:round/>
-                          <a:headEnd type="none" w="med" len="med"/>
-                          <a:tailEnd type="none" w="med" len="med"/>
-                        </a:lnL>
-                        <a:lnR w="28575" cap="flat" cmpd="sng" algn="ctr">
-                          <a:solidFill>
-                            <a:schemeClr val="tx1"/>
-                          </a:solidFill>
-                          <a:prstDash val="solid"/>
-                          <a:round/>
-                          <a:headEnd type="none" w="med" len="med"/>
-                          <a:tailEnd type="none" w="med" len="med"/>
-                        </a:lnR>
-                        <a:lnT w="28575" cap="flat" cmpd="sng" algn="ctr">
-                          <a:solidFill>
-                            <a:schemeClr val="tx1"/>
-                          </a:solidFill>
-                          <a:prstDash val="solid"/>
-                          <a:round/>
-                          <a:headEnd type="none" w="med" len="med"/>
-                          <a:tailEnd type="none" w="med" len="med"/>
-                        </a:lnT>
-                        <a:lnB w="28575" cap="flat" cmpd="sng" algn="ctr">
-                          <a:solidFill>
-                            <a:schemeClr val="tx1"/>
-                          </a:solidFill>
-                          <a:prstDash val="solid"/>
-                          <a:round/>
-                          <a:headEnd type="none" w="med" len="med"/>
-                          <a:tailEnd type="none" w="med" len="med"/>
-                        </a:lnB>
-                      </a:tcPr>
-                    </a:tc>
                   </a:tr>
                 </a:tbl>
               </a:graphicData>
             </a:graphic>
           </p:graphicFrame>
         </mc:Choice>
-        <mc:Fallback>
+        <mc:Fallback xmlns="">
           <p:graphicFrame>
             <p:nvGraphicFramePr>
               <p:cNvPr id="60" name="Таблица 59"/>
@@ -20741,14 +20651,14 @@
               <p:nvPr>
                 <p:extLst>
                   <p:ext uri="{D42A27DB-BD31-4B8C-83A1-F6EECF244321}">
-                    <p14:modId xmlns:p14="http://schemas.microsoft.com/office/powerpoint/2010/main" val="2214620643"/>
+                    <p14:modId xmlns:p14="http://schemas.microsoft.com/office/powerpoint/2010/main" val="1119012869"/>
                   </p:ext>
                 </p:extLst>
               </p:nvPr>
             </p:nvGraphicFramePr>
             <p:xfrm>
-              <a:off x="14311833" y="21388646"/>
-              <a:ext cx="6696739" cy="2560320"/>
+              <a:off x="14360859" y="20894933"/>
+              <a:ext cx="6611571" cy="2560320"/>
             </p:xfrm>
             <a:graphic>
               <a:graphicData uri="http://schemas.openxmlformats.org/drawingml/2006/table">
@@ -20757,9 +20667,9 @@
                     <a:tableStyleId>{2D5ABB26-0587-4C30-8999-92F81FD0307C}</a:tableStyleId>
                   </a:tblPr>
                   <a:tblGrid>
-                    <a:gridCol w="504054"/>
-                    <a:gridCol w="3040702"/>
-                    <a:gridCol w="3151983"/>
+                    <a:gridCol w="497644"/>
+                    <a:gridCol w="3002030"/>
+                    <a:gridCol w="3111897"/>
                   </a:tblGrid>
                   <a:tr h="731520">
                     <a:tc gridSpan="3">
@@ -20810,7 +20720,7 @@
                         <a:blipFill rotWithShape="1">
                           <a:blip r:embed="rId13"/>
                           <a:stretch>
-                            <a:fillRect l="-91" t="-13333" r="-91" b="-275000"/>
+                            <a:fillRect l="-92" t="-13333" r="-92" b="-275000"/>
                           </a:stretch>
                         </a:blipFill>
                       </a:tcPr>
@@ -21032,7 +20942,7 @@
                             </a:spcAft>
                           </a:pPr>
                           <a:r>
-                            <a:rPr lang="en-US" sz="2400" kern="150" dirty="0" smtClean="0">
+                            <a:rPr lang="en-US" sz="2400" b="1" kern="150" dirty="0" smtClean="0">
                               <a:effectLst/>
                               <a:latin typeface="Times New Roman"/>
                               <a:ea typeface="SimSun"/>
@@ -21040,7 +20950,7 @@
                             </a:rPr>
                             <a:t>BANK</a:t>
                           </a:r>
-                          <a:endParaRPr lang="ru-RU" sz="2400" kern="150" dirty="0">
+                          <a:endParaRPr lang="ru-RU" sz="2400" b="1" kern="150" dirty="0">
                             <a:effectLst/>
                             <a:latin typeface="Times New Roman"/>
                             <a:ea typeface="SimSun"/>
@@ -21110,7 +21020,7 @@
                             <a:defRPr/>
                           </a:pPr>
                           <a:r>
-                            <a:rPr lang="en-US" sz="2400" kern="150" dirty="0" smtClean="0">
+                            <a:rPr lang="en-US" sz="2400" b="1" kern="150" dirty="0" smtClean="0">
                               <a:effectLst/>
                               <a:latin typeface="Times New Roman"/>
                               <a:ea typeface="SimSun"/>
@@ -21118,7 +21028,7 @@
                             </a:rPr>
                             <a:t>TKK</a:t>
                           </a:r>
-                          <a:endParaRPr lang="ru-RU" sz="2400" kern="150" dirty="0" smtClean="0">
+                          <a:endParaRPr lang="ru-RU" sz="2400" b="1" kern="150" dirty="0" smtClean="0">
                             <a:effectLst/>
                             <a:latin typeface="Times New Roman"/>
                             <a:ea typeface="SimSun"/>
@@ -21189,7 +21099,16 @@
                             <a:tabLst/>
                             <a:defRPr/>
                           </a:pPr>
-                          <a:endParaRPr lang="ru-RU" sz="2400" i="1" kern="150" baseline="0" dirty="0" smtClean="0">
+                          <a:r>
+                            <a:rPr lang="en-US" sz="2400" b="1" i="1" kern="150" baseline="0" dirty="0" smtClean="0">
+                              <a:effectLst/>
+                              <a:latin typeface="Times New Roman" pitchFamily="18" charset="0"/>
+                              <a:ea typeface="SimSun"/>
+                              <a:cs typeface="Times New Roman" pitchFamily="18" charset="0"/>
+                            </a:rPr>
+                            <a:t>b</a:t>
+                          </a:r>
+                          <a:endParaRPr lang="ru-RU" sz="2400" b="1" i="1" kern="150" baseline="0" dirty="0" smtClean="0">
                             <a:effectLst/>
                             <a:latin typeface="Times New Roman" pitchFamily="18" charset="0"/>
                             <a:ea typeface="SimSun"/>
@@ -21234,6 +21153,11 @@
                           <a:headEnd type="none" w="med" len="med"/>
                           <a:tailEnd type="none" w="med" len="med"/>
                         </a:lnB>
+                        <a:solidFill>
+                          <a:schemeClr val="bg1">
+                            <a:lumMod val="85000"/>
+                          </a:schemeClr>
+                        </a:solidFill>
                       </a:tcPr>
                     </a:tc>
                     <a:tc>
@@ -21247,7 +21171,7 @@
                             </a:spcAft>
                           </a:pPr>
                           <a:r>
-                            <a:rPr lang="ru-RU" sz="2400" b="1" kern="150" dirty="0" smtClean="0">
+                            <a:rPr lang="ru-RU" sz="2400" b="0" kern="150" dirty="0" smtClean="0">
                               <a:solidFill>
                                 <a:srgbClr val="000000"/>
                               </a:solidFill>
@@ -21258,7 +21182,277 @@
                             </a:rPr>
                             <a:t>0.4795</a:t>
                           </a:r>
+                          <a:endParaRPr lang="ru-RU" sz="2400" b="0" kern="150" dirty="0">
+                            <a:effectLst/>
+                            <a:latin typeface="Times New Roman"/>
+                            <a:ea typeface="SimSun"/>
+                            <a:cs typeface="Mangal"/>
+                          </a:endParaRPr>
+                        </a:p>
+                      </a:txBody>
+                      <a:tcPr marL="68580" marR="68580" marT="0" marB="0" anchor="ctr">
+                        <a:lnL w="28575" cap="flat" cmpd="sng" algn="ctr">
+                          <a:solidFill>
+                            <a:schemeClr val="tx1"/>
+                          </a:solidFill>
+                          <a:prstDash val="solid"/>
+                          <a:round/>
+                          <a:headEnd type="none" w="med" len="med"/>
+                          <a:tailEnd type="none" w="med" len="med"/>
+                        </a:lnL>
+                        <a:lnR w="28575" cap="flat" cmpd="sng" algn="ctr">
+                          <a:solidFill>
+                            <a:schemeClr val="tx1"/>
+                          </a:solidFill>
+                          <a:prstDash val="solid"/>
+                          <a:round/>
+                          <a:headEnd type="none" w="med" len="med"/>
+                          <a:tailEnd type="none" w="med" len="med"/>
+                        </a:lnR>
+                        <a:lnT w="28575" cap="flat" cmpd="sng" algn="ctr">
+                          <a:solidFill>
+                            <a:schemeClr val="tx1"/>
+                          </a:solidFill>
+                          <a:prstDash val="solid"/>
+                          <a:round/>
+                          <a:headEnd type="none" w="med" len="med"/>
+                          <a:tailEnd type="none" w="med" len="med"/>
+                        </a:lnT>
+                        <a:lnB w="28575" cap="flat" cmpd="sng" algn="ctr">
+                          <a:solidFill>
+                            <a:schemeClr val="tx1"/>
+                          </a:solidFill>
+                          <a:prstDash val="solid"/>
+                          <a:round/>
+                          <a:headEnd type="none" w="med" len="med"/>
+                          <a:tailEnd type="none" w="med" len="med"/>
+                        </a:lnB>
+                        <a:solidFill>
+                          <a:schemeClr val="bg1">
+                            <a:lumMod val="85000"/>
+                          </a:schemeClr>
+                        </a:solidFill>
+                      </a:tcPr>
+                    </a:tc>
+                    <a:tc>
+                      <a:txBody>
+                        <a:bodyPr/>
+                        <a:lstStyle/>
+                        <a:p>
+                          <a:pPr marL="0" marR="0" indent="0" algn="ctr" defTabSz="2946197" rtl="0" eaLnBrk="1" fontAlgn="auto" latinLnBrk="0" hangingPunct="1">
+                            <a:lnSpc>
+                              <a:spcPct val="100000"/>
+                            </a:lnSpc>
+                            <a:spcBef>
+                              <a:spcPts val="0"/>
+                            </a:spcBef>
+                            <a:spcAft>
+                              <a:spcPts val="0"/>
+                            </a:spcAft>
+                            <a:buClrTx/>
+                            <a:buSzTx/>
+                            <a:buFontTx/>
+                            <a:buNone/>
+                            <a:tabLst/>
+                            <a:defRPr/>
+                          </a:pPr>
+                          <a:r>
+                            <a:rPr lang="ru-RU" sz="2400" kern="150" dirty="0" smtClean="0">
+                              <a:effectLst/>
+                              <a:latin typeface="Times New Roman"/>
+                              <a:ea typeface="SimSun"/>
+                              <a:cs typeface="Mangal"/>
+                            </a:rPr>
+                            <a:t>0,5452</a:t>
+                          </a:r>
+                        </a:p>
+                      </a:txBody>
+                      <a:tcPr marL="68580" marR="68580" marT="0" marB="0" anchor="ctr">
+                        <a:lnL w="28575" cap="flat" cmpd="sng" algn="ctr">
+                          <a:solidFill>
+                            <a:schemeClr val="tx1"/>
+                          </a:solidFill>
+                          <a:prstDash val="solid"/>
+                          <a:round/>
+                          <a:headEnd type="none" w="med" len="med"/>
+                          <a:tailEnd type="none" w="med" len="med"/>
+                        </a:lnL>
+                        <a:lnR w="28575" cap="flat" cmpd="sng" algn="ctr">
+                          <a:solidFill>
+                            <a:schemeClr val="tx1"/>
+                          </a:solidFill>
+                          <a:prstDash val="solid"/>
+                          <a:round/>
+                          <a:headEnd type="none" w="med" len="med"/>
+                          <a:tailEnd type="none" w="med" len="med"/>
+                        </a:lnR>
+                        <a:lnT w="28575" cap="flat" cmpd="sng" algn="ctr">
+                          <a:solidFill>
+                            <a:schemeClr val="tx1"/>
+                          </a:solidFill>
+                          <a:prstDash val="solid"/>
+                          <a:round/>
+                          <a:headEnd type="none" w="med" len="med"/>
+                          <a:tailEnd type="none" w="med" len="med"/>
+                        </a:lnT>
+                        <a:lnB w="28575" cap="flat" cmpd="sng" algn="ctr">
+                          <a:solidFill>
+                            <a:schemeClr val="tx1"/>
+                          </a:solidFill>
+                          <a:prstDash val="solid"/>
+                          <a:round/>
+                          <a:headEnd type="none" w="med" len="med"/>
+                          <a:tailEnd type="none" w="med" len="med"/>
+                        </a:lnB>
+                        <a:solidFill>
+                          <a:schemeClr val="bg1">
+                            <a:lumMod val="85000"/>
+                          </a:schemeClr>
+                        </a:solidFill>
+                      </a:tcPr>
+                    </a:tc>
+                  </a:tr>
+                  <a:tr h="365760">
+                    <a:tc>
+                      <a:txBody>
+                        <a:bodyPr/>
+                        <a:lstStyle/>
+                        <a:p>
+                          <a:pPr marL="0" indent="0" algn="ctr">
+                            <a:spcAft>
+                              <a:spcPts val="0"/>
+                            </a:spcAft>
+                          </a:pPr>
+                          <a:r>
+                            <a:rPr lang="ru-RU" sz="2400" kern="150" dirty="0" smtClean="0">
+                              <a:effectLst/>
+                              <a:latin typeface="Times New Roman"/>
+                              <a:ea typeface="SimSun"/>
+                              <a:cs typeface="Mangal"/>
+                            </a:rPr>
+                            <a:t>1</a:t>
+                          </a:r>
                           <a:endParaRPr lang="ru-RU" sz="2400" kern="150" dirty="0">
+                            <a:effectLst/>
+                            <a:latin typeface="Times New Roman"/>
+                            <a:ea typeface="SimSun"/>
+                            <a:cs typeface="Mangal"/>
+                          </a:endParaRPr>
+                        </a:p>
+                      </a:txBody>
+                      <a:tcPr marL="68580" marR="68580" marT="0" marB="0" anchor="ctr">
+                        <a:lnL w="28575" cap="flat" cmpd="sng" algn="ctr">
+                          <a:solidFill>
+                            <a:schemeClr val="tx1"/>
+                          </a:solidFill>
+                          <a:prstDash val="solid"/>
+                          <a:round/>
+                          <a:headEnd type="none" w="med" len="med"/>
+                          <a:tailEnd type="none" w="med" len="med"/>
+                        </a:lnL>
+                        <a:lnR w="28575" cap="flat" cmpd="sng" algn="ctr">
+                          <a:solidFill>
+                            <a:schemeClr val="tx1"/>
+                          </a:solidFill>
+                          <a:prstDash val="solid"/>
+                          <a:round/>
+                          <a:headEnd type="none" w="med" len="med"/>
+                          <a:tailEnd type="none" w="med" len="med"/>
+                        </a:lnR>
+                        <a:lnT w="28575" cap="flat" cmpd="sng" algn="ctr">
+                          <a:solidFill>
+                            <a:schemeClr val="tx1"/>
+                          </a:solidFill>
+                          <a:prstDash val="solid"/>
+                          <a:round/>
+                          <a:headEnd type="none" w="med" len="med"/>
+                          <a:tailEnd type="none" w="med" len="med"/>
+                        </a:lnT>
+                        <a:lnB w="28575" cap="flat" cmpd="sng" algn="ctr">
+                          <a:solidFill>
+                            <a:schemeClr val="tx1"/>
+                          </a:solidFill>
+                          <a:prstDash val="solid"/>
+                          <a:round/>
+                          <a:headEnd type="none" w="med" len="med"/>
+                          <a:tailEnd type="none" w="med" len="med"/>
+                        </a:lnB>
+                      </a:tcPr>
+                    </a:tc>
+                    <a:tc>
+                      <a:txBody>
+                        <a:bodyPr/>
+                        <a:lstStyle/>
+                        <a:p>
+                          <a:pPr marL="0" indent="0" algn="ctr">
+                            <a:spcAft>
+                              <a:spcPts val="0"/>
+                            </a:spcAft>
+                          </a:pPr>
+                          <a:r>
+                            <a:rPr lang="ru-RU" sz="2400" kern="150" dirty="0">
+                              <a:solidFill>
+                                <a:srgbClr val="000000"/>
+                              </a:solidFill>
+                              <a:effectLst/>
+                              <a:latin typeface="Times New Roman"/>
+                              <a:ea typeface="SimSun"/>
+                              <a:cs typeface="Mangal"/>
+                            </a:rPr>
+                            <a:t>0</a:t>
+                          </a:r>
+                          <a:r>
+                            <a:rPr lang="en-US" sz="2400" kern="150" dirty="0">
+                              <a:solidFill>
+                                <a:srgbClr val="000000"/>
+                              </a:solidFill>
+                              <a:effectLst/>
+                              <a:latin typeface="Times New Roman"/>
+                              <a:ea typeface="SimSun"/>
+                              <a:cs typeface="Mangal"/>
+                            </a:rPr>
+                            <a:t>.</a:t>
+                          </a:r>
+                          <a:r>
+                            <a:rPr lang="ru-RU" sz="2400" kern="150" dirty="0" smtClean="0">
+                              <a:solidFill>
+                                <a:srgbClr val="000000"/>
+                              </a:solidFill>
+                              <a:effectLst/>
+                              <a:latin typeface="Times New Roman"/>
+                              <a:ea typeface="SimSun"/>
+                              <a:cs typeface="Mangal"/>
+                            </a:rPr>
+                            <a:t>4955</a:t>
+                          </a:r>
+                          <a:r>
+                            <a:rPr lang="en-US" sz="2400" kern="150" dirty="0" smtClean="0">
+                              <a:solidFill>
+                                <a:srgbClr val="000000"/>
+                              </a:solidFill>
+                              <a:effectLst/>
+                              <a:latin typeface="Times New Roman"/>
+                              <a:ea typeface="SimSun"/>
+                              <a:cs typeface="Mangal"/>
+                            </a:rPr>
+                            <a:t> </a:t>
+                          </a:r>
+                          <a:r>
+                            <a:rPr lang="en-US" sz="2400" b="1" kern="150" dirty="0" smtClean="0">
+                              <a:solidFill>
+                                <a:srgbClr val="34921E"/>
+                              </a:solidFill>
+                              <a:effectLst/>
+                              <a:latin typeface="Times New Roman"/>
+                              <a:ea typeface="SimSun"/>
+                              <a:cs typeface="Mangal"/>
+                            </a:rPr>
+                            <a:t>(+3.34%)</a:t>
+                          </a:r>
+                          <a:endParaRPr lang="ru-RU" sz="4000" b="1" kern="150" dirty="0">
+                            <a:solidFill>
+                              <a:srgbClr val="34921E"/>
+                            </a:solidFill>
                             <a:effectLst/>
                             <a:latin typeface="Times New Roman"/>
                             <a:ea typeface="SimSun"/>
@@ -21329,272 +21523,6 @@
                           </a:pPr>
                           <a:r>
                             <a:rPr lang="ru-RU" sz="2400" kern="150" dirty="0" smtClean="0">
-                              <a:effectLst/>
-                              <a:latin typeface="Times New Roman"/>
-                              <a:ea typeface="SimSun"/>
-                              <a:cs typeface="Mangal"/>
-                            </a:rPr>
-                            <a:t>0,5452</a:t>
-                          </a:r>
-                          <a:endParaRPr lang="ru-RU" sz="2400" kern="150" dirty="0" smtClean="0">
-                            <a:effectLst/>
-                            <a:latin typeface="Times New Roman"/>
-                            <a:ea typeface="SimSun"/>
-                            <a:cs typeface="Mangal"/>
-                          </a:endParaRPr>
-                        </a:p>
-                      </a:txBody>
-                      <a:tcPr marL="68580" marR="68580" marT="0" marB="0" anchor="ctr">
-                        <a:lnL w="28575" cap="flat" cmpd="sng" algn="ctr">
-                          <a:solidFill>
-                            <a:schemeClr val="tx1"/>
-                          </a:solidFill>
-                          <a:prstDash val="solid"/>
-                          <a:round/>
-                          <a:headEnd type="none" w="med" len="med"/>
-                          <a:tailEnd type="none" w="med" len="med"/>
-                        </a:lnL>
-                        <a:lnR w="28575" cap="flat" cmpd="sng" algn="ctr">
-                          <a:solidFill>
-                            <a:schemeClr val="tx1"/>
-                          </a:solidFill>
-                          <a:prstDash val="solid"/>
-                          <a:round/>
-                          <a:headEnd type="none" w="med" len="med"/>
-                          <a:tailEnd type="none" w="med" len="med"/>
-                        </a:lnR>
-                        <a:lnT w="28575" cap="flat" cmpd="sng" algn="ctr">
-                          <a:solidFill>
-                            <a:schemeClr val="tx1"/>
-                          </a:solidFill>
-                          <a:prstDash val="solid"/>
-                          <a:round/>
-                          <a:headEnd type="none" w="med" len="med"/>
-                          <a:tailEnd type="none" w="med" len="med"/>
-                        </a:lnT>
-                        <a:lnB w="28575" cap="flat" cmpd="sng" algn="ctr">
-                          <a:solidFill>
-                            <a:schemeClr val="tx1"/>
-                          </a:solidFill>
-                          <a:prstDash val="solid"/>
-                          <a:round/>
-                          <a:headEnd type="none" w="med" len="med"/>
-                          <a:tailEnd type="none" w="med" len="med"/>
-                        </a:lnB>
-                      </a:tcPr>
-                    </a:tc>
-                  </a:tr>
-                  <a:tr h="365760">
-                    <a:tc>
-                      <a:txBody>
-                        <a:bodyPr/>
-                        <a:lstStyle/>
-                        <a:p>
-                          <a:pPr marL="0" indent="0" algn="ctr">
-                            <a:spcAft>
-                              <a:spcPts val="0"/>
-                            </a:spcAft>
-                          </a:pPr>
-                          <a:r>
-                            <a:rPr lang="ru-RU" sz="2400" kern="150" dirty="0" smtClean="0">
-                              <a:effectLst/>
-                              <a:latin typeface="Times New Roman"/>
-                              <a:ea typeface="SimSun"/>
-                              <a:cs typeface="Mangal"/>
-                            </a:rPr>
-                            <a:t>1</a:t>
-                          </a:r>
-                          <a:endParaRPr lang="ru-RU" sz="2400" kern="150" dirty="0">
-                            <a:effectLst/>
-                            <a:latin typeface="Times New Roman"/>
-                            <a:ea typeface="SimSun"/>
-                            <a:cs typeface="Mangal"/>
-                          </a:endParaRPr>
-                        </a:p>
-                      </a:txBody>
-                      <a:tcPr marL="68580" marR="68580" marT="0" marB="0" anchor="ctr">
-                        <a:lnL w="28575" cap="flat" cmpd="sng" algn="ctr">
-                          <a:solidFill>
-                            <a:schemeClr val="tx1"/>
-                          </a:solidFill>
-                          <a:prstDash val="solid"/>
-                          <a:round/>
-                          <a:headEnd type="none" w="med" len="med"/>
-                          <a:tailEnd type="none" w="med" len="med"/>
-                        </a:lnL>
-                        <a:lnR w="28575" cap="flat" cmpd="sng" algn="ctr">
-                          <a:solidFill>
-                            <a:schemeClr val="tx1"/>
-                          </a:solidFill>
-                          <a:prstDash val="solid"/>
-                          <a:round/>
-                          <a:headEnd type="none" w="med" len="med"/>
-                          <a:tailEnd type="none" w="med" len="med"/>
-                        </a:lnR>
-                        <a:lnT w="28575" cap="flat" cmpd="sng" algn="ctr">
-                          <a:solidFill>
-                            <a:schemeClr val="tx1"/>
-                          </a:solidFill>
-                          <a:prstDash val="solid"/>
-                          <a:round/>
-                          <a:headEnd type="none" w="med" len="med"/>
-                          <a:tailEnd type="none" w="med" len="med"/>
-                        </a:lnT>
-                        <a:lnB w="28575" cap="flat" cmpd="sng" algn="ctr">
-                          <a:solidFill>
-                            <a:schemeClr val="tx1"/>
-                          </a:solidFill>
-                          <a:prstDash val="solid"/>
-                          <a:round/>
-                          <a:headEnd type="none" w="med" len="med"/>
-                          <a:tailEnd type="none" w="med" len="med"/>
-                        </a:lnB>
-                      </a:tcPr>
-                    </a:tc>
-                    <a:tc>
-                      <a:txBody>
-                        <a:bodyPr/>
-                        <a:lstStyle/>
-                        <a:p>
-                          <a:pPr marL="0" indent="0" algn="ctr">
-                            <a:spcAft>
-                              <a:spcPts val="0"/>
-                            </a:spcAft>
-                          </a:pPr>
-                          <a:r>
-                            <a:rPr lang="ru-RU" sz="2400" kern="150" dirty="0">
-                              <a:solidFill>
-                                <a:srgbClr val="000000"/>
-                              </a:solidFill>
-                              <a:effectLst/>
-                              <a:latin typeface="Times New Roman"/>
-                              <a:ea typeface="SimSun"/>
-                              <a:cs typeface="Mangal"/>
-                            </a:rPr>
-                            <a:t>0</a:t>
-                          </a:r>
-                          <a:r>
-                            <a:rPr lang="en-US" sz="2400" kern="150" dirty="0">
-                              <a:solidFill>
-                                <a:srgbClr val="000000"/>
-                              </a:solidFill>
-                              <a:effectLst/>
-                              <a:latin typeface="Times New Roman"/>
-                              <a:ea typeface="SimSun"/>
-                              <a:cs typeface="Mangal"/>
-                            </a:rPr>
-                            <a:t>.</a:t>
-                          </a:r>
-                          <a:r>
-                            <a:rPr lang="ru-RU" sz="2400" kern="150" dirty="0" smtClean="0">
-                              <a:solidFill>
-                                <a:srgbClr val="000000"/>
-                              </a:solidFill>
-                              <a:effectLst/>
-                              <a:latin typeface="Times New Roman"/>
-                              <a:ea typeface="SimSun"/>
-                              <a:cs typeface="Mangal"/>
-                            </a:rPr>
-                            <a:t>4955</a:t>
-                          </a:r>
-                          <a:r>
-                            <a:rPr lang="en-US" sz="2400" kern="150" dirty="0" smtClean="0">
-                              <a:solidFill>
-                                <a:srgbClr val="000000"/>
-                              </a:solidFill>
-                              <a:effectLst/>
-                              <a:latin typeface="Times New Roman"/>
-                              <a:ea typeface="SimSun"/>
-                              <a:cs typeface="Mangal"/>
-                            </a:rPr>
-                            <a:t> </a:t>
-                          </a:r>
-                          <a:r>
-                            <a:rPr lang="en-US" sz="2400" b="1" kern="150" dirty="0" smtClean="0">
-                              <a:solidFill>
-                                <a:srgbClr val="34921E"/>
-                              </a:solidFill>
-                              <a:effectLst/>
-                              <a:latin typeface="Times New Roman"/>
-                              <a:ea typeface="SimSun"/>
-                              <a:cs typeface="Mangal"/>
-                            </a:rPr>
-                            <a:t>(+3.34%)</a:t>
-                          </a:r>
-                          <a:endParaRPr lang="ru-RU" sz="4000" b="1" kern="150" dirty="0">
-                            <a:solidFill>
-                              <a:srgbClr val="34921E"/>
-                            </a:solidFill>
-                            <a:effectLst/>
-                            <a:latin typeface="Times New Roman"/>
-                            <a:ea typeface="SimSun"/>
-                            <a:cs typeface="Mangal"/>
-                          </a:endParaRPr>
-                        </a:p>
-                      </a:txBody>
-                      <a:tcPr marL="68580" marR="68580" marT="0" marB="0" anchor="ctr">
-                        <a:lnL w="28575" cap="flat" cmpd="sng" algn="ctr">
-                          <a:solidFill>
-                            <a:schemeClr val="tx1"/>
-                          </a:solidFill>
-                          <a:prstDash val="solid"/>
-                          <a:round/>
-                          <a:headEnd type="none" w="med" len="med"/>
-                          <a:tailEnd type="none" w="med" len="med"/>
-                        </a:lnL>
-                        <a:lnR w="28575" cap="flat" cmpd="sng" algn="ctr">
-                          <a:solidFill>
-                            <a:schemeClr val="tx1"/>
-                          </a:solidFill>
-                          <a:prstDash val="solid"/>
-                          <a:round/>
-                          <a:headEnd type="none" w="med" len="med"/>
-                          <a:tailEnd type="none" w="med" len="med"/>
-                        </a:lnR>
-                        <a:lnT w="28575" cap="flat" cmpd="sng" algn="ctr">
-                          <a:solidFill>
-                            <a:schemeClr val="tx1"/>
-                          </a:solidFill>
-                          <a:prstDash val="solid"/>
-                          <a:round/>
-                          <a:headEnd type="none" w="med" len="med"/>
-                          <a:tailEnd type="none" w="med" len="med"/>
-                        </a:lnT>
-                        <a:lnB w="28575" cap="flat" cmpd="sng" algn="ctr">
-                          <a:solidFill>
-                            <a:schemeClr val="tx1"/>
-                          </a:solidFill>
-                          <a:prstDash val="solid"/>
-                          <a:round/>
-                          <a:headEnd type="none" w="med" len="med"/>
-                          <a:tailEnd type="none" w="med" len="med"/>
-                        </a:lnB>
-                      </a:tcPr>
-                    </a:tc>
-                    <a:tc>
-                      <a:txBody>
-                        <a:bodyPr/>
-                        <a:lstStyle/>
-                        <a:p>
-                          <a:pPr marL="0" marR="0" indent="0" algn="ctr" defTabSz="2946197" rtl="0" eaLnBrk="1" fontAlgn="auto" latinLnBrk="0" hangingPunct="1">
-                            <a:lnSpc>
-                              <a:spcPct val="100000"/>
-                            </a:lnSpc>
-                            <a:spcBef>
-                              <a:spcPts val="0"/>
-                            </a:spcBef>
-                            <a:spcAft>
-                              <a:spcPts val="0"/>
-                            </a:spcAft>
-                            <a:buClrTx/>
-                            <a:buSzTx/>
-                            <a:buFontTx/>
-                            <a:buNone/>
-                            <a:tabLst/>
-                            <a:defRPr/>
-                          </a:pPr>
-                          <a:r>
-                            <a:rPr lang="ru-RU" sz="2400" kern="150" dirty="0" smtClean="0">
                               <a:solidFill>
                                 <a:srgbClr val="000000"/>
                               </a:solidFill>
@@ -22214,7 +22142,7 @@
         </p:nvSpPr>
         <p:spPr>
           <a:xfrm>
-            <a:off x="14275689" y="13296596"/>
+            <a:off x="14275689" y="12912821"/>
             <a:ext cx="6696741" cy="769441"/>
           </a:xfrm>
           <a:prstGeom prst="rect">
@@ -22230,11 +22158,25 @@
           <a:p>
             <a:pPr algn="ctr"/>
             <a:r>
+              <a:rPr lang="ru-RU" sz="4400" b="1" dirty="0">
+                <a:latin typeface="Times New Roman" pitchFamily="18" charset="0"/>
+                <a:cs typeface="Times New Roman" pitchFamily="18" charset="0"/>
+              </a:rPr>
+              <a:t>9</a:t>
+            </a:r>
+            <a:r>
               <a:rPr lang="ru-RU" sz="4400" b="1" dirty="0" smtClean="0">
                 <a:latin typeface="Times New Roman" pitchFamily="18" charset="0"/>
                 <a:cs typeface="Times New Roman" pitchFamily="18" charset="0"/>
               </a:rPr>
-              <a:t>10. Улучшение</a:t>
+              <a:t>. </a:t>
+            </a:r>
+            <a:r>
+              <a:rPr lang="ru-RU" sz="4400" b="1" dirty="0" smtClean="0">
+                <a:latin typeface="Times New Roman" pitchFamily="18" charset="0"/>
+                <a:cs typeface="Times New Roman" pitchFamily="18" charset="0"/>
+              </a:rPr>
+              <a:t>Улучшение</a:t>
             </a:r>
           </a:p>
         </p:txBody>
@@ -22250,13 +22192,13 @@
               <p:nvPr>
                 <p:extLst>
                   <p:ext uri="{D42A27DB-BD31-4B8C-83A1-F6EECF244321}">
-                    <p14:modId xmlns:p14="http://schemas.microsoft.com/office/powerpoint/2010/main" val="3049483608"/>
+                    <p14:modId xmlns:p14="http://schemas.microsoft.com/office/powerpoint/2010/main" val="3042460593"/>
                   </p:ext>
                 </p:extLst>
               </p:nvPr>
             </p:nvGraphicFramePr>
             <p:xfrm>
-              <a:off x="14365297" y="16530052"/>
+              <a:off x="14365297" y="16036339"/>
               <a:ext cx="6643281" cy="2194560"/>
             </p:xfrm>
             <a:graphic>
@@ -22300,16 +22242,7 @@
                               <a:ea typeface="SimSun"/>
                               <a:cs typeface="Times New Roman" pitchFamily="18" charset="0"/>
                             </a:rPr>
-                            <a:t>Улучшенные </a:t>
-                          </a:r>
-                          <a:r>
-                            <a:rPr lang="ru-RU" sz="2400" i="0" kern="150" baseline="0" dirty="0" smtClean="0">
-                              <a:effectLst/>
-                              <a:latin typeface="Times New Roman" pitchFamily="18" charset="0"/>
-                              <a:ea typeface="SimSun"/>
-                              <a:cs typeface="Times New Roman" pitchFamily="18" charset="0"/>
-                            </a:rPr>
-                            <a:t>результаты, </a:t>
+                            <a:t>Улучшенные результаты, </a:t>
                           </a:r>
                           <a14:m>
                             <m:oMath xmlns:m="http://schemas.openxmlformats.org/officeDocument/2006/math">
@@ -22597,7 +22530,7 @@
                             </a:spcAft>
                           </a:pPr>
                           <a:r>
-                            <a:rPr lang="en-US" sz="2400" kern="150" dirty="0" smtClean="0">
+                            <a:rPr lang="en-US" sz="2400" b="1" kern="150" dirty="0" smtClean="0">
                               <a:effectLst/>
                               <a:latin typeface="Times New Roman"/>
                               <a:ea typeface="SimSun"/>
@@ -22605,7 +22538,7 @@
                             </a:rPr>
                             <a:t>BANK</a:t>
                           </a:r>
-                          <a:endParaRPr lang="ru-RU" sz="2400" kern="150" dirty="0">
+                          <a:endParaRPr lang="ru-RU" sz="2400" b="1" kern="150" dirty="0">
                             <a:effectLst/>
                             <a:latin typeface="Times New Roman"/>
                             <a:ea typeface="SimSun"/>
@@ -22675,7 +22608,7 @@
                             <a:defRPr/>
                           </a:pPr>
                           <a:r>
-                            <a:rPr lang="en-US" sz="2400" kern="150" dirty="0" smtClean="0">
+                            <a:rPr lang="en-US" sz="2400" b="1" kern="150" dirty="0" smtClean="0">
                               <a:effectLst/>
                               <a:latin typeface="Times New Roman"/>
                               <a:ea typeface="SimSun"/>
@@ -22683,7 +22616,7 @@
                             </a:rPr>
                             <a:t>TKK</a:t>
                           </a:r>
-                          <a:endParaRPr lang="ru-RU" sz="2400" kern="150" dirty="0" smtClean="0">
+                          <a:endParaRPr lang="ru-RU" sz="2400" b="1" kern="150" dirty="0" smtClean="0">
                             <a:effectLst/>
                             <a:latin typeface="Times New Roman"/>
                             <a:ea typeface="SimSun"/>
@@ -22755,7 +22688,7 @@
                             <a:defRPr/>
                           </a:pPr>
                           <a:r>
-                            <a:rPr lang="en-US" sz="2400" i="1" kern="150" baseline="0" dirty="0" smtClean="0">
+                            <a:rPr lang="en-US" sz="2400" b="1" i="1" kern="150" baseline="0" dirty="0" smtClean="0">
                               <a:effectLst/>
                               <a:latin typeface="Times New Roman" pitchFamily="18" charset="0"/>
                               <a:ea typeface="SimSun"/>
@@ -22763,11 +22696,232 @@
                             </a:rPr>
                             <a:t>b</a:t>
                           </a:r>
-                          <a:endParaRPr lang="ru-RU" sz="2400" i="1" kern="150" baseline="0" dirty="0" smtClean="0">
+                          <a:endParaRPr lang="ru-RU" sz="2400" b="1" i="1" kern="150" baseline="0" dirty="0" smtClean="0">
                             <a:effectLst/>
                             <a:latin typeface="Times New Roman" pitchFamily="18" charset="0"/>
                             <a:ea typeface="SimSun"/>
                             <a:cs typeface="Times New Roman" pitchFamily="18" charset="0"/>
+                          </a:endParaRPr>
+                        </a:p>
+                      </a:txBody>
+                      <a:tcPr marL="68580" marR="68580" marT="0" marB="0" anchor="ctr">
+                        <a:lnL w="28575" cap="flat" cmpd="sng" algn="ctr">
+                          <a:solidFill>
+                            <a:schemeClr val="tx1"/>
+                          </a:solidFill>
+                          <a:prstDash val="solid"/>
+                          <a:round/>
+                          <a:headEnd type="none" w="med" len="med"/>
+                          <a:tailEnd type="none" w="med" len="med"/>
+                        </a:lnL>
+                        <a:lnR w="28575" cap="flat" cmpd="sng" algn="ctr">
+                          <a:solidFill>
+                            <a:schemeClr val="tx1"/>
+                          </a:solidFill>
+                          <a:prstDash val="solid"/>
+                          <a:round/>
+                          <a:headEnd type="none" w="med" len="med"/>
+                          <a:tailEnd type="none" w="med" len="med"/>
+                        </a:lnR>
+                        <a:lnT w="28575" cap="flat" cmpd="sng" algn="ctr">
+                          <a:solidFill>
+                            <a:schemeClr val="tx1"/>
+                          </a:solidFill>
+                          <a:prstDash val="solid"/>
+                          <a:round/>
+                          <a:headEnd type="none" w="med" len="med"/>
+                          <a:tailEnd type="none" w="med" len="med"/>
+                        </a:lnT>
+                        <a:lnB w="28575" cap="flat" cmpd="sng" algn="ctr">
+                          <a:solidFill>
+                            <a:schemeClr val="tx1"/>
+                          </a:solidFill>
+                          <a:prstDash val="solid"/>
+                          <a:round/>
+                          <a:headEnd type="none" w="med" len="med"/>
+                          <a:tailEnd type="none" w="med" len="med"/>
+                        </a:lnB>
+                        <a:solidFill>
+                          <a:schemeClr val="bg1">
+                            <a:lumMod val="85000"/>
+                          </a:schemeClr>
+                        </a:solidFill>
+                      </a:tcPr>
+                    </a:tc>
+                    <a:tc>
+                      <a:txBody>
+                        <a:bodyPr/>
+                        <a:lstStyle/>
+                        <a:p>
+                          <a:pPr marL="0" indent="0" algn="ctr">
+                            <a:spcAft>
+                              <a:spcPts val="0"/>
+                            </a:spcAft>
+                          </a:pPr>
+                          <a:r>
+                            <a:rPr lang="ru-RU" sz="2400" kern="150" dirty="0" smtClean="0">
+                              <a:solidFill>
+                                <a:srgbClr val="000000"/>
+                              </a:solidFill>
+                              <a:effectLst/>
+                              <a:latin typeface="Times New Roman"/>
+                              <a:ea typeface="SimSun"/>
+                              <a:cs typeface="Mangal"/>
+                            </a:rPr>
+                            <a:t>0.4536</a:t>
+                          </a:r>
+                          <a:endParaRPr lang="ru-RU" sz="2400" b="1" kern="150" dirty="0">
+                            <a:effectLst/>
+                            <a:latin typeface="Times New Roman"/>
+                            <a:ea typeface="SimSun"/>
+                            <a:cs typeface="Mangal"/>
+                          </a:endParaRPr>
+                        </a:p>
+                      </a:txBody>
+                      <a:tcPr marL="68580" marR="68580" marT="0" marB="0" anchor="b">
+                        <a:lnL w="28575" cap="flat" cmpd="sng" algn="ctr">
+                          <a:solidFill>
+                            <a:schemeClr val="tx1"/>
+                          </a:solidFill>
+                          <a:prstDash val="solid"/>
+                          <a:round/>
+                          <a:headEnd type="none" w="med" len="med"/>
+                          <a:tailEnd type="none" w="med" len="med"/>
+                        </a:lnL>
+                        <a:lnR w="28575" cap="flat" cmpd="sng" algn="ctr">
+                          <a:solidFill>
+                            <a:schemeClr val="tx1"/>
+                          </a:solidFill>
+                          <a:prstDash val="solid"/>
+                          <a:round/>
+                          <a:headEnd type="none" w="med" len="med"/>
+                          <a:tailEnd type="none" w="med" len="med"/>
+                        </a:lnR>
+                        <a:lnT w="28575" cap="flat" cmpd="sng" algn="ctr">
+                          <a:solidFill>
+                            <a:schemeClr val="tx1"/>
+                          </a:solidFill>
+                          <a:prstDash val="solid"/>
+                          <a:round/>
+                          <a:headEnd type="none" w="med" len="med"/>
+                          <a:tailEnd type="none" w="med" len="med"/>
+                        </a:lnT>
+                        <a:lnB w="28575" cap="flat" cmpd="sng" algn="ctr">
+                          <a:solidFill>
+                            <a:schemeClr val="tx1"/>
+                          </a:solidFill>
+                          <a:prstDash val="solid"/>
+                          <a:round/>
+                          <a:headEnd type="none" w="med" len="med"/>
+                          <a:tailEnd type="none" w="med" len="med"/>
+                        </a:lnB>
+                        <a:solidFill>
+                          <a:schemeClr val="bg1">
+                            <a:lumMod val="85000"/>
+                          </a:schemeClr>
+                        </a:solidFill>
+                      </a:tcPr>
+                    </a:tc>
+                    <a:tc>
+                      <a:txBody>
+                        <a:bodyPr/>
+                        <a:lstStyle/>
+                        <a:p>
+                          <a:pPr marL="0" indent="0" algn="ctr">
+                            <a:spcAft>
+                              <a:spcPts val="0"/>
+                            </a:spcAft>
+                          </a:pPr>
+                          <a:r>
+                            <a:rPr lang="en-US" sz="2400" kern="150" dirty="0" smtClean="0">
+                              <a:solidFill>
+                                <a:schemeClr val="tx1"/>
+                              </a:solidFill>
+                              <a:effectLst/>
+                              <a:latin typeface="Times New Roman"/>
+                              <a:ea typeface="SimSun"/>
+                              <a:cs typeface="Mangal"/>
+                            </a:rPr>
+                            <a:t>0.5103</a:t>
+                          </a:r>
+                          <a:endParaRPr lang="ru-RU" sz="2400" kern="150" dirty="0">
+                            <a:effectLst/>
+                            <a:latin typeface="Times New Roman"/>
+                            <a:ea typeface="SimSun"/>
+                            <a:cs typeface="Mangal"/>
+                          </a:endParaRPr>
+                        </a:p>
+                      </a:txBody>
+                      <a:tcPr marL="68580" marR="68580" marT="0" marB="0" anchor="b">
+                        <a:lnL w="28575" cap="flat" cmpd="sng" algn="ctr">
+                          <a:solidFill>
+                            <a:schemeClr val="tx1"/>
+                          </a:solidFill>
+                          <a:prstDash val="solid"/>
+                          <a:round/>
+                          <a:headEnd type="none" w="med" len="med"/>
+                          <a:tailEnd type="none" w="med" len="med"/>
+                        </a:lnL>
+                        <a:lnR w="28575" cap="flat" cmpd="sng" algn="ctr">
+                          <a:solidFill>
+                            <a:schemeClr val="tx1"/>
+                          </a:solidFill>
+                          <a:prstDash val="solid"/>
+                          <a:round/>
+                          <a:headEnd type="none" w="med" len="med"/>
+                          <a:tailEnd type="none" w="med" len="med"/>
+                        </a:lnR>
+                        <a:lnT w="28575" cap="flat" cmpd="sng" algn="ctr">
+                          <a:solidFill>
+                            <a:schemeClr val="tx1"/>
+                          </a:solidFill>
+                          <a:prstDash val="solid"/>
+                          <a:round/>
+                          <a:headEnd type="none" w="med" len="med"/>
+                          <a:tailEnd type="none" w="med" len="med"/>
+                        </a:lnT>
+                        <a:lnB w="28575" cap="flat" cmpd="sng" algn="ctr">
+                          <a:solidFill>
+                            <a:schemeClr val="tx1"/>
+                          </a:solidFill>
+                          <a:prstDash val="solid"/>
+                          <a:round/>
+                          <a:headEnd type="none" w="med" len="med"/>
+                          <a:tailEnd type="none" w="med" len="med"/>
+                        </a:lnB>
+                        <a:solidFill>
+                          <a:schemeClr val="bg1">
+                            <a:lumMod val="85000"/>
+                          </a:schemeClr>
+                        </a:solidFill>
+                      </a:tcPr>
+                    </a:tc>
+                  </a:tr>
+                  <a:tr h="257722">
+                    <a:tc>
+                      <a:txBody>
+                        <a:bodyPr/>
+                        <a:lstStyle/>
+                        <a:p>
+                          <a:pPr marL="0" indent="0" algn="ctr">
+                            <a:spcAft>
+                              <a:spcPts val="0"/>
+                            </a:spcAft>
+                          </a:pPr>
+                          <a:r>
+                            <a:rPr lang="ru-RU" sz="2400" kern="150" dirty="0" smtClean="0">
+                              <a:effectLst/>
+                              <a:latin typeface="Times New Roman"/>
+                              <a:ea typeface="SimSun"/>
+                              <a:cs typeface="Mangal"/>
+                            </a:rPr>
+                            <a:t>1</a:t>
+                          </a:r>
+                          <a:endParaRPr lang="ru-RU" sz="2400" kern="150" dirty="0">
+                            <a:effectLst/>
+                            <a:latin typeface="Times New Roman"/>
+                            <a:ea typeface="SimSun"/>
+                            <a:cs typeface="Mangal"/>
                           </a:endParaRPr>
                         </a:p>
                       </a:txBody>
@@ -22830,9 +22984,72 @@
                               <a:ea typeface="SimSun"/>
                               <a:cs typeface="Mangal"/>
                             </a:rPr>
-                            <a:t>0.4536</a:t>
+                            <a:t>0.4558 </a:t>
+                          </a:r>
+                          <a:r>
+                            <a:rPr lang="ru-RU" sz="2400" b="1" kern="150" dirty="0" smtClean="0">
+                              <a:solidFill>
+                                <a:srgbClr val="34921E"/>
+                              </a:solidFill>
+                              <a:effectLst/>
+                              <a:latin typeface="Times New Roman"/>
+                              <a:ea typeface="SimSun"/>
+                              <a:cs typeface="Mangal"/>
+                            </a:rPr>
+                            <a:t>(+</a:t>
+                          </a:r>
+                          <a:r>
+                            <a:rPr lang="en-US" sz="2400" b="1" kern="150" dirty="0" smtClean="0">
+                              <a:solidFill>
+                                <a:srgbClr val="34921E"/>
+                              </a:solidFill>
+                              <a:effectLst/>
+                              <a:latin typeface="Times New Roman"/>
+                              <a:ea typeface="SimSun"/>
+                              <a:cs typeface="Mangal"/>
+                            </a:rPr>
+                            <a:t>0</a:t>
+                          </a:r>
+                          <a:r>
+                            <a:rPr lang="ru-RU" sz="2400" b="1" kern="150" dirty="0" smtClean="0">
+                              <a:solidFill>
+                                <a:srgbClr val="34921E"/>
+                              </a:solidFill>
+                              <a:effectLst/>
+                              <a:latin typeface="Times New Roman"/>
+                              <a:ea typeface="SimSun"/>
+                              <a:cs typeface="Mangal"/>
+                            </a:rPr>
+                            <a:t>.</a:t>
+                          </a:r>
+                          <a:r>
+                            <a:rPr lang="en-US" sz="2400" b="1" kern="150" dirty="0" smtClean="0">
+                              <a:solidFill>
+                                <a:srgbClr val="34921E"/>
+                              </a:solidFill>
+                              <a:effectLst/>
+                              <a:latin typeface="Times New Roman"/>
+                              <a:ea typeface="SimSun"/>
+                              <a:cs typeface="Mangal"/>
+                            </a:rPr>
+                            <a:t>48</a:t>
+                          </a:r>
+                          <a:r>
+                            <a:rPr lang="ru-RU" sz="2400" b="1" kern="150" dirty="0" smtClean="0">
+                              <a:solidFill>
+                                <a:srgbClr val="34921E"/>
+                              </a:solidFill>
+                              <a:effectLst/>
+                              <a:latin typeface="Times New Roman"/>
+                              <a:ea typeface="SimSun"/>
+                              <a:cs typeface="Mangal"/>
+                            </a:rPr>
+                            <a:t>)</a:t>
                           </a:r>
                           <a:endParaRPr lang="ru-RU" sz="2400" b="1" kern="150" dirty="0">
+                            <a:solidFill>
+                              <a:srgbClr val="34921E"/>
+                            </a:solidFill>
                             <a:effectLst/>
                             <a:latin typeface="Times New Roman"/>
                             <a:ea typeface="SimSun"/>
@@ -22890,18 +23107,81 @@
                             </a:spcAft>
                           </a:pPr>
                           <a:r>
-                            <a:rPr lang="en-US" sz="2400" kern="150" dirty="0" smtClean="0">
+                            <a:rPr lang="ru-RU" sz="2400" kern="150" dirty="0" smtClean="0">
                               <a:solidFill>
-                                <a:schemeClr val="tx1"/>
+                                <a:srgbClr val="000000"/>
                               </a:solidFill>
                               <a:effectLst/>
                               <a:latin typeface="Times New Roman"/>
                               <a:ea typeface="SimSun"/>
                               <a:cs typeface="Mangal"/>
                             </a:rPr>
-                            <a:t>0.5103</a:t>
-                          </a:r>
-                          <a:endParaRPr lang="ru-RU" sz="2400" kern="150" dirty="0">
+                            <a:t>0.5235 </a:t>
+                          </a:r>
+                          <a:r>
+                            <a:rPr lang="ru-RU" sz="2400" b="1" kern="150" dirty="0" smtClean="0">
+                              <a:solidFill>
+                                <a:srgbClr val="34921E"/>
+                              </a:solidFill>
+                              <a:effectLst/>
+                              <a:latin typeface="Times New Roman"/>
+                              <a:ea typeface="SimSun"/>
+                              <a:cs typeface="Mangal"/>
+                            </a:rPr>
+                            <a:t>(+</a:t>
+                          </a:r>
+                          <a:r>
+                            <a:rPr lang="en-US" sz="2400" b="1" kern="150" dirty="0" smtClean="0">
+                              <a:solidFill>
+                                <a:srgbClr val="34921E"/>
+                              </a:solidFill>
+                              <a:effectLst/>
+                              <a:latin typeface="Times New Roman"/>
+                              <a:ea typeface="SimSun"/>
+                              <a:cs typeface="Mangal"/>
+                            </a:rPr>
+                            <a:t>2</a:t>
+                          </a:r>
+                          <a:r>
+                            <a:rPr lang="ru-RU" sz="2400" b="1" kern="150" dirty="0" smtClean="0">
+                              <a:solidFill>
+                                <a:srgbClr val="34921E"/>
+                              </a:solidFill>
+                              <a:effectLst/>
+                              <a:latin typeface="Times New Roman"/>
+                              <a:ea typeface="SimSun"/>
+                              <a:cs typeface="Mangal"/>
+                            </a:rPr>
+                            <a:t>.</a:t>
+                          </a:r>
+                          <a:r>
+                            <a:rPr lang="en-US" sz="2400" b="1" kern="150" dirty="0" smtClean="0">
+                              <a:solidFill>
+                                <a:srgbClr val="34921E"/>
+                              </a:solidFill>
+                              <a:effectLst/>
+                              <a:latin typeface="Times New Roman"/>
+                              <a:ea typeface="SimSun"/>
+                              <a:cs typeface="Mangal"/>
+                            </a:rPr>
+                            <a:t>58</a:t>
+                          </a:r>
+                          <a:r>
+                            <a:rPr lang="en-US" sz="2400" b="1" kern="150" dirty="0" smtClean="0">
+                              <a:solidFill>
+                                <a:srgbClr val="34921E"/>
+                              </a:solidFill>
+                              <a:effectLst/>
+                              <a:latin typeface="Times New Roman"/>
+                              <a:ea typeface="SimSun"/>
+                              <a:cs typeface="Mangal"/>
+                            </a:rPr>
+                            <a:t>%)</a:t>
+                          </a:r>
+                          <a:endParaRPr lang="ru-RU" sz="2400" b="1" kern="150" dirty="0">
+                            <a:solidFill>
+                              <a:srgbClr val="34921E"/>
+                            </a:solidFill>
                             <a:effectLst/>
                             <a:latin typeface="Times New Roman"/>
                             <a:ea typeface="SimSun"/>
@@ -22967,7 +23247,7 @@
                               <a:ea typeface="SimSun"/>
                               <a:cs typeface="Mangal"/>
                             </a:rPr>
-                            <a:t>1</a:t>
+                            <a:t>2</a:t>
                           </a:r>
                           <a:endParaRPr lang="ru-RU" sz="2400" kern="150" dirty="0">
                             <a:effectLst/>
@@ -23027,7 +23307,7 @@
                             </a:spcAft>
                           </a:pPr>
                           <a:r>
-                            <a:rPr lang="ru-RU" sz="2400" kern="150" dirty="0" smtClean="0">
+                            <a:rPr lang="ru-RU" sz="2400" b="1" kern="150" dirty="0" smtClean="0">
                               <a:solidFill>
                                 <a:srgbClr val="000000"/>
                               </a:solidFill>
@@ -23036,7 +23316,7 @@
                               <a:ea typeface="SimSun"/>
                               <a:cs typeface="Mangal"/>
                             </a:rPr>
-                            <a:t>0.4558 </a:t>
+                            <a:t>0.4795 </a:t>
                           </a:r>
                           <a:r>
                             <a:rPr lang="ru-RU" sz="2400" b="1" kern="150" dirty="0" smtClean="0">
@@ -23060,7 +23340,7 @@
                               <a:ea typeface="SimSun"/>
                               <a:cs typeface="Mangal"/>
                             </a:rPr>
-                            <a:t>0</a:t>
+                            <a:t>5</a:t>
                           </a:r>
                           <a:r>
                             <a:rPr lang="ru-RU" sz="2400" b="1" kern="150" dirty="0" smtClean="0">
@@ -23072,7 +23352,7 @@
                               <a:ea typeface="SimSun"/>
                               <a:cs typeface="Mangal"/>
                             </a:rPr>
-                            <a:t>.</a:t>
+                            <a:t>.7</a:t>
                           </a:r>
                           <a:r>
                             <a:rPr lang="en-US" sz="2400" b="1" kern="150" dirty="0" smtClean="0">
@@ -23084,7 +23364,7 @@
                               <a:ea typeface="SimSun"/>
                               <a:cs typeface="Mangal"/>
                             </a:rPr>
-                            <a:t>48</a:t>
+                            <a:t>0</a:t>
                           </a:r>
                           <a:r>
                             <a:rPr lang="ru-RU" sz="2400" b="1" kern="150" dirty="0" smtClean="0">
@@ -23168,7 +23448,43 @@
                               <a:ea typeface="SimSun"/>
                               <a:cs typeface="Mangal"/>
                             </a:rPr>
-                            <a:t>0.5235 </a:t>
+                            <a:t>0.5338</a:t>
+                          </a:r>
+                          <a:r>
+                            <a:rPr lang="en-US" sz="2400" kern="150" dirty="0" smtClean="0">
+                              <a:solidFill>
+                                <a:srgbClr val="000000"/>
+                              </a:solidFill>
+                              <a:effectLst/>
+                              <a:latin typeface="Times New Roman"/>
+                              <a:ea typeface="SimSun"/>
+                              <a:cs typeface="Mangal"/>
+                            </a:rPr>
+                            <a:t> </a:t>
+                          </a:r>
+                          <a:r>
+                            <a:rPr lang="en-US" sz="2400" b="1" kern="150" dirty="0" smtClean="0">
+                              <a:solidFill>
+                                <a:srgbClr val="34921E"/>
+                              </a:solidFill>
+                              <a:effectLst/>
+                              <a:latin typeface="Times New Roman"/>
+                              <a:ea typeface="SimSun"/>
+                              <a:cs typeface="Mangal"/>
+                            </a:rPr>
+                            <a:t>(+</a:t>
+                          </a:r>
+                          <a:r>
+                            <a:rPr lang="en-US" sz="2400" b="1" kern="150" dirty="0" smtClean="0">
+                              <a:solidFill>
+                                <a:srgbClr val="34921E"/>
+                              </a:solidFill>
+                              <a:effectLst/>
+                              <a:latin typeface="Times New Roman"/>
+                              <a:ea typeface="SimSun"/>
+                              <a:cs typeface="Mangal"/>
+                            </a:rPr>
+                            <a:t>4</a:t>
                           </a:r>
                           <a:r>
                             <a:rPr lang="ru-RU" sz="2400" b="1" kern="150" dirty="0" smtClean="0">
@@ -23180,7 +23496,7 @@
                               <a:ea typeface="SimSun"/>
                               <a:cs typeface="Mangal"/>
                             </a:rPr>
-                            <a:t>(+</a:t>
+                            <a:t>.</a:t>
                           </a:r>
                           <a:r>
                             <a:rPr lang="en-US" sz="2400" b="1" kern="150" dirty="0" smtClean="0">
@@ -23192,7 +23508,7 @@
                               <a:ea typeface="SimSun"/>
                               <a:cs typeface="Mangal"/>
                             </a:rPr>
-                            <a:t>2,58</a:t>
+                            <a:t>60</a:t>
                           </a:r>
                           <a:r>
                             <a:rPr lang="en-US" sz="2400" b="1" kern="150" dirty="0" smtClean="0">
@@ -23275,7 +23591,7 @@
                               <a:ea typeface="SimSun"/>
                               <a:cs typeface="Mangal"/>
                             </a:rPr>
-                            <a:t>2</a:t>
+                            <a:t>3</a:t>
                           </a:r>
                           <a:endParaRPr lang="ru-RU" sz="2400" kern="150" dirty="0">
                             <a:effectLst/>
@@ -23335,7 +23651,7 @@
                             </a:spcAft>
                           </a:pPr>
                           <a:r>
-                            <a:rPr lang="ru-RU" sz="2400" b="1" kern="150" dirty="0" smtClean="0">
+                            <a:rPr lang="ru-RU" sz="2400" kern="150" dirty="0" smtClean="0">
                               <a:solidFill>
                                 <a:srgbClr val="000000"/>
                               </a:solidFill>
@@ -23344,7 +23660,7 @@
                               <a:ea typeface="SimSun"/>
                               <a:cs typeface="Mangal"/>
                             </a:rPr>
-                            <a:t>0.4795 </a:t>
+                            <a:t>0.4768 </a:t>
                           </a:r>
                           <a:r>
                             <a:rPr lang="ru-RU" sz="2400" b="1" kern="150" dirty="0" smtClean="0">
@@ -23380,7 +23696,7 @@
                               <a:ea typeface="SimSun"/>
                               <a:cs typeface="Mangal"/>
                             </a:rPr>
-                            <a:t>.7</a:t>
+                            <a:t>.</a:t>
                           </a:r>
                           <a:r>
                             <a:rPr lang="en-US" sz="2400" b="1" kern="150" dirty="0" smtClean="0">
@@ -23392,7 +23708,7 @@
                               <a:ea typeface="SimSun"/>
                               <a:cs typeface="Mangal"/>
                             </a:rPr>
-                            <a:t>0</a:t>
+                            <a:t>11</a:t>
                           </a:r>
                           <a:r>
                             <a:rPr lang="ru-RU" sz="2400" b="1" kern="150" dirty="0" smtClean="0">
@@ -23467,7 +23783,7 @@
                             </a:spcAft>
                           </a:pPr>
                           <a:r>
-                            <a:rPr lang="ru-RU" sz="2400" kern="150" dirty="0" smtClean="0">
+                            <a:rPr lang="ru-RU" sz="2400" b="1" kern="150" dirty="0" smtClean="0">
                               <a:solidFill>
                                 <a:srgbClr val="000000"/>
                               </a:solidFill>
@@ -23476,10 +23792,10 @@
                               <a:ea typeface="SimSun"/>
                               <a:cs typeface="Mangal"/>
                             </a:rPr>
-                            <a:t>0.5338</a:t>
-                          </a:r>
-                          <a:r>
-                            <a:rPr lang="en-US" sz="2400" kern="150" dirty="0" smtClean="0">
+                            <a:t>0.5452</a:t>
+                          </a:r>
+                          <a:r>
+                            <a:rPr lang="en-US" sz="2400" b="1" kern="150" dirty="0" smtClean="0">
                               <a:solidFill>
                                 <a:srgbClr val="000000"/>
                               </a:solidFill>
@@ -23512,7 +23828,19 @@
                               <a:ea typeface="SimSun"/>
                               <a:cs typeface="Mangal"/>
                             </a:rPr>
-                            <a:t>4,60</a:t>
+                            <a:t>6</a:t>
+                          </a:r>
+                          <a:r>
+                            <a:rPr lang="ru-RU" sz="2400" b="1" kern="150" dirty="0" smtClean="0">
+                              <a:solidFill>
+                                <a:srgbClr val="34921E"/>
+                              </a:solidFill>
+                              <a:effectLst/>
+                              <a:latin typeface="Times New Roman"/>
+                              <a:ea typeface="SimSun"/>
+                              <a:cs typeface="Mangal"/>
+                            </a:rPr>
+                            <a:t>.</a:t>
                           </a:r>
                           <a:r>
                             <a:rPr lang="en-US" sz="2400" b="1" kern="150" dirty="0" smtClean="0">
@@ -23524,315 +23852,7 @@
                               <a:ea typeface="SimSun"/>
                               <a:cs typeface="Mangal"/>
                             </a:rPr>
-                            <a:t>%)</a:t>
-                          </a:r>
-                          <a:endParaRPr lang="ru-RU" sz="2400" b="1" kern="150" dirty="0">
-                            <a:solidFill>
-                              <a:srgbClr val="34921E"/>
-                            </a:solidFill>
-                            <a:effectLst/>
-                            <a:latin typeface="Times New Roman"/>
-                            <a:ea typeface="SimSun"/>
-                            <a:cs typeface="Mangal"/>
-                          </a:endParaRPr>
-                        </a:p>
-                      </a:txBody>
-                      <a:tcPr marL="68580" marR="68580" marT="0" marB="0" anchor="b">
-                        <a:lnL w="28575" cap="flat" cmpd="sng" algn="ctr">
-                          <a:solidFill>
-                            <a:schemeClr val="tx1"/>
-                          </a:solidFill>
-                          <a:prstDash val="solid"/>
-                          <a:round/>
-                          <a:headEnd type="none" w="med" len="med"/>
-                          <a:tailEnd type="none" w="med" len="med"/>
-                        </a:lnL>
-                        <a:lnR w="28575" cap="flat" cmpd="sng" algn="ctr">
-                          <a:solidFill>
-                            <a:schemeClr val="tx1"/>
-                          </a:solidFill>
-                          <a:prstDash val="solid"/>
-                          <a:round/>
-                          <a:headEnd type="none" w="med" len="med"/>
-                          <a:tailEnd type="none" w="med" len="med"/>
-                        </a:lnR>
-                        <a:lnT w="28575" cap="flat" cmpd="sng" algn="ctr">
-                          <a:solidFill>
-                            <a:schemeClr val="tx1"/>
-                          </a:solidFill>
-                          <a:prstDash val="solid"/>
-                          <a:round/>
-                          <a:headEnd type="none" w="med" len="med"/>
-                          <a:tailEnd type="none" w="med" len="med"/>
-                        </a:lnT>
-                        <a:lnB w="28575" cap="flat" cmpd="sng" algn="ctr">
-                          <a:solidFill>
-                            <a:schemeClr val="tx1"/>
-                          </a:solidFill>
-                          <a:prstDash val="solid"/>
-                          <a:round/>
-                          <a:headEnd type="none" w="med" len="med"/>
-                          <a:tailEnd type="none" w="med" len="med"/>
-                        </a:lnB>
-                      </a:tcPr>
-                    </a:tc>
-                  </a:tr>
-                  <a:tr h="257722">
-                    <a:tc>
-                      <a:txBody>
-                        <a:bodyPr/>
-                        <a:lstStyle/>
-                        <a:p>
-                          <a:pPr marL="0" indent="0" algn="ctr">
-                            <a:spcAft>
-                              <a:spcPts val="0"/>
-                            </a:spcAft>
-                          </a:pPr>
-                          <a:r>
-                            <a:rPr lang="ru-RU" sz="2400" kern="150" dirty="0" smtClean="0">
-                              <a:effectLst/>
-                              <a:latin typeface="Times New Roman"/>
-                              <a:ea typeface="SimSun"/>
-                              <a:cs typeface="Mangal"/>
-                            </a:rPr>
-                            <a:t>3</a:t>
-                          </a:r>
-                          <a:endParaRPr lang="ru-RU" sz="2400" kern="150" dirty="0">
-                            <a:effectLst/>
-                            <a:latin typeface="Times New Roman"/>
-                            <a:ea typeface="SimSun"/>
-                            <a:cs typeface="Mangal"/>
-                          </a:endParaRPr>
-                        </a:p>
-                      </a:txBody>
-                      <a:tcPr marL="68580" marR="68580" marT="0" marB="0" anchor="ctr">
-                        <a:lnL w="28575" cap="flat" cmpd="sng" algn="ctr">
-                          <a:solidFill>
-                            <a:schemeClr val="tx1"/>
-                          </a:solidFill>
-                          <a:prstDash val="solid"/>
-                          <a:round/>
-                          <a:headEnd type="none" w="med" len="med"/>
-                          <a:tailEnd type="none" w="med" len="med"/>
-                        </a:lnL>
-                        <a:lnR w="28575" cap="flat" cmpd="sng" algn="ctr">
-                          <a:solidFill>
-                            <a:schemeClr val="tx1"/>
-                          </a:solidFill>
-                          <a:prstDash val="solid"/>
-                          <a:round/>
-                          <a:headEnd type="none" w="med" len="med"/>
-                          <a:tailEnd type="none" w="med" len="med"/>
-                        </a:lnR>
-                        <a:lnT w="28575" cap="flat" cmpd="sng" algn="ctr">
-                          <a:solidFill>
-                            <a:schemeClr val="tx1"/>
-                          </a:solidFill>
-                          <a:prstDash val="solid"/>
-                          <a:round/>
-                          <a:headEnd type="none" w="med" len="med"/>
-                          <a:tailEnd type="none" w="med" len="med"/>
-                        </a:lnT>
-                        <a:lnB w="28575" cap="flat" cmpd="sng" algn="ctr">
-                          <a:solidFill>
-                            <a:schemeClr val="tx1"/>
-                          </a:solidFill>
-                          <a:prstDash val="solid"/>
-                          <a:round/>
-                          <a:headEnd type="none" w="med" len="med"/>
-                          <a:tailEnd type="none" w="med" len="med"/>
-                        </a:lnB>
-                      </a:tcPr>
-                    </a:tc>
-                    <a:tc>
-                      <a:txBody>
-                        <a:bodyPr/>
-                        <a:lstStyle/>
-                        <a:p>
-                          <a:pPr marL="0" indent="0" algn="ctr">
-                            <a:spcAft>
-                              <a:spcPts val="0"/>
-                            </a:spcAft>
-                          </a:pPr>
-                          <a:r>
-                            <a:rPr lang="ru-RU" sz="2400" kern="150" dirty="0" smtClean="0">
-                              <a:solidFill>
-                                <a:srgbClr val="000000"/>
-                              </a:solidFill>
-                              <a:effectLst/>
-                              <a:latin typeface="Times New Roman"/>
-                              <a:ea typeface="SimSun"/>
-                              <a:cs typeface="Mangal"/>
-                            </a:rPr>
-                            <a:t>0.4768 </a:t>
-                          </a:r>
-                          <a:r>
-                            <a:rPr lang="ru-RU" sz="2400" b="1" kern="150" dirty="0" smtClean="0">
-                              <a:solidFill>
-                                <a:srgbClr val="34921E"/>
-                              </a:solidFill>
-                              <a:effectLst/>
-                              <a:latin typeface="Times New Roman"/>
-                              <a:ea typeface="SimSun"/>
-                              <a:cs typeface="Mangal"/>
-                            </a:rPr>
-                            <a:t>(+</a:t>
-                          </a:r>
-                          <a:r>
-                            <a:rPr lang="en-US" sz="2400" b="1" kern="150" dirty="0" smtClean="0">
-                              <a:solidFill>
-                                <a:srgbClr val="34921E"/>
-                              </a:solidFill>
-                              <a:effectLst/>
-                              <a:latin typeface="Times New Roman"/>
-                              <a:ea typeface="SimSun"/>
-                              <a:cs typeface="Mangal"/>
-                            </a:rPr>
-                            <a:t>5</a:t>
-                          </a:r>
-                          <a:r>
-                            <a:rPr lang="ru-RU" sz="2400" b="1" kern="150" dirty="0" smtClean="0">
-                              <a:solidFill>
-                                <a:srgbClr val="34921E"/>
-                              </a:solidFill>
-                              <a:effectLst/>
-                              <a:latin typeface="Times New Roman"/>
-                              <a:ea typeface="SimSun"/>
-                              <a:cs typeface="Mangal"/>
-                            </a:rPr>
-                            <a:t>.</a:t>
-                          </a:r>
-                          <a:r>
-                            <a:rPr lang="en-US" sz="2400" b="1" kern="150" dirty="0" smtClean="0">
-                              <a:solidFill>
-                                <a:srgbClr val="34921E"/>
-                              </a:solidFill>
-                              <a:effectLst/>
-                              <a:latin typeface="Times New Roman"/>
-                              <a:ea typeface="SimSun"/>
-                              <a:cs typeface="Mangal"/>
-                            </a:rPr>
-                            <a:t>11</a:t>
-                          </a:r>
-                          <a:r>
-                            <a:rPr lang="ru-RU" sz="2400" b="1" kern="150" dirty="0" smtClean="0">
-                              <a:solidFill>
-                                <a:srgbClr val="34921E"/>
-                              </a:solidFill>
-                              <a:effectLst/>
-                              <a:latin typeface="Times New Roman"/>
-                              <a:ea typeface="SimSun"/>
-                              <a:cs typeface="Mangal"/>
-                            </a:rPr>
-                            <a:t>)</a:t>
-                          </a:r>
-                          <a:endParaRPr lang="ru-RU" sz="2400" b="1" kern="150" dirty="0">
-                            <a:solidFill>
-                              <a:srgbClr val="34921E"/>
-                            </a:solidFill>
-                            <a:effectLst/>
-                            <a:latin typeface="Times New Roman"/>
-                            <a:ea typeface="SimSun"/>
-                            <a:cs typeface="Mangal"/>
-                          </a:endParaRPr>
-                        </a:p>
-                      </a:txBody>
-                      <a:tcPr marL="68580" marR="68580" marT="0" marB="0" anchor="b">
-                        <a:lnL w="28575" cap="flat" cmpd="sng" algn="ctr">
-                          <a:solidFill>
-                            <a:schemeClr val="tx1"/>
-                          </a:solidFill>
-                          <a:prstDash val="solid"/>
-                          <a:round/>
-                          <a:headEnd type="none" w="med" len="med"/>
-                          <a:tailEnd type="none" w="med" len="med"/>
-                        </a:lnL>
-                        <a:lnR w="28575" cap="flat" cmpd="sng" algn="ctr">
-                          <a:solidFill>
-                            <a:schemeClr val="tx1"/>
-                          </a:solidFill>
-                          <a:prstDash val="solid"/>
-                          <a:round/>
-                          <a:headEnd type="none" w="med" len="med"/>
-                          <a:tailEnd type="none" w="med" len="med"/>
-                        </a:lnR>
-                        <a:lnT w="28575" cap="flat" cmpd="sng" algn="ctr">
-                          <a:solidFill>
-                            <a:schemeClr val="tx1"/>
-                          </a:solidFill>
-                          <a:prstDash val="solid"/>
-                          <a:round/>
-                          <a:headEnd type="none" w="med" len="med"/>
-                          <a:tailEnd type="none" w="med" len="med"/>
-                        </a:lnT>
-                        <a:lnB w="28575" cap="flat" cmpd="sng" algn="ctr">
-                          <a:solidFill>
-                            <a:schemeClr val="tx1"/>
-                          </a:solidFill>
-                          <a:prstDash val="solid"/>
-                          <a:round/>
-                          <a:headEnd type="none" w="med" len="med"/>
-                          <a:tailEnd type="none" w="med" len="med"/>
-                        </a:lnB>
-                      </a:tcPr>
-                    </a:tc>
-                    <a:tc>
-                      <a:txBody>
-                        <a:bodyPr/>
-                        <a:lstStyle/>
-                        <a:p>
-                          <a:pPr marL="0" indent="0" algn="ctr">
-                            <a:spcAft>
-                              <a:spcPts val="0"/>
-                            </a:spcAft>
-                          </a:pPr>
-                          <a:r>
-                            <a:rPr lang="ru-RU" sz="2400" b="1" kern="150" dirty="0" smtClean="0">
-                              <a:solidFill>
-                                <a:srgbClr val="000000"/>
-                              </a:solidFill>
-                              <a:effectLst/>
-                              <a:latin typeface="Times New Roman"/>
-                              <a:ea typeface="SimSun"/>
-                              <a:cs typeface="Mangal"/>
-                            </a:rPr>
-                            <a:t>0.5452</a:t>
-                          </a:r>
-                          <a:r>
-                            <a:rPr lang="en-US" sz="2400" b="1" kern="150" dirty="0" smtClean="0">
-                              <a:solidFill>
-                                <a:srgbClr val="000000"/>
-                              </a:solidFill>
-                              <a:effectLst/>
-                              <a:latin typeface="Times New Roman"/>
-                              <a:ea typeface="SimSun"/>
-                              <a:cs typeface="Mangal"/>
-                            </a:rPr>
-                            <a:t> </a:t>
-                          </a:r>
-                          <a:r>
-                            <a:rPr lang="en-US" sz="2400" b="1" kern="150" dirty="0" smtClean="0">
-                              <a:solidFill>
-                                <a:srgbClr val="34921E"/>
-                              </a:solidFill>
-                              <a:effectLst/>
-                              <a:latin typeface="Times New Roman"/>
-                              <a:ea typeface="SimSun"/>
-                              <a:cs typeface="Mangal"/>
-                            </a:rPr>
-                            <a:t>(+</a:t>
-                          </a:r>
-                          <a:r>
-                            <a:rPr lang="en-US" sz="2400" b="1" kern="150" dirty="0" smtClean="0">
-                              <a:solidFill>
-                                <a:srgbClr val="34921E"/>
-                              </a:solidFill>
-                              <a:effectLst/>
-                              <a:latin typeface="Times New Roman"/>
-                              <a:ea typeface="SimSun"/>
-                              <a:cs typeface="Mangal"/>
-                            </a:rPr>
-                            <a:t>6,83</a:t>
+                            <a:t>83</a:t>
                           </a:r>
                           <a:r>
                             <a:rPr lang="en-US" sz="2400" b="1" kern="150" dirty="0" smtClean="0">
@@ -23912,13 +23932,13 @@
               <p:nvPr>
                 <p:extLst>
                   <p:ext uri="{D42A27DB-BD31-4B8C-83A1-F6EECF244321}">
-                    <p14:modId xmlns:p14="http://schemas.microsoft.com/office/powerpoint/2010/main" val="3049483608"/>
+                    <p14:modId xmlns:p14="http://schemas.microsoft.com/office/powerpoint/2010/main" val="3042460593"/>
                   </p:ext>
                 </p:extLst>
               </p:nvPr>
             </p:nvGraphicFramePr>
             <p:xfrm>
-              <a:off x="14365297" y="16530052"/>
+              <a:off x="14365297" y="16036339"/>
               <a:ext cx="6643281" cy="2194560"/>
             </p:xfrm>
             <a:graphic>
@@ -24203,7 +24223,7 @@
                             </a:spcAft>
                           </a:pPr>
                           <a:r>
-                            <a:rPr lang="en-US" sz="2400" kern="150" dirty="0" smtClean="0">
+                            <a:rPr lang="en-US" sz="2400" b="1" kern="150" dirty="0" smtClean="0">
                               <a:effectLst/>
                               <a:latin typeface="Times New Roman"/>
                               <a:ea typeface="SimSun"/>
@@ -24211,7 +24231,7 @@
                             </a:rPr>
                             <a:t>BANK</a:t>
                           </a:r>
-                          <a:endParaRPr lang="ru-RU" sz="2400" kern="150" dirty="0">
+                          <a:endParaRPr lang="ru-RU" sz="2400" b="1" kern="150" dirty="0">
                             <a:effectLst/>
                             <a:latin typeface="Times New Roman"/>
                             <a:ea typeface="SimSun"/>
@@ -24281,7 +24301,7 @@
                             <a:defRPr/>
                           </a:pPr>
                           <a:r>
-                            <a:rPr lang="en-US" sz="2400" kern="150" dirty="0" smtClean="0">
+                            <a:rPr lang="en-US" sz="2400" b="1" kern="150" dirty="0" smtClean="0">
                               <a:effectLst/>
                               <a:latin typeface="Times New Roman"/>
                               <a:ea typeface="SimSun"/>
@@ -24289,7 +24309,7 @@
                             </a:rPr>
                             <a:t>TKK</a:t>
                           </a:r>
-                          <a:endParaRPr lang="ru-RU" sz="2400" kern="150" dirty="0" smtClean="0">
+                          <a:endParaRPr lang="ru-RU" sz="2400" b="1" kern="150" dirty="0" smtClean="0">
                             <a:effectLst/>
                             <a:latin typeface="Times New Roman"/>
                             <a:ea typeface="SimSun"/>
@@ -24361,7 +24381,7 @@
                             <a:defRPr/>
                           </a:pPr>
                           <a:r>
-                            <a:rPr lang="en-US" sz="2400" i="1" kern="150" baseline="0" dirty="0" smtClean="0">
+                            <a:rPr lang="en-US" sz="2400" b="1" i="1" kern="150" baseline="0" dirty="0" smtClean="0">
                               <a:effectLst/>
                               <a:latin typeface="Times New Roman" pitchFamily="18" charset="0"/>
                               <a:ea typeface="SimSun"/>
@@ -24369,11 +24389,232 @@
                             </a:rPr>
                             <a:t>b</a:t>
                           </a:r>
-                          <a:endParaRPr lang="ru-RU" sz="2400" i="1" kern="150" baseline="0" dirty="0" smtClean="0">
+                          <a:endParaRPr lang="ru-RU" sz="2400" b="1" i="1" kern="150" baseline="0" dirty="0" smtClean="0">
                             <a:effectLst/>
                             <a:latin typeface="Times New Roman" pitchFamily="18" charset="0"/>
                             <a:ea typeface="SimSun"/>
                             <a:cs typeface="Times New Roman" pitchFamily="18" charset="0"/>
+                          </a:endParaRPr>
+                        </a:p>
+                      </a:txBody>
+                      <a:tcPr marL="68580" marR="68580" marT="0" marB="0" anchor="ctr">
+                        <a:lnL w="28575" cap="flat" cmpd="sng" algn="ctr">
+                          <a:solidFill>
+                            <a:schemeClr val="tx1"/>
+                          </a:solidFill>
+                          <a:prstDash val="solid"/>
+                          <a:round/>
+                          <a:headEnd type="none" w="med" len="med"/>
+                          <a:tailEnd type="none" w="med" len="med"/>
+                        </a:lnL>
+                        <a:lnR w="28575" cap="flat" cmpd="sng" algn="ctr">
+                          <a:solidFill>
+                            <a:schemeClr val="tx1"/>
+                          </a:solidFill>
+                          <a:prstDash val="solid"/>
+                          <a:round/>
+                          <a:headEnd type="none" w="med" len="med"/>
+                          <a:tailEnd type="none" w="med" len="med"/>
+                        </a:lnR>
+                        <a:lnT w="28575" cap="flat" cmpd="sng" algn="ctr">
+                          <a:solidFill>
+                            <a:schemeClr val="tx1"/>
+                          </a:solidFill>
+                          <a:prstDash val="solid"/>
+                          <a:round/>
+                          <a:headEnd type="none" w="med" len="med"/>
+                          <a:tailEnd type="none" w="med" len="med"/>
+                        </a:lnT>
+                        <a:lnB w="28575" cap="flat" cmpd="sng" algn="ctr">
+                          <a:solidFill>
+                            <a:schemeClr val="tx1"/>
+                          </a:solidFill>
+                          <a:prstDash val="solid"/>
+                          <a:round/>
+                          <a:headEnd type="none" w="med" len="med"/>
+                          <a:tailEnd type="none" w="med" len="med"/>
+                        </a:lnB>
+                        <a:solidFill>
+                          <a:schemeClr val="bg1">
+                            <a:lumMod val="85000"/>
+                          </a:schemeClr>
+                        </a:solidFill>
+                      </a:tcPr>
+                    </a:tc>
+                    <a:tc>
+                      <a:txBody>
+                        <a:bodyPr/>
+                        <a:lstStyle/>
+                        <a:p>
+                          <a:pPr marL="0" indent="0" algn="ctr">
+                            <a:spcAft>
+                              <a:spcPts val="0"/>
+                            </a:spcAft>
+                          </a:pPr>
+                          <a:r>
+                            <a:rPr lang="ru-RU" sz="2400" kern="150" dirty="0" smtClean="0">
+                              <a:solidFill>
+                                <a:srgbClr val="000000"/>
+                              </a:solidFill>
+                              <a:effectLst/>
+                              <a:latin typeface="Times New Roman"/>
+                              <a:ea typeface="SimSun"/>
+                              <a:cs typeface="Mangal"/>
+                            </a:rPr>
+                            <a:t>0.4536</a:t>
+                          </a:r>
+                          <a:endParaRPr lang="ru-RU" sz="2400" b="1" kern="150" dirty="0">
+                            <a:effectLst/>
+                            <a:latin typeface="Times New Roman"/>
+                            <a:ea typeface="SimSun"/>
+                            <a:cs typeface="Mangal"/>
+                          </a:endParaRPr>
+                        </a:p>
+                      </a:txBody>
+                      <a:tcPr marL="68580" marR="68580" marT="0" marB="0" anchor="b">
+                        <a:lnL w="28575" cap="flat" cmpd="sng" algn="ctr">
+                          <a:solidFill>
+                            <a:schemeClr val="tx1"/>
+                          </a:solidFill>
+                          <a:prstDash val="solid"/>
+                          <a:round/>
+                          <a:headEnd type="none" w="med" len="med"/>
+                          <a:tailEnd type="none" w="med" len="med"/>
+                        </a:lnL>
+                        <a:lnR w="28575" cap="flat" cmpd="sng" algn="ctr">
+                          <a:solidFill>
+                            <a:schemeClr val="tx1"/>
+                          </a:solidFill>
+                          <a:prstDash val="solid"/>
+                          <a:round/>
+                          <a:headEnd type="none" w="med" len="med"/>
+                          <a:tailEnd type="none" w="med" len="med"/>
+                        </a:lnR>
+                        <a:lnT w="28575" cap="flat" cmpd="sng" algn="ctr">
+                          <a:solidFill>
+                            <a:schemeClr val="tx1"/>
+                          </a:solidFill>
+                          <a:prstDash val="solid"/>
+                          <a:round/>
+                          <a:headEnd type="none" w="med" len="med"/>
+                          <a:tailEnd type="none" w="med" len="med"/>
+                        </a:lnT>
+                        <a:lnB w="28575" cap="flat" cmpd="sng" algn="ctr">
+                          <a:solidFill>
+                            <a:schemeClr val="tx1"/>
+                          </a:solidFill>
+                          <a:prstDash val="solid"/>
+                          <a:round/>
+                          <a:headEnd type="none" w="med" len="med"/>
+                          <a:tailEnd type="none" w="med" len="med"/>
+                        </a:lnB>
+                        <a:solidFill>
+                          <a:schemeClr val="bg1">
+                            <a:lumMod val="85000"/>
+                          </a:schemeClr>
+                        </a:solidFill>
+                      </a:tcPr>
+                    </a:tc>
+                    <a:tc>
+                      <a:txBody>
+                        <a:bodyPr/>
+                        <a:lstStyle/>
+                        <a:p>
+                          <a:pPr marL="0" indent="0" algn="ctr">
+                            <a:spcAft>
+                              <a:spcPts val="0"/>
+                            </a:spcAft>
+                          </a:pPr>
+                          <a:r>
+                            <a:rPr lang="en-US" sz="2400" kern="150" dirty="0" smtClean="0">
+                              <a:solidFill>
+                                <a:schemeClr val="tx1"/>
+                              </a:solidFill>
+                              <a:effectLst/>
+                              <a:latin typeface="Times New Roman"/>
+                              <a:ea typeface="SimSun"/>
+                              <a:cs typeface="Mangal"/>
+                            </a:rPr>
+                            <a:t>0.5103</a:t>
+                          </a:r>
+                          <a:endParaRPr lang="ru-RU" sz="2400" kern="150" dirty="0">
+                            <a:effectLst/>
+                            <a:latin typeface="Times New Roman"/>
+                            <a:ea typeface="SimSun"/>
+                            <a:cs typeface="Mangal"/>
+                          </a:endParaRPr>
+                        </a:p>
+                      </a:txBody>
+                      <a:tcPr marL="68580" marR="68580" marT="0" marB="0" anchor="b">
+                        <a:lnL w="28575" cap="flat" cmpd="sng" algn="ctr">
+                          <a:solidFill>
+                            <a:schemeClr val="tx1"/>
+                          </a:solidFill>
+                          <a:prstDash val="solid"/>
+                          <a:round/>
+                          <a:headEnd type="none" w="med" len="med"/>
+                          <a:tailEnd type="none" w="med" len="med"/>
+                        </a:lnL>
+                        <a:lnR w="28575" cap="flat" cmpd="sng" algn="ctr">
+                          <a:solidFill>
+                            <a:schemeClr val="tx1"/>
+                          </a:solidFill>
+                          <a:prstDash val="solid"/>
+                          <a:round/>
+                          <a:headEnd type="none" w="med" len="med"/>
+                          <a:tailEnd type="none" w="med" len="med"/>
+                        </a:lnR>
+                        <a:lnT w="28575" cap="flat" cmpd="sng" algn="ctr">
+                          <a:solidFill>
+                            <a:schemeClr val="tx1"/>
+                          </a:solidFill>
+                          <a:prstDash val="solid"/>
+                          <a:round/>
+                          <a:headEnd type="none" w="med" len="med"/>
+                          <a:tailEnd type="none" w="med" len="med"/>
+                        </a:lnT>
+                        <a:lnB w="28575" cap="flat" cmpd="sng" algn="ctr">
+                          <a:solidFill>
+                            <a:schemeClr val="tx1"/>
+                          </a:solidFill>
+                          <a:prstDash val="solid"/>
+                          <a:round/>
+                          <a:headEnd type="none" w="med" len="med"/>
+                          <a:tailEnd type="none" w="med" len="med"/>
+                        </a:lnB>
+                        <a:solidFill>
+                          <a:schemeClr val="bg1">
+                            <a:lumMod val="85000"/>
+                          </a:schemeClr>
+                        </a:solidFill>
+                      </a:tcPr>
+                    </a:tc>
+                  </a:tr>
+                  <a:tr h="365760">
+                    <a:tc>
+                      <a:txBody>
+                        <a:bodyPr/>
+                        <a:lstStyle/>
+                        <a:p>
+                          <a:pPr marL="0" indent="0" algn="ctr">
+                            <a:spcAft>
+                              <a:spcPts val="0"/>
+                            </a:spcAft>
+                          </a:pPr>
+                          <a:r>
+                            <a:rPr lang="ru-RU" sz="2400" kern="150" dirty="0" smtClean="0">
+                              <a:effectLst/>
+                              <a:latin typeface="Times New Roman"/>
+                              <a:ea typeface="SimSun"/>
+                              <a:cs typeface="Mangal"/>
+                            </a:rPr>
+                            <a:t>1</a:t>
+                          </a:r>
+                          <a:endParaRPr lang="ru-RU" sz="2400" kern="150" dirty="0">
+                            <a:effectLst/>
+                            <a:latin typeface="Times New Roman"/>
+                            <a:ea typeface="SimSun"/>
+                            <a:cs typeface="Mangal"/>
                           </a:endParaRPr>
                         </a:p>
                       </a:txBody>
@@ -24436,9 +24677,72 @@
                               <a:ea typeface="SimSun"/>
                               <a:cs typeface="Mangal"/>
                             </a:rPr>
-                            <a:t>0.4536</a:t>
+                            <a:t>0.4558 </a:t>
+                          </a:r>
+                          <a:r>
+                            <a:rPr lang="ru-RU" sz="2400" b="1" kern="150" dirty="0" smtClean="0">
+                              <a:solidFill>
+                                <a:srgbClr val="34921E"/>
+                              </a:solidFill>
+                              <a:effectLst/>
+                              <a:latin typeface="Times New Roman"/>
+                              <a:ea typeface="SimSun"/>
+                              <a:cs typeface="Mangal"/>
+                            </a:rPr>
+                            <a:t>(+</a:t>
+                          </a:r>
+                          <a:r>
+                            <a:rPr lang="en-US" sz="2400" b="1" kern="150" dirty="0" smtClean="0">
+                              <a:solidFill>
+                                <a:srgbClr val="34921E"/>
+                              </a:solidFill>
+                              <a:effectLst/>
+                              <a:latin typeface="Times New Roman"/>
+                              <a:ea typeface="SimSun"/>
+                              <a:cs typeface="Mangal"/>
+                            </a:rPr>
+                            <a:t>0</a:t>
+                          </a:r>
+                          <a:r>
+                            <a:rPr lang="ru-RU" sz="2400" b="1" kern="150" dirty="0" smtClean="0">
+                              <a:solidFill>
+                                <a:srgbClr val="34921E"/>
+                              </a:solidFill>
+                              <a:effectLst/>
+                              <a:latin typeface="Times New Roman"/>
+                              <a:ea typeface="SimSun"/>
+                              <a:cs typeface="Mangal"/>
+                            </a:rPr>
+                            <a:t>.</a:t>
+                          </a:r>
+                          <a:r>
+                            <a:rPr lang="en-US" sz="2400" b="1" kern="150" dirty="0" smtClean="0">
+                              <a:solidFill>
+                                <a:srgbClr val="34921E"/>
+                              </a:solidFill>
+                              <a:effectLst/>
+                              <a:latin typeface="Times New Roman"/>
+                              <a:ea typeface="SimSun"/>
+                              <a:cs typeface="Mangal"/>
+                            </a:rPr>
+                            <a:t>48</a:t>
+                          </a:r>
+                          <a:r>
+                            <a:rPr lang="ru-RU" sz="2400" b="1" kern="150" dirty="0" smtClean="0">
+                              <a:solidFill>
+                                <a:srgbClr val="34921E"/>
+                              </a:solidFill>
+                              <a:effectLst/>
+                              <a:latin typeface="Times New Roman"/>
+                              <a:ea typeface="SimSun"/>
+                              <a:cs typeface="Mangal"/>
+                            </a:rPr>
+                            <a:t>)</a:t>
                           </a:r>
                           <a:endParaRPr lang="ru-RU" sz="2400" b="1" kern="150" dirty="0">
+                            <a:solidFill>
+                              <a:srgbClr val="34921E"/>
+                            </a:solidFill>
                             <a:effectLst/>
                             <a:latin typeface="Times New Roman"/>
                             <a:ea typeface="SimSun"/>
@@ -24496,18 +24800,81 @@
                             </a:spcAft>
                           </a:pPr>
                           <a:r>
-                            <a:rPr lang="en-US" sz="2400" kern="150" dirty="0" smtClean="0">
+                            <a:rPr lang="ru-RU" sz="2400" kern="150" dirty="0" smtClean="0">
                               <a:solidFill>
-                                <a:schemeClr val="tx1"/>
+                                <a:srgbClr val="000000"/>
                               </a:solidFill>
                               <a:effectLst/>
                               <a:latin typeface="Times New Roman"/>
                               <a:ea typeface="SimSun"/>
                               <a:cs typeface="Mangal"/>
                             </a:rPr>
-                            <a:t>0.5103</a:t>
-                          </a:r>
-                          <a:endParaRPr lang="ru-RU" sz="2400" kern="150" dirty="0">
+                            <a:t>0.5235 </a:t>
+                          </a:r>
+                          <a:r>
+                            <a:rPr lang="ru-RU" sz="2400" b="1" kern="150" dirty="0" smtClean="0">
+                              <a:solidFill>
+                                <a:srgbClr val="34921E"/>
+                              </a:solidFill>
+                              <a:effectLst/>
+                              <a:latin typeface="Times New Roman"/>
+                              <a:ea typeface="SimSun"/>
+                              <a:cs typeface="Mangal"/>
+                            </a:rPr>
+                            <a:t>(+</a:t>
+                          </a:r>
+                          <a:r>
+                            <a:rPr lang="en-US" sz="2400" b="1" kern="150" dirty="0" smtClean="0">
+                              <a:solidFill>
+                                <a:srgbClr val="34921E"/>
+                              </a:solidFill>
+                              <a:effectLst/>
+                              <a:latin typeface="Times New Roman"/>
+                              <a:ea typeface="SimSun"/>
+                              <a:cs typeface="Mangal"/>
+                            </a:rPr>
+                            <a:t>2</a:t>
+                          </a:r>
+                          <a:r>
+                            <a:rPr lang="ru-RU" sz="2400" b="1" kern="150" dirty="0" smtClean="0">
+                              <a:solidFill>
+                                <a:srgbClr val="34921E"/>
+                              </a:solidFill>
+                              <a:effectLst/>
+                              <a:latin typeface="Times New Roman"/>
+                              <a:ea typeface="SimSun"/>
+                              <a:cs typeface="Mangal"/>
+                            </a:rPr>
+                            <a:t>.</a:t>
+                          </a:r>
+                          <a:r>
+                            <a:rPr lang="en-US" sz="2400" b="1" kern="150" dirty="0" smtClean="0">
+                              <a:solidFill>
+                                <a:srgbClr val="34921E"/>
+                              </a:solidFill>
+                              <a:effectLst/>
+                              <a:latin typeface="Times New Roman"/>
+                              <a:ea typeface="SimSun"/>
+                              <a:cs typeface="Mangal"/>
+                            </a:rPr>
+                            <a:t>58</a:t>
+                          </a:r>
+                          <a:r>
+                            <a:rPr lang="en-US" sz="2400" b="1" kern="150" dirty="0" smtClean="0">
+                              <a:solidFill>
+                                <a:srgbClr val="34921E"/>
+                              </a:solidFill>
+                              <a:effectLst/>
+                              <a:latin typeface="Times New Roman"/>
+                              <a:ea typeface="SimSun"/>
+                              <a:cs typeface="Mangal"/>
+                            </a:rPr>
+                            <a:t>%)</a:t>
+                          </a:r>
+                          <a:endParaRPr lang="ru-RU" sz="2400" b="1" kern="150" dirty="0">
+                            <a:solidFill>
+                              <a:srgbClr val="34921E"/>
+                            </a:solidFill>
                             <a:effectLst/>
                             <a:latin typeface="Times New Roman"/>
                             <a:ea typeface="SimSun"/>
@@ -24573,7 +24940,7 @@
                               <a:ea typeface="SimSun"/>
                               <a:cs typeface="Mangal"/>
                             </a:rPr>
-                            <a:t>1</a:t>
+                            <a:t>2</a:t>
                           </a:r>
                           <a:endParaRPr lang="ru-RU" sz="2400" kern="150" dirty="0">
                             <a:effectLst/>
@@ -24633,7 +25000,7 @@
                             </a:spcAft>
                           </a:pPr>
                           <a:r>
-                            <a:rPr lang="ru-RU" sz="2400" kern="150" dirty="0" smtClean="0">
+                            <a:rPr lang="ru-RU" sz="2400" b="1" kern="150" dirty="0" smtClean="0">
                               <a:solidFill>
                                 <a:srgbClr val="000000"/>
                               </a:solidFill>
@@ -24642,7 +25009,7 @@
                               <a:ea typeface="SimSun"/>
                               <a:cs typeface="Mangal"/>
                             </a:rPr>
-                            <a:t>0.4558 </a:t>
+                            <a:t>0.4795 </a:t>
                           </a:r>
                           <a:r>
                             <a:rPr lang="ru-RU" sz="2400" b="1" kern="150" dirty="0" smtClean="0">
@@ -24666,7 +25033,7 @@
                               <a:ea typeface="SimSun"/>
                               <a:cs typeface="Mangal"/>
                             </a:rPr>
-                            <a:t>0</a:t>
+                            <a:t>5</a:t>
                           </a:r>
                           <a:r>
                             <a:rPr lang="ru-RU" sz="2400" b="1" kern="150" dirty="0" smtClean="0">
@@ -24678,7 +25045,7 @@
                               <a:ea typeface="SimSun"/>
                               <a:cs typeface="Mangal"/>
                             </a:rPr>
-                            <a:t>.</a:t>
+                            <a:t>.7</a:t>
                           </a:r>
                           <a:r>
                             <a:rPr lang="en-US" sz="2400" b="1" kern="150" dirty="0" smtClean="0">
@@ -24690,7 +25057,7 @@
                               <a:ea typeface="SimSun"/>
                               <a:cs typeface="Mangal"/>
                             </a:rPr>
-                            <a:t>48</a:t>
+                            <a:t>0</a:t>
                           </a:r>
                           <a:r>
                             <a:rPr lang="ru-RU" sz="2400" b="1" kern="150" dirty="0" smtClean="0">
@@ -24774,7 +25141,43 @@
                               <a:ea typeface="SimSun"/>
                               <a:cs typeface="Mangal"/>
                             </a:rPr>
-                            <a:t>0.5235 </a:t>
+                            <a:t>0.5338</a:t>
+                          </a:r>
+                          <a:r>
+                            <a:rPr lang="en-US" sz="2400" kern="150" dirty="0" smtClean="0">
+                              <a:solidFill>
+                                <a:srgbClr val="000000"/>
+                              </a:solidFill>
+                              <a:effectLst/>
+                              <a:latin typeface="Times New Roman"/>
+                              <a:ea typeface="SimSun"/>
+                              <a:cs typeface="Mangal"/>
+                            </a:rPr>
+                            <a:t> </a:t>
+                          </a:r>
+                          <a:r>
+                            <a:rPr lang="en-US" sz="2400" b="1" kern="150" dirty="0" smtClean="0">
+                              <a:solidFill>
+                                <a:srgbClr val="34921E"/>
+                              </a:solidFill>
+                              <a:effectLst/>
+                              <a:latin typeface="Times New Roman"/>
+                              <a:ea typeface="SimSun"/>
+                              <a:cs typeface="Mangal"/>
+                            </a:rPr>
+                            <a:t>(+</a:t>
+                          </a:r>
+                          <a:r>
+                            <a:rPr lang="en-US" sz="2400" b="1" kern="150" dirty="0" smtClean="0">
+                              <a:solidFill>
+                                <a:srgbClr val="34921E"/>
+                              </a:solidFill>
+                              <a:effectLst/>
+                              <a:latin typeface="Times New Roman"/>
+                              <a:ea typeface="SimSun"/>
+                              <a:cs typeface="Mangal"/>
+                            </a:rPr>
+                            <a:t>4</a:t>
                           </a:r>
                           <a:r>
                             <a:rPr lang="ru-RU" sz="2400" b="1" kern="150" dirty="0" smtClean="0">
@@ -24786,7 +25189,7 @@
                               <a:ea typeface="SimSun"/>
                               <a:cs typeface="Mangal"/>
                             </a:rPr>
-                            <a:t>(+</a:t>
+                            <a:t>.</a:t>
                           </a:r>
                           <a:r>
                             <a:rPr lang="en-US" sz="2400" b="1" kern="150" dirty="0" smtClean="0">
@@ -24798,7 +25201,7 @@
                               <a:ea typeface="SimSun"/>
                               <a:cs typeface="Mangal"/>
                             </a:rPr>
-                            <a:t>2,58</a:t>
+                            <a:t>60</a:t>
                           </a:r>
                           <a:r>
                             <a:rPr lang="en-US" sz="2400" b="1" kern="150" dirty="0" smtClean="0">
@@ -24881,7 +25284,7 @@
                               <a:ea typeface="SimSun"/>
                               <a:cs typeface="Mangal"/>
                             </a:rPr>
-                            <a:t>2</a:t>
+                            <a:t>3</a:t>
                           </a:r>
                           <a:endParaRPr lang="ru-RU" sz="2400" kern="150" dirty="0">
                             <a:effectLst/>
@@ -24941,7 +25344,7 @@
                             </a:spcAft>
                           </a:pPr>
                           <a:r>
-                            <a:rPr lang="ru-RU" sz="2400" b="1" kern="150" dirty="0" smtClean="0">
+                            <a:rPr lang="ru-RU" sz="2400" kern="150" dirty="0" smtClean="0">
                               <a:solidFill>
                                 <a:srgbClr val="000000"/>
                               </a:solidFill>
@@ -24950,7 +25353,7 @@
                               <a:ea typeface="SimSun"/>
                               <a:cs typeface="Mangal"/>
                             </a:rPr>
-                            <a:t>0.4795 </a:t>
+                            <a:t>0.4768 </a:t>
                           </a:r>
                           <a:r>
                             <a:rPr lang="ru-RU" sz="2400" b="1" kern="150" dirty="0" smtClean="0">
@@ -24986,7 +25389,7 @@
                               <a:ea typeface="SimSun"/>
                               <a:cs typeface="Mangal"/>
                             </a:rPr>
-                            <a:t>.7</a:t>
+                            <a:t>.</a:t>
                           </a:r>
                           <a:r>
                             <a:rPr lang="en-US" sz="2400" b="1" kern="150" dirty="0" smtClean="0">
@@ -24998,7 +25401,7 @@
                               <a:ea typeface="SimSun"/>
                               <a:cs typeface="Mangal"/>
                             </a:rPr>
-                            <a:t>0</a:t>
+                            <a:t>11</a:t>
                           </a:r>
                           <a:r>
                             <a:rPr lang="ru-RU" sz="2400" b="1" kern="150" dirty="0" smtClean="0">
@@ -25073,7 +25476,7 @@
                             </a:spcAft>
                           </a:pPr>
                           <a:r>
-                            <a:rPr lang="ru-RU" sz="2400" kern="150" dirty="0" smtClean="0">
+                            <a:rPr lang="ru-RU" sz="2400" b="1" kern="150" dirty="0" smtClean="0">
                               <a:solidFill>
                                 <a:srgbClr val="000000"/>
                               </a:solidFill>
@@ -25082,10 +25485,10 @@
                               <a:ea typeface="SimSun"/>
                               <a:cs typeface="Mangal"/>
                             </a:rPr>
-                            <a:t>0.5338</a:t>
-                          </a:r>
-                          <a:r>
-                            <a:rPr lang="en-US" sz="2400" kern="150" dirty="0" smtClean="0">
+                            <a:t>0.5452</a:t>
+                          </a:r>
+                          <a:r>
+                            <a:rPr lang="en-US" sz="2400" b="1" kern="150" dirty="0" smtClean="0">
                               <a:solidFill>
                                 <a:srgbClr val="000000"/>
                               </a:solidFill>
@@ -25118,7 +25521,19 @@
                               <a:ea typeface="SimSun"/>
                               <a:cs typeface="Mangal"/>
                             </a:rPr>
-                            <a:t>4,60</a:t>
+                            <a:t>6</a:t>
+                          </a:r>
+                          <a:r>
+                            <a:rPr lang="ru-RU" sz="2400" b="1" kern="150" dirty="0" smtClean="0">
+                              <a:solidFill>
+                                <a:srgbClr val="34921E"/>
+                              </a:solidFill>
+                              <a:effectLst/>
+                              <a:latin typeface="Times New Roman"/>
+                              <a:ea typeface="SimSun"/>
+                              <a:cs typeface="Mangal"/>
+                            </a:rPr>
+                            <a:t>.</a:t>
                           </a:r>
                           <a:r>
                             <a:rPr lang="en-US" sz="2400" b="1" kern="150" dirty="0" smtClean="0">
@@ -25130,315 +25545,7 @@
                               <a:ea typeface="SimSun"/>
                               <a:cs typeface="Mangal"/>
                             </a:rPr>
-                            <a:t>%)</a:t>
-                          </a:r>
-                          <a:endParaRPr lang="ru-RU" sz="2400" b="1" kern="150" dirty="0">
-                            <a:solidFill>
-                              <a:srgbClr val="34921E"/>
-                            </a:solidFill>
-                            <a:effectLst/>
-                            <a:latin typeface="Times New Roman"/>
-                            <a:ea typeface="SimSun"/>
-                            <a:cs typeface="Mangal"/>
-                          </a:endParaRPr>
-                        </a:p>
-                      </a:txBody>
-                      <a:tcPr marL="68580" marR="68580" marT="0" marB="0" anchor="b">
-                        <a:lnL w="28575" cap="flat" cmpd="sng" algn="ctr">
-                          <a:solidFill>
-                            <a:schemeClr val="tx1"/>
-                          </a:solidFill>
-                          <a:prstDash val="solid"/>
-                          <a:round/>
-                          <a:headEnd type="none" w="med" len="med"/>
-                          <a:tailEnd type="none" w="med" len="med"/>
-                        </a:lnL>
-                        <a:lnR w="28575" cap="flat" cmpd="sng" algn="ctr">
-                          <a:solidFill>
-                            <a:schemeClr val="tx1"/>
-                          </a:solidFill>
-                          <a:prstDash val="solid"/>
-                          <a:round/>
-                          <a:headEnd type="none" w="med" len="med"/>
-                          <a:tailEnd type="none" w="med" len="med"/>
-                        </a:lnR>
-                        <a:lnT w="28575" cap="flat" cmpd="sng" algn="ctr">
-                          <a:solidFill>
-                            <a:schemeClr val="tx1"/>
-                          </a:solidFill>
-                          <a:prstDash val="solid"/>
-                          <a:round/>
-                          <a:headEnd type="none" w="med" len="med"/>
-                          <a:tailEnd type="none" w="med" len="med"/>
-                        </a:lnT>
-                        <a:lnB w="28575" cap="flat" cmpd="sng" algn="ctr">
-                          <a:solidFill>
-                            <a:schemeClr val="tx1"/>
-                          </a:solidFill>
-                          <a:prstDash val="solid"/>
-                          <a:round/>
-                          <a:headEnd type="none" w="med" len="med"/>
-                          <a:tailEnd type="none" w="med" len="med"/>
-                        </a:lnB>
-                      </a:tcPr>
-                    </a:tc>
-                  </a:tr>
-                  <a:tr h="365760">
-                    <a:tc>
-                      <a:txBody>
-                        <a:bodyPr/>
-                        <a:lstStyle/>
-                        <a:p>
-                          <a:pPr marL="0" indent="0" algn="ctr">
-                            <a:spcAft>
-                              <a:spcPts val="0"/>
-                            </a:spcAft>
-                          </a:pPr>
-                          <a:r>
-                            <a:rPr lang="ru-RU" sz="2400" kern="150" dirty="0" smtClean="0">
-                              <a:effectLst/>
-                              <a:latin typeface="Times New Roman"/>
-                              <a:ea typeface="SimSun"/>
-                              <a:cs typeface="Mangal"/>
-                            </a:rPr>
-                            <a:t>3</a:t>
-                          </a:r>
-                          <a:endParaRPr lang="ru-RU" sz="2400" kern="150" dirty="0">
-                            <a:effectLst/>
-                            <a:latin typeface="Times New Roman"/>
-                            <a:ea typeface="SimSun"/>
-                            <a:cs typeface="Mangal"/>
-                          </a:endParaRPr>
-                        </a:p>
-                      </a:txBody>
-                      <a:tcPr marL="68580" marR="68580" marT="0" marB="0" anchor="ctr">
-                        <a:lnL w="28575" cap="flat" cmpd="sng" algn="ctr">
-                          <a:solidFill>
-                            <a:schemeClr val="tx1"/>
-                          </a:solidFill>
-                          <a:prstDash val="solid"/>
-                          <a:round/>
-                          <a:headEnd type="none" w="med" len="med"/>
-                          <a:tailEnd type="none" w="med" len="med"/>
-                        </a:lnL>
-                        <a:lnR w="28575" cap="flat" cmpd="sng" algn="ctr">
-                          <a:solidFill>
-                            <a:schemeClr val="tx1"/>
-                          </a:solidFill>
-                          <a:prstDash val="solid"/>
-                          <a:round/>
-                          <a:headEnd type="none" w="med" len="med"/>
-                          <a:tailEnd type="none" w="med" len="med"/>
-                        </a:lnR>
-                        <a:lnT w="28575" cap="flat" cmpd="sng" algn="ctr">
-                          <a:solidFill>
-                            <a:schemeClr val="tx1"/>
-                          </a:solidFill>
-                          <a:prstDash val="solid"/>
-                          <a:round/>
-                          <a:headEnd type="none" w="med" len="med"/>
-                          <a:tailEnd type="none" w="med" len="med"/>
-                        </a:lnT>
-                        <a:lnB w="28575" cap="flat" cmpd="sng" algn="ctr">
-                          <a:solidFill>
-                            <a:schemeClr val="tx1"/>
-                          </a:solidFill>
-                          <a:prstDash val="solid"/>
-                          <a:round/>
-                          <a:headEnd type="none" w="med" len="med"/>
-                          <a:tailEnd type="none" w="med" len="med"/>
-                        </a:lnB>
-                      </a:tcPr>
-                    </a:tc>
-                    <a:tc>
-                      <a:txBody>
-                        <a:bodyPr/>
-                        <a:lstStyle/>
-                        <a:p>
-                          <a:pPr marL="0" indent="0" algn="ctr">
-                            <a:spcAft>
-                              <a:spcPts val="0"/>
-                            </a:spcAft>
-                          </a:pPr>
-                          <a:r>
-                            <a:rPr lang="ru-RU" sz="2400" kern="150" dirty="0" smtClean="0">
-                              <a:solidFill>
-                                <a:srgbClr val="000000"/>
-                              </a:solidFill>
-                              <a:effectLst/>
-                              <a:latin typeface="Times New Roman"/>
-                              <a:ea typeface="SimSun"/>
-                              <a:cs typeface="Mangal"/>
-                            </a:rPr>
-                            <a:t>0.4768 </a:t>
-                          </a:r>
-                          <a:r>
-                            <a:rPr lang="ru-RU" sz="2400" b="1" kern="150" dirty="0" smtClean="0">
-                              <a:solidFill>
-                                <a:srgbClr val="34921E"/>
-                              </a:solidFill>
-                              <a:effectLst/>
-                              <a:latin typeface="Times New Roman"/>
-                              <a:ea typeface="SimSun"/>
-                              <a:cs typeface="Mangal"/>
-                            </a:rPr>
-                            <a:t>(+</a:t>
-                          </a:r>
-                          <a:r>
-                            <a:rPr lang="en-US" sz="2400" b="1" kern="150" dirty="0" smtClean="0">
-                              <a:solidFill>
-                                <a:srgbClr val="34921E"/>
-                              </a:solidFill>
-                              <a:effectLst/>
-                              <a:latin typeface="Times New Roman"/>
-                              <a:ea typeface="SimSun"/>
-                              <a:cs typeface="Mangal"/>
-                            </a:rPr>
-                            <a:t>5</a:t>
-                          </a:r>
-                          <a:r>
-                            <a:rPr lang="ru-RU" sz="2400" b="1" kern="150" dirty="0" smtClean="0">
-                              <a:solidFill>
-                                <a:srgbClr val="34921E"/>
-                              </a:solidFill>
-                              <a:effectLst/>
-                              <a:latin typeface="Times New Roman"/>
-                              <a:ea typeface="SimSun"/>
-                              <a:cs typeface="Mangal"/>
-                            </a:rPr>
-                            <a:t>.</a:t>
-                          </a:r>
-                          <a:r>
-                            <a:rPr lang="en-US" sz="2400" b="1" kern="150" dirty="0" smtClean="0">
-                              <a:solidFill>
-                                <a:srgbClr val="34921E"/>
-                              </a:solidFill>
-                              <a:effectLst/>
-                              <a:latin typeface="Times New Roman"/>
-                              <a:ea typeface="SimSun"/>
-                              <a:cs typeface="Mangal"/>
-                            </a:rPr>
-                            <a:t>11</a:t>
-                          </a:r>
-                          <a:r>
-                            <a:rPr lang="ru-RU" sz="2400" b="1" kern="150" dirty="0" smtClean="0">
-                              <a:solidFill>
-                                <a:srgbClr val="34921E"/>
-                              </a:solidFill>
-                              <a:effectLst/>
-                              <a:latin typeface="Times New Roman"/>
-                              <a:ea typeface="SimSun"/>
-                              <a:cs typeface="Mangal"/>
-                            </a:rPr>
-                            <a:t>)</a:t>
-                          </a:r>
-                          <a:endParaRPr lang="ru-RU" sz="2400" b="1" kern="150" dirty="0">
-                            <a:solidFill>
-                              <a:srgbClr val="34921E"/>
-                            </a:solidFill>
-                            <a:effectLst/>
-                            <a:latin typeface="Times New Roman"/>
-                            <a:ea typeface="SimSun"/>
-                            <a:cs typeface="Mangal"/>
-                          </a:endParaRPr>
-                        </a:p>
-                      </a:txBody>
-                      <a:tcPr marL="68580" marR="68580" marT="0" marB="0" anchor="b">
-                        <a:lnL w="28575" cap="flat" cmpd="sng" algn="ctr">
-                          <a:solidFill>
-                            <a:schemeClr val="tx1"/>
-                          </a:solidFill>
-                          <a:prstDash val="solid"/>
-                          <a:round/>
-                          <a:headEnd type="none" w="med" len="med"/>
-                          <a:tailEnd type="none" w="med" len="med"/>
-                        </a:lnL>
-                        <a:lnR w="28575" cap="flat" cmpd="sng" algn="ctr">
-                          <a:solidFill>
-                            <a:schemeClr val="tx1"/>
-                          </a:solidFill>
-                          <a:prstDash val="solid"/>
-                          <a:round/>
-                          <a:headEnd type="none" w="med" len="med"/>
-                          <a:tailEnd type="none" w="med" len="med"/>
-                        </a:lnR>
-                        <a:lnT w="28575" cap="flat" cmpd="sng" algn="ctr">
-                          <a:solidFill>
-                            <a:schemeClr val="tx1"/>
-                          </a:solidFill>
-                          <a:prstDash val="solid"/>
-                          <a:round/>
-                          <a:headEnd type="none" w="med" len="med"/>
-                          <a:tailEnd type="none" w="med" len="med"/>
-                        </a:lnT>
-                        <a:lnB w="28575" cap="flat" cmpd="sng" algn="ctr">
-                          <a:solidFill>
-                            <a:schemeClr val="tx1"/>
-                          </a:solidFill>
-                          <a:prstDash val="solid"/>
-                          <a:round/>
-                          <a:headEnd type="none" w="med" len="med"/>
-                          <a:tailEnd type="none" w="med" len="med"/>
-                        </a:lnB>
-                      </a:tcPr>
-                    </a:tc>
-                    <a:tc>
-                      <a:txBody>
-                        <a:bodyPr/>
-                        <a:lstStyle/>
-                        <a:p>
-                          <a:pPr marL="0" indent="0" algn="ctr">
-                            <a:spcAft>
-                              <a:spcPts val="0"/>
-                            </a:spcAft>
-                          </a:pPr>
-                          <a:r>
-                            <a:rPr lang="ru-RU" sz="2400" b="1" kern="150" dirty="0" smtClean="0">
-                              <a:solidFill>
-                                <a:srgbClr val="000000"/>
-                              </a:solidFill>
-                              <a:effectLst/>
-                              <a:latin typeface="Times New Roman"/>
-                              <a:ea typeface="SimSun"/>
-                              <a:cs typeface="Mangal"/>
-                            </a:rPr>
-                            <a:t>0.5452</a:t>
-                          </a:r>
-                          <a:r>
-                            <a:rPr lang="en-US" sz="2400" b="1" kern="150" dirty="0" smtClean="0">
-                              <a:solidFill>
-                                <a:srgbClr val="000000"/>
-                              </a:solidFill>
-                              <a:effectLst/>
-                              <a:latin typeface="Times New Roman"/>
-                              <a:ea typeface="SimSun"/>
-                              <a:cs typeface="Mangal"/>
-                            </a:rPr>
-                            <a:t> </a:t>
-                          </a:r>
-                          <a:r>
-                            <a:rPr lang="en-US" sz="2400" b="1" kern="150" dirty="0" smtClean="0">
-                              <a:solidFill>
-                                <a:srgbClr val="34921E"/>
-                              </a:solidFill>
-                              <a:effectLst/>
-                              <a:latin typeface="Times New Roman"/>
-                              <a:ea typeface="SimSun"/>
-                              <a:cs typeface="Mangal"/>
-                            </a:rPr>
-                            <a:t>(+</a:t>
-                          </a:r>
-                          <a:r>
-                            <a:rPr lang="en-US" sz="2400" b="1" kern="150" dirty="0" smtClean="0">
-                              <a:solidFill>
-                                <a:srgbClr val="34921E"/>
-                              </a:solidFill>
-                              <a:effectLst/>
-                              <a:latin typeface="Times New Roman"/>
-                              <a:ea typeface="SimSun"/>
-                              <a:cs typeface="Mangal"/>
-                            </a:rPr>
-                            <a:t>6,83</a:t>
+                            <a:t>83</a:t>
                           </a:r>
                           <a:r>
                             <a:rPr lang="en-US" sz="2400" b="1" kern="150" dirty="0" smtClean="0">
@@ -25519,8 +25626,8 @@
             </p:nvSpPr>
             <p:spPr>
               <a:xfrm>
-                <a:off x="7370657" y="10461579"/>
-                <a:ext cx="6691727" cy="7417415"/>
+                <a:off x="7370657" y="10245555"/>
+                <a:ext cx="6691727" cy="7476919"/>
               </a:xfrm>
               <a:prstGeom prst="rect">
                 <a:avLst/>
@@ -25535,11 +25642,25 @@
               <a:p>
                 <a:pPr algn="ctr"/>
                 <a:r>
+                  <a:rPr lang="ru-RU" sz="4400" b="1" dirty="0">
+                    <a:latin typeface="Times New Roman" pitchFamily="18" charset="0"/>
+                    <a:cs typeface="Times New Roman" pitchFamily="18" charset="0"/>
+                  </a:rPr>
+                  <a:t>6</a:t>
+                </a:r>
+                <a:r>
                   <a:rPr lang="ru-RU" sz="4400" b="1" dirty="0" smtClean="0">
                     <a:latin typeface="Times New Roman" pitchFamily="18" charset="0"/>
                     <a:cs typeface="Times New Roman" pitchFamily="18" charset="0"/>
                   </a:rPr>
-                  <a:t>7. Подход</a:t>
+                  <a:t>. </a:t>
+                </a:r>
+                <a:r>
+                  <a:rPr lang="ru-RU" sz="4400" b="1" dirty="0" smtClean="0">
+                    <a:latin typeface="Times New Roman" pitchFamily="18" charset="0"/>
+                    <a:cs typeface="Times New Roman" pitchFamily="18" charset="0"/>
+                  </a:rPr>
+                  <a:t>Подход</a:t>
                 </a:r>
                 <a:endParaRPr lang="ru-RU" sz="2400" b="1" dirty="0" smtClean="0">
                   <a:latin typeface="Times New Roman" pitchFamily="18" charset="0"/>
@@ -25570,21 +25691,14 @@
                   <a:t> </a:t>
                 </a:r>
                 <a:r>
-                  <a:rPr lang="ru-RU" sz="2400" i="1" smtClean="0">
+                  <a:rPr lang="ru-RU" sz="2400" i="1" dirty="0" smtClean="0">
                     <a:latin typeface="Times New Roman" pitchFamily="18" charset="0"/>
                     <a:cs typeface="Times New Roman" pitchFamily="18" charset="0"/>
                   </a:rPr>
-                  <a:t>опорных </a:t>
+                  <a:t>опорных векторов</a:t>
                 </a:r>
                 <a:r>
-                  <a:rPr lang="ru-RU" sz="2400" i="1" smtClean="0">
-                    <a:latin typeface="Times New Roman" pitchFamily="18" charset="0"/>
-                    <a:cs typeface="Times New Roman" pitchFamily="18" charset="0"/>
-                  </a:rPr>
-                  <a:t>векторов</a:t>
-                </a:r>
-                <a:r>
-                  <a:rPr lang="ru-RU" sz="2400" smtClean="0">
+                  <a:rPr lang="ru-RU" sz="2400" dirty="0" smtClean="0">
                     <a:latin typeface="Times New Roman" pitchFamily="18" charset="0"/>
                     <a:cs typeface="Times New Roman" pitchFamily="18" charset="0"/>
                   </a:rPr>
@@ -25598,46 +25712,22 @@
                   <a:t>SVM</a:t>
                 </a:r>
                 <a:r>
-                  <a:rPr lang="ru-RU" sz="2400" b="1" dirty="0">
+                  <a:rPr lang="ru-RU" sz="2400" b="1" dirty="0" smtClean="0">
                     <a:latin typeface="Times New Roman" pitchFamily="18" charset="0"/>
                     <a:cs typeface="Times New Roman" pitchFamily="18" charset="0"/>
                   </a:rPr>
-                  <a:t> </a:t>
+                  <a:t>, </a:t>
                 </a:r>
                 <a:r>
                   <a:rPr lang="ru-RU" sz="2400" dirty="0" smtClean="0">
                     <a:latin typeface="Times New Roman" pitchFamily="18" charset="0"/>
                     <a:cs typeface="Times New Roman" pitchFamily="18" charset="0"/>
                   </a:rPr>
-                  <a:t>(</a:t>
+                  <a:t>линейное ядро классификации.</a:t>
                 </a:r>
-                <a:r>
-                  <a:rPr lang="ru-RU" sz="2400" smtClean="0">
-                    <a:latin typeface="Times New Roman" pitchFamily="18" charset="0"/>
-                    <a:cs typeface="Times New Roman" pitchFamily="18" charset="0"/>
-                  </a:rPr>
-                  <a:t>библиотека </a:t>
-                </a:r>
-                <a:r>
-                  <a:rPr lang="en-US" sz="2400" smtClean="0">
-                    <a:latin typeface="Times New Roman" pitchFamily="18" charset="0"/>
-                    <a:cs typeface="Times New Roman" pitchFamily="18" charset="0"/>
-                  </a:rPr>
-                  <a:t>LibSVM, </a:t>
-                </a:r>
-                <a:r>
-                  <a:rPr lang="en-US" sz="2400" dirty="0" smtClean="0">
-                    <a:latin typeface="Times New Roman" pitchFamily="18" charset="0"/>
-                    <a:cs typeface="Times New Roman" pitchFamily="18" charset="0"/>
-                  </a:rPr>
-                  <a:t>Python)</a:t>
-                </a:r>
-                <a:endParaRPr lang="ru-RU" sz="2400" dirty="0" smtClean="0">
-                  <a:latin typeface="Times New Roman" pitchFamily="18" charset="0"/>
-                  <a:cs typeface="Times New Roman" pitchFamily="18" charset="0"/>
-                </a:endParaRPr>
               </a:p>
               <a:p>
+                <a:pPr algn="just"/>
                 <a:r>
                   <a:rPr lang="ru-RU" sz="2400" u="sng" dirty="0" smtClean="0">
                     <a:latin typeface="Times New Roman" pitchFamily="18" charset="0"/>
@@ -25654,40 +25744,33 @@
                 </a:r>
               </a:p>
               <a:p>
-                <a:pPr marL="360000" lvl="1" indent="-342900">
-                  <a:buFont typeface="Arial" pitchFamily="34" charset="0"/>
-                  <a:buChar char="•"/>
+                <a:pPr marL="361950" lvl="1" indent="-361950">
+                  <a:buFont typeface="+mj-lt"/>
+                  <a:buAutoNum type="arabicPeriod"/>
                 </a:pPr>
                 <a:r>
                   <a:rPr lang="ru-RU" sz="2400" dirty="0" smtClean="0">
                     <a:latin typeface="Times New Roman" pitchFamily="18" charset="0"/>
                     <a:cs typeface="Times New Roman" pitchFamily="18" charset="0"/>
                   </a:rPr>
-                  <a:t>Лемматизация сообщений </a:t>
+                  <a:t>Лемматизация сообщений (</a:t>
                 </a:r>
                 <a:r>
-                  <a:rPr lang="ru-RU" sz="2400" smtClean="0">
-                    <a:latin typeface="Times New Roman" pitchFamily="18" charset="0"/>
-                    <a:cs typeface="Times New Roman" pitchFamily="18" charset="0"/>
-                  </a:rPr>
-                  <a:t>(</a:t>
-                </a:r>
-                <a:r>
-                  <a:rPr lang="en-US" sz="2400" b="1" smtClean="0">
+                  <a:rPr lang="en-US" sz="2400" b="1" dirty="0" err="1" smtClean="0">
                     <a:latin typeface="Times New Roman" pitchFamily="18" charset="0"/>
                     <a:cs typeface="Times New Roman" pitchFamily="18" charset="0"/>
                   </a:rPr>
                   <a:t>Mystem</a:t>
                 </a:r>
                 <a:r>
-                  <a:rPr lang="ru-RU" sz="2400" smtClean="0">
+                  <a:rPr lang="ru-RU" sz="2400" dirty="0" smtClean="0">
                     <a:latin typeface="Times New Roman" pitchFamily="18" charset="0"/>
                     <a:cs typeface="Times New Roman" pitchFamily="18" charset="0"/>
                   </a:rPr>
                   <a:t>,</a:t>
                 </a:r>
                 <a:r>
-                  <a:rPr lang="en-US" sz="2400" smtClean="0">
+                  <a:rPr lang="en-US" sz="2400" dirty="0" err="1" smtClean="0">
                     <a:latin typeface="Times New Roman" pitchFamily="18" charset="0"/>
                     <a:cs typeface="Times New Roman" pitchFamily="18" charset="0"/>
                   </a:rPr>
@@ -25700,11 +25783,22 @@
                   </a:rPr>
                   <a:t>)</a:t>
                 </a:r>
+                <a:r>
+                  <a:rPr lang="en-US" sz="2400" dirty="0">
+                    <a:latin typeface="Times New Roman" pitchFamily="18" charset="0"/>
+                    <a:cs typeface="Times New Roman" pitchFamily="18" charset="0"/>
+                  </a:rPr>
+                  <a:t>;</a:t>
+                </a:r>
+                <a:endParaRPr lang="en-US" sz="2400" dirty="0" smtClean="0">
+                  <a:latin typeface="Times New Roman" pitchFamily="18" charset="0"/>
+                  <a:cs typeface="Times New Roman" pitchFamily="18" charset="0"/>
+                </a:endParaRPr>
               </a:p>
               <a:p>
-                <a:pPr marL="360000" lvl="1" indent="-342900" algn="just">
-                  <a:buFont typeface="Arial" pitchFamily="34" charset="0"/>
-                  <a:buChar char="•"/>
+                <a:pPr marL="361950" lvl="1" indent="-346075" algn="just">
+                  <a:buFont typeface="+mj-lt"/>
+                  <a:buAutoNum type="arabicPeriod"/>
                 </a:pPr>
                 <a:r>
                   <a:rPr lang="ru-RU" sz="2400" dirty="0" smtClean="0">
@@ -25718,38 +25812,24 @@
                     <a:latin typeface="Times New Roman" pitchFamily="18" charset="0"/>
                     <a:cs typeface="Times New Roman" pitchFamily="18" charset="0"/>
                   </a:rPr>
-                  <a:t>‘</a:t>
+                  <a:t>‘RT’</a:t>
                 </a:r>
                 <a:r>
-                  <a:rPr lang="en-US" sz="2400" smtClean="0">
-                    <a:latin typeface="Times New Roman" pitchFamily="18" charset="0"/>
-                    <a:cs typeface="Times New Roman" pitchFamily="18" charset="0"/>
-                  </a:rPr>
-                  <a:t>RT</a:t>
-                </a:r>
-                <a:r>
-                  <a:rPr lang="en-US" sz="2400" smtClean="0">
-                    <a:latin typeface="Times New Roman" pitchFamily="18" charset="0"/>
-                    <a:cs typeface="Times New Roman" pitchFamily="18" charset="0"/>
-                  </a:rPr>
-                  <a:t>’</a:t>
-                </a:r>
-                <a:r>
-                  <a:rPr lang="ru-RU" sz="2400" smtClean="0">
+                  <a:rPr lang="ru-RU" sz="2400" dirty="0" smtClean="0">
                     <a:latin typeface="Times New Roman" pitchFamily="18" charset="0"/>
                     <a:cs typeface="Times New Roman" pitchFamily="18" charset="0"/>
                   </a:rPr>
                   <a:t>, </a:t>
                 </a:r>
                 <a:r>
-                  <a:rPr lang="en-US" sz="2400" smtClean="0">
+                  <a:rPr lang="en-US" sz="2400" dirty="0" smtClean="0">
                     <a:latin typeface="Times New Roman" pitchFamily="18" charset="0"/>
                     <a:cs typeface="Times New Roman" pitchFamily="18" charset="0"/>
                   </a:rPr>
                   <a:t>@</a:t>
                 </a:r>
                 <a:r>
-                  <a:rPr lang="ru-RU" sz="2400" smtClean="0">
+                  <a:rPr lang="ru-RU" sz="2400" dirty="0" smtClean="0">
                     <a:latin typeface="Times New Roman" pitchFamily="18" charset="0"/>
                     <a:cs typeface="Times New Roman" pitchFamily="18" charset="0"/>
                   </a:rPr>
@@ -25831,9 +25911,9 @@
                 </a:endParaRPr>
               </a:p>
               <a:p>
-                <a:pPr marL="360000" lvl="1" indent="-342900" algn="just">
-                  <a:buFont typeface="Arial" pitchFamily="34" charset="0"/>
-                  <a:buChar char="•"/>
+                <a:pPr marL="361950" lvl="1" indent="-361950" algn="just">
+                  <a:buFont typeface="+mj-lt"/>
+                  <a:buAutoNum type="arabicPeriod"/>
                 </a:pPr>
                 <a:r>
                   <a:rPr lang="ru-RU" sz="2400" dirty="0" smtClean="0">
@@ -25855,33 +25935,26 @@
                 </a:endParaRPr>
               </a:p>
               <a:p>
-                <a:pPr marL="360000" lvl="1" indent="-342900" algn="just">
-                  <a:buFont typeface="Arial" pitchFamily="34" charset="0"/>
-                  <a:buChar char="•"/>
+                <a:pPr marL="361950" lvl="1" indent="-346075" algn="just">
+                  <a:buFont typeface="+mj-lt"/>
+                  <a:buAutoNum type="arabicPeriod"/>
                 </a:pPr>
                 <a:r>
                   <a:rPr lang="ru-RU" sz="2400" dirty="0" smtClean="0">
                     <a:latin typeface="Times New Roman" pitchFamily="18" charset="0"/>
                     <a:cs typeface="Times New Roman" pitchFamily="18" charset="0"/>
                   </a:rPr>
-                  <a:t>Замена лемм на тональные </a:t>
+                  <a:t>Замена лемм на тональные префиксы</a:t>
                 </a:r>
                 <a:r>
-                  <a:rPr lang="ru-RU" sz="2400" smtClean="0">
-                    <a:latin typeface="Times New Roman" pitchFamily="18" charset="0"/>
-                    <a:cs typeface="Times New Roman" pitchFamily="18" charset="0"/>
-                  </a:rPr>
-                  <a:t>префиксы</a:t>
-                </a:r>
-                <a:r>
-                  <a:rPr lang="en-US" sz="2400" smtClean="0">
+                  <a:rPr lang="en-US" sz="2400" dirty="0" smtClean="0">
                     <a:latin typeface="Times New Roman" pitchFamily="18" charset="0"/>
                     <a:cs typeface="Times New Roman" pitchFamily="18" charset="0"/>
                   </a:rPr>
                   <a:t>‘</a:t>
                 </a:r>
                 <a:r>
-                  <a:rPr lang="en-US" sz="2400" b="1" smtClean="0">
+                  <a:rPr lang="en-US" sz="2400" b="1" dirty="0" smtClean="0">
                     <a:solidFill>
                       <a:srgbClr val="34921E"/>
                     </a:solidFill>
@@ -25891,14 +25964,14 @@
                   <a:t>+</a:t>
                 </a:r>
                 <a:r>
-                  <a:rPr lang="en-US" sz="2400" smtClean="0">
+                  <a:rPr lang="en-US" sz="2400" dirty="0" smtClean="0">
                     <a:latin typeface="Times New Roman" pitchFamily="18" charset="0"/>
                     <a:cs typeface="Times New Roman" pitchFamily="18" charset="0"/>
                   </a:rPr>
                   <a:t>’,’</a:t>
                 </a:r>
                 <a:r>
-                  <a:rPr lang="en-US" sz="2400" smtClean="0">
+                  <a:rPr lang="en-US" sz="2400" dirty="0" smtClean="0">
                     <a:solidFill>
                       <a:srgbClr val="C00000"/>
                     </a:solidFill>
@@ -25908,16 +25981,12 @@
                   <a:t>–</a:t>
                 </a:r>
                 <a:r>
-                  <a:rPr lang="en-US" sz="2400" smtClean="0">
+                  <a:rPr lang="en-US" sz="2400" dirty="0" smtClean="0">
                     <a:latin typeface="Times New Roman" pitchFamily="18" charset="0"/>
                     <a:cs typeface="Times New Roman" pitchFamily="18" charset="0"/>
                   </a:rPr>
                   <a:t>’:</a:t>
                 </a:r>
-                <a:endParaRPr lang="en-US" sz="2400" dirty="0" smtClean="0">
-                  <a:latin typeface="Times New Roman" pitchFamily="18" charset="0"/>
-                  <a:cs typeface="Times New Roman" pitchFamily="18" charset="0"/>
-                </a:endParaRPr>
               </a:p>
               <a:p>
                 <a:pPr algn="ctr"/>
@@ -26007,8 +26076,8 @@
               </a:p>
               <a:p>
                 <a:pPr marL="360000" lvl="1" indent="-342900" algn="just">
-                  <a:buFont typeface="Arial" pitchFamily="34" charset="0"/>
-                  <a:buChar char="•"/>
+                  <a:buFont typeface="Wingdings" pitchFamily="2" charset="2"/>
+                  <a:buChar char="ü"/>
                 </a:pPr>
                 <a:r>
                   <a:rPr lang="ru-RU" sz="2400" dirty="0" smtClean="0">
@@ -26025,14 +26094,14 @@
                   <a:t> (</a:t>
                 </a:r>
                 <a:r>
-                  <a:rPr lang="ru-RU" sz="2400" smtClean="0">
+                  <a:rPr lang="ru-RU" sz="2400" dirty="0" smtClean="0">
                     <a:latin typeface="Times New Roman" pitchFamily="18" charset="0"/>
                     <a:cs typeface="Times New Roman" pitchFamily="18" charset="0"/>
                   </a:rPr>
                   <a:t>смайликов </a:t>
                 </a:r>
                 <a:r>
-                  <a:rPr lang="en-US" sz="2400" b="1" kern="0" smtClean="0">
+                  <a:rPr lang="en-US" sz="2400" b="1" kern="0" dirty="0" smtClean="0">
                     <a:solidFill>
                       <a:srgbClr val="34921E"/>
                     </a:solidFill>
@@ -26045,7 +26114,7 @@
                   <a:t></a:t>
                 </a:r>
                 <a:r>
-                  <a:rPr lang="en-US" sz="2400" kern="0" smtClean="0">
+                  <a:rPr lang="en-US" sz="2400" kern="0" dirty="0" smtClean="0">
                     <a:effectLst/>
                     <a:latin typeface="Times New Roman" pitchFamily="18" charset="0"/>
                     <a:ea typeface="+mn-ea"/>
@@ -26076,8 +26145,8 @@
               </a:p>
               <a:p>
                 <a:pPr marL="360000" lvl="1" indent="-342900" algn="just">
-                  <a:buFont typeface="Arial" pitchFamily="34" charset="0"/>
-                  <a:buChar char="•"/>
+                  <a:buFont typeface="Wingdings" pitchFamily="2" charset="2"/>
+                  <a:buChar char="ü"/>
                 </a:pPr>
                 <a:r>
                   <a:rPr lang="ru-RU" sz="2400" dirty="0" smtClean="0">
@@ -26100,30 +26169,19 @@
               </a:p>
               <a:p>
                 <a:pPr marL="360000" lvl="1" indent="-342900" algn="just">
-                  <a:buFont typeface="Arial" pitchFamily="34" charset="0"/>
-                  <a:buChar char="•"/>
+                  <a:buFont typeface="Wingdings" pitchFamily="2" charset="2"/>
+                  <a:buChar char="ü"/>
                 </a:pPr>
                 <a:r>
                   <a:rPr lang="ru-RU" sz="2400" dirty="0" smtClean="0">
                     <a:latin typeface="Times New Roman" pitchFamily="18" charset="0"/>
                     <a:cs typeface="Times New Roman" pitchFamily="18" charset="0"/>
                   </a:rPr>
-                  <a:t>Число подряд идущих </a:t>
-                </a:r>
-                <a:r>
-                  <a:rPr lang="ru-RU" sz="2400" smtClean="0">
-                    <a:latin typeface="Times New Roman" pitchFamily="18" charset="0"/>
-                    <a:cs typeface="Times New Roman" pitchFamily="18" charset="0"/>
-                  </a:rPr>
-                  <a:t>знаков </a:t>
-                </a:r>
-                <a:r>
-                  <a:rPr lang="ru-RU" sz="2400" cap="small" smtClean="0"/>
-                  <a:t>{'?', '…', </a:t>
+                  <a:t>Число подряд идущих знаков </a:t>
                 </a:r>
                 <a:r>
                   <a:rPr lang="ru-RU" sz="2400" cap="small" dirty="0" smtClean="0"/>
-                  <a:t>'!'}</a:t>
+                  <a:t>{'?', '…', '!'}</a:t>
                 </a:r>
                 <a:r>
                   <a:rPr lang="ru-RU" sz="2400" dirty="0" smtClean="0"/>
@@ -26132,8 +26190,8 @@
               </a:p>
               <a:p>
                 <a:pPr marL="360000" lvl="1" indent="-342900" algn="just">
-                  <a:buFont typeface="Arial" pitchFamily="34" charset="0"/>
-                  <a:buChar char="•"/>
+                  <a:buFont typeface="Wingdings" pitchFamily="2" charset="2"/>
+                  <a:buChar char="ü"/>
                 </a:pPr>
                 <a:r>
                   <a:rPr lang="ru-RU" sz="2400" dirty="0" smtClean="0">
@@ -26203,7 +26261,7 @@
                       <a:rPr lang="ru-RU" sz="2400" i="1">
                         <a:latin typeface="Cambria Math"/>
                       </a:rPr>
-                      <m:t>  </m:t>
+                      <m:t> </m:t>
                     </m:r>
                     <m:r>
                       <a:rPr lang="ru-RU" sz="2400" i="1">
@@ -26218,7 +26276,7 @@
                       <m:t>∈</m:t>
                     </m:r>
                     <m:r>
-                      <a:rPr lang="ru-RU" sz="2400" i="1">
+                      <a:rPr lang="en-US" sz="2400" b="0" i="1" smtClean="0">
                         <a:latin typeface="Cambria Math"/>
                       </a:rPr>
                       <m:t>𝑆</m:t>
@@ -26230,14 +26288,7 @@
                     <a:latin typeface="Times New Roman" pitchFamily="18" charset="0"/>
                     <a:cs typeface="Times New Roman" pitchFamily="18" charset="0"/>
                   </a:rPr>
-                  <a:t>,</a:t>
-                </a:r>
-                <a:r>
-                  <a:rPr lang="ru-RU" sz="2400" dirty="0" smtClean="0">
-                    <a:latin typeface="Times New Roman" pitchFamily="18" charset="0"/>
-                    <a:cs typeface="Times New Roman" pitchFamily="18" charset="0"/>
-                  </a:rPr>
-                  <a:t> термов </a:t>
+                  <a:t>, термов </a:t>
                 </a:r>
                 <a14:m>
                   <m:oMath xmlns:m="http://schemas.openxmlformats.org/officeDocument/2006/math">
@@ -26261,25 +26312,37 @@
                     <a:latin typeface="Times New Roman" pitchFamily="18" charset="0"/>
                     <a:cs typeface="Times New Roman" pitchFamily="18" charset="0"/>
                   </a:rPr>
-                  <a:t> составляющих сообщение и в входящих в лексикон </a:t>
+                  <a:t> составляющих сообщение и в входящих в </a:t>
+                </a:r>
+                <a:r>
+                  <a:rPr lang="ru-RU" sz="2400" dirty="0" smtClean="0">
+                    <a:latin typeface="Times New Roman" pitchFamily="18" charset="0"/>
+                    <a:cs typeface="Times New Roman" pitchFamily="18" charset="0"/>
+                  </a:rPr>
+                  <a:t>лексикон </a:t>
                 </a:r>
                 <a14:m>
                   <m:oMath xmlns:m="http://schemas.openxmlformats.org/officeDocument/2006/math">
                     <m:r>
-                      <a:rPr lang="ru-RU" sz="2400" i="1">
+                      <a:rPr lang="en-US" sz="2400" b="0" i="1" smtClean="0">
                         <a:latin typeface="Cambria Math"/>
+                        <a:cs typeface="Times New Roman" pitchFamily="18" charset="0"/>
                       </a:rPr>
                       <m:t>𝑆</m:t>
                     </m:r>
+                    <m:r>
+                      <a:rPr lang="en-US" sz="2400" b="0" i="0" smtClean="0">
+                        <a:latin typeface="Cambria Math"/>
+                        <a:cs typeface="Times New Roman" pitchFamily="18" charset="0"/>
+                      </a:rPr>
+                      <m:t>.</m:t>
+                    </m:r>
                   </m:oMath>
                 </a14:m>
-                <a:r>
-                  <a:rPr lang="en-US" sz="2400" dirty="0" smtClean="0">
-                    <a:latin typeface="Times New Roman" pitchFamily="18" charset="0"/>
-                    <a:cs typeface="Times New Roman" pitchFamily="18" charset="0"/>
-                  </a:rPr>
-                  <a:t>.</a:t>
-                </a:r>
+                <a:endParaRPr lang="en-US" sz="2400" dirty="0" smtClean="0">
+                  <a:latin typeface="Times New Roman" pitchFamily="18" charset="0"/>
+                  <a:cs typeface="Times New Roman" pitchFamily="18" charset="0"/>
+                </a:endParaRPr>
               </a:p>
             </p:txBody>
           </p:sp>
@@ -26295,8 +26358,8 @@
             </p:nvSpPr>
             <p:spPr>
               <a:xfrm>
-                <a:off x="7370657" y="10461579"/>
-                <a:ext cx="6691727" cy="7417415"/>
+                <a:off x="7370657" y="10245555"/>
+                <a:ext cx="6691727" cy="7476919"/>
               </a:xfrm>
               <a:prstGeom prst="rect">
                 <a:avLst/>
@@ -26304,7 +26367,7 @@
               <a:blipFill rotWithShape="1">
                 <a:blip r:embed="rId15"/>
                 <a:stretch>
-                  <a:fillRect l="-1366" t="-1561" r="-1457" b="-904"/>
+                  <a:fillRect l="-1366" t="-1550" r="-1457" b="-163"/>
                 </a:stretch>
               </a:blipFill>
             </p:spPr>
@@ -26331,7 +26394,7 @@
         </p:nvSpPr>
         <p:spPr>
           <a:xfrm>
-            <a:off x="14313601" y="24414485"/>
+            <a:off x="14275689" y="23716799"/>
             <a:ext cx="6687488" cy="2246769"/>
           </a:xfrm>
           <a:prstGeom prst="rect">
@@ -26377,14 +26440,21 @@
                 <a:latin typeface="Times New Roman" pitchFamily="18" charset="0"/>
                 <a:cs typeface="Times New Roman" pitchFamily="18" charset="0"/>
               </a:rPr>
-              <a:t>Наибольший прирост достигается для задачи </a:t>
+              <a:t>Наибольший прирост качества достигается для задачи </a:t>
+            </a:r>
+            <a:r>
+              <a:rPr lang="en-US" sz="2400" b="1" dirty="0" smtClean="0">
+                <a:latin typeface="Times New Roman" pitchFamily="18" charset="0"/>
+                <a:cs typeface="Times New Roman" pitchFamily="18" charset="0"/>
+              </a:rPr>
+              <a:t>BANK</a:t>
             </a:r>
             <a:r>
               <a:rPr lang="en-US" sz="2400" dirty="0" smtClean="0">
                 <a:latin typeface="Times New Roman" pitchFamily="18" charset="0"/>
                 <a:cs typeface="Times New Roman" pitchFamily="18" charset="0"/>
               </a:rPr>
-              <a:t>BANK</a:t>
+              <a:t>.</a:t>
             </a:r>
             <a:endParaRPr lang="ru-RU" sz="2400" dirty="0" smtClean="0">
               <a:latin typeface="Times New Roman" pitchFamily="18" charset="0"/>
@@ -26402,14 +26472,14 @@
           <p:nvPr>
             <p:extLst>
               <p:ext uri="{D42A27DB-BD31-4B8C-83A1-F6EECF244321}">
-                <p14:modId xmlns:p14="http://schemas.microsoft.com/office/powerpoint/2010/main" val="4279829326"/>
+                <p14:modId xmlns:p14="http://schemas.microsoft.com/office/powerpoint/2010/main" val="453991050"/>
               </p:ext>
             </p:extLst>
           </p:nvPr>
         </p:nvGraphicFramePr>
         <p:xfrm>
-          <a:off x="14362998" y="26657440"/>
-          <a:ext cx="6587205" cy="759898"/>
+          <a:off x="14455849" y="26229219"/>
+          <a:ext cx="6408712" cy="759898"/>
         </p:xfrm>
         <a:graphic>
           <a:graphicData uri="http://schemas.openxmlformats.org/drawingml/2006/table">
@@ -26418,9 +26488,9 @@
                 <a:tableStyleId>{2D5ABB26-0587-4C30-8999-92F81FD0307C}</a:tableStyleId>
               </a:tblPr>
               <a:tblGrid>
-                <a:gridCol w="2588367"/>
-                <a:gridCol w="2070561"/>
-                <a:gridCol w="1928277"/>
+                <a:gridCol w="2556414"/>
+                <a:gridCol w="2045001"/>
+                <a:gridCol w="1807297"/>
               </a:tblGrid>
               <a:tr h="0">
                 <a:tc>
@@ -26716,7 +26786,10 @@
                         </a:spcAft>
                       </a:pPr>
                       <a:r>
-                        <a:rPr lang="en-US" sz="2400" kern="150" dirty="0" smtClean="0">
+                        <a:rPr lang="en-US" sz="2400" b="1" kern="150" dirty="0" smtClean="0">
+                          <a:solidFill>
+                            <a:srgbClr val="34921E"/>
+                          </a:solidFill>
                           <a:effectLst/>
                           <a:latin typeface="Times New Roman" pitchFamily="18" charset="0"/>
                           <a:cs typeface="Times New Roman" pitchFamily="18" charset="0"/>
@@ -26724,30 +26797,42 @@
                         <a:t>+</a:t>
                       </a:r>
                       <a:r>
-                        <a:rPr lang="ru-RU" sz="2400" kern="150" dirty="0" smtClean="0">
+                        <a:rPr lang="ru-RU" sz="2400" b="1" kern="150" dirty="0" smtClean="0">
+                          <a:solidFill>
+                            <a:srgbClr val="34921E"/>
+                          </a:solidFill>
                           <a:effectLst/>
                           <a:latin typeface="Times New Roman" pitchFamily="18" charset="0"/>
                           <a:cs typeface="Times New Roman" pitchFamily="18" charset="0"/>
                         </a:rPr>
-                        <a:t>36</a:t>
+                        <a:t>36.</a:t>
                       </a:r>
                       <a:r>
-                        <a:rPr lang="en-US" sz="2400" kern="150" dirty="0" smtClean="0">
+                        <a:rPr lang="en-US" sz="2400" b="1" kern="150" dirty="0" smtClean="0">
+                          <a:solidFill>
+                            <a:srgbClr val="34921E"/>
+                          </a:solidFill>
                           <a:effectLst/>
                           <a:latin typeface="Times New Roman" pitchFamily="18" charset="0"/>
                           <a:cs typeface="Times New Roman" pitchFamily="18" charset="0"/>
                         </a:rPr>
-                        <a:t>,4</a:t>
+                        <a:t>4</a:t>
                       </a:r>
                       <a:r>
-                        <a:rPr lang="ru-RU" sz="2400" kern="150" dirty="0" smtClean="0">
+                        <a:rPr lang="ru-RU" sz="2400" b="1" kern="150" dirty="0" smtClean="0">
+                          <a:solidFill>
+                            <a:srgbClr val="34921E"/>
+                          </a:solidFill>
                           <a:effectLst/>
                           <a:latin typeface="Times New Roman" pitchFamily="18" charset="0"/>
                           <a:cs typeface="Times New Roman" pitchFamily="18" charset="0"/>
                         </a:rPr>
                         <a:t>%</a:t>
                       </a:r>
-                      <a:endParaRPr lang="ru-RU" sz="2400" kern="150" dirty="0">
+                      <a:endParaRPr lang="ru-RU" sz="2400" b="1" kern="150" dirty="0">
+                        <a:solidFill>
+                          <a:srgbClr val="34921E"/>
+                        </a:solidFill>
                         <a:effectLst/>
                         <a:latin typeface="Times New Roman" pitchFamily="18" charset="0"/>
                         <a:ea typeface="SimSun"/>
@@ -26805,16 +26890,46 @@
                         </a:spcAft>
                       </a:pPr>
                       <a:r>
-                        <a:rPr lang="en-US" sz="2400" kern="150" dirty="0" smtClean="0">
+                        <a:rPr lang="en-US" sz="2400" b="1" kern="150" dirty="0" smtClean="0">
+                          <a:solidFill>
+                            <a:srgbClr val="34921E"/>
+                          </a:solidFill>
                           <a:effectLst/>
                           <a:latin typeface="Times New Roman" pitchFamily="18" charset="0"/>
                           <a:ea typeface="SimSun"/>
                           <a:cs typeface="Times New Roman" pitchFamily="18" charset="0"/>
                         </a:rPr>
-                        <a:t>+12,</a:t>
+                        <a:t>+</a:t>
                       </a:r>
                       <a:r>
-                        <a:rPr lang="en-US" sz="2400" kern="150" baseline="0" dirty="0" smtClean="0">
+                        <a:rPr lang="en-US" sz="2400" b="1" kern="150" dirty="0" smtClean="0">
+                          <a:solidFill>
+                            <a:srgbClr val="34921E"/>
+                          </a:solidFill>
+                          <a:effectLst/>
+                          <a:latin typeface="Times New Roman" pitchFamily="18" charset="0"/>
+                          <a:ea typeface="SimSun"/>
+                          <a:cs typeface="Times New Roman" pitchFamily="18" charset="0"/>
+                        </a:rPr>
+                        <a:t>12</a:t>
+                      </a:r>
+                      <a:r>
+                        <a:rPr lang="ru-RU" sz="2400" b="1" kern="150" dirty="0" smtClean="0">
+                          <a:solidFill>
+                            <a:srgbClr val="34921E"/>
+                          </a:solidFill>
+                          <a:effectLst/>
+                          <a:latin typeface="Times New Roman" pitchFamily="18" charset="0"/>
+                          <a:ea typeface="SimSun"/>
+                          <a:cs typeface="Times New Roman" pitchFamily="18" charset="0"/>
+                        </a:rPr>
+                        <a:t>.</a:t>
+                      </a:r>
+                      <a:r>
+                        <a:rPr lang="en-US" sz="2400" b="1" kern="150" baseline="0" dirty="0" smtClean="0">
+                          <a:solidFill>
+                            <a:srgbClr val="34921E"/>
+                          </a:solidFill>
                           <a:effectLst/>
                           <a:latin typeface="Times New Roman" pitchFamily="18" charset="0"/>
                           <a:ea typeface="SimSun"/>
@@ -26823,7 +26938,10 @@
                         <a:t>4</a:t>
                       </a:r>
                       <a:r>
-                        <a:rPr lang="en-US" sz="2400" kern="150" dirty="0" smtClean="0">
+                        <a:rPr lang="en-US" sz="2400" b="1" kern="150" dirty="0" smtClean="0">
+                          <a:solidFill>
+                            <a:srgbClr val="34921E"/>
+                          </a:solidFill>
                           <a:effectLst/>
                           <a:latin typeface="Times New Roman" pitchFamily="18" charset="0"/>
                           <a:ea typeface="SimSun"/>
@@ -26831,7 +26949,10 @@
                         </a:rPr>
                         <a:t>%</a:t>
                       </a:r>
-                      <a:endParaRPr lang="ru-RU" sz="2400" kern="150" dirty="0">
+                      <a:endParaRPr lang="ru-RU" sz="2400" b="1" kern="150" dirty="0">
+                        <a:solidFill>
+                          <a:srgbClr val="34921E"/>
+                        </a:solidFill>
                         <a:effectLst/>
                         <a:latin typeface="Times New Roman" pitchFamily="18" charset="0"/>
                         <a:ea typeface="SimSun"/>
@@ -26999,8 +27120,8 @@
           </a:p>
         </p:txBody>
       </p:sp>
-      <mc:AlternateContent xmlns:mc="http://schemas.openxmlformats.org/markup-compatibility/2006">
-        <mc:Choice xmlns:a14="http://schemas.microsoft.com/office/drawing/2010/main" Requires="a14">
+      <mc:AlternateContent xmlns:mc="http://schemas.openxmlformats.org/markup-compatibility/2006" xmlns:a14="http://schemas.microsoft.com/office/drawing/2010/main">
+        <mc:Choice Requires="a14">
           <p:sp>
             <p:nvSpPr>
               <p:cNvPr id="75" name="TextBox 74"/>
@@ -27009,7 +27130,7 @@
             </p:nvSpPr>
             <p:spPr>
               <a:xfrm>
-                <a:off x="14360859" y="18785349"/>
+                <a:off x="14360859" y="18291636"/>
                 <a:ext cx="6687488" cy="2533642"/>
               </a:xfrm>
               <a:prstGeom prst="rect">
@@ -27024,8 +27145,8 @@
               <a:lstStyle/>
               <a:p>
                 <a:pPr marL="342900" lvl="0" indent="-342900" algn="just">
-                  <a:buFont typeface="Arial" pitchFamily="34" charset="0"/>
-                  <a:buChar char="•"/>
+                  <a:buFont typeface="Wingdings" pitchFamily="2" charset="2"/>
+                  <a:buChar char="Ø"/>
                 </a:pPr>
                 <a:r>
                   <a:rPr lang="ru-RU" sz="2400" u="sng" dirty="0" smtClean="0">
@@ -27055,14 +27176,7 @@
                         <a:latin typeface="Cambria Math"/>
                         <a:cs typeface="Times New Roman" pitchFamily="18" charset="0"/>
                       </a:rPr>
-                      <m:t>,</m:t>
-                    </m:r>
-                    <m:r>
-                      <a:rPr lang="en-US" sz="2400" i="1" u="sng" dirty="0" smtClean="0">
-                        <a:latin typeface="Cambria Math"/>
-                        <a:cs typeface="Times New Roman" pitchFamily="18" charset="0"/>
-                      </a:rPr>
-                      <m:t> </m:t>
+                      <m:t>, </m:t>
                     </m:r>
                     <m:r>
                       <a:rPr lang="en-US" sz="2400" i="1" u="sng" dirty="0" smtClean="0">
@@ -27136,6 +27250,66 @@
                     <a:cs typeface="Times New Roman" pitchFamily="18" charset="0"/>
                   </a:rPr>
                   <a:t>значений </a:t>
+                </a:r>
+                <a14:m>
+                  <m:oMath xmlns:m="http://schemas.openxmlformats.org/officeDocument/2006/math">
+                    <m:r>
+                      <a:rPr lang="en-US" sz="2400" b="0" i="1" smtClean="0">
+                        <a:latin typeface="Cambria Math"/>
+                        <a:cs typeface="Times New Roman" pitchFamily="18" charset="0"/>
+                      </a:rPr>
+                      <m:t>𝑆𝑂</m:t>
+                    </m:r>
+                    <m:r>
+                      <a:rPr lang="en-US" sz="2400" b="0" i="1" smtClean="0">
+                        <a:latin typeface="Cambria Math"/>
+                        <a:cs typeface="Times New Roman" pitchFamily="18" charset="0"/>
+                      </a:rPr>
+                      <m:t>(</m:t>
+                    </m:r>
+                    <m:sSub>
+                      <m:sSubPr>
+                        <m:ctrlPr>
+                          <a:rPr lang="en-US" sz="2400" b="0" i="1" smtClean="0">
+                            <a:latin typeface="Cambria Math"/>
+                            <a:cs typeface="Times New Roman" pitchFamily="18" charset="0"/>
+                          </a:rPr>
+                        </m:ctrlPr>
+                      </m:sSubPr>
+                      <m:e>
+                        <m:r>
+                          <a:rPr lang="en-US" sz="2400" b="0" i="1" smtClean="0">
+                            <a:latin typeface="Cambria Math"/>
+                            <a:cs typeface="Times New Roman" pitchFamily="18" charset="0"/>
+                          </a:rPr>
+                          <m:t>𝑡</m:t>
+                        </m:r>
+                      </m:e>
+                      <m:sub>
+                        <m:r>
+                          <a:rPr lang="en-US" sz="2400" b="0" i="1" smtClean="0">
+                            <a:latin typeface="Cambria Math"/>
+                            <a:cs typeface="Times New Roman" pitchFamily="18" charset="0"/>
+                          </a:rPr>
+                          <m:t>𝑖</m:t>
+                        </m:r>
+                      </m:sub>
+                    </m:sSub>
+                    <m:r>
+                      <a:rPr lang="en-US" sz="2400" b="0" i="1" smtClean="0">
+                        <a:latin typeface="Cambria Math"/>
+                        <a:cs typeface="Times New Roman" pitchFamily="18" charset="0"/>
+                      </a:rPr>
+                      <m:t>)</m:t>
+                    </m:r>
+                  </m:oMath>
+                </a14:m>
+                <a:r>
+                  <a:rPr lang="ru-RU" sz="2400" dirty="0" smtClean="0">
+                    <a:latin typeface="Times New Roman" pitchFamily="18" charset="0"/>
+                    <a:cs typeface="Times New Roman" pitchFamily="18" charset="0"/>
+                  </a:rPr>
+                  <a:t> </a:t>
                 </a:r>
                 <a:r>
                   <a:rPr lang="ru-RU" sz="2400" dirty="0">
@@ -27234,19 +27408,22 @@
                     <a:latin typeface="Times New Roman" pitchFamily="18" charset="0"/>
                     <a:cs typeface="Times New Roman" pitchFamily="18" charset="0"/>
                   </a:rPr>
-                  <a:t>по каждому из лексиконов</a:t>
+                  <a:t>по каждому из </a:t>
                 </a:r>
                 <a:r>
                   <a:rPr lang="ru-RU" sz="2400" dirty="0" smtClean="0">
                     <a:latin typeface="Times New Roman" pitchFamily="18" charset="0"/>
                     <a:cs typeface="Times New Roman" pitchFamily="18" charset="0"/>
                   </a:rPr>
-                  <a:t>.</a:t>
+                  <a:t>лексиконов</a:t>
                 </a:r>
-                <a:endParaRPr lang="en-US" sz="2400" dirty="0" smtClean="0">
-                  <a:latin typeface="Times New Roman" pitchFamily="18" charset="0"/>
-                  <a:cs typeface="Times New Roman" pitchFamily="18" charset="0"/>
-                </a:endParaRPr>
+                <a:r>
+                  <a:rPr lang="en-US" sz="2400" dirty="0" smtClean="0">
+                    <a:latin typeface="Times New Roman" pitchFamily="18" charset="0"/>
+                    <a:cs typeface="Times New Roman" pitchFamily="18" charset="0"/>
+                  </a:rPr>
+                  <a:t>:</a:t>
+                </a:r>
               </a:p>
               <a:p>
                 <a:pPr lvl="1" algn="just"/>
@@ -27412,13 +27589,7 @@
                       <a:rPr lang="en-US" sz="2400" b="0" i="1" smtClean="0">
                         <a:latin typeface="Cambria Math"/>
                       </a:rPr>
-                      <m:t>,</m:t>
-                    </m:r>
-                    <m:r>
-                      <a:rPr lang="en-US" sz="2400" b="0" i="1" smtClean="0">
-                        <a:latin typeface="Cambria Math"/>
-                      </a:rPr>
-                      <m:t> </m:t>
+                      <m:t>, </m:t>
                     </m:r>
                     <m:sSub>
                       <m:sSubPr>
@@ -27637,13 +27808,7 @@
                       <a:rPr lang="en-US" sz="2400" b="0" i="1" smtClean="0">
                         <a:latin typeface="Cambria Math"/>
                       </a:rPr>
-                      <m:t>,</m:t>
-                    </m:r>
-                    <m:r>
-                      <a:rPr lang="en-US" sz="2400" b="0" i="1" smtClean="0">
-                        <a:latin typeface="Cambria Math"/>
-                      </a:rPr>
-                      <m:t> </m:t>
+                      <m:t>, </m:t>
                     </m:r>
                     <m:sSub>
                       <m:sSubPr>
@@ -27695,7 +27860,7 @@
             </p:txBody>
           </p:sp>
         </mc:Choice>
-        <mc:Fallback>
+        <mc:Fallback xmlns="">
           <p:sp>
             <p:nvSpPr>
               <p:cNvPr id="75" name="TextBox 74"/>
@@ -27706,7 +27871,7 @@
             </p:nvSpPr>
             <p:spPr>
               <a:xfrm>
-                <a:off x="14360859" y="18785349"/>
+                <a:off x="14360859" y="18291636"/>
                 <a:ext cx="6687488" cy="2533642"/>
               </a:xfrm>
               <a:prstGeom prst="rect">
@@ -27742,8 +27907,8 @@
         </p:nvSpPr>
         <p:spPr>
           <a:xfrm>
-            <a:off x="14313601" y="27537741"/>
-            <a:ext cx="6724215" cy="1569660"/>
+            <a:off x="14284362" y="27251847"/>
+            <a:ext cx="6724215" cy="1631216"/>
           </a:xfrm>
           <a:prstGeom prst="rect">
             <a:avLst/>
@@ -27757,7 +27922,7 @@
           <a:lstStyle/>
           <a:p>
             <a:r>
-              <a:rPr lang="ru-RU" sz="2400" u="sng" dirty="0" smtClean="0">
+              <a:rPr lang="ru-RU" sz="2800" u="sng" dirty="0" smtClean="0">
                 <a:latin typeface="Times New Roman" pitchFamily="18" charset="0"/>
                 <a:cs typeface="Times New Roman" pitchFamily="18" charset="0"/>
               </a:rPr>
@@ -27773,8 +27938,8 @@
           </a:p>
           <a:p>
             <a:pPr marL="342900" indent="-342900">
-              <a:buFont typeface="Arial" pitchFamily="34" charset="0"/>
-              <a:buChar char="•"/>
+              <a:buFont typeface="Wingdings" pitchFamily="2" charset="2"/>
+              <a:buChar char="Ø"/>
             </a:pPr>
             <a:r>
               <a:rPr lang="ru-RU" sz="2400" dirty="0" smtClean="0">
@@ -27797,35 +27962,70 @@
           </a:p>
           <a:p>
             <a:pPr marL="342900" indent="-342900">
-              <a:buFont typeface="Arial" pitchFamily="34" charset="0"/>
-              <a:buChar char="•"/>
+              <a:buFont typeface="Wingdings" pitchFamily="2" charset="2"/>
+              <a:buChar char="Ø"/>
             </a:pPr>
             <a:r>
               <a:rPr lang="ru-RU" sz="2400" dirty="0" smtClean="0">
                 <a:latin typeface="Times New Roman" pitchFamily="18" charset="0"/>
                 <a:cs typeface="Times New Roman" pitchFamily="18" charset="0"/>
               </a:rPr>
-              <a:t>В вычисление признаков на основе лексиконов добавить зависимость от </a:t>
+              <a:t>В вычисление признаков на основе лексиконов</a:t>
             </a:r>
             <a:r>
               <a:rPr lang="en-US" sz="2400" dirty="0" smtClean="0">
                 <a:latin typeface="Times New Roman" pitchFamily="18" charset="0"/>
                 <a:cs typeface="Times New Roman" pitchFamily="18" charset="0"/>
               </a:rPr>
-              <a:t>TF-IDF </a:t>
+              <a:t>,</a:t>
             </a:r>
             <a:r>
               <a:rPr lang="ru-RU" sz="2400" dirty="0" smtClean="0">
                 <a:latin typeface="Times New Roman" pitchFamily="18" charset="0"/>
                 <a:cs typeface="Times New Roman" pitchFamily="18" charset="0"/>
               </a:rPr>
-              <a:t>весов.</a:t>
+              <a:t> с зависимость</a:t>
+            </a:r>
+            <a:r>
+              <a:rPr lang="ru-RU" sz="2400" dirty="0">
+                <a:latin typeface="Times New Roman" pitchFamily="18" charset="0"/>
+                <a:cs typeface="Times New Roman" pitchFamily="18" charset="0"/>
+              </a:rPr>
+              <a:t>ю</a:t>
+            </a:r>
+            <a:r>
+              <a:rPr lang="ru-RU" sz="2400" dirty="0" smtClean="0">
+                <a:latin typeface="Times New Roman" pitchFamily="18" charset="0"/>
+                <a:cs typeface="Times New Roman" pitchFamily="18" charset="0"/>
+              </a:rPr>
+              <a:t> от </a:t>
+            </a:r>
+            <a:r>
+              <a:rPr lang="en-US" sz="2400" i="1" dirty="0" smtClean="0">
+                <a:latin typeface="Times New Roman" pitchFamily="18" charset="0"/>
+                <a:cs typeface="Times New Roman" pitchFamily="18" charset="0"/>
+              </a:rPr>
+              <a:t>TF-IDF</a:t>
+            </a:r>
+            <a:r>
+              <a:rPr lang="en-US" sz="2400" dirty="0" smtClean="0">
+                <a:latin typeface="Times New Roman" pitchFamily="18" charset="0"/>
+                <a:cs typeface="Times New Roman" pitchFamily="18" charset="0"/>
+              </a:rPr>
+              <a:t> </a:t>
+            </a:r>
+            <a:r>
+              <a:rPr lang="ru-RU" sz="2400" dirty="0" smtClean="0">
+                <a:latin typeface="Times New Roman" pitchFamily="18" charset="0"/>
+                <a:cs typeface="Times New Roman" pitchFamily="18" charset="0"/>
+              </a:rPr>
+              <a:t>весов термов.</a:t>
             </a:r>
           </a:p>
         </p:txBody>
       </p:sp>
-      <mc:AlternateContent xmlns:mc="http://schemas.openxmlformats.org/markup-compatibility/2006">
-        <mc:Choice xmlns:a14="http://schemas.microsoft.com/office/drawing/2010/main" Requires="a14">
+      <mc:AlternateContent xmlns:mc="http://schemas.openxmlformats.org/markup-compatibility/2006" xmlns:a14="http://schemas.microsoft.com/office/drawing/2010/main">
+        <mc:Choice Requires="a14">
           <p:sp>
             <p:nvSpPr>
               <p:cNvPr id="81" name="TextBox 80"/>
@@ -27834,13 +28034,21 @@
             </p:nvSpPr>
             <p:spPr>
               <a:xfrm>
-                <a:off x="14298480" y="14189929"/>
+                <a:off x="14298480" y="13696216"/>
                 <a:ext cx="6696741" cy="2308324"/>
               </a:xfrm>
               <a:prstGeom prst="rect">
                 <a:avLst/>
               </a:prstGeom>
               <a:noFill/>
+              <a:ln>
+                <a:solidFill>
+                  <a:schemeClr val="bg1">
+                    <a:lumMod val="85000"/>
+                    <a:alpha val="0"/>
+                  </a:schemeClr>
+                </a:solidFill>
+              </a:ln>
             </p:spPr>
             <p:txBody>
               <a:bodyPr wrap="square" rtlCol="0">
@@ -27855,11 +28063,11 @@
                 <a14:m>
                   <m:oMath xmlns:m="http://schemas.openxmlformats.org/officeDocument/2006/math">
                     <m:r>
-                      <a:rPr lang="en-US" sz="2400" b="0" i="1" smtClean="0">
+                      <a:rPr lang="en-US" sz="2400" b="1" i="1" smtClean="0">
                         <a:latin typeface="Cambria Math"/>
                         <a:cs typeface="Times New Roman" pitchFamily="18" charset="0"/>
                       </a:rPr>
-                      <m:t>𝑏</m:t>
+                      <m:t>𝒃</m:t>
                     </m:r>
                   </m:oMath>
                 </a14:m>
@@ -27868,21 +28076,14 @@
                     <a:latin typeface="Times New Roman" pitchFamily="18" charset="0"/>
                     <a:cs typeface="Times New Roman" pitchFamily="18" charset="0"/>
                   </a:rPr>
-                  <a:t> – </a:t>
-                </a:r>
-                <a:r>
-                  <a:rPr lang="en-US" sz="2400" b="1" dirty="0" smtClean="0">
-                    <a:latin typeface="Times New Roman" pitchFamily="18" charset="0"/>
-                    <a:cs typeface="Times New Roman" pitchFamily="18" charset="0"/>
-                  </a:rPr>
-                  <a:t>baseline</a:t>
+                  <a:t> –</a:t>
                 </a:r>
                 <a:r>
                   <a:rPr lang="ru-RU" sz="2400" dirty="0" smtClean="0">
                     <a:latin typeface="Times New Roman" pitchFamily="18" charset="0"/>
                     <a:cs typeface="Times New Roman" pitchFamily="18" charset="0"/>
                   </a:rPr>
-                  <a:t> результаты, относительно которых отмечается изменение качества.</a:t>
+                  <a:t> нижний порог результаты, относительно которого отмечается изменение качества.</a:t>
                 </a:r>
                 <a:endParaRPr lang="en-US" sz="2400" dirty="0" smtClean="0">
                   <a:latin typeface="Times New Roman" pitchFamily="18" charset="0"/>
@@ -27891,36 +28092,33 @@
               </a:p>
               <a:p>
                 <a:pPr marL="342900" indent="-342900" algn="just">
-                  <a:buFont typeface="Arial" pitchFamily="34" charset="0"/>
-                  <a:buChar char="•"/>
+                  <a:buFont typeface="Wingdings" pitchFamily="2" charset="2"/>
+                  <a:buChar char="Ø"/>
                 </a:pPr>
                 <a:r>
                   <a:rPr lang="ru-RU" sz="2400" dirty="0" smtClean="0">
                     <a:latin typeface="Times New Roman" pitchFamily="18" charset="0"/>
                     <a:cs typeface="Times New Roman" pitchFamily="18" charset="0"/>
                   </a:rPr>
-                  <a:t>Настройка </a:t>
+                  <a:t>Настройка параметра </a:t>
                 </a:r>
+                <a14:m>
+                  <m:oMath xmlns:m="http://schemas.openxmlformats.org/officeDocument/2006/math">
+                    <m:r>
+                      <a:rPr lang="en-US" sz="2400" i="1" dirty="0" smtClean="0">
+                        <a:latin typeface="Cambria Math"/>
+                        <a:cs typeface="Times New Roman" pitchFamily="18" charset="0"/>
+                      </a:rPr>
+                      <m:t>𝐶</m:t>
+                    </m:r>
+                  </m:oMath>
+                </a14:m>
                 <a:r>
                   <a:rPr lang="ru-RU" sz="2400" dirty="0" smtClean="0">
                     <a:latin typeface="Times New Roman" pitchFamily="18" charset="0"/>
                     <a:cs typeface="Times New Roman" pitchFamily="18" charset="0"/>
                   </a:rPr>
-                  <a:t>параметра </a:t>
-                </a:r>
-                <a:r>
-                  <a:rPr lang="en-US" sz="2400" dirty="0" smtClean="0">
-                    <a:latin typeface="Times New Roman" pitchFamily="18" charset="0"/>
-                    <a:cs typeface="Times New Roman" pitchFamily="18" charset="0"/>
-                  </a:rPr>
-                  <a:t>C</a:t>
-                </a:r>
-                <a:r>
-                  <a:rPr lang="ru-RU" sz="2400" dirty="0" smtClean="0">
-                    <a:latin typeface="Times New Roman" pitchFamily="18" charset="0"/>
-                    <a:cs typeface="Times New Roman" pitchFamily="18" charset="0"/>
-                  </a:rPr>
-                  <a:t> штрафной функции </a:t>
+                  <a:t> – штрафной функции </a:t>
                 </a:r>
                 <a:r>
                   <a:rPr lang="en-US" sz="2400" dirty="0" smtClean="0">
@@ -27992,7 +28190,7 @@
             </p:txBody>
           </p:sp>
         </mc:Choice>
-        <mc:Fallback>
+        <mc:Fallback xmlns="">
           <p:sp>
             <p:nvSpPr>
               <p:cNvPr id="81" name="TextBox 80"/>
@@ -28003,7 +28201,7 @@
             </p:nvSpPr>
             <p:spPr>
               <a:xfrm>
-                <a:off x="14298480" y="14189929"/>
+                <a:off x="14298480" y="13696216"/>
                 <a:ext cx="6696741" cy="2308324"/>
               </a:xfrm>
               <a:prstGeom prst="rect">
@@ -28012,7 +28210,186 @@
               <a:blipFill rotWithShape="1">
                 <a:blip r:embed="rId17"/>
                 <a:stretch>
-                  <a:fillRect l="-1275" t="-2116" r="-1457"/>
+                  <a:fillRect l="-1182" t="-1842" r="-1364"/>
+                </a:stretch>
+              </a:blipFill>
+              <a:ln>
+                <a:solidFill>
+                  <a:schemeClr val="bg1">
+                    <a:lumMod val="85000"/>
+                    <a:alpha val="0"/>
+                  </a:schemeClr>
+                </a:solidFill>
+              </a:ln>
+            </p:spPr>
+            <p:txBody>
+              <a:bodyPr/>
+              <a:lstStyle/>
+              <a:p>
+                <a:r>
+                  <a:rPr lang="ru-RU">
+                    <a:noFill/>
+                  </a:rPr>
+                  <a:t> </a:t>
+                </a:r>
+              </a:p>
+            </p:txBody>
+          </p:sp>
+        </mc:Fallback>
+      </mc:AlternateContent>
+      <p:pic>
+        <p:nvPicPr>
+          <p:cNvPr id="1033" name="Picture 9" descr="http://www.dialog-21.ru/media/1001/logo-2016.png"/>
+          <p:cNvPicPr>
+            <a:picLocks noChangeAspect="1" noChangeArrowheads="1"/>
+          </p:cNvPicPr>
+          <p:nvPr/>
+        </p:nvPicPr>
+        <p:blipFill>
+          <a:blip r:embed="rId18">
+            <a:extLst>
+              <a:ext uri="{28A0092B-C50C-407E-A947-70E740481C1C}">
+                <a14:useLocalDpi xmlns:a14="http://schemas.microsoft.com/office/drawing/2010/main" val="0"/>
+              </a:ext>
+            </a:extLst>
+          </a:blip>
+          <a:srcRect/>
+          <a:stretch>
+            <a:fillRect/>
+          </a:stretch>
+        </p:blipFill>
+        <p:spPr bwMode="auto">
+          <a:xfrm>
+            <a:off x="7231393" y="29253555"/>
+            <a:ext cx="6648392" cy="777087"/>
+          </a:xfrm>
+          <a:prstGeom prst="rect">
+            <a:avLst/>
+          </a:prstGeom>
+          <a:noFill/>
+          <a:extLst>
+            <a:ext uri="{909E8E84-426E-40DD-AFC4-6F175D3DCCD1}">
+              <a14:hiddenFill xmlns:a14="http://schemas.microsoft.com/office/drawing/2010/main">
+                <a:solidFill>
+                  <a:srgbClr val="FFFFFF"/>
+                </a:solidFill>
+              </a14:hiddenFill>
+            </a:ext>
+          </a:extLst>
+        </p:spPr>
+      </p:pic>
+      <mc:AlternateContent xmlns:mc="http://schemas.openxmlformats.org/markup-compatibility/2006" xmlns:a14="http://schemas.microsoft.com/office/drawing/2010/main">
+        <mc:Choice Requires="a14">
+          <p:sp>
+            <p:nvSpPr>
+              <p:cNvPr id="43" name="TextBox 42"/>
+              <p:cNvSpPr txBox="1"/>
+              <p:nvPr/>
+            </p:nvSpPr>
+            <p:spPr>
+              <a:xfrm>
+                <a:off x="14311833" y="11899627"/>
+                <a:ext cx="6687488" cy="830997"/>
+              </a:xfrm>
+              <a:prstGeom prst="rect">
+                <a:avLst/>
+              </a:prstGeom>
+              <a:noFill/>
+            </p:spPr>
+            <p:txBody>
+              <a:bodyPr wrap="square" rtlCol="0">
+                <a:spAutoFit/>
+              </a:bodyPr>
+              <a:lstStyle/>
+              <a:p>
+                <a:pPr marL="342900" indent="-342900" algn="just">
+                  <a:buFont typeface="Wingdings" pitchFamily="2" charset="2"/>
+                  <a:buChar char="Ø"/>
+                </a:pPr>
+                <a:r>
+                  <a:rPr lang="ru-RU" sz="2400" dirty="0" smtClean="0">
+                    <a:latin typeface="Times New Roman" pitchFamily="18" charset="0"/>
+                    <a:cs typeface="Times New Roman" pitchFamily="18" charset="0"/>
+                  </a:rPr>
+                  <a:t>Обучение на коллекции </a:t>
+                </a:r>
+                <a14:m>
+                  <m:oMath xmlns:m="http://schemas.openxmlformats.org/officeDocument/2006/math">
+                    <m:r>
+                      <a:rPr lang="ru-RU" sz="2400" b="0" i="1" smtClean="0">
+                        <a:latin typeface="Cambria Math"/>
+                        <a:cs typeface="Times New Roman" pitchFamily="18" charset="0"/>
+                      </a:rPr>
+                      <m:t>𝛽</m:t>
+                    </m:r>
+                  </m:oMath>
+                </a14:m>
+                <a:r>
+                  <a:rPr lang="ru-RU" sz="2400" b="1" dirty="0" smtClean="0">
+                    <a:latin typeface="Times New Roman" pitchFamily="18" charset="0"/>
+                    <a:cs typeface="Times New Roman" pitchFamily="18" charset="0"/>
+                  </a:rPr>
+                  <a:t> </a:t>
+                </a:r>
+                <a:r>
+                  <a:rPr lang="ru-RU" sz="2400" b="1" dirty="0" smtClean="0">
+                    <a:solidFill>
+                      <a:srgbClr val="34921E"/>
+                    </a:solidFill>
+                    <a:latin typeface="Times New Roman" pitchFamily="18" charset="0"/>
+                    <a:cs typeface="Times New Roman" pitchFamily="18" charset="0"/>
+                  </a:rPr>
+                  <a:t>показывает прирост оценки</a:t>
+                </a:r>
+                <a:r>
+                  <a:rPr lang="en-US" sz="2400" b="1" dirty="0" smtClean="0">
+                    <a:solidFill>
+                      <a:srgbClr val="00B050"/>
+                    </a:solidFill>
+                    <a:latin typeface="Times New Roman" pitchFamily="18" charset="0"/>
+                    <a:cs typeface="Times New Roman" pitchFamily="18" charset="0"/>
+                  </a:rPr>
+                  <a:t> </a:t>
+                </a:r>
+                <a:r>
+                  <a:rPr lang="en-US" sz="2400" dirty="0" smtClean="0">
+                    <a:latin typeface="Times New Roman" pitchFamily="18" charset="0"/>
+                    <a:cs typeface="Times New Roman" pitchFamily="18" charset="0"/>
+                  </a:rPr>
+                  <a:t>(</a:t>
+                </a:r>
+                <a:r>
+                  <a:rPr lang="ru-RU" sz="2400" dirty="0" smtClean="0">
+                    <a:latin typeface="Times New Roman" pitchFamily="18" charset="0"/>
+                    <a:cs typeface="Times New Roman" pitchFamily="18" charset="0"/>
+                  </a:rPr>
+                  <a:t>правый столбец).</a:t>
+                </a:r>
+              </a:p>
+            </p:txBody>
+          </p:sp>
+        </mc:Choice>
+        <mc:Fallback xmlns="">
+          <p:sp>
+            <p:nvSpPr>
+              <p:cNvPr id="43" name="TextBox 42"/>
+              <p:cNvSpPr txBox="1">
+                <a:spLocks noRot="1" noChangeAspect="1" noMove="1" noResize="1" noEditPoints="1" noAdjustHandles="1" noChangeArrowheads="1" noChangeShapeType="1" noTextEdit="1"/>
+              </p:cNvSpPr>
+              <p:nvPr/>
+            </p:nvSpPr>
+            <p:spPr>
+              <a:xfrm>
+                <a:off x="14311833" y="11899627"/>
+                <a:ext cx="6687488" cy="830997"/>
+              </a:xfrm>
+              <a:prstGeom prst="rect">
+                <a:avLst/>
+              </a:prstGeom>
+              <a:blipFill rotWithShape="1">
+                <a:blip r:embed="rId19"/>
+                <a:stretch>
+                  <a:fillRect l="-1276" t="-5882" r="-1367" b="-16176"/>
                 </a:stretch>
               </a:blipFill>
             </p:spPr>
